--- a/note/note.pptx
+++ b/note/note.pptx
@@ -5,7 +5,7 @@
     <p:sldMasterId id="2147483648" r:id="rId1"/>
   </p:sldMasterIdLst>
   <p:notesMasterIdLst>
-    <p:notesMasterId r:id="rId15"/>
+    <p:notesMasterId r:id="rId17"/>
   </p:notesMasterIdLst>
   <p:sldIdLst>
     <p:sldId id="257" r:id="rId2"/>
@@ -19,8 +19,10 @@
     <p:sldId id="266" r:id="rId10"/>
     <p:sldId id="267" r:id="rId11"/>
     <p:sldId id="268" r:id="rId12"/>
-    <p:sldId id="269" r:id="rId13"/>
-    <p:sldId id="263" r:id="rId14"/>
+    <p:sldId id="270" r:id="rId13"/>
+    <p:sldId id="271" r:id="rId14"/>
+    <p:sldId id="269" r:id="rId15"/>
+    <p:sldId id="263" r:id="rId16"/>
   </p:sldIdLst>
   <p:sldSz cx="12192000" cy="6858000"/>
   <p:notesSz cx="6858000" cy="9144000"/>
@@ -4362,7 +4364,7 @@
         <p:spPr>
           <a:xfrm>
             <a:off x="258184" y="247427"/>
-            <a:ext cx="3946914" cy="369332"/>
+            <a:ext cx="2331087" cy="369332"/>
           </a:xfrm>
           <a:prstGeom prst="rect">
             <a:avLst/>
@@ -4381,7 +4383,7 @@
                   <a:srgbClr val="C00000"/>
                 </a:solidFill>
               </a:rPr>
-              <a:t>Lessoin_4</a:t>
+              <a:t>Lessoin_5</a:t>
             </a:r>
             <a:r>
               <a:rPr lang="zh-CN" altLang="en-US" b="1" dirty="0">
@@ -4389,7 +4391,7 @@
                   <a:srgbClr val="C00000"/>
                 </a:solidFill>
               </a:rPr>
-              <a:t>：变换、坐标系统与摄像机</a:t>
+              <a:t>：坐标系统</a:t>
             </a:r>
           </a:p>
         </p:txBody>
@@ -5266,7 +5268,7 @@
         <p:spPr>
           <a:xfrm>
             <a:off x="258184" y="247427"/>
-            <a:ext cx="3946914" cy="369332"/>
+            <a:ext cx="2331087" cy="369332"/>
           </a:xfrm>
           <a:prstGeom prst="rect">
             <a:avLst/>
@@ -5285,7 +5287,7 @@
                   <a:srgbClr val="C00000"/>
                 </a:solidFill>
               </a:rPr>
-              <a:t>Lessoin_4</a:t>
+              <a:t>Lessoin_5</a:t>
             </a:r>
             <a:r>
               <a:rPr lang="zh-CN" altLang="en-US" b="1" dirty="0">
@@ -5293,7 +5295,7 @@
                   <a:srgbClr val="C00000"/>
                 </a:solidFill>
               </a:rPr>
-              <a:t>：变换、坐标系统与摄像机</a:t>
+              <a:t>：坐标系统</a:t>
             </a:r>
           </a:p>
         </p:txBody>
@@ -5766,6 +5768,1613 @@
         <p:spPr>
           <a:xfrm>
             <a:off x="258184" y="247427"/>
+            <a:ext cx="2100255" cy="369332"/>
+          </a:xfrm>
+          <a:prstGeom prst="rect">
+            <a:avLst/>
+          </a:prstGeom>
+          <a:noFill/>
+        </p:spPr>
+        <p:txBody>
+          <a:bodyPr wrap="none" rtlCol="0">
+            <a:spAutoFit/>
+          </a:bodyPr>
+          <a:lstStyle/>
+          <a:p>
+            <a:r>
+              <a:rPr lang="en-US" altLang="zh-CN" b="1" dirty="0">
+                <a:solidFill>
+                  <a:srgbClr val="C00000"/>
+                </a:solidFill>
+              </a:rPr>
+              <a:t>Lessoin_6</a:t>
+            </a:r>
+            <a:r>
+              <a:rPr lang="zh-CN" altLang="en-US" b="1" dirty="0">
+                <a:solidFill>
+                  <a:srgbClr val="C00000"/>
+                </a:solidFill>
+              </a:rPr>
+              <a:t>：摄像机</a:t>
+            </a:r>
+          </a:p>
+        </p:txBody>
+      </p:sp>
+      <p:sp>
+        <p:nvSpPr>
+          <p:cNvPr id="6" name="文本框 5">
+            <a:extLst>
+              <a:ext uri="{FF2B5EF4-FFF2-40B4-BE49-F238E27FC236}">
+                <a16:creationId xmlns:a16="http://schemas.microsoft.com/office/drawing/2014/main" id="{F28842E0-A22D-6DC7-6270-CD4B58412C13}"/>
+              </a:ext>
+            </a:extLst>
+          </p:cNvPr>
+          <p:cNvSpPr txBox="1"/>
+          <p:nvPr/>
+        </p:nvSpPr>
+        <p:spPr>
+          <a:xfrm>
+            <a:off x="742278" y="1054249"/>
+            <a:ext cx="1394934" cy="369332"/>
+          </a:xfrm>
+          <a:prstGeom prst="rect">
+            <a:avLst/>
+          </a:prstGeom>
+          <a:noFill/>
+        </p:spPr>
+        <p:txBody>
+          <a:bodyPr wrap="none" rtlCol="0">
+            <a:spAutoFit/>
+          </a:bodyPr>
+          <a:lstStyle/>
+          <a:p>
+            <a:r>
+              <a:rPr lang="en-US" altLang="zh-CN" b="1" dirty="0" err="1"/>
+              <a:t>LookAt</a:t>
+            </a:r>
+            <a:r>
+              <a:rPr lang="zh-CN" altLang="en-US" b="1" dirty="0"/>
+              <a:t>矩阵</a:t>
+            </a:r>
+          </a:p>
+        </p:txBody>
+      </p:sp>
+      <p:pic>
+        <p:nvPicPr>
+          <p:cNvPr id="14" name="图片 13">
+            <a:extLst>
+              <a:ext uri="{FF2B5EF4-FFF2-40B4-BE49-F238E27FC236}">
+                <a16:creationId xmlns:a16="http://schemas.microsoft.com/office/drawing/2014/main" id="{7CCEDEA8-AC0C-B005-3CC8-7B856D17DD7F}"/>
+              </a:ext>
+            </a:extLst>
+          </p:cNvPr>
+          <p:cNvPicPr>
+            <a:picLocks noChangeAspect="1"/>
+          </p:cNvPicPr>
+          <p:nvPr/>
+        </p:nvPicPr>
+        <p:blipFill>
+          <a:blip r:embed="rId2"/>
+          <a:stretch>
+            <a:fillRect/>
+          </a:stretch>
+        </p:blipFill>
+        <p:spPr>
+          <a:xfrm>
+            <a:off x="143369" y="1511227"/>
+            <a:ext cx="8183117" cy="4782217"/>
+          </a:xfrm>
+          <a:prstGeom prst="rect">
+            <a:avLst/>
+          </a:prstGeom>
+        </p:spPr>
+      </p:pic>
+      <p:cxnSp>
+        <p:nvCxnSpPr>
+          <p:cNvPr id="17" name="直接连接符 16">
+            <a:extLst>
+              <a:ext uri="{FF2B5EF4-FFF2-40B4-BE49-F238E27FC236}">
+                <a16:creationId xmlns:a16="http://schemas.microsoft.com/office/drawing/2014/main" id="{F0B51728-9A07-1282-7E55-27F26485119A}"/>
+              </a:ext>
+            </a:extLst>
+          </p:cNvPr>
+          <p:cNvCxnSpPr/>
+          <p:nvPr/>
+        </p:nvCxnSpPr>
+        <p:spPr>
+          <a:xfrm>
+            <a:off x="8788996" y="355006"/>
+            <a:ext cx="0" cy="6046017"/>
+          </a:xfrm>
+          <a:prstGeom prst="line">
+            <a:avLst/>
+          </a:prstGeom>
+        </p:spPr>
+        <p:style>
+          <a:lnRef idx="1">
+            <a:schemeClr val="accent1"/>
+          </a:lnRef>
+          <a:fillRef idx="0">
+            <a:schemeClr val="accent1"/>
+          </a:fillRef>
+          <a:effectRef idx="0">
+            <a:schemeClr val="accent1"/>
+          </a:effectRef>
+          <a:fontRef idx="minor">
+            <a:schemeClr val="tx1"/>
+          </a:fontRef>
+        </p:style>
+      </p:cxnSp>
+      <p:sp>
+        <p:nvSpPr>
+          <p:cNvPr id="18" name="文本框 17">
+            <a:extLst>
+              <a:ext uri="{FF2B5EF4-FFF2-40B4-BE49-F238E27FC236}">
+                <a16:creationId xmlns:a16="http://schemas.microsoft.com/office/drawing/2014/main" id="{A472E06D-0F87-CA7D-EA34-58BC5A4A029F}"/>
+              </a:ext>
+            </a:extLst>
+          </p:cNvPr>
+          <p:cNvSpPr txBox="1"/>
+          <p:nvPr/>
+        </p:nvSpPr>
+        <p:spPr>
+          <a:xfrm>
+            <a:off x="8947712" y="1010492"/>
+            <a:ext cx="1107996" cy="369332"/>
+          </a:xfrm>
+          <a:prstGeom prst="rect">
+            <a:avLst/>
+          </a:prstGeom>
+          <a:noFill/>
+        </p:spPr>
+        <p:txBody>
+          <a:bodyPr wrap="none" rtlCol="0">
+            <a:spAutoFit/>
+          </a:bodyPr>
+          <a:lstStyle/>
+          <a:p>
+            <a:r>
+              <a:rPr lang="zh-CN" altLang="en-US" b="1" dirty="0"/>
+              <a:t>横移效果</a:t>
+            </a:r>
+          </a:p>
+        </p:txBody>
+      </p:sp>
+      <p:grpSp>
+        <p:nvGrpSpPr>
+          <p:cNvPr id="44" name="组合 43">
+            <a:extLst>
+              <a:ext uri="{FF2B5EF4-FFF2-40B4-BE49-F238E27FC236}">
+                <a16:creationId xmlns:a16="http://schemas.microsoft.com/office/drawing/2014/main" id="{6EF55731-7CC5-6E7B-0BC4-7CD827E5B6D9}"/>
+              </a:ext>
+            </a:extLst>
+          </p:cNvPr>
+          <p:cNvGrpSpPr/>
+          <p:nvPr/>
+        </p:nvGrpSpPr>
+        <p:grpSpPr>
+          <a:xfrm>
+            <a:off x="9352487" y="1892227"/>
+            <a:ext cx="2402962" cy="2203365"/>
+            <a:chOff x="9352487" y="1511227"/>
+            <a:chExt cx="2402962" cy="2203365"/>
+          </a:xfrm>
+        </p:grpSpPr>
+        <p:grpSp>
+          <p:nvGrpSpPr>
+            <p:cNvPr id="36" name="组合 35">
+              <a:extLst>
+                <a:ext uri="{FF2B5EF4-FFF2-40B4-BE49-F238E27FC236}">
+                  <a16:creationId xmlns:a16="http://schemas.microsoft.com/office/drawing/2014/main" id="{87F0E6D3-1F97-7BE5-8EBD-FB667381C57E}"/>
+                </a:ext>
+              </a:extLst>
+            </p:cNvPr>
+            <p:cNvGrpSpPr/>
+            <p:nvPr/>
+          </p:nvGrpSpPr>
+          <p:grpSpPr>
+            <a:xfrm>
+              <a:off x="9482845" y="1511227"/>
+              <a:ext cx="618565" cy="1930998"/>
+              <a:chOff x="9859383" y="2361306"/>
+              <a:chExt cx="618565" cy="1930998"/>
+            </a:xfrm>
+          </p:grpSpPr>
+          <p:cxnSp>
+            <p:nvCxnSpPr>
+              <p:cNvPr id="22" name="直接箭头连接符 21">
+                <a:extLst>
+                  <a:ext uri="{FF2B5EF4-FFF2-40B4-BE49-F238E27FC236}">
+                    <a16:creationId xmlns:a16="http://schemas.microsoft.com/office/drawing/2014/main" id="{F4F4A6EE-E062-C892-E0E5-A9C03FF8BD95}"/>
+                  </a:ext>
+                </a:extLst>
+              </p:cNvPr>
+              <p:cNvCxnSpPr>
+                <a:cxnSpLocks/>
+              </p:cNvCxnSpPr>
+              <p:nvPr/>
+            </p:nvCxnSpPr>
+            <p:spPr>
+              <a:xfrm>
+                <a:off x="9929308" y="2958356"/>
+                <a:ext cx="0" cy="1312433"/>
+              </a:xfrm>
+              <a:prstGeom prst="straightConnector1">
+                <a:avLst/>
+              </a:prstGeom>
+              <a:ln>
+                <a:tailEnd type="triangle"/>
+              </a:ln>
+            </p:spPr>
+            <p:style>
+              <a:lnRef idx="1">
+                <a:schemeClr val="accent1"/>
+              </a:lnRef>
+              <a:fillRef idx="0">
+                <a:schemeClr val="accent1"/>
+              </a:fillRef>
+              <a:effectRef idx="0">
+                <a:schemeClr val="accent1"/>
+              </a:effectRef>
+              <a:fontRef idx="minor">
+                <a:schemeClr val="tx1"/>
+              </a:fontRef>
+            </p:style>
+          </p:cxnSp>
+          <p:cxnSp>
+            <p:nvCxnSpPr>
+              <p:cNvPr id="24" name="直接箭头连接符 23">
+                <a:extLst>
+                  <a:ext uri="{FF2B5EF4-FFF2-40B4-BE49-F238E27FC236}">
+                    <a16:creationId xmlns:a16="http://schemas.microsoft.com/office/drawing/2014/main" id="{FC730D2A-40C6-2E1A-7090-D2D19FDA34EE}"/>
+                  </a:ext>
+                </a:extLst>
+              </p:cNvPr>
+              <p:cNvCxnSpPr/>
+              <p:nvPr/>
+            </p:nvCxnSpPr>
+            <p:spPr>
+              <a:xfrm>
+                <a:off x="9929308" y="4281546"/>
+                <a:ext cx="548640" cy="0"/>
+              </a:xfrm>
+              <a:prstGeom prst="straightConnector1">
+                <a:avLst/>
+              </a:prstGeom>
+              <a:ln>
+                <a:tailEnd type="triangle"/>
+              </a:ln>
+            </p:spPr>
+            <p:style>
+              <a:lnRef idx="1">
+                <a:schemeClr val="accent1"/>
+              </a:lnRef>
+              <a:fillRef idx="0">
+                <a:schemeClr val="accent1"/>
+              </a:fillRef>
+              <a:effectRef idx="0">
+                <a:schemeClr val="accent1"/>
+              </a:effectRef>
+              <a:fontRef idx="minor">
+                <a:schemeClr val="tx1"/>
+              </a:fontRef>
+            </p:style>
+          </p:cxnSp>
+          <p:cxnSp>
+            <p:nvCxnSpPr>
+              <p:cNvPr id="27" name="直接箭头连接符 26">
+                <a:extLst>
+                  <a:ext uri="{FF2B5EF4-FFF2-40B4-BE49-F238E27FC236}">
+                    <a16:creationId xmlns:a16="http://schemas.microsoft.com/office/drawing/2014/main" id="{C5F416F0-959F-D3B3-CB0E-379A9744C720}"/>
+                  </a:ext>
+                </a:extLst>
+              </p:cNvPr>
+              <p:cNvCxnSpPr>
+                <a:cxnSpLocks/>
+                <a:stCxn id="35" idx="4"/>
+              </p:cNvCxnSpPr>
+              <p:nvPr/>
+            </p:nvCxnSpPr>
+            <p:spPr>
+              <a:xfrm>
+                <a:off x="9929307" y="3082068"/>
+                <a:ext cx="548641" cy="1210236"/>
+              </a:xfrm>
+              <a:prstGeom prst="straightConnector1">
+                <a:avLst/>
+              </a:prstGeom>
+              <a:ln>
+                <a:tailEnd type="triangle"/>
+              </a:ln>
+            </p:spPr>
+            <p:style>
+              <a:lnRef idx="1">
+                <a:schemeClr val="accent1"/>
+              </a:lnRef>
+              <a:fillRef idx="0">
+                <a:schemeClr val="accent1"/>
+              </a:fillRef>
+              <a:effectRef idx="0">
+                <a:schemeClr val="accent1"/>
+              </a:effectRef>
+              <a:fontRef idx="minor">
+                <a:schemeClr val="tx1"/>
+              </a:fontRef>
+            </p:style>
+          </p:cxnSp>
+          <p:sp>
+            <p:nvSpPr>
+              <p:cNvPr id="30" name="椭圆 29">
+                <a:extLst>
+                  <a:ext uri="{FF2B5EF4-FFF2-40B4-BE49-F238E27FC236}">
+                    <a16:creationId xmlns:a16="http://schemas.microsoft.com/office/drawing/2014/main" id="{EC287A53-4F83-AF34-0646-5DCBF9634C57}"/>
+                  </a:ext>
+                </a:extLst>
+              </p:cNvPr>
+              <p:cNvSpPr/>
+              <p:nvPr/>
+            </p:nvSpPr>
+            <p:spPr>
+              <a:xfrm>
+                <a:off x="9859384" y="2361306"/>
+                <a:ext cx="139848" cy="129092"/>
+              </a:xfrm>
+              <a:prstGeom prst="ellipse">
+                <a:avLst/>
+              </a:prstGeom>
+              <a:solidFill>
+                <a:srgbClr val="C00000"/>
+              </a:solidFill>
+            </p:spPr>
+            <p:style>
+              <a:lnRef idx="2">
+                <a:schemeClr val="accent1">
+                  <a:shade val="50000"/>
+                </a:schemeClr>
+              </a:lnRef>
+              <a:fillRef idx="1">
+                <a:schemeClr val="accent1"/>
+              </a:fillRef>
+              <a:effectRef idx="0">
+                <a:schemeClr val="accent1"/>
+              </a:effectRef>
+              <a:fontRef idx="minor">
+                <a:schemeClr val="lt1"/>
+              </a:fontRef>
+            </p:style>
+            <p:txBody>
+              <a:bodyPr rtlCol="0" anchor="ctr"/>
+              <a:lstStyle/>
+              <a:p>
+                <a:pPr algn="ctr"/>
+                <a:endParaRPr lang="zh-CN" altLang="en-US" dirty="0"/>
+              </a:p>
+            </p:txBody>
+          </p:sp>
+          <p:cxnSp>
+            <p:nvCxnSpPr>
+              <p:cNvPr id="34" name="直接箭头连接符 33">
+                <a:extLst>
+                  <a:ext uri="{FF2B5EF4-FFF2-40B4-BE49-F238E27FC236}">
+                    <a16:creationId xmlns:a16="http://schemas.microsoft.com/office/drawing/2014/main" id="{8C8D9F88-3A3B-7194-55AA-A23DCE5D86F6}"/>
+                  </a:ext>
+                </a:extLst>
+              </p:cNvPr>
+              <p:cNvCxnSpPr>
+                <a:endCxn id="30" idx="4"/>
+              </p:cNvCxnSpPr>
+              <p:nvPr/>
+            </p:nvCxnSpPr>
+            <p:spPr>
+              <a:xfrm flipV="1">
+                <a:off x="9929308" y="2490398"/>
+                <a:ext cx="0" cy="467958"/>
+              </a:xfrm>
+              <a:prstGeom prst="straightConnector1">
+                <a:avLst/>
+              </a:prstGeom>
+              <a:ln>
+                <a:tailEnd type="triangle"/>
+              </a:ln>
+            </p:spPr>
+            <p:style>
+              <a:lnRef idx="1">
+                <a:schemeClr val="accent1"/>
+              </a:lnRef>
+              <a:fillRef idx="0">
+                <a:schemeClr val="accent1"/>
+              </a:fillRef>
+              <a:effectRef idx="0">
+                <a:schemeClr val="accent1"/>
+              </a:effectRef>
+              <a:fontRef idx="minor">
+                <a:schemeClr val="tx1"/>
+              </a:fontRef>
+            </p:style>
+          </p:cxnSp>
+          <p:sp>
+            <p:nvSpPr>
+              <p:cNvPr id="35" name="椭圆 34">
+                <a:extLst>
+                  <a:ext uri="{FF2B5EF4-FFF2-40B4-BE49-F238E27FC236}">
+                    <a16:creationId xmlns:a16="http://schemas.microsoft.com/office/drawing/2014/main" id="{2889594B-22FC-A3D9-ABEC-08B3E5AB28A5}"/>
+                  </a:ext>
+                </a:extLst>
+              </p:cNvPr>
+              <p:cNvSpPr/>
+              <p:nvPr/>
+            </p:nvSpPr>
+            <p:spPr>
+              <a:xfrm>
+                <a:off x="9859383" y="2952976"/>
+                <a:ext cx="139848" cy="129092"/>
+              </a:xfrm>
+              <a:prstGeom prst="ellipse">
+                <a:avLst/>
+              </a:prstGeom>
+              <a:solidFill>
+                <a:schemeClr val="accent1"/>
+              </a:solidFill>
+            </p:spPr>
+            <p:style>
+              <a:lnRef idx="2">
+                <a:schemeClr val="accent1">
+                  <a:shade val="50000"/>
+                </a:schemeClr>
+              </a:lnRef>
+              <a:fillRef idx="1">
+                <a:schemeClr val="accent1"/>
+              </a:fillRef>
+              <a:effectRef idx="0">
+                <a:schemeClr val="accent1"/>
+              </a:effectRef>
+              <a:fontRef idx="minor">
+                <a:schemeClr val="lt1"/>
+              </a:fontRef>
+            </p:style>
+            <p:txBody>
+              <a:bodyPr rtlCol="0" anchor="ctr"/>
+              <a:lstStyle/>
+              <a:p>
+                <a:pPr algn="ctr"/>
+                <a:endParaRPr lang="zh-CN" altLang="en-US" dirty="0"/>
+              </a:p>
+            </p:txBody>
+          </p:sp>
+          <p:cxnSp>
+            <p:nvCxnSpPr>
+              <p:cNvPr id="37" name="直接箭头连接符 36">
+                <a:extLst>
+                  <a:ext uri="{FF2B5EF4-FFF2-40B4-BE49-F238E27FC236}">
+                    <a16:creationId xmlns:a16="http://schemas.microsoft.com/office/drawing/2014/main" id="{E0316246-D10E-9929-3D9E-CD2B79E84463}"/>
+                  </a:ext>
+                </a:extLst>
+              </p:cNvPr>
+              <p:cNvCxnSpPr/>
+              <p:nvPr/>
+            </p:nvCxnSpPr>
+            <p:spPr>
+              <a:xfrm flipV="1">
+                <a:off x="10477948" y="3802831"/>
+                <a:ext cx="0" cy="467958"/>
+              </a:xfrm>
+              <a:prstGeom prst="straightConnector1">
+                <a:avLst/>
+              </a:prstGeom>
+              <a:ln w="9525" cap="flat" cmpd="sng" algn="ctr">
+                <a:solidFill>
+                  <a:schemeClr val="accent1"/>
+                </a:solidFill>
+                <a:prstDash val="dash"/>
+                <a:round/>
+                <a:headEnd type="none" w="med" len="med"/>
+                <a:tailEnd type="none" w="med" len="med"/>
+              </a:ln>
+            </p:spPr>
+            <p:style>
+              <a:lnRef idx="0">
+                <a:scrgbClr r="0" g="0" b="0"/>
+              </a:lnRef>
+              <a:fillRef idx="0">
+                <a:scrgbClr r="0" g="0" b="0"/>
+              </a:fillRef>
+              <a:effectRef idx="0">
+                <a:scrgbClr r="0" g="0" b="0"/>
+              </a:effectRef>
+              <a:fontRef idx="minor">
+                <a:schemeClr val="tx1"/>
+              </a:fontRef>
+            </p:style>
+          </p:cxnSp>
+        </p:grpSp>
+        <p:cxnSp>
+          <p:nvCxnSpPr>
+            <p:cNvPr id="39" name="直接箭头连接符 38">
+              <a:extLst>
+                <a:ext uri="{FF2B5EF4-FFF2-40B4-BE49-F238E27FC236}">
+                  <a16:creationId xmlns:a16="http://schemas.microsoft.com/office/drawing/2014/main" id="{83FF67CA-ABB6-1BE7-E0FF-9BC5E09B04AF}"/>
+                </a:ext>
+              </a:extLst>
+            </p:cNvPr>
+            <p:cNvCxnSpPr>
+              <a:stCxn id="35" idx="4"/>
+            </p:cNvCxnSpPr>
+            <p:nvPr/>
+          </p:nvCxnSpPr>
+          <p:spPr>
+            <a:xfrm>
+              <a:off x="9552769" y="2231989"/>
+              <a:ext cx="548641" cy="720763"/>
+            </a:xfrm>
+            <a:prstGeom prst="straightConnector1">
+              <a:avLst/>
+            </a:prstGeom>
+            <a:ln>
+              <a:tailEnd type="triangle"/>
+            </a:ln>
+          </p:spPr>
+          <p:style>
+            <a:lnRef idx="1">
+              <a:schemeClr val="accent1"/>
+            </a:lnRef>
+            <a:fillRef idx="0">
+              <a:schemeClr val="accent1"/>
+            </a:fillRef>
+            <a:effectRef idx="0">
+              <a:schemeClr val="accent1"/>
+            </a:effectRef>
+            <a:fontRef idx="minor">
+              <a:schemeClr val="tx1"/>
+            </a:fontRef>
+          </p:style>
+        </p:cxnSp>
+        <p:sp>
+          <p:nvSpPr>
+            <p:cNvPr id="41" name="文本框 40">
+              <a:extLst>
+                <a:ext uri="{FF2B5EF4-FFF2-40B4-BE49-F238E27FC236}">
+                  <a16:creationId xmlns:a16="http://schemas.microsoft.com/office/drawing/2014/main" id="{404C5562-1086-6F49-B1EA-171C297A5393}"/>
+                </a:ext>
+              </a:extLst>
+            </p:cNvPr>
+            <p:cNvSpPr txBox="1"/>
+            <p:nvPr/>
+          </p:nvSpPr>
+          <p:spPr>
+            <a:xfrm>
+              <a:off x="9970986" y="2578921"/>
+              <a:ext cx="1784463" cy="261610"/>
+            </a:xfrm>
+            <a:prstGeom prst="rect">
+              <a:avLst/>
+            </a:prstGeom>
+            <a:noFill/>
+          </p:spPr>
+          <p:txBody>
+            <a:bodyPr wrap="none" rtlCol="0">
+              <a:spAutoFit/>
+            </a:bodyPr>
+            <a:lstStyle/>
+            <a:p>
+              <a:r>
+                <a:rPr lang="en-US" altLang="zh-CN" sz="1100" b="1" dirty="0" err="1"/>
+                <a:t>cameraPos+cameraFront</a:t>
+              </a:r>
+              <a:endParaRPr lang="zh-CN" altLang="en-US" sz="1100" b="1" dirty="0"/>
+            </a:p>
+          </p:txBody>
+        </p:sp>
+        <p:sp>
+          <p:nvSpPr>
+            <p:cNvPr id="42" name="文本框 41">
+              <a:extLst>
+                <a:ext uri="{FF2B5EF4-FFF2-40B4-BE49-F238E27FC236}">
+                  <a16:creationId xmlns:a16="http://schemas.microsoft.com/office/drawing/2014/main" id="{74B2E873-F5BB-E49B-4F41-AFC40F5F5E5F}"/>
+                </a:ext>
+              </a:extLst>
+            </p:cNvPr>
+            <p:cNvSpPr txBox="1"/>
+            <p:nvPr/>
+          </p:nvSpPr>
+          <p:spPr>
+            <a:xfrm>
+              <a:off x="10101410" y="3236726"/>
+              <a:ext cx="878767" cy="261610"/>
+            </a:xfrm>
+            <a:prstGeom prst="rect">
+              <a:avLst/>
+            </a:prstGeom>
+            <a:noFill/>
+          </p:spPr>
+          <p:txBody>
+            <a:bodyPr wrap="none" rtlCol="0">
+              <a:spAutoFit/>
+            </a:bodyPr>
+            <a:lstStyle/>
+            <a:p>
+              <a:r>
+                <a:rPr lang="en-US" altLang="zh-CN" sz="1100" b="1" dirty="0" err="1"/>
+                <a:t>cameraPos</a:t>
+              </a:r>
+              <a:endParaRPr lang="zh-CN" altLang="en-US" sz="1100" b="1" dirty="0"/>
+            </a:p>
+          </p:txBody>
+        </p:sp>
+        <p:sp>
+          <p:nvSpPr>
+            <p:cNvPr id="43" name="文本框 42">
+              <a:extLst>
+                <a:ext uri="{FF2B5EF4-FFF2-40B4-BE49-F238E27FC236}">
+                  <a16:creationId xmlns:a16="http://schemas.microsoft.com/office/drawing/2014/main" id="{C820D59A-F715-EB7A-862C-9330387C3615}"/>
+                </a:ext>
+              </a:extLst>
+            </p:cNvPr>
+            <p:cNvSpPr txBox="1"/>
+            <p:nvPr/>
+          </p:nvSpPr>
+          <p:spPr>
+            <a:xfrm>
+              <a:off x="9352487" y="3452982"/>
+              <a:ext cx="748923" cy="261610"/>
+            </a:xfrm>
+            <a:prstGeom prst="rect">
+              <a:avLst/>
+            </a:prstGeom>
+            <a:noFill/>
+          </p:spPr>
+          <p:txBody>
+            <a:bodyPr wrap="none" rtlCol="0">
+              <a:spAutoFit/>
+            </a:bodyPr>
+            <a:lstStyle/>
+            <a:p>
+              <a:r>
+                <a:rPr lang="zh-CN" altLang="en-US" sz="1100" dirty="0"/>
+                <a:t>相机横移</a:t>
+              </a:r>
+            </a:p>
+          </p:txBody>
+        </p:sp>
+      </p:grpSp>
+      <p:sp>
+        <p:nvSpPr>
+          <p:cNvPr id="45" name="文本框 44">
+            <a:extLst>
+              <a:ext uri="{FF2B5EF4-FFF2-40B4-BE49-F238E27FC236}">
+                <a16:creationId xmlns:a16="http://schemas.microsoft.com/office/drawing/2014/main" id="{9781B1E8-6127-FB4C-FA5B-65D4EAF3C5DC}"/>
+              </a:ext>
+            </a:extLst>
+          </p:cNvPr>
+          <p:cNvSpPr txBox="1"/>
+          <p:nvPr/>
+        </p:nvSpPr>
+        <p:spPr>
+          <a:xfrm>
+            <a:off x="9124950" y="4838037"/>
+            <a:ext cx="2723823" cy="369332"/>
+          </a:xfrm>
+          <a:prstGeom prst="rect">
+            <a:avLst/>
+          </a:prstGeom>
+          <a:noFill/>
+        </p:spPr>
+        <p:txBody>
+          <a:bodyPr wrap="none" rtlCol="0">
+            <a:spAutoFit/>
+          </a:bodyPr>
+          <a:lstStyle/>
+          <a:p>
+            <a:r>
+              <a:rPr lang="zh-CN" altLang="en-US" b="1" dirty="0">
+                <a:solidFill>
+                  <a:srgbClr val="FF0000"/>
+                </a:solidFill>
+              </a:rPr>
+              <a:t>横移后，相机的朝向不变</a:t>
+            </a:r>
+          </a:p>
+        </p:txBody>
+      </p:sp>
+      <p:sp>
+        <p:nvSpPr>
+          <p:cNvPr id="47" name="文本框 46">
+            <a:extLst>
+              <a:ext uri="{FF2B5EF4-FFF2-40B4-BE49-F238E27FC236}">
+                <a16:creationId xmlns:a16="http://schemas.microsoft.com/office/drawing/2014/main" id="{F32B0571-2909-63B7-F04F-11ECC79B8974}"/>
+              </a:ext>
+            </a:extLst>
+          </p:cNvPr>
+          <p:cNvSpPr txBox="1"/>
+          <p:nvPr/>
+        </p:nvSpPr>
+        <p:spPr>
+          <a:xfrm>
+            <a:off x="9622693" y="1726756"/>
+            <a:ext cx="1504950" cy="261610"/>
+          </a:xfrm>
+          <a:prstGeom prst="rect">
+            <a:avLst/>
+          </a:prstGeom>
+          <a:noFill/>
+        </p:spPr>
+        <p:txBody>
+          <a:bodyPr wrap="square">
+            <a:spAutoFit/>
+          </a:bodyPr>
+          <a:lstStyle/>
+          <a:p>
+            <a:r>
+              <a:rPr lang="en-US" altLang="zh-CN" sz="1100" b="1" dirty="0" err="1"/>
+              <a:t>cameraFront</a:t>
+            </a:r>
+            <a:endParaRPr lang="zh-CN" altLang="en-US" sz="1100" dirty="0"/>
+          </a:p>
+        </p:txBody>
+      </p:sp>
+    </p:spTree>
+    <p:extLst>
+      <p:ext uri="{BB962C8B-B14F-4D97-AF65-F5344CB8AC3E}">
+        <p14:creationId xmlns:p14="http://schemas.microsoft.com/office/powerpoint/2010/main" val="3233155192"/>
+      </p:ext>
+    </p:extLst>
+  </p:cSld>
+  <p:clrMapOvr>
+    <a:masterClrMapping/>
+  </p:clrMapOvr>
+</p:sld>
+</file>
+
+<file path=ppt/slides/slide13.xml><?xml version="1.0" encoding="utf-8"?>
+<p:sld xmlns:a="http://schemas.openxmlformats.org/drawingml/2006/main" xmlns:r="http://schemas.openxmlformats.org/officeDocument/2006/relationships" xmlns:p="http://schemas.openxmlformats.org/presentationml/2006/main">
+  <p:cSld>
+    <p:spTree>
+      <p:nvGrpSpPr>
+        <p:cNvPr id="1" name=""/>
+        <p:cNvGrpSpPr/>
+        <p:nvPr/>
+      </p:nvGrpSpPr>
+      <p:grpSpPr>
+        <a:xfrm>
+          <a:off x="0" y="0"/>
+          <a:ext cx="0" cy="0"/>
+          <a:chOff x="0" y="0"/>
+          <a:chExt cx="0" cy="0"/>
+        </a:xfrm>
+      </p:grpSpPr>
+      <p:sp>
+        <p:nvSpPr>
+          <p:cNvPr id="4" name="文本框 3">
+            <a:extLst>
+              <a:ext uri="{FF2B5EF4-FFF2-40B4-BE49-F238E27FC236}">
+                <a16:creationId xmlns:a16="http://schemas.microsoft.com/office/drawing/2014/main" id="{4991220C-83FC-8FFB-EB0F-0CF6B3DAC055}"/>
+              </a:ext>
+            </a:extLst>
+          </p:cNvPr>
+          <p:cNvSpPr txBox="1"/>
+          <p:nvPr/>
+        </p:nvSpPr>
+        <p:spPr>
+          <a:xfrm>
+            <a:off x="258184" y="247427"/>
+            <a:ext cx="2100255" cy="369332"/>
+          </a:xfrm>
+          <a:prstGeom prst="rect">
+            <a:avLst/>
+          </a:prstGeom>
+          <a:noFill/>
+        </p:spPr>
+        <p:txBody>
+          <a:bodyPr wrap="none" rtlCol="0">
+            <a:spAutoFit/>
+          </a:bodyPr>
+          <a:lstStyle/>
+          <a:p>
+            <a:r>
+              <a:rPr lang="en-US" altLang="zh-CN" b="1" dirty="0">
+                <a:solidFill>
+                  <a:srgbClr val="C00000"/>
+                </a:solidFill>
+              </a:rPr>
+              <a:t>Lessoin_6</a:t>
+            </a:r>
+            <a:r>
+              <a:rPr lang="zh-CN" altLang="en-US" b="1" dirty="0">
+                <a:solidFill>
+                  <a:srgbClr val="C00000"/>
+                </a:solidFill>
+              </a:rPr>
+              <a:t>：摄像机</a:t>
+            </a:r>
+          </a:p>
+        </p:txBody>
+      </p:sp>
+      <p:sp>
+        <p:nvSpPr>
+          <p:cNvPr id="6" name="文本框 5">
+            <a:extLst>
+              <a:ext uri="{FF2B5EF4-FFF2-40B4-BE49-F238E27FC236}">
+                <a16:creationId xmlns:a16="http://schemas.microsoft.com/office/drawing/2014/main" id="{F28842E0-A22D-6DC7-6270-CD4B58412C13}"/>
+              </a:ext>
+            </a:extLst>
+          </p:cNvPr>
+          <p:cNvSpPr txBox="1"/>
+          <p:nvPr/>
+        </p:nvSpPr>
+        <p:spPr>
+          <a:xfrm>
+            <a:off x="742278" y="1054249"/>
+            <a:ext cx="877163" cy="369332"/>
+          </a:xfrm>
+          <a:prstGeom prst="rect">
+            <a:avLst/>
+          </a:prstGeom>
+          <a:noFill/>
+        </p:spPr>
+        <p:txBody>
+          <a:bodyPr wrap="none" rtlCol="0">
+            <a:spAutoFit/>
+          </a:bodyPr>
+          <a:lstStyle/>
+          <a:p>
+            <a:r>
+              <a:rPr lang="zh-CN" altLang="en-US" b="1" dirty="0"/>
+              <a:t>欧拉角</a:t>
+            </a:r>
+          </a:p>
+        </p:txBody>
+      </p:sp>
+      <p:cxnSp>
+        <p:nvCxnSpPr>
+          <p:cNvPr id="17" name="直接连接符 16">
+            <a:extLst>
+              <a:ext uri="{FF2B5EF4-FFF2-40B4-BE49-F238E27FC236}">
+                <a16:creationId xmlns:a16="http://schemas.microsoft.com/office/drawing/2014/main" id="{F0B51728-9A07-1282-7E55-27F26485119A}"/>
+              </a:ext>
+            </a:extLst>
+          </p:cNvPr>
+          <p:cNvCxnSpPr/>
+          <p:nvPr/>
+        </p:nvCxnSpPr>
+        <p:spPr>
+          <a:xfrm>
+            <a:off x="8712796" y="374056"/>
+            <a:ext cx="0" cy="6046017"/>
+          </a:xfrm>
+          <a:prstGeom prst="line">
+            <a:avLst/>
+          </a:prstGeom>
+        </p:spPr>
+        <p:style>
+          <a:lnRef idx="1">
+            <a:schemeClr val="accent1"/>
+          </a:lnRef>
+          <a:fillRef idx="0">
+            <a:schemeClr val="accent1"/>
+          </a:fillRef>
+          <a:effectRef idx="0">
+            <a:schemeClr val="accent1"/>
+          </a:effectRef>
+          <a:fontRef idx="minor">
+            <a:schemeClr val="tx1"/>
+          </a:fontRef>
+        </p:style>
+      </p:cxnSp>
+      <p:pic>
+        <p:nvPicPr>
+          <p:cNvPr id="3" name="图片 2">
+            <a:extLst>
+              <a:ext uri="{FF2B5EF4-FFF2-40B4-BE49-F238E27FC236}">
+                <a16:creationId xmlns:a16="http://schemas.microsoft.com/office/drawing/2014/main" id="{80A1ADC1-E974-E6B8-B84C-E2B0A72679A2}"/>
+              </a:ext>
+            </a:extLst>
+          </p:cNvPr>
+          <p:cNvPicPr>
+            <a:picLocks noChangeAspect="1"/>
+          </p:cNvPicPr>
+          <p:nvPr/>
+        </p:nvPicPr>
+        <p:blipFill>
+          <a:blip r:embed="rId2"/>
+          <a:stretch>
+            <a:fillRect/>
+          </a:stretch>
+        </p:blipFill>
+        <p:spPr>
+          <a:xfrm>
+            <a:off x="333702" y="1593783"/>
+            <a:ext cx="8221222" cy="4163006"/>
+          </a:xfrm>
+          <a:prstGeom prst="rect">
+            <a:avLst/>
+          </a:prstGeom>
+        </p:spPr>
+      </p:pic>
+      <p:sp>
+        <p:nvSpPr>
+          <p:cNvPr id="5" name="文本框 4">
+            <a:extLst>
+              <a:ext uri="{FF2B5EF4-FFF2-40B4-BE49-F238E27FC236}">
+                <a16:creationId xmlns:a16="http://schemas.microsoft.com/office/drawing/2014/main" id="{2EC92846-AD3C-7F15-9492-C50DBB2EA617}"/>
+              </a:ext>
+            </a:extLst>
+          </p:cNvPr>
+          <p:cNvSpPr txBox="1"/>
+          <p:nvPr/>
+        </p:nvSpPr>
+        <p:spPr>
+          <a:xfrm>
+            <a:off x="9023069" y="470873"/>
+            <a:ext cx="2917786" cy="369332"/>
+          </a:xfrm>
+          <a:prstGeom prst="rect">
+            <a:avLst/>
+          </a:prstGeom>
+          <a:noFill/>
+        </p:spPr>
+        <p:txBody>
+          <a:bodyPr wrap="none" rtlCol="0">
+            <a:spAutoFit/>
+          </a:bodyPr>
+          <a:lstStyle/>
+          <a:p>
+            <a:r>
+              <a:rPr lang="en-US" altLang="zh-CN" b="1" dirty="0" err="1"/>
+              <a:t>LearnOpengl</a:t>
+            </a:r>
+            <a:r>
+              <a:rPr lang="zh-CN" altLang="en-US" b="1" dirty="0"/>
+              <a:t>网站示例解析</a:t>
+            </a:r>
+          </a:p>
+        </p:txBody>
+      </p:sp>
+      <p:grpSp>
+        <p:nvGrpSpPr>
+          <p:cNvPr id="54" name="组合 53">
+            <a:extLst>
+              <a:ext uri="{FF2B5EF4-FFF2-40B4-BE49-F238E27FC236}">
+                <a16:creationId xmlns:a16="http://schemas.microsoft.com/office/drawing/2014/main" id="{271DABFF-19C9-FDD9-218A-77AA96E5ED91}"/>
+              </a:ext>
+            </a:extLst>
+          </p:cNvPr>
+          <p:cNvGrpSpPr/>
+          <p:nvPr/>
+        </p:nvGrpSpPr>
+        <p:grpSpPr>
+          <a:xfrm>
+            <a:off x="9239250" y="1123950"/>
+            <a:ext cx="2339715" cy="3124200"/>
+            <a:chOff x="9515475" y="1352550"/>
+            <a:chExt cx="2339715" cy="3124200"/>
+          </a:xfrm>
+        </p:grpSpPr>
+        <p:cxnSp>
+          <p:nvCxnSpPr>
+            <p:cNvPr id="8" name="直接箭头连接符 7">
+              <a:extLst>
+                <a:ext uri="{FF2B5EF4-FFF2-40B4-BE49-F238E27FC236}">
+                  <a16:creationId xmlns:a16="http://schemas.microsoft.com/office/drawing/2014/main" id="{E6F098C5-17E4-2ED5-EB80-5FFA73A68D91}"/>
+                </a:ext>
+              </a:extLst>
+            </p:cNvPr>
+            <p:cNvCxnSpPr/>
+            <p:nvPr/>
+          </p:nvCxnSpPr>
+          <p:spPr>
+            <a:xfrm flipH="1">
+              <a:off x="9515475" y="3238500"/>
+              <a:ext cx="561975" cy="1238250"/>
+            </a:xfrm>
+            <a:prstGeom prst="straightConnector1">
+              <a:avLst/>
+            </a:prstGeom>
+            <a:ln>
+              <a:tailEnd type="triangle"/>
+            </a:ln>
+          </p:spPr>
+          <p:style>
+            <a:lnRef idx="1">
+              <a:schemeClr val="accent1"/>
+            </a:lnRef>
+            <a:fillRef idx="0">
+              <a:schemeClr val="accent1"/>
+            </a:fillRef>
+            <a:effectRef idx="0">
+              <a:schemeClr val="accent1"/>
+            </a:effectRef>
+            <a:fontRef idx="minor">
+              <a:schemeClr val="tx1"/>
+            </a:fontRef>
+          </p:style>
+        </p:cxnSp>
+        <p:cxnSp>
+          <p:nvCxnSpPr>
+            <p:cNvPr id="10" name="直接箭头连接符 9">
+              <a:extLst>
+                <a:ext uri="{FF2B5EF4-FFF2-40B4-BE49-F238E27FC236}">
+                  <a16:creationId xmlns:a16="http://schemas.microsoft.com/office/drawing/2014/main" id="{9B555F9E-D8EA-8DA1-CDE6-E55B3783ADB1}"/>
+                </a:ext>
+              </a:extLst>
+            </p:cNvPr>
+            <p:cNvCxnSpPr/>
+            <p:nvPr/>
+          </p:nvCxnSpPr>
+          <p:spPr>
+            <a:xfrm>
+              <a:off x="10077450" y="3238500"/>
+              <a:ext cx="1704975" cy="0"/>
+            </a:xfrm>
+            <a:prstGeom prst="straightConnector1">
+              <a:avLst/>
+            </a:prstGeom>
+            <a:ln>
+              <a:tailEnd type="triangle"/>
+            </a:ln>
+          </p:spPr>
+          <p:style>
+            <a:lnRef idx="1">
+              <a:schemeClr val="accent1"/>
+            </a:lnRef>
+            <a:fillRef idx="0">
+              <a:schemeClr val="accent1"/>
+            </a:fillRef>
+            <a:effectRef idx="0">
+              <a:schemeClr val="accent1"/>
+            </a:effectRef>
+            <a:fontRef idx="minor">
+              <a:schemeClr val="tx1"/>
+            </a:fontRef>
+          </p:style>
+        </p:cxnSp>
+        <p:cxnSp>
+          <p:nvCxnSpPr>
+            <p:cNvPr id="12" name="直接箭头连接符 11">
+              <a:extLst>
+                <a:ext uri="{FF2B5EF4-FFF2-40B4-BE49-F238E27FC236}">
+                  <a16:creationId xmlns:a16="http://schemas.microsoft.com/office/drawing/2014/main" id="{B8710FC5-5B13-98AF-F6E1-5D1BBAF98B56}"/>
+                </a:ext>
+              </a:extLst>
+            </p:cNvPr>
+            <p:cNvCxnSpPr>
+              <a:cxnSpLocks/>
+            </p:cNvCxnSpPr>
+            <p:nvPr/>
+          </p:nvCxnSpPr>
+          <p:spPr>
+            <a:xfrm flipV="1">
+              <a:off x="10077450" y="1352550"/>
+              <a:ext cx="0" cy="1885950"/>
+            </a:xfrm>
+            <a:prstGeom prst="straightConnector1">
+              <a:avLst/>
+            </a:prstGeom>
+            <a:ln>
+              <a:tailEnd type="triangle"/>
+            </a:ln>
+          </p:spPr>
+          <p:style>
+            <a:lnRef idx="1">
+              <a:schemeClr val="accent1"/>
+            </a:lnRef>
+            <a:fillRef idx="0">
+              <a:schemeClr val="accent1"/>
+            </a:fillRef>
+            <a:effectRef idx="0">
+              <a:schemeClr val="accent1"/>
+            </a:effectRef>
+            <a:fontRef idx="minor">
+              <a:schemeClr val="tx1"/>
+            </a:fontRef>
+          </p:style>
+        </p:cxnSp>
+        <p:sp>
+          <p:nvSpPr>
+            <p:cNvPr id="13" name="椭圆 12">
+              <a:extLst>
+                <a:ext uri="{FF2B5EF4-FFF2-40B4-BE49-F238E27FC236}">
+                  <a16:creationId xmlns:a16="http://schemas.microsoft.com/office/drawing/2014/main" id="{A00DA5D2-BE7A-5275-E047-86174D468363}"/>
+                </a:ext>
+              </a:extLst>
+            </p:cNvPr>
+            <p:cNvSpPr/>
+            <p:nvPr/>
+          </p:nvSpPr>
+          <p:spPr>
+            <a:xfrm>
+              <a:off x="11063995" y="2207672"/>
+              <a:ext cx="139848" cy="129092"/>
+            </a:xfrm>
+            <a:prstGeom prst="ellipse">
+              <a:avLst/>
+            </a:prstGeom>
+            <a:solidFill>
+              <a:schemeClr val="accent1"/>
+            </a:solidFill>
+          </p:spPr>
+          <p:style>
+            <a:lnRef idx="2">
+              <a:schemeClr val="accent1">
+                <a:shade val="50000"/>
+              </a:schemeClr>
+            </a:lnRef>
+            <a:fillRef idx="1">
+              <a:schemeClr val="accent1"/>
+            </a:fillRef>
+            <a:effectRef idx="0">
+              <a:schemeClr val="accent1"/>
+            </a:effectRef>
+            <a:fontRef idx="minor">
+              <a:schemeClr val="lt1"/>
+            </a:fontRef>
+          </p:style>
+          <p:txBody>
+            <a:bodyPr rtlCol="0" anchor="ctr"/>
+            <a:lstStyle/>
+            <a:p>
+              <a:pPr algn="ctr"/>
+              <a:endParaRPr lang="zh-CN" altLang="en-US" dirty="0"/>
+            </a:p>
+          </p:txBody>
+        </p:sp>
+        <p:cxnSp>
+          <p:nvCxnSpPr>
+            <p:cNvPr id="16" name="直接连接符 15">
+              <a:extLst>
+                <a:ext uri="{FF2B5EF4-FFF2-40B4-BE49-F238E27FC236}">
+                  <a16:creationId xmlns:a16="http://schemas.microsoft.com/office/drawing/2014/main" id="{04C3D322-050B-7A80-A368-24C3C2C032F6}"/>
+                </a:ext>
+              </a:extLst>
+            </p:cNvPr>
+            <p:cNvCxnSpPr>
+              <a:endCxn id="13" idx="3"/>
+            </p:cNvCxnSpPr>
+            <p:nvPr/>
+          </p:nvCxnSpPr>
+          <p:spPr>
+            <a:xfrm flipV="1">
+              <a:off x="10077450" y="2317859"/>
+              <a:ext cx="1007025" cy="920641"/>
+            </a:xfrm>
+            <a:prstGeom prst="line">
+              <a:avLst/>
+            </a:prstGeom>
+            <a:ln>
+              <a:prstDash val="dash"/>
+            </a:ln>
+          </p:spPr>
+          <p:style>
+            <a:lnRef idx="1">
+              <a:schemeClr val="accent1"/>
+            </a:lnRef>
+            <a:fillRef idx="0">
+              <a:schemeClr val="accent1"/>
+            </a:fillRef>
+            <a:effectRef idx="0">
+              <a:schemeClr val="accent1"/>
+            </a:effectRef>
+            <a:fontRef idx="minor">
+              <a:schemeClr val="tx1"/>
+            </a:fontRef>
+          </p:style>
+        </p:cxnSp>
+        <p:cxnSp>
+          <p:nvCxnSpPr>
+            <p:cNvPr id="20" name="直接连接符 19">
+              <a:extLst>
+                <a:ext uri="{FF2B5EF4-FFF2-40B4-BE49-F238E27FC236}">
+                  <a16:creationId xmlns:a16="http://schemas.microsoft.com/office/drawing/2014/main" id="{4950631D-3949-D808-5F4E-EE8405135269}"/>
+                </a:ext>
+              </a:extLst>
+            </p:cNvPr>
+            <p:cNvCxnSpPr>
+              <a:stCxn id="13" idx="4"/>
+            </p:cNvCxnSpPr>
+            <p:nvPr/>
+          </p:nvCxnSpPr>
+          <p:spPr>
+            <a:xfrm flipH="1">
+              <a:off x="11063995" y="2336764"/>
+              <a:ext cx="69924" cy="1587536"/>
+            </a:xfrm>
+            <a:prstGeom prst="line">
+              <a:avLst/>
+            </a:prstGeom>
+          </p:spPr>
+          <p:style>
+            <a:lnRef idx="1">
+              <a:schemeClr val="accent1"/>
+            </a:lnRef>
+            <a:fillRef idx="0">
+              <a:schemeClr val="accent1"/>
+            </a:fillRef>
+            <a:effectRef idx="0">
+              <a:schemeClr val="accent1"/>
+            </a:effectRef>
+            <a:fontRef idx="minor">
+              <a:schemeClr val="tx1"/>
+            </a:fontRef>
+          </p:style>
+        </p:cxnSp>
+        <p:cxnSp>
+          <p:nvCxnSpPr>
+            <p:cNvPr id="23" name="直接连接符 22">
+              <a:extLst>
+                <a:ext uri="{FF2B5EF4-FFF2-40B4-BE49-F238E27FC236}">
+                  <a16:creationId xmlns:a16="http://schemas.microsoft.com/office/drawing/2014/main" id="{B063F03C-E6D6-1727-3186-02EA82B8CA0B}"/>
+                </a:ext>
+              </a:extLst>
+            </p:cNvPr>
+            <p:cNvCxnSpPr>
+              <a:cxnSpLocks/>
+            </p:cNvCxnSpPr>
+            <p:nvPr/>
+          </p:nvCxnSpPr>
+          <p:spPr>
+            <a:xfrm>
+              <a:off x="10077450" y="3238500"/>
+              <a:ext cx="1021507" cy="685800"/>
+            </a:xfrm>
+            <a:prstGeom prst="line">
+              <a:avLst/>
+            </a:prstGeom>
+            <a:ln>
+              <a:prstDash val="dash"/>
+            </a:ln>
+          </p:spPr>
+          <p:style>
+            <a:lnRef idx="1">
+              <a:schemeClr val="accent1"/>
+            </a:lnRef>
+            <a:fillRef idx="0">
+              <a:schemeClr val="accent1"/>
+            </a:fillRef>
+            <a:effectRef idx="0">
+              <a:schemeClr val="accent1"/>
+            </a:effectRef>
+            <a:fontRef idx="minor">
+              <a:schemeClr val="tx1"/>
+            </a:fontRef>
+          </p:style>
+        </p:cxnSp>
+        <p:cxnSp>
+          <p:nvCxnSpPr>
+            <p:cNvPr id="26" name="直接连接符 25">
+              <a:extLst>
+                <a:ext uri="{FF2B5EF4-FFF2-40B4-BE49-F238E27FC236}">
+                  <a16:creationId xmlns:a16="http://schemas.microsoft.com/office/drawing/2014/main" id="{FF9E3805-C3DC-911D-DBDD-A867C6453104}"/>
+                </a:ext>
+              </a:extLst>
+            </p:cNvPr>
+            <p:cNvCxnSpPr>
+              <a:cxnSpLocks/>
+            </p:cNvCxnSpPr>
+            <p:nvPr/>
+          </p:nvCxnSpPr>
+          <p:spPr>
+            <a:xfrm>
+              <a:off x="9796462" y="3905251"/>
+              <a:ext cx="1267533" cy="0"/>
+            </a:xfrm>
+            <a:prstGeom prst="line">
+              <a:avLst/>
+            </a:prstGeom>
+            <a:ln>
+              <a:prstDash val="dash"/>
+            </a:ln>
+          </p:spPr>
+          <p:style>
+            <a:lnRef idx="1">
+              <a:schemeClr val="accent1"/>
+            </a:lnRef>
+            <a:fillRef idx="0">
+              <a:schemeClr val="accent1"/>
+            </a:fillRef>
+            <a:effectRef idx="0">
+              <a:schemeClr val="accent1"/>
+            </a:effectRef>
+            <a:fontRef idx="minor">
+              <a:schemeClr val="tx1"/>
+            </a:fontRef>
+          </p:style>
+        </p:cxnSp>
+        <p:cxnSp>
+          <p:nvCxnSpPr>
+            <p:cNvPr id="28" name="直接连接符 27">
+              <a:extLst>
+                <a:ext uri="{FF2B5EF4-FFF2-40B4-BE49-F238E27FC236}">
+                  <a16:creationId xmlns:a16="http://schemas.microsoft.com/office/drawing/2014/main" id="{0F6852DD-5887-EBA4-82C4-1BAF38A12E73}"/>
+                </a:ext>
+              </a:extLst>
+            </p:cNvPr>
+            <p:cNvCxnSpPr>
+              <a:cxnSpLocks/>
+            </p:cNvCxnSpPr>
+            <p:nvPr/>
+          </p:nvCxnSpPr>
+          <p:spPr>
+            <a:xfrm flipH="1">
+              <a:off x="11094583" y="3257405"/>
+              <a:ext cx="257703" cy="647846"/>
+            </a:xfrm>
+            <a:prstGeom prst="line">
+              <a:avLst/>
+            </a:prstGeom>
+            <a:ln>
+              <a:prstDash val="dash"/>
+            </a:ln>
+          </p:spPr>
+          <p:style>
+            <a:lnRef idx="1">
+              <a:schemeClr val="accent1"/>
+            </a:lnRef>
+            <a:fillRef idx="0">
+              <a:schemeClr val="accent1"/>
+            </a:fillRef>
+            <a:effectRef idx="0">
+              <a:schemeClr val="accent1"/>
+            </a:effectRef>
+            <a:fontRef idx="minor">
+              <a:schemeClr val="tx1"/>
+            </a:fontRef>
+          </p:style>
+        </p:cxnSp>
+        <p:sp>
+          <p:nvSpPr>
+            <p:cNvPr id="46" name="文本框 45">
+              <a:extLst>
+                <a:ext uri="{FF2B5EF4-FFF2-40B4-BE49-F238E27FC236}">
+                  <a16:creationId xmlns:a16="http://schemas.microsoft.com/office/drawing/2014/main" id="{E0A52F38-6CBA-9A37-94AE-16CC7BBF83F7}"/>
+                </a:ext>
+              </a:extLst>
+            </p:cNvPr>
+            <p:cNvSpPr txBox="1"/>
+            <p:nvPr/>
+          </p:nvSpPr>
+          <p:spPr>
+            <a:xfrm>
+              <a:off x="10114237" y="1521450"/>
+              <a:ext cx="292068" cy="369332"/>
+            </a:xfrm>
+            <a:prstGeom prst="rect">
+              <a:avLst/>
+            </a:prstGeom>
+            <a:noFill/>
+          </p:spPr>
+          <p:txBody>
+            <a:bodyPr wrap="none" rtlCol="0">
+              <a:spAutoFit/>
+            </a:bodyPr>
+            <a:lstStyle/>
+            <a:p>
+              <a:r>
+                <a:rPr lang="en-US" altLang="zh-CN" dirty="0">
+                  <a:solidFill>
+                    <a:srgbClr val="FF0000"/>
+                  </a:solidFill>
+                </a:rPr>
+                <a:t>y</a:t>
+              </a:r>
+              <a:endParaRPr lang="zh-CN" altLang="en-US" dirty="0">
+                <a:solidFill>
+                  <a:srgbClr val="FF0000"/>
+                </a:solidFill>
+              </a:endParaRPr>
+            </a:p>
+          </p:txBody>
+        </p:sp>
+        <p:sp>
+          <p:nvSpPr>
+            <p:cNvPr id="48" name="文本框 47">
+              <a:extLst>
+                <a:ext uri="{FF2B5EF4-FFF2-40B4-BE49-F238E27FC236}">
+                  <a16:creationId xmlns:a16="http://schemas.microsoft.com/office/drawing/2014/main" id="{2C546EB5-52FD-AD77-08A0-5C28F1F7907A}"/>
+                </a:ext>
+              </a:extLst>
+            </p:cNvPr>
+            <p:cNvSpPr txBox="1"/>
+            <p:nvPr/>
+          </p:nvSpPr>
+          <p:spPr>
+            <a:xfrm>
+              <a:off x="10929937" y="4107418"/>
+              <a:ext cx="925253" cy="369332"/>
+            </a:xfrm>
+            <a:prstGeom prst="rect">
+              <a:avLst/>
+            </a:prstGeom>
+            <a:noFill/>
+          </p:spPr>
+          <p:txBody>
+            <a:bodyPr wrap="none" rtlCol="0">
+              <a:spAutoFit/>
+            </a:bodyPr>
+            <a:lstStyle/>
+            <a:p>
+              <a:r>
+                <a:rPr lang="en-US" altLang="zh-CN" b="1" dirty="0"/>
+                <a:t>ZX</a:t>
+              </a:r>
+              <a:r>
+                <a:rPr lang="zh-CN" altLang="en-US" b="1" dirty="0"/>
+                <a:t>平面</a:t>
+              </a:r>
+            </a:p>
+          </p:txBody>
+        </p:sp>
+        <p:sp>
+          <p:nvSpPr>
+            <p:cNvPr id="49" name="椭圆 48">
+              <a:extLst>
+                <a:ext uri="{FF2B5EF4-FFF2-40B4-BE49-F238E27FC236}">
+                  <a16:creationId xmlns:a16="http://schemas.microsoft.com/office/drawing/2014/main" id="{2A3F2ED7-51AE-6896-84DA-BBAD5DB57260}"/>
+                </a:ext>
+              </a:extLst>
+            </p:cNvPr>
+            <p:cNvSpPr/>
+            <p:nvPr/>
+          </p:nvSpPr>
+          <p:spPr>
+            <a:xfrm>
+              <a:off x="10007526" y="1938552"/>
+              <a:ext cx="139848" cy="129092"/>
+            </a:xfrm>
+            <a:prstGeom prst="ellipse">
+              <a:avLst/>
+            </a:prstGeom>
+            <a:solidFill>
+              <a:schemeClr val="accent1"/>
+            </a:solidFill>
+          </p:spPr>
+          <p:style>
+            <a:lnRef idx="2">
+              <a:schemeClr val="accent1">
+                <a:shade val="50000"/>
+              </a:schemeClr>
+            </a:lnRef>
+            <a:fillRef idx="1">
+              <a:schemeClr val="accent1"/>
+            </a:fillRef>
+            <a:effectRef idx="0">
+              <a:schemeClr val="accent1"/>
+            </a:effectRef>
+            <a:fontRef idx="minor">
+              <a:schemeClr val="lt1"/>
+            </a:fontRef>
+          </p:style>
+          <p:txBody>
+            <a:bodyPr rtlCol="0" anchor="ctr"/>
+            <a:lstStyle/>
+            <a:p>
+              <a:pPr algn="ctr"/>
+              <a:endParaRPr lang="zh-CN" altLang="en-US" dirty="0"/>
+            </a:p>
+          </p:txBody>
+        </p:sp>
+        <p:cxnSp>
+          <p:nvCxnSpPr>
+            <p:cNvPr id="52" name="直接箭头连接符 51">
+              <a:extLst>
+                <a:ext uri="{FF2B5EF4-FFF2-40B4-BE49-F238E27FC236}">
+                  <a16:creationId xmlns:a16="http://schemas.microsoft.com/office/drawing/2014/main" id="{A64B99B4-A3D5-AD43-FDB3-7C9DA41EFCEC}"/>
+                </a:ext>
+              </a:extLst>
+            </p:cNvPr>
+            <p:cNvCxnSpPr/>
+            <p:nvPr/>
+          </p:nvCxnSpPr>
+          <p:spPr>
+            <a:xfrm>
+              <a:off x="10406305" y="2067644"/>
+              <a:ext cx="318845" cy="140028"/>
+            </a:xfrm>
+            <a:prstGeom prst="straightConnector1">
+              <a:avLst/>
+            </a:prstGeom>
+            <a:ln>
+              <a:tailEnd type="triangle"/>
+            </a:ln>
+          </p:spPr>
+          <p:style>
+            <a:lnRef idx="1">
+              <a:schemeClr val="accent1"/>
+            </a:lnRef>
+            <a:fillRef idx="0">
+              <a:schemeClr val="accent1"/>
+            </a:fillRef>
+            <a:effectRef idx="0">
+              <a:schemeClr val="accent1"/>
+            </a:effectRef>
+            <a:fontRef idx="minor">
+              <a:schemeClr val="tx1"/>
+            </a:fontRef>
+          </p:style>
+        </p:cxnSp>
+      </p:grpSp>
+      <p:sp>
+        <p:nvSpPr>
+          <p:cNvPr id="53" name="文本框 52">
+            <a:extLst>
+              <a:ext uri="{FF2B5EF4-FFF2-40B4-BE49-F238E27FC236}">
+                <a16:creationId xmlns:a16="http://schemas.microsoft.com/office/drawing/2014/main" id="{6D1D9E43-AAD1-1C0F-CF80-E983C5E57B76}"/>
+              </a:ext>
+            </a:extLst>
+          </p:cNvPr>
+          <p:cNvSpPr txBox="1"/>
+          <p:nvPr/>
+        </p:nvSpPr>
+        <p:spPr>
+          <a:xfrm>
+            <a:off x="8939602" y="4842951"/>
+            <a:ext cx="2989470" cy="1352165"/>
+          </a:xfrm>
+          <a:prstGeom prst="rect">
+            <a:avLst/>
+          </a:prstGeom>
+          <a:noFill/>
+        </p:spPr>
+        <p:txBody>
+          <a:bodyPr wrap="square" rtlCol="0">
+            <a:spAutoFit/>
+          </a:bodyPr>
+          <a:lstStyle/>
+          <a:p>
+            <a:pPr algn="ctr">
+              <a:lnSpc>
+                <a:spcPct val="150000"/>
+              </a:lnSpc>
+            </a:pPr>
+            <a:r>
+              <a:rPr lang="zh-CN" altLang="en-US" sz="1400" b="1" dirty="0"/>
+              <a:t>所有的变换都是基于世界坐标初始位置的初始俯仰角进行计算的；而不是在变换后的基础上再变换，或者基于相机的局部坐标系</a:t>
+            </a:r>
+          </a:p>
+        </p:txBody>
+      </p:sp>
+    </p:spTree>
+    <p:extLst>
+      <p:ext uri="{BB962C8B-B14F-4D97-AF65-F5344CB8AC3E}">
+        <p14:creationId xmlns:p14="http://schemas.microsoft.com/office/powerpoint/2010/main" val="3047966429"/>
+      </p:ext>
+    </p:extLst>
+  </p:cSld>
+  <p:clrMapOvr>
+    <a:masterClrMapping/>
+  </p:clrMapOvr>
+</p:sld>
+</file>
+
+<file path=ppt/slides/slide14.xml><?xml version="1.0" encoding="utf-8"?>
+<p:sld xmlns:a="http://schemas.openxmlformats.org/drawingml/2006/main" xmlns:r="http://schemas.openxmlformats.org/officeDocument/2006/relationships" xmlns:p="http://schemas.openxmlformats.org/presentationml/2006/main">
+  <p:cSld>
+    <p:spTree>
+      <p:nvGrpSpPr>
+        <p:cNvPr id="1" name=""/>
+        <p:cNvGrpSpPr/>
+        <p:nvPr/>
+      </p:nvGrpSpPr>
+      <p:grpSpPr>
+        <a:xfrm>
+          <a:off x="0" y="0"/>
+          <a:ext cx="0" cy="0"/>
+          <a:chOff x="0" y="0"/>
+          <a:chExt cx="0" cy="0"/>
+        </a:xfrm>
+      </p:grpSpPr>
+      <p:sp>
+        <p:nvSpPr>
+          <p:cNvPr id="4" name="文本框 3">
+            <a:extLst>
+              <a:ext uri="{FF2B5EF4-FFF2-40B4-BE49-F238E27FC236}">
+                <a16:creationId xmlns:a16="http://schemas.microsoft.com/office/drawing/2014/main" id="{4991220C-83FC-8FFB-EB0F-0CF6B3DAC055}"/>
+              </a:ext>
+            </a:extLst>
+          </p:cNvPr>
+          <p:cNvSpPr txBox="1"/>
+          <p:nvPr/>
+        </p:nvSpPr>
+        <p:spPr>
+          <a:xfrm>
+            <a:off x="258184" y="247427"/>
             <a:ext cx="3946914" cy="369332"/>
           </a:xfrm>
           <a:prstGeom prst="rect">
@@ -5928,7 +7537,7 @@
 </p:sld>
 </file>
 
-<file path=ppt/slides/slide13.xml><?xml version="1.0" encoding="utf-8"?>
+<file path=ppt/slides/slide15.xml><?xml version="1.0" encoding="utf-8"?>
 <p:sld xmlns:a="http://schemas.openxmlformats.org/drawingml/2006/main" xmlns:r="http://schemas.openxmlformats.org/officeDocument/2006/relationships" xmlns:p="http://schemas.openxmlformats.org/presentationml/2006/main">
   <p:cSld>
     <p:spTree>

--- a/note/note.pptx
+++ b/note/note.pptx
@@ -5,7 +5,7 @@
     <p:sldMasterId id="2147483648" r:id="rId1"/>
   </p:sldMasterIdLst>
   <p:notesMasterIdLst>
-    <p:notesMasterId r:id="rId17"/>
+    <p:notesMasterId r:id="rId19"/>
   </p:notesMasterIdLst>
   <p:sldIdLst>
     <p:sldId id="257" r:id="rId2"/>
@@ -21,8 +21,10 @@
     <p:sldId id="268" r:id="rId12"/>
     <p:sldId id="270" r:id="rId13"/>
     <p:sldId id="271" r:id="rId14"/>
-    <p:sldId id="269" r:id="rId15"/>
-    <p:sldId id="263" r:id="rId16"/>
+    <p:sldId id="272" r:id="rId15"/>
+    <p:sldId id="273" r:id="rId16"/>
+    <p:sldId id="269" r:id="rId17"/>
+    <p:sldId id="263" r:id="rId18"/>
   </p:sldIdLst>
   <p:sldSz cx="12192000" cy="6858000"/>
   <p:notesSz cx="6858000" cy="9144000"/>
@@ -7375,6 +7377,1743 @@
         <p:spPr>
           <a:xfrm>
             <a:off x="258184" y="247427"/>
+            <a:ext cx="1869423" cy="369332"/>
+          </a:xfrm>
+          <a:prstGeom prst="rect">
+            <a:avLst/>
+          </a:prstGeom>
+          <a:noFill/>
+        </p:spPr>
+        <p:txBody>
+          <a:bodyPr wrap="none" rtlCol="0">
+            <a:spAutoFit/>
+          </a:bodyPr>
+          <a:lstStyle/>
+          <a:p>
+            <a:r>
+              <a:rPr lang="en-US" altLang="zh-CN" b="1" dirty="0">
+                <a:solidFill>
+                  <a:srgbClr val="C00000"/>
+                </a:solidFill>
+              </a:rPr>
+              <a:t>Lession_7</a:t>
+            </a:r>
+            <a:r>
+              <a:rPr lang="zh-CN" altLang="en-US" b="1" dirty="0">
+                <a:solidFill>
+                  <a:srgbClr val="C00000"/>
+                </a:solidFill>
+              </a:rPr>
+              <a:t>：光照</a:t>
+            </a:r>
+          </a:p>
+        </p:txBody>
+      </p:sp>
+      <p:sp>
+        <p:nvSpPr>
+          <p:cNvPr id="2" name="文本框 1">
+            <a:extLst>
+              <a:ext uri="{FF2B5EF4-FFF2-40B4-BE49-F238E27FC236}">
+                <a16:creationId xmlns:a16="http://schemas.microsoft.com/office/drawing/2014/main" id="{ABFD1889-C6CB-FEFE-E9FD-0218917CCCF0}"/>
+              </a:ext>
+            </a:extLst>
+          </p:cNvPr>
+          <p:cNvSpPr txBox="1"/>
+          <p:nvPr/>
+        </p:nvSpPr>
+        <p:spPr>
+          <a:xfrm>
+            <a:off x="7387124" y="4393422"/>
+            <a:ext cx="3647152" cy="369332"/>
+          </a:xfrm>
+          <a:prstGeom prst="rect">
+            <a:avLst/>
+          </a:prstGeom>
+          <a:noFill/>
+        </p:spPr>
+        <p:txBody>
+          <a:bodyPr wrap="none" rtlCol="0">
+            <a:spAutoFit/>
+          </a:bodyPr>
+          <a:lstStyle/>
+          <a:p>
+            <a:r>
+              <a:rPr lang="zh-CN" altLang="en-US" b="1" dirty="0">
+                <a:solidFill>
+                  <a:srgbClr val="C00000"/>
+                </a:solidFill>
+              </a:rPr>
+              <a:t>将两颜色分量相乘，意味着什么？</a:t>
+            </a:r>
+          </a:p>
+        </p:txBody>
+      </p:sp>
+      <p:pic>
+        <p:nvPicPr>
+          <p:cNvPr id="9" name="图片 8">
+            <a:extLst>
+              <a:ext uri="{FF2B5EF4-FFF2-40B4-BE49-F238E27FC236}">
+                <a16:creationId xmlns:a16="http://schemas.microsoft.com/office/drawing/2014/main" id="{BB505047-08CB-0BE4-70DB-8B76E3DCDC83}"/>
+              </a:ext>
+            </a:extLst>
+          </p:cNvPr>
+          <p:cNvPicPr>
+            <a:picLocks noChangeAspect="1"/>
+          </p:cNvPicPr>
+          <p:nvPr/>
+        </p:nvPicPr>
+        <p:blipFill rotWithShape="1">
+          <a:blip r:embed="rId2"/>
+          <a:srcRect r="33575"/>
+          <a:stretch/>
+        </p:blipFill>
+        <p:spPr>
+          <a:xfrm>
+            <a:off x="6294657" y="5002503"/>
+            <a:ext cx="5325519" cy="1013080"/>
+          </a:xfrm>
+          <a:prstGeom prst="rect">
+            <a:avLst/>
+          </a:prstGeom>
+        </p:spPr>
+      </p:pic>
+      <p:grpSp>
+        <p:nvGrpSpPr>
+          <p:cNvPr id="21" name="组合 20">
+            <a:extLst>
+              <a:ext uri="{FF2B5EF4-FFF2-40B4-BE49-F238E27FC236}">
+                <a16:creationId xmlns:a16="http://schemas.microsoft.com/office/drawing/2014/main" id="{129386A6-0780-BE8F-E433-BBF47A61D55D}"/>
+              </a:ext>
+            </a:extLst>
+          </p:cNvPr>
+          <p:cNvGrpSpPr/>
+          <p:nvPr/>
+        </p:nvGrpSpPr>
+        <p:grpSpPr>
+          <a:xfrm>
+            <a:off x="569903" y="897798"/>
+            <a:ext cx="3381619" cy="258932"/>
+            <a:chOff x="1192895" y="3059668"/>
+            <a:chExt cx="5926761" cy="345970"/>
+          </a:xfrm>
+        </p:grpSpPr>
+        <p:sp>
+          <p:nvSpPr>
+            <p:cNvPr id="11" name="文本框 10">
+              <a:extLst>
+                <a:ext uri="{FF2B5EF4-FFF2-40B4-BE49-F238E27FC236}">
+                  <a16:creationId xmlns:a16="http://schemas.microsoft.com/office/drawing/2014/main" id="{1A8858BD-DA11-9159-61C5-AD8E6DB3A0EF}"/>
+                </a:ext>
+              </a:extLst>
+            </p:cNvPr>
+            <p:cNvSpPr txBox="1"/>
+            <p:nvPr/>
+          </p:nvSpPr>
+          <p:spPr>
+            <a:xfrm>
+              <a:off x="3577813" y="3061811"/>
+              <a:ext cx="1506031" cy="340136"/>
+            </a:xfrm>
+            <a:prstGeom prst="rect">
+              <a:avLst/>
+            </a:prstGeom>
+            <a:noFill/>
+          </p:spPr>
+          <p:txBody>
+            <a:bodyPr wrap="none" rtlCol="0">
+              <a:spAutoFit/>
+            </a:bodyPr>
+            <a:lstStyle/>
+            <a:p>
+              <a:r>
+                <a:rPr lang="zh-CN" altLang="en-US" sz="1200" b="1" dirty="0"/>
+                <a:t>光源的颜色</a:t>
+              </a:r>
+            </a:p>
+          </p:txBody>
+        </p:sp>
+        <p:sp>
+          <p:nvSpPr>
+            <p:cNvPr id="14" name="文本框 13">
+              <a:extLst>
+                <a:ext uri="{FF2B5EF4-FFF2-40B4-BE49-F238E27FC236}">
+                  <a16:creationId xmlns:a16="http://schemas.microsoft.com/office/drawing/2014/main" id="{D2727163-4AA5-7AFA-7001-4BDF0ED647AC}"/>
+                </a:ext>
+              </a:extLst>
+            </p:cNvPr>
+            <p:cNvSpPr txBox="1"/>
+            <p:nvPr/>
+          </p:nvSpPr>
+          <p:spPr>
+            <a:xfrm>
+              <a:off x="5613625" y="3059668"/>
+              <a:ext cx="1506031" cy="340136"/>
+            </a:xfrm>
+            <a:prstGeom prst="rect">
+              <a:avLst/>
+            </a:prstGeom>
+            <a:noFill/>
+          </p:spPr>
+          <p:txBody>
+            <a:bodyPr wrap="none" rtlCol="0">
+              <a:spAutoFit/>
+            </a:bodyPr>
+            <a:lstStyle/>
+            <a:p>
+              <a:r>
+                <a:rPr lang="zh-CN" altLang="en-US" sz="1200" b="1" dirty="0"/>
+                <a:t>物体的颜色</a:t>
+              </a:r>
+            </a:p>
+          </p:txBody>
+        </p:sp>
+        <p:sp>
+          <p:nvSpPr>
+            <p:cNvPr id="15" name="文本框 14">
+              <a:extLst>
+                <a:ext uri="{FF2B5EF4-FFF2-40B4-BE49-F238E27FC236}">
+                  <a16:creationId xmlns:a16="http://schemas.microsoft.com/office/drawing/2014/main" id="{1C14C765-725F-68C7-9462-0AB8F3117156}"/>
+                </a:ext>
+              </a:extLst>
+            </p:cNvPr>
+            <p:cNvSpPr txBox="1"/>
+            <p:nvPr/>
+          </p:nvSpPr>
+          <p:spPr>
+            <a:xfrm>
+              <a:off x="1192895" y="3059668"/>
+              <a:ext cx="1991848" cy="340136"/>
+            </a:xfrm>
+            <a:prstGeom prst="rect">
+              <a:avLst/>
+            </a:prstGeom>
+            <a:noFill/>
+          </p:spPr>
+          <p:txBody>
+            <a:bodyPr wrap="none" rtlCol="0">
+              <a:spAutoFit/>
+            </a:bodyPr>
+            <a:lstStyle/>
+            <a:p>
+              <a:r>
+                <a:rPr lang="zh-CN" altLang="en-US" sz="1200" b="1" dirty="0"/>
+                <a:t>物体反射的颜色</a:t>
+              </a:r>
+            </a:p>
+          </p:txBody>
+        </p:sp>
+        <p:sp>
+          <p:nvSpPr>
+            <p:cNvPr id="18" name="文本框 17">
+              <a:extLst>
+                <a:ext uri="{FF2B5EF4-FFF2-40B4-BE49-F238E27FC236}">
+                  <a16:creationId xmlns:a16="http://schemas.microsoft.com/office/drawing/2014/main" id="{8FABDAA3-0EBD-A74E-9279-2EFF0B42109E}"/>
+                </a:ext>
+              </a:extLst>
+            </p:cNvPr>
+            <p:cNvSpPr txBox="1"/>
+            <p:nvPr/>
+          </p:nvSpPr>
+          <p:spPr>
+            <a:xfrm>
+              <a:off x="3116321" y="3059668"/>
+              <a:ext cx="461021" cy="340136"/>
+            </a:xfrm>
+            <a:prstGeom prst="rect">
+              <a:avLst/>
+            </a:prstGeom>
+            <a:noFill/>
+          </p:spPr>
+          <p:txBody>
+            <a:bodyPr wrap="none" rtlCol="0">
+              <a:spAutoFit/>
+            </a:bodyPr>
+            <a:lstStyle/>
+            <a:p>
+              <a:r>
+                <a:rPr lang="en-US" altLang="zh-CN" sz="1200" b="1" dirty="0"/>
+                <a:t>=</a:t>
+              </a:r>
+              <a:endParaRPr lang="zh-CN" altLang="en-US" sz="1200" b="1" dirty="0"/>
+            </a:p>
+          </p:txBody>
+        </p:sp>
+        <p:sp>
+          <p:nvSpPr>
+            <p:cNvPr id="19" name="文本框 18">
+              <a:extLst>
+                <a:ext uri="{FF2B5EF4-FFF2-40B4-BE49-F238E27FC236}">
+                  <a16:creationId xmlns:a16="http://schemas.microsoft.com/office/drawing/2014/main" id="{46E7F040-93D7-7D70-9E8F-399E9247CA4A}"/>
+                </a:ext>
+              </a:extLst>
+            </p:cNvPr>
+            <p:cNvSpPr txBox="1"/>
+            <p:nvPr/>
+          </p:nvSpPr>
+          <p:spPr>
+            <a:xfrm>
+              <a:off x="5125511" y="3065502"/>
+              <a:ext cx="397762" cy="340136"/>
+            </a:xfrm>
+            <a:prstGeom prst="rect">
+              <a:avLst/>
+            </a:prstGeom>
+            <a:noFill/>
+          </p:spPr>
+          <p:txBody>
+            <a:bodyPr wrap="none" rtlCol="0">
+              <a:spAutoFit/>
+            </a:bodyPr>
+            <a:lstStyle/>
+            <a:p>
+              <a:r>
+                <a:rPr lang="en-US" altLang="zh-CN" sz="1200" b="1" dirty="0"/>
+                <a:t>*</a:t>
+              </a:r>
+              <a:endParaRPr lang="zh-CN" altLang="en-US" sz="1200" b="1" dirty="0"/>
+            </a:p>
+          </p:txBody>
+        </p:sp>
+      </p:grpSp>
+      <p:cxnSp>
+        <p:nvCxnSpPr>
+          <p:cNvPr id="30" name="连接符: 肘形 29">
+            <a:extLst>
+              <a:ext uri="{FF2B5EF4-FFF2-40B4-BE49-F238E27FC236}">
+                <a16:creationId xmlns:a16="http://schemas.microsoft.com/office/drawing/2014/main" id="{95996888-E373-7EA7-7C5B-71CEF335342B}"/>
+              </a:ext>
+            </a:extLst>
+          </p:cNvPr>
+          <p:cNvCxnSpPr>
+            <a:cxnSpLocks/>
+          </p:cNvCxnSpPr>
+          <p:nvPr/>
+        </p:nvCxnSpPr>
+        <p:spPr>
+          <a:xfrm rot="16200000" flipH="1">
+            <a:off x="2559011" y="891183"/>
+            <a:ext cx="376889" cy="637996"/>
+          </a:xfrm>
+          <a:prstGeom prst="bentConnector2">
+            <a:avLst/>
+          </a:prstGeom>
+          <a:ln>
+            <a:tailEnd type="triangle"/>
+          </a:ln>
+        </p:spPr>
+        <p:style>
+          <a:lnRef idx="1">
+            <a:schemeClr val="accent1"/>
+          </a:lnRef>
+          <a:fillRef idx="0">
+            <a:schemeClr val="accent1"/>
+          </a:fillRef>
+          <a:effectRef idx="0">
+            <a:schemeClr val="accent1"/>
+          </a:effectRef>
+          <a:fontRef idx="minor">
+            <a:schemeClr val="tx1"/>
+          </a:fontRef>
+        </p:style>
+      </p:cxnSp>
+      <p:cxnSp>
+        <p:nvCxnSpPr>
+          <p:cNvPr id="32" name="连接符: 肘形 31">
+            <a:extLst>
+              <a:ext uri="{FF2B5EF4-FFF2-40B4-BE49-F238E27FC236}">
+                <a16:creationId xmlns:a16="http://schemas.microsoft.com/office/drawing/2014/main" id="{9A692E66-834A-C5AB-79A7-101F6ED3C2D6}"/>
+              </a:ext>
+            </a:extLst>
+          </p:cNvPr>
+          <p:cNvCxnSpPr>
+            <a:cxnSpLocks/>
+          </p:cNvCxnSpPr>
+          <p:nvPr/>
+        </p:nvCxnSpPr>
+        <p:spPr>
+          <a:xfrm rot="16200000" flipH="1">
+            <a:off x="2536340" y="888175"/>
+            <a:ext cx="768969" cy="1007696"/>
+          </a:xfrm>
+          <a:prstGeom prst="bentConnector2">
+            <a:avLst/>
+          </a:prstGeom>
+          <a:ln>
+            <a:tailEnd type="triangle"/>
+          </a:ln>
+        </p:spPr>
+        <p:style>
+          <a:lnRef idx="1">
+            <a:schemeClr val="accent1"/>
+          </a:lnRef>
+          <a:fillRef idx="0">
+            <a:schemeClr val="accent1"/>
+          </a:fillRef>
+          <a:effectRef idx="0">
+            <a:schemeClr val="accent1"/>
+          </a:effectRef>
+          <a:fontRef idx="minor">
+            <a:schemeClr val="tx1"/>
+          </a:fontRef>
+        </p:style>
+      </p:cxnSp>
+      <p:cxnSp>
+        <p:nvCxnSpPr>
+          <p:cNvPr id="34" name="连接符: 肘形 33">
+            <a:extLst>
+              <a:ext uri="{FF2B5EF4-FFF2-40B4-BE49-F238E27FC236}">
+                <a16:creationId xmlns:a16="http://schemas.microsoft.com/office/drawing/2014/main" id="{A0A043DB-C014-5D45-7A49-60C3FEDD8FFF}"/>
+              </a:ext>
+            </a:extLst>
+          </p:cNvPr>
+          <p:cNvCxnSpPr>
+            <a:cxnSpLocks/>
+          </p:cNvCxnSpPr>
+          <p:nvPr/>
+        </p:nvCxnSpPr>
+        <p:spPr>
+          <a:xfrm rot="16200000" flipH="1">
+            <a:off x="2649190" y="722079"/>
+            <a:ext cx="1196692" cy="1638158"/>
+          </a:xfrm>
+          <a:prstGeom prst="bentConnector2">
+            <a:avLst/>
+          </a:prstGeom>
+          <a:ln>
+            <a:tailEnd type="triangle"/>
+          </a:ln>
+        </p:spPr>
+        <p:style>
+          <a:lnRef idx="1">
+            <a:schemeClr val="accent1"/>
+          </a:lnRef>
+          <a:fillRef idx="0">
+            <a:schemeClr val="accent1"/>
+          </a:fillRef>
+          <a:effectRef idx="0">
+            <a:schemeClr val="accent1"/>
+          </a:effectRef>
+          <a:fontRef idx="minor">
+            <a:schemeClr val="tx1"/>
+          </a:fontRef>
+        </p:style>
+      </p:cxnSp>
+      <p:sp>
+        <p:nvSpPr>
+          <p:cNvPr id="36" name="文本框 35">
+            <a:extLst>
+              <a:ext uri="{FF2B5EF4-FFF2-40B4-BE49-F238E27FC236}">
+                <a16:creationId xmlns:a16="http://schemas.microsoft.com/office/drawing/2014/main" id="{EC16C0B2-0F4A-1AD8-92A9-3F651A092964}"/>
+              </a:ext>
+            </a:extLst>
+          </p:cNvPr>
+          <p:cNvSpPr txBox="1"/>
+          <p:nvPr/>
+        </p:nvSpPr>
+        <p:spPr>
+          <a:xfrm>
+            <a:off x="3178453" y="1256330"/>
+            <a:ext cx="859293" cy="254565"/>
+          </a:xfrm>
+          <a:prstGeom prst="rect">
+            <a:avLst/>
+          </a:prstGeom>
+          <a:noFill/>
+        </p:spPr>
+        <p:txBody>
+          <a:bodyPr wrap="none" rtlCol="0">
+            <a:spAutoFit/>
+          </a:bodyPr>
+          <a:lstStyle/>
+          <a:p>
+            <a:r>
+              <a:rPr lang="zh-CN" altLang="en-US" sz="1200" dirty="0"/>
+              <a:t>环境光部分</a:t>
+            </a:r>
+          </a:p>
+        </p:txBody>
+      </p:sp>
+      <p:sp>
+        <p:nvSpPr>
+          <p:cNvPr id="37" name="文本框 36">
+            <a:extLst>
+              <a:ext uri="{FF2B5EF4-FFF2-40B4-BE49-F238E27FC236}">
+                <a16:creationId xmlns:a16="http://schemas.microsoft.com/office/drawing/2014/main" id="{E0BD4226-3B44-D564-5CBE-442DBD268986}"/>
+              </a:ext>
+            </a:extLst>
+          </p:cNvPr>
+          <p:cNvSpPr txBox="1"/>
+          <p:nvPr/>
+        </p:nvSpPr>
+        <p:spPr>
+          <a:xfrm>
+            <a:off x="3518757" y="1628628"/>
+            <a:ext cx="3868367" cy="276999"/>
+          </a:xfrm>
+          <a:prstGeom prst="rect">
+            <a:avLst/>
+          </a:prstGeom>
+          <a:noFill/>
+        </p:spPr>
+        <p:txBody>
+          <a:bodyPr wrap="none" rtlCol="0">
+            <a:spAutoFit/>
+          </a:bodyPr>
+          <a:lstStyle/>
+          <a:p>
+            <a:r>
+              <a:rPr lang="zh-CN" altLang="en-US" sz="1200" dirty="0"/>
+              <a:t>漫反射部分  和光照方向有关，</a:t>
+            </a:r>
+            <a:r>
+              <a:rPr lang="en-US" altLang="zh-CN" sz="1200" dirty="0"/>
+              <a:t>diffuse factor(</a:t>
+            </a:r>
+            <a:r>
+              <a:rPr lang="en-US" altLang="zh-CN" sz="1200" dirty="0" err="1"/>
+              <a:t>fd</a:t>
+            </a:r>
+            <a:r>
+              <a:rPr lang="en-US" altLang="zh-CN" sz="1200" dirty="0"/>
+              <a:t>) *cosθ1</a:t>
+            </a:r>
+            <a:endParaRPr lang="zh-CN" altLang="en-US" sz="1200" dirty="0"/>
+          </a:p>
+        </p:txBody>
+      </p:sp>
+      <p:sp>
+        <p:nvSpPr>
+          <p:cNvPr id="38" name="文本框 37">
+            <a:extLst>
+              <a:ext uri="{FF2B5EF4-FFF2-40B4-BE49-F238E27FC236}">
+                <a16:creationId xmlns:a16="http://schemas.microsoft.com/office/drawing/2014/main" id="{312DE5E5-122A-BDC1-DE93-5260148786BD}"/>
+              </a:ext>
+            </a:extLst>
+          </p:cNvPr>
+          <p:cNvSpPr txBox="1"/>
+          <p:nvPr/>
+        </p:nvSpPr>
+        <p:spPr>
+          <a:xfrm>
+            <a:off x="4182756" y="2001004"/>
+            <a:ext cx="5105885" cy="276999"/>
+          </a:xfrm>
+          <a:prstGeom prst="rect">
+            <a:avLst/>
+          </a:prstGeom>
+          <a:noFill/>
+        </p:spPr>
+        <p:txBody>
+          <a:bodyPr wrap="none" rtlCol="0">
+            <a:spAutoFit/>
+          </a:bodyPr>
+          <a:lstStyle/>
+          <a:p>
+            <a:r>
+              <a:rPr lang="zh-CN" altLang="en-US" sz="1200" dirty="0"/>
+              <a:t>镜面反射部分  和光照和相机方向有关系 </a:t>
+            </a:r>
+            <a:r>
+              <a:rPr lang="en-US" altLang="zh-CN" sz="1200" dirty="0"/>
+              <a:t>reflector factor(</a:t>
+            </a:r>
+            <a:r>
+              <a:rPr lang="en-US" altLang="zh-CN" sz="1200" dirty="0" err="1"/>
+              <a:t>fr</a:t>
+            </a:r>
+            <a:r>
+              <a:rPr lang="en-US" altLang="zh-CN" sz="1200" dirty="0"/>
+              <a:t>) *cos θ1*cosθ2</a:t>
+            </a:r>
+            <a:endParaRPr lang="zh-CN" altLang="en-US" sz="1200" dirty="0"/>
+          </a:p>
+        </p:txBody>
+      </p:sp>
+      <p:sp>
+        <p:nvSpPr>
+          <p:cNvPr id="39" name="文本框 38">
+            <a:extLst>
+              <a:ext uri="{FF2B5EF4-FFF2-40B4-BE49-F238E27FC236}">
+                <a16:creationId xmlns:a16="http://schemas.microsoft.com/office/drawing/2014/main" id="{256AFC02-B3E5-6E07-2416-05E92A31B85A}"/>
+              </a:ext>
+            </a:extLst>
+          </p:cNvPr>
+          <p:cNvSpPr txBox="1"/>
+          <p:nvPr/>
+        </p:nvSpPr>
+        <p:spPr>
+          <a:xfrm>
+            <a:off x="4182756" y="1255750"/>
+            <a:ext cx="1422338" cy="254565"/>
+          </a:xfrm>
+          <a:prstGeom prst="rect">
+            <a:avLst/>
+          </a:prstGeom>
+          <a:noFill/>
+        </p:spPr>
+        <p:txBody>
+          <a:bodyPr wrap="none" rtlCol="0">
+            <a:spAutoFit/>
+          </a:bodyPr>
+          <a:lstStyle/>
+          <a:p>
+            <a:r>
+              <a:rPr lang="en-US" altLang="zh-CN" sz="1200" dirty="0"/>
+              <a:t>ambient factor</a:t>
+            </a:r>
+            <a:r>
+              <a:rPr lang="zh-CN" altLang="en-US" sz="1200" dirty="0"/>
+              <a:t>（</a:t>
+            </a:r>
+            <a:r>
+              <a:rPr lang="en-US" altLang="zh-CN" sz="1200" dirty="0"/>
+              <a:t>fa</a:t>
+            </a:r>
+            <a:r>
+              <a:rPr lang="zh-CN" altLang="en-US" sz="1200" dirty="0"/>
+              <a:t>）</a:t>
+            </a:r>
+          </a:p>
+        </p:txBody>
+      </p:sp>
+      <p:pic>
+        <p:nvPicPr>
+          <p:cNvPr id="41" name="图片 40">
+            <a:extLst>
+              <a:ext uri="{FF2B5EF4-FFF2-40B4-BE49-F238E27FC236}">
+                <a16:creationId xmlns:a16="http://schemas.microsoft.com/office/drawing/2014/main" id="{0CC191B7-C77F-0CE5-C765-EAF1F91177D8}"/>
+              </a:ext>
+            </a:extLst>
+          </p:cNvPr>
+          <p:cNvPicPr>
+            <a:picLocks noChangeAspect="1"/>
+          </p:cNvPicPr>
+          <p:nvPr/>
+        </p:nvPicPr>
+        <p:blipFill>
+          <a:blip r:embed="rId3"/>
+          <a:stretch>
+            <a:fillRect/>
+          </a:stretch>
+        </p:blipFill>
+        <p:spPr>
+          <a:xfrm>
+            <a:off x="104775" y="3705225"/>
+            <a:ext cx="6299894" cy="3036518"/>
+          </a:xfrm>
+          <a:prstGeom prst="rect">
+            <a:avLst/>
+          </a:prstGeom>
+        </p:spPr>
+      </p:pic>
+      <p:sp>
+        <p:nvSpPr>
+          <p:cNvPr id="44" name="文本框 43">
+            <a:extLst>
+              <a:ext uri="{FF2B5EF4-FFF2-40B4-BE49-F238E27FC236}">
+                <a16:creationId xmlns:a16="http://schemas.microsoft.com/office/drawing/2014/main" id="{F5903440-5226-AA0E-7E09-42E1D4E4F233}"/>
+              </a:ext>
+            </a:extLst>
+          </p:cNvPr>
+          <p:cNvSpPr txBox="1"/>
+          <p:nvPr/>
+        </p:nvSpPr>
+        <p:spPr>
+          <a:xfrm>
+            <a:off x="569903" y="2486834"/>
+            <a:ext cx="4855816" cy="261610"/>
+          </a:xfrm>
+          <a:prstGeom prst="rect">
+            <a:avLst/>
+          </a:prstGeom>
+          <a:solidFill>
+            <a:schemeClr val="accent2">
+              <a:lumMod val="40000"/>
+              <a:lumOff val="60000"/>
+            </a:schemeClr>
+          </a:solidFill>
+        </p:spPr>
+        <p:txBody>
+          <a:bodyPr wrap="none" rtlCol="0">
+            <a:spAutoFit/>
+          </a:bodyPr>
+          <a:lstStyle/>
+          <a:p>
+            <a:r>
+              <a:rPr lang="en-US" altLang="zh-CN" sz="1100" b="1" dirty="0" err="1">
+                <a:solidFill>
+                  <a:schemeClr val="accent1"/>
+                </a:solidFill>
+              </a:rPr>
+              <a:t>resultColor</a:t>
+            </a:r>
+            <a:r>
+              <a:rPr lang="en-US" altLang="zh-CN" sz="1100" b="1" dirty="0">
+                <a:solidFill>
+                  <a:schemeClr val="accent1"/>
+                </a:solidFill>
+              </a:rPr>
+              <a:t> = </a:t>
+            </a:r>
+            <a:r>
+              <a:rPr lang="en-US" altLang="zh-CN" sz="1100" b="1" dirty="0">
+                <a:solidFill>
+                  <a:srgbClr val="C00000"/>
+                </a:solidFill>
+              </a:rPr>
+              <a:t>(fa + </a:t>
+            </a:r>
+            <a:r>
+              <a:rPr lang="en-US" altLang="zh-CN" sz="1100" b="1" dirty="0" err="1">
+                <a:solidFill>
+                  <a:srgbClr val="C00000"/>
+                </a:solidFill>
+              </a:rPr>
+              <a:t>fd</a:t>
+            </a:r>
+            <a:r>
+              <a:rPr lang="en-US" altLang="zh-CN" sz="1100" b="1" dirty="0">
+                <a:solidFill>
+                  <a:srgbClr val="C00000"/>
+                </a:solidFill>
+              </a:rPr>
+              <a:t>*conθ1 + </a:t>
+            </a:r>
+            <a:r>
+              <a:rPr lang="en-US" altLang="zh-CN" sz="1100" b="1" dirty="0" err="1">
+                <a:solidFill>
+                  <a:srgbClr val="C00000"/>
+                </a:solidFill>
+              </a:rPr>
+              <a:t>fr</a:t>
+            </a:r>
+            <a:r>
+              <a:rPr lang="en-US" altLang="zh-CN" sz="1100" b="1" dirty="0">
+                <a:solidFill>
+                  <a:srgbClr val="C00000"/>
+                </a:solidFill>
+              </a:rPr>
+              <a:t>*cosθ1 *cosθ2)*</a:t>
+            </a:r>
+            <a:r>
+              <a:rPr lang="en-US" altLang="zh-CN" sz="1100" b="1" dirty="0" err="1">
+                <a:solidFill>
+                  <a:srgbClr val="C00000"/>
+                </a:solidFill>
+              </a:rPr>
+              <a:t>lightColor</a:t>
+            </a:r>
+            <a:r>
+              <a:rPr lang="en-US" altLang="zh-CN" sz="1100" b="1" dirty="0">
+                <a:solidFill>
+                  <a:srgbClr val="C00000"/>
+                </a:solidFill>
+              </a:rPr>
+              <a:t>  </a:t>
+            </a:r>
+            <a:r>
+              <a:rPr lang="en-US" altLang="zh-CN" sz="1100" b="1" dirty="0">
+                <a:solidFill>
+                  <a:schemeClr val="accent1"/>
+                </a:solidFill>
+              </a:rPr>
+              <a:t>* </a:t>
+            </a:r>
+            <a:r>
+              <a:rPr lang="en-US" altLang="zh-CN" sz="1100" b="1" dirty="0" err="1">
+                <a:solidFill>
+                  <a:schemeClr val="accent1"/>
+                </a:solidFill>
+              </a:rPr>
+              <a:t>objectColor</a:t>
+            </a:r>
+            <a:endParaRPr lang="zh-CN" altLang="en-US" sz="1100" b="1" dirty="0">
+              <a:solidFill>
+                <a:schemeClr val="accent1"/>
+              </a:solidFill>
+            </a:endParaRPr>
+          </a:p>
+        </p:txBody>
+      </p:sp>
+      <p:sp>
+        <p:nvSpPr>
+          <p:cNvPr id="45" name="文本框 44">
+            <a:extLst>
+              <a:ext uri="{FF2B5EF4-FFF2-40B4-BE49-F238E27FC236}">
+                <a16:creationId xmlns:a16="http://schemas.microsoft.com/office/drawing/2014/main" id="{53802AA6-A80D-9B88-977E-BACE19D86CC1}"/>
+              </a:ext>
+            </a:extLst>
+          </p:cNvPr>
+          <p:cNvSpPr txBox="1"/>
+          <p:nvPr/>
+        </p:nvSpPr>
+        <p:spPr>
+          <a:xfrm>
+            <a:off x="6523300" y="156588"/>
+            <a:ext cx="5530681" cy="1352165"/>
+          </a:xfrm>
+          <a:prstGeom prst="rect">
+            <a:avLst/>
+          </a:prstGeom>
+          <a:noFill/>
+        </p:spPr>
+        <p:txBody>
+          <a:bodyPr wrap="none" rtlCol="0">
+            <a:spAutoFit/>
+          </a:bodyPr>
+          <a:lstStyle/>
+          <a:p>
+            <a:pPr marL="342900" indent="-342900">
+              <a:lnSpc>
+                <a:spcPct val="150000"/>
+              </a:lnSpc>
+              <a:buAutoNum type="arabicPeriod"/>
+            </a:pPr>
+            <a:r>
+              <a:rPr lang="zh-CN" altLang="en-US" sz="1400" b="1" dirty="0">
+                <a:solidFill>
+                  <a:srgbClr val="C00000"/>
+                </a:solidFill>
+              </a:rPr>
+              <a:t>物体的颜色由顶点颜色或者纹理决定</a:t>
+            </a:r>
+            <a:endParaRPr lang="en-US" altLang="zh-CN" sz="1400" b="1" dirty="0">
+              <a:solidFill>
+                <a:srgbClr val="C00000"/>
+              </a:solidFill>
+            </a:endParaRPr>
+          </a:p>
+          <a:p>
+            <a:pPr marL="342900" indent="-342900">
+              <a:lnSpc>
+                <a:spcPct val="150000"/>
+              </a:lnSpc>
+              <a:buAutoNum type="arabicPeriod"/>
+            </a:pPr>
+            <a:r>
+              <a:rPr lang="zh-CN" altLang="en-US" sz="1400" b="1" dirty="0">
+                <a:solidFill>
+                  <a:srgbClr val="C00000"/>
+                </a:solidFill>
+              </a:rPr>
+              <a:t>在网站</a:t>
+            </a:r>
+            <a:r>
+              <a:rPr lang="en-US" altLang="zh-CN" sz="1400" b="1" dirty="0" err="1">
+                <a:solidFill>
+                  <a:srgbClr val="C00000"/>
+                </a:solidFill>
+              </a:rPr>
+              <a:t>LearnOpenGL</a:t>
+            </a:r>
+            <a:r>
+              <a:rPr lang="zh-CN" altLang="en-US" sz="1400" b="1" dirty="0">
+                <a:solidFill>
+                  <a:srgbClr val="C00000"/>
+                </a:solidFill>
+              </a:rPr>
+              <a:t>网站教程上面没有</a:t>
+            </a:r>
+            <a:r>
+              <a:rPr lang="en-US" altLang="zh-CN" sz="1400" b="1" dirty="0" err="1">
+                <a:solidFill>
+                  <a:srgbClr val="C00000"/>
+                </a:solidFill>
+              </a:rPr>
+              <a:t>fd</a:t>
+            </a:r>
+            <a:r>
+              <a:rPr lang="zh-CN" altLang="en-US" sz="1400" b="1" dirty="0">
+                <a:solidFill>
+                  <a:srgbClr val="C00000"/>
+                </a:solidFill>
+              </a:rPr>
+              <a:t>系数，可以认为</a:t>
+            </a:r>
+            <a:r>
+              <a:rPr lang="en-US" altLang="zh-CN" sz="1400" b="1" dirty="0" err="1">
+                <a:solidFill>
+                  <a:srgbClr val="C00000"/>
+                </a:solidFill>
+              </a:rPr>
+              <a:t>fd</a:t>
+            </a:r>
+            <a:r>
+              <a:rPr lang="en-US" altLang="zh-CN" sz="1400" b="1" dirty="0">
+                <a:solidFill>
+                  <a:srgbClr val="C00000"/>
+                </a:solidFill>
+              </a:rPr>
+              <a:t> = 1</a:t>
+            </a:r>
+          </a:p>
+          <a:p>
+            <a:pPr marL="342900" indent="-342900">
+              <a:lnSpc>
+                <a:spcPct val="150000"/>
+              </a:lnSpc>
+              <a:buAutoNum type="arabicPeriod"/>
+            </a:pPr>
+            <a:r>
+              <a:rPr lang="en-US" altLang="zh-CN" sz="1400" b="1" dirty="0">
+                <a:solidFill>
+                  <a:srgbClr val="C00000"/>
+                </a:solidFill>
+              </a:rPr>
+              <a:t>Shininess</a:t>
+            </a:r>
+            <a:r>
+              <a:rPr lang="zh-CN" altLang="en-US" sz="1400" b="1" dirty="0">
+                <a:solidFill>
+                  <a:srgbClr val="C00000"/>
+                </a:solidFill>
+              </a:rPr>
+              <a:t>表示反光度，决定高亮光斑的大小</a:t>
+            </a:r>
+            <a:endParaRPr lang="en-US" altLang="zh-CN" sz="1400" b="1" dirty="0">
+              <a:solidFill>
+                <a:srgbClr val="C00000"/>
+              </a:solidFill>
+            </a:endParaRPr>
+          </a:p>
+          <a:p>
+            <a:pPr marL="342900" indent="-342900">
+              <a:lnSpc>
+                <a:spcPct val="150000"/>
+              </a:lnSpc>
+              <a:buAutoNum type="arabicPeriod"/>
+            </a:pPr>
+            <a:r>
+              <a:rPr lang="zh-CN" altLang="en-US" sz="1400" b="1" dirty="0">
+                <a:solidFill>
+                  <a:srgbClr val="C00000"/>
+                </a:solidFill>
+              </a:rPr>
+              <a:t>在网站</a:t>
+            </a:r>
+            <a:r>
+              <a:rPr lang="en-US" altLang="zh-CN" sz="1400" b="1" dirty="0" err="1">
+                <a:solidFill>
+                  <a:srgbClr val="C00000"/>
+                </a:solidFill>
+              </a:rPr>
+              <a:t>LearnOpenGL</a:t>
+            </a:r>
+            <a:r>
+              <a:rPr lang="zh-CN" altLang="en-US" sz="1400" b="1" dirty="0">
+                <a:solidFill>
+                  <a:srgbClr val="C00000"/>
+                </a:solidFill>
+              </a:rPr>
+              <a:t>网站教程上面，用向量点乘 而 不是 </a:t>
+            </a:r>
+            <a:r>
+              <a:rPr lang="en-US" altLang="zh-CN" sz="1400" b="1" dirty="0" err="1">
+                <a:solidFill>
+                  <a:srgbClr val="C00000"/>
+                </a:solidFill>
+              </a:rPr>
+              <a:t>cosθ</a:t>
+            </a:r>
+            <a:endParaRPr lang="en-US" altLang="zh-CN" sz="1400" b="1" dirty="0">
+              <a:solidFill>
+                <a:srgbClr val="C00000"/>
+              </a:solidFill>
+            </a:endParaRPr>
+          </a:p>
+        </p:txBody>
+      </p:sp>
+      <p:sp>
+        <p:nvSpPr>
+          <p:cNvPr id="50" name="文本框 49">
+            <a:extLst>
+              <a:ext uri="{FF2B5EF4-FFF2-40B4-BE49-F238E27FC236}">
+                <a16:creationId xmlns:a16="http://schemas.microsoft.com/office/drawing/2014/main" id="{653848F0-936F-1F68-52F2-C339C267D0E6}"/>
+              </a:ext>
+            </a:extLst>
+          </p:cNvPr>
+          <p:cNvSpPr txBox="1"/>
+          <p:nvPr/>
+        </p:nvSpPr>
+        <p:spPr>
+          <a:xfrm>
+            <a:off x="569903" y="2885920"/>
+            <a:ext cx="9063700" cy="261610"/>
+          </a:xfrm>
+          <a:prstGeom prst="rect">
+            <a:avLst/>
+          </a:prstGeom>
+          <a:solidFill>
+            <a:schemeClr val="accent2">
+              <a:lumMod val="40000"/>
+              <a:lumOff val="60000"/>
+            </a:schemeClr>
+          </a:solidFill>
+        </p:spPr>
+        <p:txBody>
+          <a:bodyPr wrap="none" rtlCol="0">
+            <a:spAutoFit/>
+          </a:bodyPr>
+          <a:lstStyle/>
+          <a:p>
+            <a:r>
+              <a:rPr lang="en-US" altLang="zh-CN" sz="1100" b="1" dirty="0" err="1">
+                <a:solidFill>
+                  <a:schemeClr val="accent1"/>
+                </a:solidFill>
+              </a:rPr>
+              <a:t>resultColor</a:t>
+            </a:r>
+            <a:r>
+              <a:rPr lang="en-US" altLang="zh-CN" sz="1100" b="1" dirty="0">
+                <a:solidFill>
+                  <a:schemeClr val="accent1"/>
+                </a:solidFill>
+              </a:rPr>
+              <a:t> = </a:t>
+            </a:r>
+            <a:r>
+              <a:rPr lang="en-US" altLang="zh-CN" sz="1100" b="1" dirty="0">
+                <a:solidFill>
+                  <a:srgbClr val="C00000"/>
+                </a:solidFill>
+              </a:rPr>
+              <a:t>(fa * </a:t>
+            </a:r>
+            <a:r>
+              <a:rPr lang="en-US" altLang="zh-CN" sz="1100" b="1" dirty="0" err="1">
+                <a:solidFill>
+                  <a:schemeClr val="accent1"/>
+                </a:solidFill>
+              </a:rPr>
+              <a:t>material.ambientColor</a:t>
+            </a:r>
+            <a:r>
+              <a:rPr lang="en-US" altLang="zh-CN" sz="1100" b="1" dirty="0">
+                <a:solidFill>
+                  <a:srgbClr val="C00000"/>
+                </a:solidFill>
+              </a:rPr>
+              <a:t> + </a:t>
+            </a:r>
+            <a:r>
+              <a:rPr lang="en-US" altLang="zh-CN" sz="1100" b="1" dirty="0" err="1">
+                <a:solidFill>
+                  <a:srgbClr val="C00000"/>
+                </a:solidFill>
+              </a:rPr>
+              <a:t>fd</a:t>
+            </a:r>
+            <a:r>
+              <a:rPr lang="en-US" altLang="zh-CN" sz="1100" b="1" dirty="0">
+                <a:solidFill>
+                  <a:srgbClr val="C00000"/>
+                </a:solidFill>
+              </a:rPr>
+              <a:t> * </a:t>
+            </a:r>
+            <a:r>
+              <a:rPr lang="en-US" altLang="zh-CN" sz="1100" b="1" dirty="0">
+                <a:solidFill>
+                  <a:schemeClr val="accent1"/>
+                </a:solidFill>
+              </a:rPr>
+              <a:t>material. </a:t>
+            </a:r>
+            <a:r>
+              <a:rPr lang="en-US" altLang="zh-CN" sz="1100" b="1" dirty="0" err="1">
+                <a:solidFill>
+                  <a:schemeClr val="accent1"/>
+                </a:solidFill>
+              </a:rPr>
+              <a:t>diffuseColor</a:t>
+            </a:r>
+            <a:r>
+              <a:rPr lang="en-US" altLang="zh-CN" sz="1100" b="1" dirty="0">
+                <a:solidFill>
+                  <a:srgbClr val="C00000"/>
+                </a:solidFill>
+              </a:rPr>
+              <a:t> *conθ1 + </a:t>
+            </a:r>
+            <a:r>
+              <a:rPr lang="en-US" altLang="zh-CN" sz="1100" b="1" dirty="0" err="1">
+                <a:solidFill>
+                  <a:srgbClr val="C00000"/>
+                </a:solidFill>
+              </a:rPr>
+              <a:t>fr</a:t>
+            </a:r>
+            <a:r>
+              <a:rPr lang="en-US" altLang="zh-CN" sz="1100" b="1" dirty="0">
+                <a:solidFill>
+                  <a:srgbClr val="C00000"/>
+                </a:solidFill>
+              </a:rPr>
+              <a:t>* </a:t>
+            </a:r>
+            <a:r>
+              <a:rPr lang="en-US" altLang="zh-CN" sz="1100" b="1" dirty="0">
+                <a:solidFill>
+                  <a:schemeClr val="accent1"/>
+                </a:solidFill>
+              </a:rPr>
+              <a:t>material. </a:t>
+            </a:r>
+            <a:r>
+              <a:rPr lang="en-US" altLang="zh-CN" sz="1100" b="1" dirty="0" err="1">
+                <a:solidFill>
+                  <a:schemeClr val="accent1"/>
+                </a:solidFill>
+              </a:rPr>
+              <a:t>reflectColor</a:t>
+            </a:r>
+            <a:r>
+              <a:rPr lang="en-US" altLang="zh-CN" sz="1100" b="1" dirty="0">
+                <a:solidFill>
+                  <a:srgbClr val="C00000"/>
+                </a:solidFill>
+              </a:rPr>
+              <a:t> *cosθ2)*</a:t>
+            </a:r>
+            <a:r>
+              <a:rPr lang="en-US" altLang="zh-CN" sz="1100" b="1" dirty="0" err="1">
+                <a:solidFill>
+                  <a:srgbClr val="C00000"/>
+                </a:solidFill>
+              </a:rPr>
+              <a:t>lightColor</a:t>
+            </a:r>
+            <a:r>
+              <a:rPr lang="en-US" altLang="zh-CN" sz="1100" b="1" dirty="0">
+                <a:solidFill>
+                  <a:srgbClr val="C00000"/>
+                </a:solidFill>
+              </a:rPr>
+              <a:t> </a:t>
+            </a:r>
+            <a:r>
+              <a:rPr lang="en-US" altLang="zh-CN" sz="1100" b="1" strike="dblStrike" dirty="0">
+                <a:solidFill>
+                  <a:srgbClr val="C00000"/>
+                </a:solidFill>
+              </a:rPr>
+              <a:t> </a:t>
+            </a:r>
+            <a:r>
+              <a:rPr lang="en-US" altLang="zh-CN" sz="1100" b="1" strike="dblStrike" dirty="0">
+                <a:solidFill>
+                  <a:schemeClr val="accent1"/>
+                </a:solidFill>
+              </a:rPr>
+              <a:t>* </a:t>
+            </a:r>
+            <a:r>
+              <a:rPr lang="en-US" altLang="zh-CN" sz="1100" b="1" strike="dblStrike" dirty="0" err="1">
+                <a:solidFill>
+                  <a:schemeClr val="accent1"/>
+                </a:solidFill>
+              </a:rPr>
+              <a:t>objectColor</a:t>
+            </a:r>
+            <a:endParaRPr lang="zh-CN" altLang="en-US" sz="1100" b="1" strike="dblStrike" dirty="0">
+              <a:solidFill>
+                <a:schemeClr val="accent1"/>
+              </a:solidFill>
+            </a:endParaRPr>
+          </a:p>
+        </p:txBody>
+      </p:sp>
+      <p:sp>
+        <p:nvSpPr>
+          <p:cNvPr id="55" name="文本框 54">
+            <a:extLst>
+              <a:ext uri="{FF2B5EF4-FFF2-40B4-BE49-F238E27FC236}">
+                <a16:creationId xmlns:a16="http://schemas.microsoft.com/office/drawing/2014/main" id="{D1191CD8-41CC-AF90-AB3A-75ED1BAFEA15}"/>
+              </a:ext>
+            </a:extLst>
+          </p:cNvPr>
+          <p:cNvSpPr txBox="1"/>
+          <p:nvPr/>
+        </p:nvSpPr>
+        <p:spPr>
+          <a:xfrm>
+            <a:off x="569903" y="3325514"/>
+            <a:ext cx="9922909" cy="261610"/>
+          </a:xfrm>
+          <a:prstGeom prst="rect">
+            <a:avLst/>
+          </a:prstGeom>
+          <a:solidFill>
+            <a:schemeClr val="accent2">
+              <a:lumMod val="40000"/>
+              <a:lumOff val="60000"/>
+            </a:schemeClr>
+          </a:solidFill>
+        </p:spPr>
+        <p:txBody>
+          <a:bodyPr wrap="none" rtlCol="0">
+            <a:spAutoFit/>
+          </a:bodyPr>
+          <a:lstStyle/>
+          <a:p>
+            <a:r>
+              <a:rPr lang="en-US" altLang="zh-CN" sz="1100" b="1" dirty="0" err="1">
+                <a:solidFill>
+                  <a:schemeClr val="accent1"/>
+                </a:solidFill>
+              </a:rPr>
+              <a:t>resultColor</a:t>
+            </a:r>
+            <a:r>
+              <a:rPr lang="en-US" altLang="zh-CN" sz="1100" b="1" dirty="0">
+                <a:solidFill>
+                  <a:schemeClr val="accent1"/>
+                </a:solidFill>
+              </a:rPr>
+              <a:t> = </a:t>
+            </a:r>
+            <a:r>
+              <a:rPr lang="en-US" altLang="zh-CN" sz="1100" b="1" dirty="0">
+                <a:solidFill>
+                  <a:srgbClr val="C00000"/>
+                </a:solidFill>
+              </a:rPr>
+              <a:t>(fa * </a:t>
+            </a:r>
+            <a:r>
+              <a:rPr lang="en-US" altLang="zh-CN" sz="1100" b="1" dirty="0" err="1">
+                <a:solidFill>
+                  <a:schemeClr val="accent1"/>
+                </a:solidFill>
+              </a:rPr>
+              <a:t>material.ambientColor</a:t>
+            </a:r>
+            <a:r>
+              <a:rPr lang="en-US" altLang="zh-CN" sz="1100" b="1" dirty="0">
+                <a:solidFill>
+                  <a:srgbClr val="C00000"/>
+                </a:solidFill>
+              </a:rPr>
+              <a:t> + </a:t>
+            </a:r>
+            <a:r>
+              <a:rPr lang="en-US" altLang="zh-CN" sz="1100" b="1" dirty="0" err="1">
+                <a:solidFill>
+                  <a:srgbClr val="C00000"/>
+                </a:solidFill>
+              </a:rPr>
+              <a:t>fd</a:t>
+            </a:r>
+            <a:r>
+              <a:rPr lang="en-US" altLang="zh-CN" sz="1100" b="1" dirty="0">
+                <a:solidFill>
+                  <a:srgbClr val="C00000"/>
+                </a:solidFill>
+              </a:rPr>
+              <a:t> * </a:t>
+            </a:r>
+            <a:r>
+              <a:rPr lang="en-US" altLang="zh-CN" sz="1100" b="1" dirty="0">
+                <a:solidFill>
+                  <a:schemeClr val="accent1"/>
+                </a:solidFill>
+              </a:rPr>
+              <a:t>material. </a:t>
+            </a:r>
+            <a:r>
+              <a:rPr lang="en-US" altLang="zh-CN" sz="1100" b="1" dirty="0" err="1">
+                <a:solidFill>
+                  <a:schemeClr val="accent1"/>
+                </a:solidFill>
+              </a:rPr>
+              <a:t>diffuseColor</a:t>
+            </a:r>
+            <a:r>
+              <a:rPr lang="en-US" altLang="zh-CN" sz="1100" b="1" dirty="0">
+                <a:solidFill>
+                  <a:srgbClr val="C00000"/>
+                </a:solidFill>
+              </a:rPr>
+              <a:t> *conθ1 + </a:t>
+            </a:r>
+            <a:r>
+              <a:rPr lang="en-US" altLang="zh-CN" sz="1100" b="1" dirty="0" err="1">
+                <a:solidFill>
+                  <a:srgbClr val="C00000"/>
+                </a:solidFill>
+              </a:rPr>
+              <a:t>fr</a:t>
+            </a:r>
+            <a:r>
+              <a:rPr lang="en-US" altLang="zh-CN" sz="1100" b="1" dirty="0">
+                <a:solidFill>
+                  <a:srgbClr val="C00000"/>
+                </a:solidFill>
+              </a:rPr>
+              <a:t>* </a:t>
+            </a:r>
+            <a:r>
+              <a:rPr lang="en-US" altLang="zh-CN" sz="1100" b="1" dirty="0">
+                <a:solidFill>
+                  <a:schemeClr val="accent1"/>
+                </a:solidFill>
+              </a:rPr>
+              <a:t>material. </a:t>
+            </a:r>
+            <a:r>
+              <a:rPr lang="en-US" altLang="zh-CN" sz="1100" b="1" dirty="0" err="1">
+                <a:solidFill>
+                  <a:schemeClr val="accent1"/>
+                </a:solidFill>
+              </a:rPr>
+              <a:t>reflectColor</a:t>
+            </a:r>
+            <a:r>
+              <a:rPr lang="en-US" altLang="zh-CN" sz="1100" b="1" dirty="0">
+                <a:solidFill>
+                  <a:schemeClr val="accent1"/>
+                </a:solidFill>
+              </a:rPr>
+              <a:t>*pow(</a:t>
+            </a:r>
+            <a:r>
+              <a:rPr lang="en-US" altLang="zh-CN" sz="1100" b="1" dirty="0">
+                <a:solidFill>
+                  <a:srgbClr val="C00000"/>
+                </a:solidFill>
+              </a:rPr>
+              <a:t>cosθ2, shininess))*</a:t>
+            </a:r>
+            <a:r>
+              <a:rPr lang="en-US" altLang="zh-CN" sz="1100" b="1" dirty="0" err="1">
+                <a:solidFill>
+                  <a:srgbClr val="C00000"/>
+                </a:solidFill>
+              </a:rPr>
+              <a:t>lightColor</a:t>
+            </a:r>
+            <a:r>
+              <a:rPr lang="en-US" altLang="zh-CN" sz="1100" b="1" dirty="0">
+                <a:solidFill>
+                  <a:srgbClr val="C00000"/>
+                </a:solidFill>
+              </a:rPr>
+              <a:t> </a:t>
+            </a:r>
+            <a:r>
+              <a:rPr lang="en-US" altLang="zh-CN" sz="1100" b="1" strike="dblStrike" dirty="0">
+                <a:solidFill>
+                  <a:srgbClr val="C00000"/>
+                </a:solidFill>
+              </a:rPr>
+              <a:t> </a:t>
+            </a:r>
+            <a:r>
+              <a:rPr lang="en-US" altLang="zh-CN" sz="1100" b="1" strike="dblStrike" dirty="0">
+                <a:solidFill>
+                  <a:schemeClr val="accent1"/>
+                </a:solidFill>
+              </a:rPr>
+              <a:t>* </a:t>
+            </a:r>
+            <a:r>
+              <a:rPr lang="en-US" altLang="zh-CN" sz="1100" b="1" strike="dblStrike" dirty="0" err="1">
+                <a:solidFill>
+                  <a:schemeClr val="accent1"/>
+                </a:solidFill>
+              </a:rPr>
+              <a:t>objectColor</a:t>
+            </a:r>
+            <a:endParaRPr lang="zh-CN" altLang="en-US" sz="1100" b="1" strike="dblStrike" dirty="0">
+              <a:solidFill>
+                <a:schemeClr val="accent1"/>
+              </a:solidFill>
+            </a:endParaRPr>
+          </a:p>
+        </p:txBody>
+      </p:sp>
+    </p:spTree>
+    <p:extLst>
+      <p:ext uri="{BB962C8B-B14F-4D97-AF65-F5344CB8AC3E}">
+        <p14:creationId xmlns:p14="http://schemas.microsoft.com/office/powerpoint/2010/main" val="3447258507"/>
+      </p:ext>
+    </p:extLst>
+  </p:cSld>
+  <p:clrMapOvr>
+    <a:masterClrMapping/>
+  </p:clrMapOvr>
+</p:sld>
+</file>
+
+<file path=ppt/slides/slide15.xml><?xml version="1.0" encoding="utf-8"?>
+<p:sld xmlns:a="http://schemas.openxmlformats.org/drawingml/2006/main" xmlns:r="http://schemas.openxmlformats.org/officeDocument/2006/relationships" xmlns:p="http://schemas.openxmlformats.org/presentationml/2006/main">
+  <p:cSld>
+    <p:spTree>
+      <p:nvGrpSpPr>
+        <p:cNvPr id="1" name=""/>
+        <p:cNvGrpSpPr/>
+        <p:nvPr/>
+      </p:nvGrpSpPr>
+      <p:grpSpPr>
+        <a:xfrm>
+          <a:off x="0" y="0"/>
+          <a:ext cx="0" cy="0"/>
+          <a:chOff x="0" y="0"/>
+          <a:chExt cx="0" cy="0"/>
+        </a:xfrm>
+      </p:grpSpPr>
+      <p:sp>
+        <p:nvSpPr>
+          <p:cNvPr id="4" name="文本框 3">
+            <a:extLst>
+              <a:ext uri="{FF2B5EF4-FFF2-40B4-BE49-F238E27FC236}">
+                <a16:creationId xmlns:a16="http://schemas.microsoft.com/office/drawing/2014/main" id="{4991220C-83FC-8FFB-EB0F-0CF6B3DAC055}"/>
+              </a:ext>
+            </a:extLst>
+          </p:cNvPr>
+          <p:cNvSpPr txBox="1"/>
+          <p:nvPr/>
+        </p:nvSpPr>
+        <p:spPr>
+          <a:xfrm>
+            <a:off x="258184" y="247427"/>
+            <a:ext cx="1869423" cy="369332"/>
+          </a:xfrm>
+          <a:prstGeom prst="rect">
+            <a:avLst/>
+          </a:prstGeom>
+          <a:noFill/>
+        </p:spPr>
+        <p:txBody>
+          <a:bodyPr wrap="none" rtlCol="0">
+            <a:spAutoFit/>
+          </a:bodyPr>
+          <a:lstStyle/>
+          <a:p>
+            <a:r>
+              <a:rPr lang="en-US" altLang="zh-CN" b="1" dirty="0">
+                <a:solidFill>
+                  <a:srgbClr val="C00000"/>
+                </a:solidFill>
+              </a:rPr>
+              <a:t>Lession_7</a:t>
+            </a:r>
+            <a:r>
+              <a:rPr lang="zh-CN" altLang="en-US" b="1" dirty="0">
+                <a:solidFill>
+                  <a:srgbClr val="C00000"/>
+                </a:solidFill>
+              </a:rPr>
+              <a:t>：光照</a:t>
+            </a:r>
+          </a:p>
+        </p:txBody>
+      </p:sp>
+      <p:sp>
+        <p:nvSpPr>
+          <p:cNvPr id="3" name="文本框 2">
+            <a:extLst>
+              <a:ext uri="{FF2B5EF4-FFF2-40B4-BE49-F238E27FC236}">
+                <a16:creationId xmlns:a16="http://schemas.microsoft.com/office/drawing/2014/main" id="{F8C236A3-CCCC-D12D-54A8-6BF68B992755}"/>
+              </a:ext>
+            </a:extLst>
+          </p:cNvPr>
+          <p:cNvSpPr txBox="1"/>
+          <p:nvPr/>
+        </p:nvSpPr>
+        <p:spPr>
+          <a:xfrm>
+            <a:off x="809625" y="1038225"/>
+            <a:ext cx="4389343" cy="369332"/>
+          </a:xfrm>
+          <a:prstGeom prst="rect">
+            <a:avLst/>
+          </a:prstGeom>
+          <a:noFill/>
+        </p:spPr>
+        <p:txBody>
+          <a:bodyPr wrap="none" rtlCol="0">
+            <a:spAutoFit/>
+          </a:bodyPr>
+          <a:lstStyle/>
+          <a:p>
+            <a:r>
+              <a:rPr lang="zh-CN" altLang="en-US" b="1" dirty="0"/>
+              <a:t>法线矩阵的计算（需要考虑</a:t>
+            </a:r>
+            <a:r>
+              <a:rPr lang="zh-CN" altLang="en-US" b="1" dirty="0">
+                <a:solidFill>
+                  <a:srgbClr val="C00000"/>
+                </a:solidFill>
+              </a:rPr>
+              <a:t>旋转</a:t>
+            </a:r>
+            <a:r>
+              <a:rPr lang="zh-CN" altLang="en-US" b="1" dirty="0"/>
+              <a:t>和</a:t>
+            </a:r>
+            <a:r>
+              <a:rPr lang="zh-CN" altLang="en-US" b="1" dirty="0">
+                <a:solidFill>
+                  <a:srgbClr val="C00000"/>
+                </a:solidFill>
+              </a:rPr>
+              <a:t>缩放</a:t>
+            </a:r>
+            <a:r>
+              <a:rPr lang="zh-CN" altLang="en-US" b="1" dirty="0"/>
+              <a:t>）</a:t>
+            </a:r>
+          </a:p>
+        </p:txBody>
+      </p:sp>
+      <p:sp>
+        <p:nvSpPr>
+          <p:cNvPr id="5" name="文本框 4">
+            <a:extLst>
+              <a:ext uri="{FF2B5EF4-FFF2-40B4-BE49-F238E27FC236}">
+                <a16:creationId xmlns:a16="http://schemas.microsoft.com/office/drawing/2014/main" id="{5879E864-FCA1-EEB8-492F-FC5F714D2C60}"/>
+              </a:ext>
+            </a:extLst>
+          </p:cNvPr>
+          <p:cNvSpPr txBox="1"/>
+          <p:nvPr/>
+        </p:nvSpPr>
+        <p:spPr>
+          <a:xfrm>
+            <a:off x="1192895" y="1572695"/>
+            <a:ext cx="8601074" cy="1675330"/>
+          </a:xfrm>
+          <a:prstGeom prst="rect">
+            <a:avLst/>
+          </a:prstGeom>
+          <a:noFill/>
+        </p:spPr>
+        <p:txBody>
+          <a:bodyPr wrap="square" rtlCol="0">
+            <a:spAutoFit/>
+          </a:bodyPr>
+          <a:lstStyle/>
+          <a:p>
+            <a:pPr marL="342900" indent="-342900">
+              <a:lnSpc>
+                <a:spcPct val="150000"/>
+              </a:lnSpc>
+              <a:buAutoNum type="arabicPeriod"/>
+            </a:pPr>
+            <a:r>
+              <a:rPr lang="zh-CN" altLang="en-US" sz="1400" dirty="0"/>
+              <a:t>法线不能使用局部坐标，至少应该被转换成世界坐标或者相机坐标下进行计算；（因为在渲染的时候要考虑光照方向，除非把光源也转到局部坐标进行运算）</a:t>
+            </a:r>
+            <a:endParaRPr lang="en-US" altLang="zh-CN" sz="1400" dirty="0"/>
+          </a:p>
+          <a:p>
+            <a:pPr marL="342900" indent="-342900">
+              <a:lnSpc>
+                <a:spcPct val="150000"/>
+              </a:lnSpc>
+              <a:buAutoNum type="arabicPeriod"/>
+            </a:pPr>
+            <a:r>
+              <a:rPr lang="zh-CN" altLang="en-US" sz="1400" dirty="0"/>
+              <a:t>法线不需要考虑位置信息；</a:t>
+            </a:r>
+            <a:endParaRPr lang="en-US" altLang="zh-CN" sz="1400" dirty="0"/>
+          </a:p>
+          <a:p>
+            <a:pPr marL="342900" indent="-342900">
+              <a:lnSpc>
+                <a:spcPct val="150000"/>
+              </a:lnSpc>
+              <a:buAutoNum type="arabicPeriod"/>
+            </a:pPr>
+            <a:r>
+              <a:rPr lang="zh-CN" altLang="en-US" sz="1400" dirty="0"/>
+              <a:t>各坐标轴进行等比缩放时，不影响法线；但是不等比时，法线会变化</a:t>
+            </a:r>
+            <a:endParaRPr lang="en-US" altLang="zh-CN" sz="1400" dirty="0"/>
+          </a:p>
+          <a:p>
+            <a:pPr marL="342900" indent="-342900">
+              <a:lnSpc>
+                <a:spcPct val="150000"/>
+              </a:lnSpc>
+              <a:buAutoNum type="arabicPeriod"/>
+            </a:pPr>
+            <a:r>
+              <a:rPr lang="zh-CN" altLang="en-US" sz="1400" dirty="0"/>
+              <a:t>旋转时，法线和光照方向相对的发生了变化，所以法线也会变化</a:t>
+            </a:r>
+          </a:p>
+        </p:txBody>
+      </p:sp>
+      <p:pic>
+        <p:nvPicPr>
+          <p:cNvPr id="7" name="图片 6">
+            <a:extLst>
+              <a:ext uri="{FF2B5EF4-FFF2-40B4-BE49-F238E27FC236}">
+                <a16:creationId xmlns:a16="http://schemas.microsoft.com/office/drawing/2014/main" id="{8A3A0849-3C29-9F7D-0540-ADF3FF38B6BD}"/>
+              </a:ext>
+            </a:extLst>
+          </p:cNvPr>
+          <p:cNvPicPr>
+            <a:picLocks noChangeAspect="1"/>
+          </p:cNvPicPr>
+          <p:nvPr/>
+        </p:nvPicPr>
+        <p:blipFill>
+          <a:blip r:embed="rId2"/>
+          <a:stretch>
+            <a:fillRect/>
+          </a:stretch>
+        </p:blipFill>
+        <p:spPr>
+          <a:xfrm>
+            <a:off x="7190963" y="3590925"/>
+            <a:ext cx="4496212" cy="2559940"/>
+          </a:xfrm>
+          <a:prstGeom prst="rect">
+            <a:avLst/>
+          </a:prstGeom>
+        </p:spPr>
+      </p:pic>
+      <p:pic>
+        <p:nvPicPr>
+          <p:cNvPr id="10" name="图片 9">
+            <a:extLst>
+              <a:ext uri="{FF2B5EF4-FFF2-40B4-BE49-F238E27FC236}">
+                <a16:creationId xmlns:a16="http://schemas.microsoft.com/office/drawing/2014/main" id="{5234C79A-74E5-CBA0-A829-A7CAFBE08115}"/>
+              </a:ext>
+            </a:extLst>
+          </p:cNvPr>
+          <p:cNvPicPr>
+            <a:picLocks noChangeAspect="1"/>
+          </p:cNvPicPr>
+          <p:nvPr/>
+        </p:nvPicPr>
+        <p:blipFill>
+          <a:blip r:embed="rId3"/>
+          <a:stretch>
+            <a:fillRect/>
+          </a:stretch>
+        </p:blipFill>
+        <p:spPr>
+          <a:xfrm>
+            <a:off x="258184" y="3573514"/>
+            <a:ext cx="6920525" cy="2577351"/>
+          </a:xfrm>
+          <a:prstGeom prst="rect">
+            <a:avLst/>
+          </a:prstGeom>
+        </p:spPr>
+      </p:pic>
+      <p:sp>
+        <p:nvSpPr>
+          <p:cNvPr id="12" name="文本框 11">
+            <a:extLst>
+              <a:ext uri="{FF2B5EF4-FFF2-40B4-BE49-F238E27FC236}">
+                <a16:creationId xmlns:a16="http://schemas.microsoft.com/office/drawing/2014/main" id="{CE6E0688-1B01-41FC-B51B-FED4F4AB1751}"/>
+              </a:ext>
+            </a:extLst>
+          </p:cNvPr>
+          <p:cNvSpPr txBox="1"/>
+          <p:nvPr/>
+        </p:nvSpPr>
+        <p:spPr>
+          <a:xfrm>
+            <a:off x="5489423" y="501804"/>
+            <a:ext cx="6301725" cy="646331"/>
+          </a:xfrm>
+          <a:prstGeom prst="rect">
+            <a:avLst/>
+          </a:prstGeom>
+          <a:noFill/>
+        </p:spPr>
+        <p:txBody>
+          <a:bodyPr wrap="none" rtlCol="0">
+            <a:spAutoFit/>
+          </a:bodyPr>
+          <a:lstStyle/>
+          <a:p>
+            <a:pPr marL="342900" indent="-342900">
+              <a:buAutoNum type="arabicPeriod"/>
+            </a:pPr>
+            <a:r>
+              <a:rPr lang="zh-CN" altLang="en-US" dirty="0">
+                <a:solidFill>
+                  <a:srgbClr val="C00000"/>
+                </a:solidFill>
+              </a:rPr>
+              <a:t>法线矩阵原理，待推导</a:t>
+            </a:r>
+            <a:endParaRPr lang="en-US" altLang="zh-CN" dirty="0">
+              <a:solidFill>
+                <a:srgbClr val="C00000"/>
+              </a:solidFill>
+            </a:endParaRPr>
+          </a:p>
+          <a:p>
+            <a:pPr marL="342900" indent="-342900">
+              <a:buAutoNum type="arabicPeriod"/>
+            </a:pPr>
+            <a:r>
+              <a:rPr lang="zh-CN" altLang="en-US" dirty="0">
+                <a:solidFill>
+                  <a:srgbClr val="C00000"/>
+                </a:solidFill>
+              </a:rPr>
+              <a:t>不等比缩放时使用法线矩阵，否则使用模型矩阵直接变换</a:t>
+            </a:r>
+          </a:p>
+        </p:txBody>
+      </p:sp>
+    </p:spTree>
+    <p:extLst>
+      <p:ext uri="{BB962C8B-B14F-4D97-AF65-F5344CB8AC3E}">
+        <p14:creationId xmlns:p14="http://schemas.microsoft.com/office/powerpoint/2010/main" val="3627920905"/>
+      </p:ext>
+    </p:extLst>
+  </p:cSld>
+  <p:clrMapOvr>
+    <a:masterClrMapping/>
+  </p:clrMapOvr>
+</p:sld>
+</file>
+
+<file path=ppt/slides/slide16.xml><?xml version="1.0" encoding="utf-8"?>
+<p:sld xmlns:a="http://schemas.openxmlformats.org/drawingml/2006/main" xmlns:r="http://schemas.openxmlformats.org/officeDocument/2006/relationships" xmlns:p="http://schemas.openxmlformats.org/presentationml/2006/main">
+  <p:cSld>
+    <p:spTree>
+      <p:nvGrpSpPr>
+        <p:cNvPr id="1" name=""/>
+        <p:cNvGrpSpPr/>
+        <p:nvPr/>
+      </p:nvGrpSpPr>
+      <p:grpSpPr>
+        <a:xfrm>
+          <a:off x="0" y="0"/>
+          <a:ext cx="0" cy="0"/>
+          <a:chOff x="0" y="0"/>
+          <a:chExt cx="0" cy="0"/>
+        </a:xfrm>
+      </p:grpSpPr>
+      <p:sp>
+        <p:nvSpPr>
+          <p:cNvPr id="4" name="文本框 3">
+            <a:extLst>
+              <a:ext uri="{FF2B5EF4-FFF2-40B4-BE49-F238E27FC236}">
+                <a16:creationId xmlns:a16="http://schemas.microsoft.com/office/drawing/2014/main" id="{4991220C-83FC-8FFB-EB0F-0CF6B3DAC055}"/>
+              </a:ext>
+            </a:extLst>
+          </p:cNvPr>
+          <p:cNvSpPr txBox="1"/>
+          <p:nvPr/>
+        </p:nvSpPr>
+        <p:spPr>
+          <a:xfrm>
+            <a:off x="258184" y="247427"/>
             <a:ext cx="3946914" cy="369332"/>
           </a:xfrm>
           <a:prstGeom prst="rect">
@@ -7537,7 +9276,7 @@
 </p:sld>
 </file>
 
-<file path=ppt/slides/slide15.xml><?xml version="1.0" encoding="utf-8"?>
+<file path=ppt/slides/slide17.xml><?xml version="1.0" encoding="utf-8"?>
 <p:sld xmlns:a="http://schemas.openxmlformats.org/drawingml/2006/main" xmlns:r="http://schemas.openxmlformats.org/officeDocument/2006/relationships" xmlns:p="http://schemas.openxmlformats.org/presentationml/2006/main">
   <p:cSld>
     <p:spTree>

--- a/note/note.pptx
+++ b/note/note.pptx
@@ -5,7 +5,7 @@
     <p:sldMasterId id="2147483648" r:id="rId1"/>
   </p:sldMasterIdLst>
   <p:notesMasterIdLst>
-    <p:notesMasterId r:id="rId19"/>
+    <p:notesMasterId r:id="rId22"/>
   </p:notesMasterIdLst>
   <p:sldIdLst>
     <p:sldId id="257" r:id="rId2"/>
@@ -23,8 +23,11 @@
     <p:sldId id="271" r:id="rId14"/>
     <p:sldId id="272" r:id="rId15"/>
     <p:sldId id="273" r:id="rId16"/>
-    <p:sldId id="269" r:id="rId17"/>
-    <p:sldId id="263" r:id="rId18"/>
+    <p:sldId id="274" r:id="rId17"/>
+    <p:sldId id="275" r:id="rId18"/>
+    <p:sldId id="269" r:id="rId19"/>
+    <p:sldId id="276" r:id="rId20"/>
+    <p:sldId id="263" r:id="rId21"/>
   </p:sldIdLst>
   <p:sldSz cx="12192000" cy="6858000"/>
   <p:notesSz cx="6858000" cy="9144000"/>
@@ -9114,7 +9117,7 @@
         <p:spPr>
           <a:xfrm>
             <a:off x="258184" y="247427"/>
-            <a:ext cx="3946914" cy="369332"/>
+            <a:ext cx="1869423" cy="369332"/>
           </a:xfrm>
           <a:prstGeom prst="rect">
             <a:avLst/>
@@ -9133,7 +9136,7 @@
                   <a:srgbClr val="C00000"/>
                 </a:solidFill>
               </a:rPr>
-              <a:t>Lessoin_4</a:t>
+              <a:t>Lession_7</a:t>
             </a:r>
             <a:r>
               <a:rPr lang="zh-CN" altLang="en-US" b="1" dirty="0">
@@ -9141,17 +9144,17 @@
                   <a:srgbClr val="C00000"/>
                 </a:solidFill>
               </a:rPr>
-              <a:t>：变换、坐标系统与摄像机</a:t>
-            </a:r>
-          </a:p>
-        </p:txBody>
-      </p:sp>
-      <p:sp>
-        <p:nvSpPr>
-          <p:cNvPr id="5" name="文本框 4">
-            <a:extLst>
-              <a:ext uri="{FF2B5EF4-FFF2-40B4-BE49-F238E27FC236}">
-                <a16:creationId xmlns:a16="http://schemas.microsoft.com/office/drawing/2014/main" id="{9026D397-B17A-7EB8-2999-0E7808A35BEC}"/>
+              <a:t>：光照</a:t>
+            </a:r>
+          </a:p>
+        </p:txBody>
+      </p:sp>
+      <p:sp>
+        <p:nvSpPr>
+          <p:cNvPr id="3" name="文本框 2">
+            <a:extLst>
+              <a:ext uri="{FF2B5EF4-FFF2-40B4-BE49-F238E27FC236}">
+                <a16:creationId xmlns:a16="http://schemas.microsoft.com/office/drawing/2014/main" id="{F8C236A3-CCCC-D12D-54A8-6BF68B992755}"/>
               </a:ext>
             </a:extLst>
           </p:cNvPr>
@@ -9160,8 +9163,8 @@
         </p:nvSpPr>
         <p:spPr>
           <a:xfrm>
-            <a:off x="2781701" y="1707631"/>
-            <a:ext cx="2419150" cy="2231508"/>
+            <a:off x="809625" y="1038225"/>
+            <a:ext cx="5232523" cy="369332"/>
           </a:xfrm>
           <a:prstGeom prst="rect">
             <a:avLst/>
@@ -9169,104 +9172,64 @@
           <a:noFill/>
         </p:spPr>
         <p:txBody>
-          <a:bodyPr wrap="square" rtlCol="0">
+          <a:bodyPr wrap="none" rtlCol="0">
             <a:spAutoFit/>
           </a:bodyPr>
           <a:lstStyle/>
           <a:p>
-            <a:pPr marL="285750" indent="-285750">
-              <a:lnSpc>
-                <a:spcPct val="200000"/>
-              </a:lnSpc>
-              <a:buFont typeface="Wingdings" panose="05000000000000000000" pitchFamily="2" charset="2"/>
-              <a:buChar char="n"/>
-            </a:pPr>
+            <a:r>
+              <a:rPr lang="zh-CN" altLang="en-US" b="1" dirty="0"/>
+              <a:t>什么时候进行光照计算？（在</a:t>
+            </a:r>
             <a:r>
               <a:rPr lang="zh-CN" altLang="en-US" b="1" dirty="0">
                 <a:solidFill>
                   <a:srgbClr val="C00000"/>
                 </a:solidFill>
               </a:rPr>
-              <a:t>顶点缓存</a:t>
-            </a:r>
-            <a:endParaRPr lang="en-US" altLang="zh-CN" b="1" dirty="0">
-              <a:solidFill>
-                <a:srgbClr val="C00000"/>
-              </a:solidFill>
-            </a:endParaRPr>
-          </a:p>
-          <a:p>
-            <a:pPr marL="285750" indent="-285750">
-              <a:lnSpc>
-                <a:spcPct val="200000"/>
-              </a:lnSpc>
-              <a:buFont typeface="Wingdings" panose="05000000000000000000" pitchFamily="2" charset="2"/>
-              <a:buChar char="n"/>
-            </a:pPr>
-            <a:r>
-              <a:rPr lang="zh-CN" altLang="en-US" b="1" dirty="0">
-                <a:solidFill>
-                  <a:srgbClr val="C00000"/>
-                </a:solidFill>
-              </a:rPr>
-              <a:t>颜色缓冲</a:t>
-            </a:r>
-            <a:endParaRPr lang="en-US" altLang="zh-CN" b="1" dirty="0">
-              <a:solidFill>
-                <a:srgbClr val="C00000"/>
-              </a:solidFill>
-            </a:endParaRPr>
-          </a:p>
-          <a:p>
-            <a:pPr marL="285750" indent="-285750">
-              <a:lnSpc>
-                <a:spcPct val="200000"/>
-              </a:lnSpc>
-              <a:buFont typeface="Wingdings" panose="05000000000000000000" pitchFamily="2" charset="2"/>
-              <a:buChar char="n"/>
-            </a:pPr>
-            <a:r>
-              <a:rPr lang="zh-CN" altLang="en-US" b="1" dirty="0">
-                <a:solidFill>
-                  <a:srgbClr val="C00000"/>
-                </a:solidFill>
-              </a:rPr>
-              <a:t>帧缓冲</a:t>
-            </a:r>
-            <a:endParaRPr lang="en-US" altLang="zh-CN" b="1" dirty="0">
-              <a:solidFill>
-                <a:srgbClr val="C00000"/>
-              </a:solidFill>
-            </a:endParaRPr>
-          </a:p>
-          <a:p>
-            <a:pPr marL="285750" indent="-285750">
-              <a:lnSpc>
-                <a:spcPct val="200000"/>
-              </a:lnSpc>
-              <a:buFont typeface="Wingdings" panose="05000000000000000000" pitchFamily="2" charset="2"/>
-              <a:buChar char="n"/>
-            </a:pPr>
-            <a:r>
-              <a:rPr lang="zh-CN" altLang="en-US" b="1" dirty="0">
-                <a:solidFill>
-                  <a:srgbClr val="C00000"/>
-                </a:solidFill>
-              </a:rPr>
-              <a:t>深度缓冲</a:t>
-            </a:r>
-            <a:endParaRPr lang="en-US" altLang="zh-CN" b="1" dirty="0">
-              <a:solidFill>
-                <a:srgbClr val="C00000"/>
-              </a:solidFill>
-            </a:endParaRPr>
-          </a:p>
-        </p:txBody>
-      </p:sp>
+              <a:t>片段着色器</a:t>
+            </a:r>
+            <a:r>
+              <a:rPr lang="zh-CN" altLang="en-US" b="1" dirty="0"/>
+              <a:t>中进行）</a:t>
+            </a:r>
+          </a:p>
+        </p:txBody>
+      </p:sp>
+      <p:pic>
+        <p:nvPicPr>
+          <p:cNvPr id="6" name="图片 5">
+            <a:extLst>
+              <a:ext uri="{FF2B5EF4-FFF2-40B4-BE49-F238E27FC236}">
+                <a16:creationId xmlns:a16="http://schemas.microsoft.com/office/drawing/2014/main" id="{CA53CE38-AEB6-CD3C-B107-333E163E37DB}"/>
+              </a:ext>
+            </a:extLst>
+          </p:cNvPr>
+          <p:cNvPicPr>
+            <a:picLocks noChangeAspect="1"/>
+          </p:cNvPicPr>
+          <p:nvPr/>
+        </p:nvPicPr>
+        <p:blipFill>
+          <a:blip r:embed="rId2"/>
+          <a:stretch>
+            <a:fillRect/>
+          </a:stretch>
+        </p:blipFill>
+        <p:spPr>
+          <a:xfrm>
+            <a:off x="1690007" y="1722199"/>
+            <a:ext cx="8145012" cy="4467849"/>
+          </a:xfrm>
+          <a:prstGeom prst="rect">
+            <a:avLst/>
+          </a:prstGeom>
+        </p:spPr>
+      </p:pic>
     </p:spTree>
     <p:extLst>
       <p:ext uri="{BB962C8B-B14F-4D97-AF65-F5344CB8AC3E}">
-        <p14:creationId xmlns:p14="http://schemas.microsoft.com/office/powerpoint/2010/main" val="250159257"/>
+        <p14:creationId xmlns:p14="http://schemas.microsoft.com/office/powerpoint/2010/main" val="2761077709"/>
       </p:ext>
     </p:extLst>
   </p:cSld>
@@ -9308,7 +9271,7 @@
         <p:spPr>
           <a:xfrm>
             <a:off x="258184" y="247427"/>
-            <a:ext cx="1107996" cy="369332"/>
+            <a:ext cx="1869423" cy="369332"/>
           </a:xfrm>
           <a:prstGeom prst="rect">
             <a:avLst/>
@@ -9322,12 +9285,124 @@
           <a:lstStyle/>
           <a:p>
             <a:r>
+              <a:rPr lang="en-US" altLang="zh-CN" b="1" dirty="0">
+                <a:solidFill>
+                  <a:srgbClr val="C00000"/>
+                </a:solidFill>
+              </a:rPr>
+              <a:t>Lession_7</a:t>
+            </a:r>
+            <a:r>
               <a:rPr lang="zh-CN" altLang="en-US" b="1" dirty="0">
                 <a:solidFill>
                   <a:srgbClr val="C00000"/>
                 </a:solidFill>
               </a:rPr>
-              <a:t>参考资料</a:t>
+              <a:t>：光照</a:t>
+            </a:r>
+          </a:p>
+        </p:txBody>
+      </p:sp>
+      <p:sp>
+        <p:nvSpPr>
+          <p:cNvPr id="3" name="文本框 2">
+            <a:extLst>
+              <a:ext uri="{FF2B5EF4-FFF2-40B4-BE49-F238E27FC236}">
+                <a16:creationId xmlns:a16="http://schemas.microsoft.com/office/drawing/2014/main" id="{F8C236A3-CCCC-D12D-54A8-6BF68B992755}"/>
+              </a:ext>
+            </a:extLst>
+          </p:cNvPr>
+          <p:cNvSpPr txBox="1"/>
+          <p:nvPr/>
+        </p:nvSpPr>
+        <p:spPr>
+          <a:xfrm>
+            <a:off x="809625" y="1038225"/>
+            <a:ext cx="1338828" cy="369332"/>
+          </a:xfrm>
+          <a:prstGeom prst="rect">
+            <a:avLst/>
+          </a:prstGeom>
+          <a:noFill/>
+        </p:spPr>
+        <p:txBody>
+          <a:bodyPr wrap="none" rtlCol="0">
+            <a:spAutoFit/>
+          </a:bodyPr>
+          <a:lstStyle/>
+          <a:p>
+            <a:r>
+              <a:rPr lang="zh-CN" altLang="en-US" b="1" dirty="0"/>
+              <a:t>光源的种类</a:t>
+            </a:r>
+          </a:p>
+        </p:txBody>
+      </p:sp>
+      <p:sp>
+        <p:nvSpPr>
+          <p:cNvPr id="2" name="文本框 1">
+            <a:extLst>
+              <a:ext uri="{FF2B5EF4-FFF2-40B4-BE49-F238E27FC236}">
+                <a16:creationId xmlns:a16="http://schemas.microsoft.com/office/drawing/2014/main" id="{F4D98C32-DB1E-D052-4E79-A7E1B0A8DE76}"/>
+              </a:ext>
+            </a:extLst>
+          </p:cNvPr>
+          <p:cNvSpPr txBox="1"/>
+          <p:nvPr/>
+        </p:nvSpPr>
+        <p:spPr>
+          <a:xfrm>
+            <a:off x="1192895" y="1656678"/>
+            <a:ext cx="1165704" cy="1677511"/>
+          </a:xfrm>
+          <a:prstGeom prst="rect">
+            <a:avLst/>
+          </a:prstGeom>
+          <a:noFill/>
+        </p:spPr>
+        <p:txBody>
+          <a:bodyPr wrap="none" rtlCol="0">
+            <a:spAutoFit/>
+          </a:bodyPr>
+          <a:lstStyle/>
+          <a:p>
+            <a:pPr marL="285750" indent="-285750">
+              <a:lnSpc>
+                <a:spcPct val="200000"/>
+              </a:lnSpc>
+              <a:buFont typeface="Wingdings" panose="05000000000000000000" pitchFamily="2" charset="2"/>
+              <a:buChar char="Ø"/>
+            </a:pPr>
+            <a:r>
+              <a:rPr lang="zh-CN" altLang="en-US" b="1" dirty="0"/>
+              <a:t>平行光</a:t>
+            </a:r>
+            <a:endParaRPr lang="en-US" altLang="zh-CN" b="1" dirty="0"/>
+          </a:p>
+          <a:p>
+            <a:pPr marL="285750" indent="-285750">
+              <a:lnSpc>
+                <a:spcPct val="200000"/>
+              </a:lnSpc>
+              <a:buFont typeface="Wingdings" panose="05000000000000000000" pitchFamily="2" charset="2"/>
+              <a:buChar char="Ø"/>
+            </a:pPr>
+            <a:r>
+              <a:rPr lang="zh-CN" altLang="en-US" b="1" dirty="0"/>
+              <a:t>点光</a:t>
+            </a:r>
+          </a:p>
+          <a:p>
+            <a:pPr marL="285750" indent="-285750">
+              <a:lnSpc>
+                <a:spcPct val="200000"/>
+              </a:lnSpc>
+              <a:buFont typeface="Wingdings" panose="05000000000000000000" pitchFamily="2" charset="2"/>
+              <a:buChar char="Ø"/>
+            </a:pPr>
+            <a:r>
+              <a:rPr lang="zh-CN" altLang="en-US" b="1" dirty="0"/>
+              <a:t>聚光</a:t>
             </a:r>
           </a:p>
         </p:txBody>
@@ -9335,7 +9410,615 @@
     </p:spTree>
     <p:extLst>
       <p:ext uri="{BB962C8B-B14F-4D97-AF65-F5344CB8AC3E}">
-        <p14:creationId xmlns:p14="http://schemas.microsoft.com/office/powerpoint/2010/main" val="2576067286"/>
+        <p14:creationId xmlns:p14="http://schemas.microsoft.com/office/powerpoint/2010/main" val="1998418250"/>
+      </p:ext>
+    </p:extLst>
+  </p:cSld>
+  <p:clrMapOvr>
+    <a:masterClrMapping/>
+  </p:clrMapOvr>
+</p:sld>
+</file>
+
+<file path=ppt/slides/slide18.xml><?xml version="1.0" encoding="utf-8"?>
+<p:sld xmlns:a="http://schemas.openxmlformats.org/drawingml/2006/main" xmlns:r="http://schemas.openxmlformats.org/officeDocument/2006/relationships" xmlns:p="http://schemas.openxmlformats.org/presentationml/2006/main">
+  <p:cSld>
+    <p:spTree>
+      <p:nvGrpSpPr>
+        <p:cNvPr id="1" name=""/>
+        <p:cNvGrpSpPr/>
+        <p:nvPr/>
+      </p:nvGrpSpPr>
+      <p:grpSpPr>
+        <a:xfrm>
+          <a:off x="0" y="0"/>
+          <a:ext cx="0" cy="0"/>
+          <a:chOff x="0" y="0"/>
+          <a:chExt cx="0" cy="0"/>
+        </a:xfrm>
+      </p:grpSpPr>
+      <p:sp>
+        <p:nvSpPr>
+          <p:cNvPr id="4" name="文本框 3">
+            <a:extLst>
+              <a:ext uri="{FF2B5EF4-FFF2-40B4-BE49-F238E27FC236}">
+                <a16:creationId xmlns:a16="http://schemas.microsoft.com/office/drawing/2014/main" id="{4991220C-83FC-8FFB-EB0F-0CF6B3DAC055}"/>
+              </a:ext>
+            </a:extLst>
+          </p:cNvPr>
+          <p:cNvSpPr txBox="1"/>
+          <p:nvPr/>
+        </p:nvSpPr>
+        <p:spPr>
+          <a:xfrm>
+            <a:off x="258184" y="247427"/>
+            <a:ext cx="3946914" cy="369332"/>
+          </a:xfrm>
+          <a:prstGeom prst="rect">
+            <a:avLst/>
+          </a:prstGeom>
+          <a:noFill/>
+        </p:spPr>
+        <p:txBody>
+          <a:bodyPr wrap="none" rtlCol="0">
+            <a:spAutoFit/>
+          </a:bodyPr>
+          <a:lstStyle/>
+          <a:p>
+            <a:r>
+              <a:rPr lang="en-US" altLang="zh-CN" b="1" dirty="0">
+                <a:solidFill>
+                  <a:srgbClr val="C00000"/>
+                </a:solidFill>
+              </a:rPr>
+              <a:t>Lessoin_4</a:t>
+            </a:r>
+            <a:r>
+              <a:rPr lang="zh-CN" altLang="en-US" b="1" dirty="0">
+                <a:solidFill>
+                  <a:srgbClr val="C00000"/>
+                </a:solidFill>
+              </a:rPr>
+              <a:t>：变换、坐标系统与摄像机</a:t>
+            </a:r>
+          </a:p>
+        </p:txBody>
+      </p:sp>
+      <p:sp>
+        <p:nvSpPr>
+          <p:cNvPr id="5" name="文本框 4">
+            <a:extLst>
+              <a:ext uri="{FF2B5EF4-FFF2-40B4-BE49-F238E27FC236}">
+                <a16:creationId xmlns:a16="http://schemas.microsoft.com/office/drawing/2014/main" id="{9026D397-B17A-7EB8-2999-0E7808A35BEC}"/>
+              </a:ext>
+            </a:extLst>
+          </p:cNvPr>
+          <p:cNvSpPr txBox="1"/>
+          <p:nvPr/>
+        </p:nvSpPr>
+        <p:spPr>
+          <a:xfrm>
+            <a:off x="2781701" y="1707631"/>
+            <a:ext cx="2419150" cy="2231508"/>
+          </a:xfrm>
+          <a:prstGeom prst="rect">
+            <a:avLst/>
+          </a:prstGeom>
+          <a:noFill/>
+        </p:spPr>
+        <p:txBody>
+          <a:bodyPr wrap="square" rtlCol="0">
+            <a:spAutoFit/>
+          </a:bodyPr>
+          <a:lstStyle/>
+          <a:p>
+            <a:pPr marL="285750" indent="-285750">
+              <a:lnSpc>
+                <a:spcPct val="200000"/>
+              </a:lnSpc>
+              <a:buFont typeface="Wingdings" panose="05000000000000000000" pitchFamily="2" charset="2"/>
+              <a:buChar char="n"/>
+            </a:pPr>
+            <a:r>
+              <a:rPr lang="zh-CN" altLang="en-US" b="1" dirty="0">
+                <a:solidFill>
+                  <a:srgbClr val="C00000"/>
+                </a:solidFill>
+              </a:rPr>
+              <a:t>顶点缓存</a:t>
+            </a:r>
+            <a:endParaRPr lang="en-US" altLang="zh-CN" b="1" dirty="0">
+              <a:solidFill>
+                <a:srgbClr val="C00000"/>
+              </a:solidFill>
+            </a:endParaRPr>
+          </a:p>
+          <a:p>
+            <a:pPr marL="285750" indent="-285750">
+              <a:lnSpc>
+                <a:spcPct val="200000"/>
+              </a:lnSpc>
+              <a:buFont typeface="Wingdings" panose="05000000000000000000" pitchFamily="2" charset="2"/>
+              <a:buChar char="n"/>
+            </a:pPr>
+            <a:r>
+              <a:rPr lang="zh-CN" altLang="en-US" b="1" dirty="0">
+                <a:solidFill>
+                  <a:srgbClr val="C00000"/>
+                </a:solidFill>
+              </a:rPr>
+              <a:t>颜色缓冲</a:t>
+            </a:r>
+            <a:endParaRPr lang="en-US" altLang="zh-CN" b="1" dirty="0">
+              <a:solidFill>
+                <a:srgbClr val="C00000"/>
+              </a:solidFill>
+            </a:endParaRPr>
+          </a:p>
+          <a:p>
+            <a:pPr marL="285750" indent="-285750">
+              <a:lnSpc>
+                <a:spcPct val="200000"/>
+              </a:lnSpc>
+              <a:buFont typeface="Wingdings" panose="05000000000000000000" pitchFamily="2" charset="2"/>
+              <a:buChar char="n"/>
+            </a:pPr>
+            <a:r>
+              <a:rPr lang="zh-CN" altLang="en-US" b="1" dirty="0">
+                <a:solidFill>
+                  <a:srgbClr val="C00000"/>
+                </a:solidFill>
+              </a:rPr>
+              <a:t>帧缓冲</a:t>
+            </a:r>
+            <a:endParaRPr lang="en-US" altLang="zh-CN" b="1" dirty="0">
+              <a:solidFill>
+                <a:srgbClr val="C00000"/>
+              </a:solidFill>
+            </a:endParaRPr>
+          </a:p>
+          <a:p>
+            <a:pPr marL="285750" indent="-285750">
+              <a:lnSpc>
+                <a:spcPct val="200000"/>
+              </a:lnSpc>
+              <a:buFont typeface="Wingdings" panose="05000000000000000000" pitchFamily="2" charset="2"/>
+              <a:buChar char="n"/>
+            </a:pPr>
+            <a:r>
+              <a:rPr lang="zh-CN" altLang="en-US" b="1" dirty="0">
+                <a:solidFill>
+                  <a:srgbClr val="C00000"/>
+                </a:solidFill>
+              </a:rPr>
+              <a:t>深度缓冲</a:t>
+            </a:r>
+            <a:endParaRPr lang="en-US" altLang="zh-CN" b="1" dirty="0">
+              <a:solidFill>
+                <a:srgbClr val="C00000"/>
+              </a:solidFill>
+            </a:endParaRPr>
+          </a:p>
+        </p:txBody>
+      </p:sp>
+    </p:spTree>
+    <p:extLst>
+      <p:ext uri="{BB962C8B-B14F-4D97-AF65-F5344CB8AC3E}">
+        <p14:creationId xmlns:p14="http://schemas.microsoft.com/office/powerpoint/2010/main" val="250159257"/>
+      </p:ext>
+    </p:extLst>
+  </p:cSld>
+  <p:clrMapOvr>
+    <a:masterClrMapping/>
+  </p:clrMapOvr>
+</p:sld>
+</file>
+
+<file path=ppt/slides/slide19.xml><?xml version="1.0" encoding="utf-8"?>
+<p:sld xmlns:a="http://schemas.openxmlformats.org/drawingml/2006/main" xmlns:r="http://schemas.openxmlformats.org/officeDocument/2006/relationships" xmlns:p="http://schemas.openxmlformats.org/presentationml/2006/main">
+  <p:cSld>
+    <p:spTree>
+      <p:nvGrpSpPr>
+        <p:cNvPr id="1" name=""/>
+        <p:cNvGrpSpPr/>
+        <p:nvPr/>
+      </p:nvGrpSpPr>
+      <p:grpSpPr>
+        <a:xfrm>
+          <a:off x="0" y="0"/>
+          <a:ext cx="0" cy="0"/>
+          <a:chOff x="0" y="0"/>
+          <a:chExt cx="0" cy="0"/>
+        </a:xfrm>
+      </p:grpSpPr>
+      <p:sp>
+        <p:nvSpPr>
+          <p:cNvPr id="4" name="文本框 3">
+            <a:extLst>
+              <a:ext uri="{FF2B5EF4-FFF2-40B4-BE49-F238E27FC236}">
+                <a16:creationId xmlns:a16="http://schemas.microsoft.com/office/drawing/2014/main" id="{4991220C-83FC-8FFB-EB0F-0CF6B3DAC055}"/>
+              </a:ext>
+            </a:extLst>
+          </p:cNvPr>
+          <p:cNvSpPr txBox="1"/>
+          <p:nvPr/>
+        </p:nvSpPr>
+        <p:spPr>
+          <a:xfrm>
+            <a:off x="258184" y="247427"/>
+            <a:ext cx="646331" cy="369332"/>
+          </a:xfrm>
+          <a:prstGeom prst="rect">
+            <a:avLst/>
+          </a:prstGeom>
+          <a:noFill/>
+        </p:spPr>
+        <p:txBody>
+          <a:bodyPr wrap="none" rtlCol="0">
+            <a:spAutoFit/>
+          </a:bodyPr>
+          <a:lstStyle/>
+          <a:p>
+            <a:r>
+              <a:rPr lang="zh-CN" altLang="en-US" b="1" dirty="0">
+                <a:solidFill>
+                  <a:srgbClr val="C00000"/>
+                </a:solidFill>
+              </a:rPr>
+              <a:t>思考</a:t>
+            </a:r>
+          </a:p>
+        </p:txBody>
+      </p:sp>
+      <p:sp>
+        <p:nvSpPr>
+          <p:cNvPr id="6" name="文本框 5">
+            <a:extLst>
+              <a:ext uri="{FF2B5EF4-FFF2-40B4-BE49-F238E27FC236}">
+                <a16:creationId xmlns:a16="http://schemas.microsoft.com/office/drawing/2014/main" id="{316AF591-9A55-A416-1367-F98A378F7E04}"/>
+              </a:ext>
+            </a:extLst>
+          </p:cNvPr>
+          <p:cNvSpPr txBox="1"/>
+          <p:nvPr/>
+        </p:nvSpPr>
+        <p:spPr>
+          <a:xfrm>
+            <a:off x="1362075" y="2009246"/>
+            <a:ext cx="6096000" cy="465640"/>
+          </a:xfrm>
+          <a:prstGeom prst="rect">
+            <a:avLst/>
+          </a:prstGeom>
+          <a:noFill/>
+        </p:spPr>
+        <p:txBody>
+          <a:bodyPr wrap="square">
+            <a:spAutoFit/>
+          </a:bodyPr>
+          <a:lstStyle/>
+          <a:p>
+            <a:pPr>
+              <a:lnSpc>
+                <a:spcPct val="150000"/>
+              </a:lnSpc>
+            </a:pPr>
+            <a:r>
+              <a:rPr lang="zh-CN" altLang="en-US" b="1" dirty="0">
+                <a:solidFill>
+                  <a:srgbClr val="C00000"/>
+                </a:solidFill>
+              </a:rPr>
+              <a:t>不同的</a:t>
+            </a:r>
+            <a:r>
+              <a:rPr lang="en-US" altLang="zh-CN" b="1" dirty="0">
+                <a:solidFill>
+                  <a:srgbClr val="C00000"/>
+                </a:solidFill>
+              </a:rPr>
+              <a:t>VAO</a:t>
+            </a:r>
+            <a:r>
+              <a:rPr lang="zh-CN" altLang="en-US" b="1" dirty="0">
+                <a:solidFill>
+                  <a:srgbClr val="C00000"/>
+                </a:solidFill>
+              </a:rPr>
+              <a:t>可以使用同一个</a:t>
+            </a:r>
+            <a:r>
+              <a:rPr lang="en-US" altLang="zh-CN" b="1" dirty="0">
+                <a:solidFill>
+                  <a:srgbClr val="C00000"/>
+                </a:solidFill>
+              </a:rPr>
+              <a:t>VBO</a:t>
+            </a:r>
+            <a:r>
+              <a:rPr lang="zh-CN" altLang="en-US" b="1" dirty="0">
+                <a:solidFill>
+                  <a:srgbClr val="C00000"/>
+                </a:solidFill>
+              </a:rPr>
+              <a:t>吗</a:t>
+            </a:r>
+          </a:p>
+        </p:txBody>
+      </p:sp>
+      <p:sp>
+        <p:nvSpPr>
+          <p:cNvPr id="8" name="文本框 7">
+            <a:extLst>
+              <a:ext uri="{FF2B5EF4-FFF2-40B4-BE49-F238E27FC236}">
+                <a16:creationId xmlns:a16="http://schemas.microsoft.com/office/drawing/2014/main" id="{8406D78B-2558-0CAC-5CD6-7C925E8C8D58}"/>
+              </a:ext>
+            </a:extLst>
+          </p:cNvPr>
+          <p:cNvSpPr txBox="1"/>
+          <p:nvPr/>
+        </p:nvSpPr>
+        <p:spPr>
+          <a:xfrm>
+            <a:off x="1362075" y="1357855"/>
+            <a:ext cx="6096000" cy="465640"/>
+          </a:xfrm>
+          <a:prstGeom prst="rect">
+            <a:avLst/>
+          </a:prstGeom>
+          <a:noFill/>
+        </p:spPr>
+        <p:txBody>
+          <a:bodyPr wrap="square">
+            <a:spAutoFit/>
+          </a:bodyPr>
+          <a:lstStyle/>
+          <a:p>
+            <a:pPr>
+              <a:lnSpc>
+                <a:spcPct val="150000"/>
+              </a:lnSpc>
+            </a:pPr>
+            <a:r>
+              <a:rPr lang="zh-CN" altLang="en-US" b="1" dirty="0">
+                <a:solidFill>
+                  <a:srgbClr val="C00000"/>
+                </a:solidFill>
+              </a:rPr>
+              <a:t>两个</a:t>
+            </a:r>
+            <a:r>
+              <a:rPr lang="en-US" altLang="zh-CN" b="1" dirty="0">
+                <a:solidFill>
+                  <a:srgbClr val="C00000"/>
+                </a:solidFill>
+              </a:rPr>
+              <a:t>shader</a:t>
+            </a:r>
+            <a:r>
+              <a:rPr lang="zh-CN" altLang="en-US" b="1" dirty="0">
+                <a:solidFill>
+                  <a:srgbClr val="C00000"/>
+                </a:solidFill>
+              </a:rPr>
+              <a:t>程序能不能共用同一</a:t>
+            </a:r>
+            <a:r>
+              <a:rPr lang="en-US" altLang="zh-CN" b="1" dirty="0">
+                <a:solidFill>
+                  <a:srgbClr val="C00000"/>
+                </a:solidFill>
+              </a:rPr>
+              <a:t>VAO</a:t>
+            </a:r>
+            <a:r>
+              <a:rPr lang="zh-CN" altLang="en-US" b="1" dirty="0">
+                <a:solidFill>
+                  <a:srgbClr val="C00000"/>
+                </a:solidFill>
+              </a:rPr>
+              <a:t>吗</a:t>
+            </a:r>
+            <a:endParaRPr lang="en-US" altLang="zh-CN" b="1" dirty="0">
+              <a:solidFill>
+                <a:srgbClr val="C00000"/>
+              </a:solidFill>
+            </a:endParaRPr>
+          </a:p>
+        </p:txBody>
+      </p:sp>
+      <p:sp>
+        <p:nvSpPr>
+          <p:cNvPr id="9" name="文本框 8">
+            <a:extLst>
+              <a:ext uri="{FF2B5EF4-FFF2-40B4-BE49-F238E27FC236}">
+                <a16:creationId xmlns:a16="http://schemas.microsoft.com/office/drawing/2014/main" id="{62F63D7A-AF99-2598-4CA5-536DBBCF9F27}"/>
+              </a:ext>
+            </a:extLst>
+          </p:cNvPr>
+          <p:cNvSpPr txBox="1"/>
+          <p:nvPr/>
+        </p:nvSpPr>
+        <p:spPr>
+          <a:xfrm>
+            <a:off x="6324600" y="1765849"/>
+            <a:ext cx="2744662" cy="369332"/>
+          </a:xfrm>
+          <a:prstGeom prst="rect">
+            <a:avLst/>
+          </a:prstGeom>
+          <a:noFill/>
+        </p:spPr>
+        <p:txBody>
+          <a:bodyPr wrap="none" rtlCol="0">
+            <a:spAutoFit/>
+          </a:bodyPr>
+          <a:lstStyle/>
+          <a:p>
+            <a:r>
+              <a:rPr lang="zh-CN" altLang="en-US" b="1" dirty="0"/>
+              <a:t>程序验证，好像是可以的</a:t>
+            </a:r>
+          </a:p>
+        </p:txBody>
+      </p:sp>
+      <p:sp>
+        <p:nvSpPr>
+          <p:cNvPr id="10" name="文本框 9">
+            <a:extLst>
+              <a:ext uri="{FF2B5EF4-FFF2-40B4-BE49-F238E27FC236}">
+                <a16:creationId xmlns:a16="http://schemas.microsoft.com/office/drawing/2014/main" id="{0C295339-509F-75F5-9831-F9A173C25EBC}"/>
+              </a:ext>
+            </a:extLst>
+          </p:cNvPr>
+          <p:cNvSpPr txBox="1"/>
+          <p:nvPr/>
+        </p:nvSpPr>
+        <p:spPr>
+          <a:xfrm>
+            <a:off x="581349" y="990600"/>
+            <a:ext cx="420308" cy="369332"/>
+          </a:xfrm>
+          <a:prstGeom prst="rect">
+            <a:avLst/>
+          </a:prstGeom>
+          <a:noFill/>
+        </p:spPr>
+        <p:txBody>
+          <a:bodyPr wrap="none" rtlCol="0">
+            <a:spAutoFit/>
+          </a:bodyPr>
+          <a:lstStyle/>
+          <a:p>
+            <a:r>
+              <a:rPr lang="en-US" altLang="zh-CN" dirty="0"/>
+              <a:t>1. </a:t>
+            </a:r>
+            <a:endParaRPr lang="zh-CN" altLang="en-US" dirty="0"/>
+          </a:p>
+        </p:txBody>
+      </p:sp>
+      <p:sp>
+        <p:nvSpPr>
+          <p:cNvPr id="11" name="文本框 10">
+            <a:extLst>
+              <a:ext uri="{FF2B5EF4-FFF2-40B4-BE49-F238E27FC236}">
+                <a16:creationId xmlns:a16="http://schemas.microsoft.com/office/drawing/2014/main" id="{4F5C56A2-42E0-2DB1-73BB-D83BA2562CEF}"/>
+              </a:ext>
+            </a:extLst>
+          </p:cNvPr>
+          <p:cNvSpPr txBox="1"/>
+          <p:nvPr/>
+        </p:nvSpPr>
+        <p:spPr>
+          <a:xfrm>
+            <a:off x="581349" y="3429000"/>
+            <a:ext cx="420308" cy="369332"/>
+          </a:xfrm>
+          <a:prstGeom prst="rect">
+            <a:avLst/>
+          </a:prstGeom>
+          <a:noFill/>
+        </p:spPr>
+        <p:txBody>
+          <a:bodyPr wrap="none" rtlCol="0">
+            <a:spAutoFit/>
+          </a:bodyPr>
+          <a:lstStyle/>
+          <a:p>
+            <a:r>
+              <a:rPr lang="en-US" altLang="zh-CN" dirty="0"/>
+              <a:t>2. </a:t>
+            </a:r>
+            <a:endParaRPr lang="zh-CN" altLang="en-US" dirty="0"/>
+          </a:p>
+        </p:txBody>
+      </p:sp>
+      <p:sp>
+        <p:nvSpPr>
+          <p:cNvPr id="12" name="文本框 11">
+            <a:extLst>
+              <a:ext uri="{FF2B5EF4-FFF2-40B4-BE49-F238E27FC236}">
+                <a16:creationId xmlns:a16="http://schemas.microsoft.com/office/drawing/2014/main" id="{528BD655-CA17-784D-E873-4187DCD220CC}"/>
+              </a:ext>
+            </a:extLst>
+          </p:cNvPr>
+          <p:cNvSpPr txBox="1"/>
+          <p:nvPr/>
+        </p:nvSpPr>
+        <p:spPr>
+          <a:xfrm>
+            <a:off x="1362075" y="3875562"/>
+            <a:ext cx="6096000" cy="881139"/>
+          </a:xfrm>
+          <a:prstGeom prst="rect">
+            <a:avLst/>
+          </a:prstGeom>
+          <a:noFill/>
+        </p:spPr>
+        <p:txBody>
+          <a:bodyPr wrap="square">
+            <a:spAutoFit/>
+          </a:bodyPr>
+          <a:lstStyle/>
+          <a:p>
+            <a:pPr>
+              <a:lnSpc>
+                <a:spcPct val="150000"/>
+              </a:lnSpc>
+            </a:pPr>
+            <a:r>
+              <a:rPr lang="zh-CN" altLang="en-US" b="1" dirty="0">
+                <a:solidFill>
+                  <a:srgbClr val="C00000"/>
+                </a:solidFill>
+              </a:rPr>
+              <a:t>在片段着色器中，如果有两个相同的  </a:t>
+            </a:r>
+            <a:r>
+              <a:rPr lang="en-US" altLang="zh-CN" b="1" dirty="0">
+                <a:solidFill>
+                  <a:srgbClr val="C00000"/>
+                </a:solidFill>
+              </a:rPr>
+              <a:t>in  vec3  </a:t>
+            </a:r>
+            <a:r>
+              <a:rPr lang="zh-CN" altLang="en-US" b="1" dirty="0">
+                <a:solidFill>
+                  <a:srgbClr val="C00000"/>
+                </a:solidFill>
+              </a:rPr>
+              <a:t>时，  命名和顺序有什么要求吗？</a:t>
+            </a:r>
+            <a:r>
+              <a:rPr lang="en-US" altLang="zh-CN" b="1" dirty="0">
+                <a:solidFill>
+                  <a:srgbClr val="C00000"/>
+                </a:solidFill>
+              </a:rPr>
+              <a:t> </a:t>
+            </a:r>
+            <a:r>
+              <a:rPr lang="zh-CN" altLang="en-US" b="1" dirty="0">
+                <a:solidFill>
+                  <a:srgbClr val="C00000"/>
+                </a:solidFill>
+              </a:rPr>
+              <a:t>？</a:t>
+            </a:r>
+            <a:endParaRPr lang="en-US" altLang="zh-CN" b="1" dirty="0">
+              <a:solidFill>
+                <a:srgbClr val="C00000"/>
+              </a:solidFill>
+            </a:endParaRPr>
+          </a:p>
+        </p:txBody>
+      </p:sp>
+    </p:spTree>
+    <p:extLst>
+      <p:ext uri="{BB962C8B-B14F-4D97-AF65-F5344CB8AC3E}">
+        <p14:creationId xmlns:p14="http://schemas.microsoft.com/office/powerpoint/2010/main" val="1484107174"/>
       </p:ext>
     </p:extLst>
   </p:cSld>
@@ -10541,6 +11224,75 @@
 </p:sld>
 </file>
 
+<file path=ppt/slides/slide20.xml><?xml version="1.0" encoding="utf-8"?>
+<p:sld xmlns:a="http://schemas.openxmlformats.org/drawingml/2006/main" xmlns:r="http://schemas.openxmlformats.org/officeDocument/2006/relationships" xmlns:p="http://schemas.openxmlformats.org/presentationml/2006/main">
+  <p:cSld>
+    <p:spTree>
+      <p:nvGrpSpPr>
+        <p:cNvPr id="1" name=""/>
+        <p:cNvGrpSpPr/>
+        <p:nvPr/>
+      </p:nvGrpSpPr>
+      <p:grpSpPr>
+        <a:xfrm>
+          <a:off x="0" y="0"/>
+          <a:ext cx="0" cy="0"/>
+          <a:chOff x="0" y="0"/>
+          <a:chExt cx="0" cy="0"/>
+        </a:xfrm>
+      </p:grpSpPr>
+      <p:sp>
+        <p:nvSpPr>
+          <p:cNvPr id="4" name="文本框 3">
+            <a:extLst>
+              <a:ext uri="{FF2B5EF4-FFF2-40B4-BE49-F238E27FC236}">
+                <a16:creationId xmlns:a16="http://schemas.microsoft.com/office/drawing/2014/main" id="{4991220C-83FC-8FFB-EB0F-0CF6B3DAC055}"/>
+              </a:ext>
+            </a:extLst>
+          </p:cNvPr>
+          <p:cNvSpPr txBox="1"/>
+          <p:nvPr/>
+        </p:nvSpPr>
+        <p:spPr>
+          <a:xfrm>
+            <a:off x="258184" y="247427"/>
+            <a:ext cx="1107996" cy="369332"/>
+          </a:xfrm>
+          <a:prstGeom prst="rect">
+            <a:avLst/>
+          </a:prstGeom>
+          <a:noFill/>
+        </p:spPr>
+        <p:txBody>
+          <a:bodyPr wrap="none" rtlCol="0">
+            <a:spAutoFit/>
+          </a:bodyPr>
+          <a:lstStyle/>
+          <a:p>
+            <a:r>
+              <a:rPr lang="zh-CN" altLang="en-US" b="1" dirty="0">
+                <a:solidFill>
+                  <a:srgbClr val="C00000"/>
+                </a:solidFill>
+              </a:rPr>
+              <a:t>参考资料</a:t>
+            </a:r>
+          </a:p>
+        </p:txBody>
+      </p:sp>
+    </p:spTree>
+    <p:extLst>
+      <p:ext uri="{BB962C8B-B14F-4D97-AF65-F5344CB8AC3E}">
+        <p14:creationId xmlns:p14="http://schemas.microsoft.com/office/powerpoint/2010/main" val="2576067286"/>
+      </p:ext>
+    </p:extLst>
+  </p:cSld>
+  <p:clrMapOvr>
+    <a:masterClrMapping/>
+  </p:clrMapOvr>
+</p:sld>
+</file>
+
 <file path=ppt/slides/slide3.xml><?xml version="1.0" encoding="utf-8"?>
 <p:sld xmlns:a="http://schemas.openxmlformats.org/drawingml/2006/main" xmlns:r="http://schemas.openxmlformats.org/officeDocument/2006/relationships" xmlns:p="http://schemas.openxmlformats.org/presentationml/2006/main">
   <p:cSld>
@@ -11134,8 +11886,8 @@
         </p:nvCxnSpPr>
         <p:spPr>
           <a:xfrm>
-            <a:off x="7939144" y="432093"/>
-            <a:ext cx="0" cy="6162345"/>
+            <a:off x="7939144" y="942975"/>
+            <a:ext cx="0" cy="5651463"/>
           </a:xfrm>
           <a:prstGeom prst="line">
             <a:avLst/>

--- a/note/note.pptx
+++ b/note/note.pptx
@@ -5,7 +5,7 @@
     <p:sldMasterId id="2147483648" r:id="rId1"/>
   </p:sldMasterIdLst>
   <p:notesMasterIdLst>
-    <p:notesMasterId r:id="rId22"/>
+    <p:notesMasterId r:id="rId29"/>
   </p:notesMasterIdLst>
   <p:sldIdLst>
     <p:sldId id="257" r:id="rId2"/>
@@ -25,9 +25,16 @@
     <p:sldId id="273" r:id="rId16"/>
     <p:sldId id="274" r:id="rId17"/>
     <p:sldId id="275" r:id="rId18"/>
-    <p:sldId id="269" r:id="rId19"/>
-    <p:sldId id="276" r:id="rId20"/>
-    <p:sldId id="263" r:id="rId21"/>
+    <p:sldId id="278" r:id="rId19"/>
+    <p:sldId id="269" r:id="rId20"/>
+    <p:sldId id="281" r:id="rId21"/>
+    <p:sldId id="279" r:id="rId22"/>
+    <p:sldId id="280" r:id="rId23"/>
+    <p:sldId id="282" r:id="rId24"/>
+    <p:sldId id="283" r:id="rId25"/>
+    <p:sldId id="277" r:id="rId26"/>
+    <p:sldId id="276" r:id="rId27"/>
+    <p:sldId id="263" r:id="rId28"/>
   </p:sldIdLst>
   <p:sldSz cx="12192000" cy="6858000"/>
   <p:notesSz cx="6858000" cy="9144000"/>
@@ -216,7 +223,7 @@
           <a:p>
             <a:fld id="{4BFFDF43-3706-46A0-B06D-AE72E818623F}" type="datetimeFigureOut">
               <a:rPr lang="zh-CN" altLang="en-US" smtClean="0"/>
-              <a:t>2022/10/30</a:t>
+              <a:t>2022/11/6</a:t>
             </a:fld>
             <a:endParaRPr lang="zh-CN" altLang="en-US"/>
           </a:p>
@@ -714,7 +721,7 @@
           <a:p>
             <a:fld id="{51012E39-D036-490F-9959-64C588399DE6}" type="datetimeFigureOut">
               <a:rPr lang="zh-CN" altLang="en-US" smtClean="0"/>
-              <a:t>2022/10/30</a:t>
+              <a:t>2022/11/6</a:t>
             </a:fld>
             <a:endParaRPr lang="zh-CN" altLang="en-US"/>
           </a:p>
@@ -912,7 +919,7 @@
           <a:p>
             <a:fld id="{51012E39-D036-490F-9959-64C588399DE6}" type="datetimeFigureOut">
               <a:rPr lang="zh-CN" altLang="en-US" smtClean="0"/>
-              <a:t>2022/10/30</a:t>
+              <a:t>2022/11/6</a:t>
             </a:fld>
             <a:endParaRPr lang="zh-CN" altLang="en-US"/>
           </a:p>
@@ -1120,7 +1127,7 @@
           <a:p>
             <a:fld id="{51012E39-D036-490F-9959-64C588399DE6}" type="datetimeFigureOut">
               <a:rPr lang="zh-CN" altLang="en-US" smtClean="0"/>
-              <a:t>2022/10/30</a:t>
+              <a:t>2022/11/6</a:t>
             </a:fld>
             <a:endParaRPr lang="zh-CN" altLang="en-US"/>
           </a:p>
@@ -1318,7 +1325,7 @@
           <a:p>
             <a:fld id="{51012E39-D036-490F-9959-64C588399DE6}" type="datetimeFigureOut">
               <a:rPr lang="zh-CN" altLang="en-US" smtClean="0"/>
-              <a:t>2022/10/30</a:t>
+              <a:t>2022/11/6</a:t>
             </a:fld>
             <a:endParaRPr lang="zh-CN" altLang="en-US"/>
           </a:p>
@@ -1593,7 +1600,7 @@
           <a:p>
             <a:fld id="{51012E39-D036-490F-9959-64C588399DE6}" type="datetimeFigureOut">
               <a:rPr lang="zh-CN" altLang="en-US" smtClean="0"/>
-              <a:t>2022/10/30</a:t>
+              <a:t>2022/11/6</a:t>
             </a:fld>
             <a:endParaRPr lang="zh-CN" altLang="en-US"/>
           </a:p>
@@ -1858,7 +1865,7 @@
           <a:p>
             <a:fld id="{51012E39-D036-490F-9959-64C588399DE6}" type="datetimeFigureOut">
               <a:rPr lang="zh-CN" altLang="en-US" smtClean="0"/>
-              <a:t>2022/10/30</a:t>
+              <a:t>2022/11/6</a:t>
             </a:fld>
             <a:endParaRPr lang="zh-CN" altLang="en-US"/>
           </a:p>
@@ -2270,7 +2277,7 @@
           <a:p>
             <a:fld id="{51012E39-D036-490F-9959-64C588399DE6}" type="datetimeFigureOut">
               <a:rPr lang="zh-CN" altLang="en-US" smtClean="0"/>
-              <a:t>2022/10/30</a:t>
+              <a:t>2022/11/6</a:t>
             </a:fld>
             <a:endParaRPr lang="zh-CN" altLang="en-US"/>
           </a:p>
@@ -2411,7 +2418,7 @@
           <a:p>
             <a:fld id="{51012E39-D036-490F-9959-64C588399DE6}" type="datetimeFigureOut">
               <a:rPr lang="zh-CN" altLang="en-US" smtClean="0"/>
-              <a:t>2022/10/30</a:t>
+              <a:t>2022/11/6</a:t>
             </a:fld>
             <a:endParaRPr lang="zh-CN" altLang="en-US"/>
           </a:p>
@@ -2524,7 +2531,7 @@
           <a:p>
             <a:fld id="{51012E39-D036-490F-9959-64C588399DE6}" type="datetimeFigureOut">
               <a:rPr lang="zh-CN" altLang="en-US" smtClean="0"/>
-              <a:t>2022/10/30</a:t>
+              <a:t>2022/11/6</a:t>
             </a:fld>
             <a:endParaRPr lang="zh-CN" altLang="en-US"/>
           </a:p>
@@ -2835,7 +2842,7 @@
           <a:p>
             <a:fld id="{51012E39-D036-490F-9959-64C588399DE6}" type="datetimeFigureOut">
               <a:rPr lang="zh-CN" altLang="en-US" smtClean="0"/>
-              <a:t>2022/10/30</a:t>
+              <a:t>2022/11/6</a:t>
             </a:fld>
             <a:endParaRPr lang="zh-CN" altLang="en-US"/>
           </a:p>
@@ -3123,7 +3130,7 @@
           <a:p>
             <a:fld id="{51012E39-D036-490F-9959-64C588399DE6}" type="datetimeFigureOut">
               <a:rPr lang="zh-CN" altLang="en-US" smtClean="0"/>
-              <a:t>2022/10/30</a:t>
+              <a:t>2022/11/6</a:t>
             </a:fld>
             <a:endParaRPr lang="zh-CN" altLang="en-US"/>
           </a:p>
@@ -3364,7 +3371,7 @@
           <a:p>
             <a:fld id="{51012E39-D036-490F-9959-64C588399DE6}" type="datetimeFigureOut">
               <a:rPr lang="zh-CN" altLang="en-US" smtClean="0"/>
-              <a:t>2022/10/30</a:t>
+              <a:t>2022/11/6</a:t>
             </a:fld>
             <a:endParaRPr lang="zh-CN" altLang="en-US"/>
           </a:p>
@@ -9407,6 +9414,61 @@
           </a:p>
         </p:txBody>
       </p:sp>
+      <p:sp>
+        <p:nvSpPr>
+          <p:cNvPr id="5" name="文本框 4">
+            <a:extLst>
+              <a:ext uri="{FF2B5EF4-FFF2-40B4-BE49-F238E27FC236}">
+                <a16:creationId xmlns:a16="http://schemas.microsoft.com/office/drawing/2014/main" id="{A1C1178A-2CE9-2BE7-B44E-37D00BD6AF04}"/>
+              </a:ext>
+            </a:extLst>
+          </p:cNvPr>
+          <p:cNvSpPr txBox="1"/>
+          <p:nvPr/>
+        </p:nvSpPr>
+        <p:spPr>
+          <a:xfrm>
+            <a:off x="5152913" y="1914861"/>
+            <a:ext cx="5650906" cy="369332"/>
+          </a:xfrm>
+          <a:prstGeom prst="rect">
+            <a:avLst/>
+          </a:prstGeom>
+          <a:noFill/>
+        </p:spPr>
+        <p:txBody>
+          <a:bodyPr wrap="none" rtlCol="0">
+            <a:spAutoFit/>
+          </a:bodyPr>
+          <a:lstStyle/>
+          <a:p>
+            <a:r>
+              <a:rPr lang="zh-CN" altLang="en-US" b="1" dirty="0">
+                <a:solidFill>
+                  <a:srgbClr val="C00000"/>
+                </a:solidFill>
+              </a:rPr>
+              <a:t>暂时不深入，还有</a:t>
+            </a:r>
+            <a:r>
+              <a:rPr lang="en-US" altLang="zh-CN" b="1" dirty="0">
+                <a:solidFill>
+                  <a:srgbClr val="C00000"/>
+                </a:solidFill>
+              </a:rPr>
+              <a:t>PBR</a:t>
+            </a:r>
+            <a:r>
+              <a:rPr lang="zh-CN" altLang="en-US" b="1" dirty="0">
+                <a:solidFill>
+                  <a:srgbClr val="C00000"/>
+                </a:solidFill>
+              </a:rPr>
+              <a:t>（从物理原理来实现关照效果）</a:t>
+            </a:r>
+          </a:p>
+        </p:txBody>
+      </p:sp>
     </p:spTree>
     <p:extLst>
       <p:ext uri="{BB962C8B-B14F-4D97-AF65-F5344CB8AC3E}">
@@ -9452,7 +9514,7 @@
         <p:spPr>
           <a:xfrm>
             <a:off x="258184" y="247427"/>
-            <a:ext cx="3946914" cy="369332"/>
+            <a:ext cx="2792752" cy="369332"/>
           </a:xfrm>
           <a:prstGeom prst="rect">
             <a:avLst/>
@@ -9471,7 +9533,7 @@
                   <a:srgbClr val="C00000"/>
                 </a:solidFill>
               </a:rPr>
-              <a:t>Lessoin_4</a:t>
+              <a:t>Lession_8</a:t>
             </a:r>
             <a:r>
               <a:rPr lang="zh-CN" altLang="en-US" b="1" dirty="0">
@@ -9479,17 +9541,17 @@
                   <a:srgbClr val="C00000"/>
                 </a:solidFill>
               </a:rPr>
-              <a:t>：变换、坐标系统与摄像机</a:t>
-            </a:r>
-          </a:p>
-        </p:txBody>
-      </p:sp>
-      <p:sp>
-        <p:nvSpPr>
-          <p:cNvPr id="5" name="文本框 4">
-            <a:extLst>
-              <a:ext uri="{FF2B5EF4-FFF2-40B4-BE49-F238E27FC236}">
-                <a16:creationId xmlns:a16="http://schemas.microsoft.com/office/drawing/2014/main" id="{9026D397-B17A-7EB8-2999-0E7808A35BEC}"/>
+              <a:t>：网格模型导入</a:t>
+            </a:r>
+          </a:p>
+        </p:txBody>
+      </p:sp>
+      <p:sp>
+        <p:nvSpPr>
+          <p:cNvPr id="6" name="文本框 5">
+            <a:extLst>
+              <a:ext uri="{FF2B5EF4-FFF2-40B4-BE49-F238E27FC236}">
+                <a16:creationId xmlns:a16="http://schemas.microsoft.com/office/drawing/2014/main" id="{2E07467F-721A-66DE-789D-60B5EAECBA52}"/>
               </a:ext>
             </a:extLst>
           </p:cNvPr>
@@ -9498,8 +9560,8 @@
         </p:nvSpPr>
         <p:spPr>
           <a:xfrm>
-            <a:off x="2781701" y="1707631"/>
-            <a:ext cx="2419150" cy="2231508"/>
+            <a:off x="1301676" y="1925618"/>
+            <a:ext cx="6336253" cy="2543132"/>
           </a:xfrm>
           <a:prstGeom prst="rect">
             <a:avLst/>
@@ -9512,99 +9574,174 @@
           </a:bodyPr>
           <a:lstStyle/>
           <a:p>
-            <a:pPr marL="285750" indent="-285750">
+            <a:pPr marL="342900" indent="-342900">
               <a:lnSpc>
-                <a:spcPct val="200000"/>
+                <a:spcPct val="150000"/>
               </a:lnSpc>
-              <a:buFont typeface="Wingdings" panose="05000000000000000000" pitchFamily="2" charset="2"/>
-              <a:buChar char="n"/>
+              <a:buAutoNum type="arabicPeriod"/>
             </a:pPr>
             <a:r>
+              <a:rPr lang="zh-CN" altLang="en-US" b="1" dirty="0"/>
+              <a:t>内存如何管理</a:t>
+            </a:r>
+            <a:endParaRPr lang="en-US" altLang="zh-CN" b="1" dirty="0"/>
+          </a:p>
+          <a:p>
+            <a:pPr marL="342900" indent="-342900">
+              <a:lnSpc>
+                <a:spcPct val="150000"/>
+              </a:lnSpc>
+              <a:buAutoNum type="arabicPeriod"/>
+            </a:pPr>
+            <a:r>
+              <a:rPr lang="zh-CN" altLang="en-US" b="1" dirty="0"/>
+              <a:t>如何提高加载速率</a:t>
+            </a:r>
+            <a:endParaRPr lang="en-US" altLang="zh-CN" b="1" dirty="0"/>
+          </a:p>
+          <a:p>
+            <a:pPr marL="342900" indent="-342900">
+              <a:lnSpc>
+                <a:spcPct val="150000"/>
+              </a:lnSpc>
+              <a:buAutoNum type="arabicPeriod"/>
+            </a:pPr>
+            <a:r>
+              <a:rPr lang="zh-CN" altLang="en-US" b="1" dirty="0"/>
+              <a:t>如何做封装</a:t>
+            </a:r>
+            <a:endParaRPr lang="en-US" altLang="zh-CN" b="1" dirty="0"/>
+          </a:p>
+          <a:p>
+            <a:pPr marL="342900" indent="-342900">
+              <a:lnSpc>
+                <a:spcPct val="150000"/>
+              </a:lnSpc>
+              <a:buAutoNum type="arabicPeriod"/>
+            </a:pPr>
+            <a:r>
+              <a:rPr lang="zh-CN" altLang="en-US" b="1" dirty="0"/>
+              <a:t>反射原理，</a:t>
+            </a:r>
+            <a:r>
+              <a:rPr lang="en-US" altLang="zh-CN" b="1" dirty="0"/>
+              <a:t>QT/Blender/MFC</a:t>
+            </a:r>
+            <a:r>
+              <a:rPr lang="zh-CN" altLang="en-US" b="1" dirty="0"/>
+              <a:t>的区别对比</a:t>
+            </a:r>
+            <a:endParaRPr lang="en-US" altLang="zh-CN" b="1" dirty="0"/>
+          </a:p>
+          <a:p>
+            <a:pPr marL="342900" indent="-342900">
+              <a:lnSpc>
+                <a:spcPct val="150000"/>
+              </a:lnSpc>
+              <a:buFontTx/>
+              <a:buAutoNum type="arabicPeriod"/>
+            </a:pPr>
+            <a:r>
+              <a:rPr lang="en-US" altLang="zh-CN" b="1" dirty="0"/>
+              <a:t>UI</a:t>
+            </a:r>
+            <a:r>
+              <a:rPr lang="zh-CN" altLang="en-US" b="1" dirty="0"/>
+              <a:t>框架，消息如何传递，</a:t>
+            </a:r>
+            <a:r>
+              <a:rPr lang="en-US" altLang="zh-CN" b="1" dirty="0"/>
+              <a:t>QT/Blender/MFC</a:t>
+            </a:r>
+            <a:r>
+              <a:rPr lang="zh-CN" altLang="en-US" b="1" dirty="0"/>
+              <a:t>的区别对比</a:t>
+            </a:r>
+            <a:endParaRPr lang="en-US" altLang="zh-CN" b="1" dirty="0"/>
+          </a:p>
+          <a:p>
+            <a:pPr marL="342900" indent="-342900">
+              <a:lnSpc>
+                <a:spcPct val="150000"/>
+              </a:lnSpc>
+              <a:buFontTx/>
+              <a:buAutoNum type="arabicPeriod"/>
+            </a:pPr>
+            <a:r>
+              <a:rPr lang="zh-CN" altLang="en-US" b="1" dirty="0"/>
+              <a:t>怎么使用</a:t>
+            </a:r>
+            <a:r>
+              <a:rPr lang="en-US" altLang="zh-CN" b="1" dirty="0"/>
+              <a:t>Blender</a:t>
+            </a:r>
+            <a:r>
+              <a:rPr lang="zh-CN" altLang="en-US" b="1" dirty="0"/>
+              <a:t>软件，生成自己的网格模型</a:t>
+            </a:r>
+            <a:endParaRPr lang="en-US" altLang="zh-CN" b="1" dirty="0"/>
+          </a:p>
+        </p:txBody>
+      </p:sp>
+      <p:sp>
+        <p:nvSpPr>
+          <p:cNvPr id="7" name="文本框 6">
+            <a:extLst>
+              <a:ext uri="{FF2B5EF4-FFF2-40B4-BE49-F238E27FC236}">
+                <a16:creationId xmlns:a16="http://schemas.microsoft.com/office/drawing/2014/main" id="{6F3C0A19-A1F3-CE54-1CA3-FC9C6299E271}"/>
+              </a:ext>
+            </a:extLst>
+          </p:cNvPr>
+          <p:cNvSpPr txBox="1"/>
+          <p:nvPr/>
+        </p:nvSpPr>
+        <p:spPr>
+          <a:xfrm>
+            <a:off x="602428" y="1247887"/>
+            <a:ext cx="7454285" cy="369332"/>
+          </a:xfrm>
+          <a:prstGeom prst="rect">
+            <a:avLst/>
+          </a:prstGeom>
+          <a:noFill/>
+        </p:spPr>
+        <p:txBody>
+          <a:bodyPr wrap="none" rtlCol="0">
+            <a:spAutoFit/>
+          </a:bodyPr>
+          <a:lstStyle/>
+          <a:p>
+            <a:r>
               <a:rPr lang="zh-CN" altLang="en-US" b="1" dirty="0">
                 <a:solidFill>
                   <a:srgbClr val="C00000"/>
                 </a:solidFill>
               </a:rPr>
-              <a:t>顶点缓存</a:t>
-            </a:r>
-            <a:endParaRPr lang="en-US" altLang="zh-CN" b="1" dirty="0">
-              <a:solidFill>
-                <a:srgbClr val="C00000"/>
-              </a:solidFill>
-            </a:endParaRPr>
-          </a:p>
-          <a:p>
-            <a:pPr marL="285750" indent="-285750">
-              <a:lnSpc>
-                <a:spcPct val="200000"/>
-              </a:lnSpc>
-              <a:buFont typeface="Wingdings" panose="05000000000000000000" pitchFamily="2" charset="2"/>
-              <a:buChar char="n"/>
-            </a:pPr>
+              <a:t>暂时不深入，做了简单编码练习，后面结合</a:t>
+            </a:r>
+            <a:r>
+              <a:rPr lang="en-US" altLang="zh-CN" b="1" dirty="0">
+                <a:solidFill>
+                  <a:srgbClr val="C00000"/>
+                </a:solidFill>
+              </a:rPr>
+              <a:t>Blender</a:t>
+            </a:r>
             <a:r>
               <a:rPr lang="zh-CN" altLang="en-US" b="1" dirty="0">
                 <a:solidFill>
                   <a:srgbClr val="C00000"/>
                 </a:solidFill>
               </a:rPr>
-              <a:t>颜色缓冲</a:t>
-            </a:r>
-            <a:endParaRPr lang="en-US" altLang="zh-CN" b="1" dirty="0">
-              <a:solidFill>
-                <a:srgbClr val="C00000"/>
-              </a:solidFill>
-            </a:endParaRPr>
-          </a:p>
-          <a:p>
-            <a:pPr marL="285750" indent="-285750">
-              <a:lnSpc>
-                <a:spcPct val="200000"/>
-              </a:lnSpc>
-              <a:buFont typeface="Wingdings" panose="05000000000000000000" pitchFamily="2" charset="2"/>
-              <a:buChar char="n"/>
-            </a:pPr>
-            <a:r>
-              <a:rPr lang="zh-CN" altLang="en-US" b="1" dirty="0">
-                <a:solidFill>
-                  <a:srgbClr val="C00000"/>
-                </a:solidFill>
-              </a:rPr>
-              <a:t>帧缓冲</a:t>
-            </a:r>
-            <a:endParaRPr lang="en-US" altLang="zh-CN" b="1" dirty="0">
-              <a:solidFill>
-                <a:srgbClr val="C00000"/>
-              </a:solidFill>
-            </a:endParaRPr>
-          </a:p>
-          <a:p>
-            <a:pPr marL="285750" indent="-285750">
-              <a:lnSpc>
-                <a:spcPct val="200000"/>
-              </a:lnSpc>
-              <a:buFont typeface="Wingdings" panose="05000000000000000000" pitchFamily="2" charset="2"/>
-              <a:buChar char="n"/>
-            </a:pPr>
-            <a:r>
-              <a:rPr lang="zh-CN" altLang="en-US" b="1" dirty="0">
-                <a:solidFill>
-                  <a:srgbClr val="C00000"/>
-                </a:solidFill>
-              </a:rPr>
-              <a:t>深度缓冲</a:t>
-            </a:r>
-            <a:endParaRPr lang="en-US" altLang="zh-CN" b="1" dirty="0">
-              <a:solidFill>
-                <a:srgbClr val="C00000"/>
-              </a:solidFill>
-            </a:endParaRPr>
+              <a:t>源码再做深入了解：</a:t>
+            </a:r>
           </a:p>
         </p:txBody>
       </p:sp>
     </p:spTree>
     <p:extLst>
       <p:ext uri="{BB962C8B-B14F-4D97-AF65-F5344CB8AC3E}">
-        <p14:creationId xmlns:p14="http://schemas.microsoft.com/office/powerpoint/2010/main" val="250159257"/>
+        <p14:creationId xmlns:p14="http://schemas.microsoft.com/office/powerpoint/2010/main" val="87528331"/>
       </p:ext>
     </p:extLst>
   </p:cSld>
@@ -9646,7 +9783,7 @@
         <p:spPr>
           <a:xfrm>
             <a:off x="258184" y="247427"/>
-            <a:ext cx="646331" cy="369332"/>
+            <a:ext cx="2792752" cy="369332"/>
           </a:xfrm>
           <a:prstGeom prst="rect">
             <a:avLst/>
@@ -9660,22 +9797,30 @@
           <a:lstStyle/>
           <a:p>
             <a:r>
+              <a:rPr lang="en-US" altLang="zh-CN" b="1" dirty="0">
+                <a:solidFill>
+                  <a:srgbClr val="C00000"/>
+                </a:solidFill>
+              </a:rPr>
+              <a:t>Lessoin_9</a:t>
+            </a:r>
+            <a:r>
               <a:rPr lang="zh-CN" altLang="en-US" b="1" dirty="0">
                 <a:solidFill>
                   <a:srgbClr val="C00000"/>
                 </a:solidFill>
               </a:rPr>
-              <a:t>思考</a:t>
-            </a:r>
-          </a:p>
-        </p:txBody>
-      </p:sp>
-      <p:sp>
-        <p:nvSpPr>
-          <p:cNvPr id="6" name="文本框 5">
-            <a:extLst>
-              <a:ext uri="{FF2B5EF4-FFF2-40B4-BE49-F238E27FC236}">
-                <a16:creationId xmlns:a16="http://schemas.microsoft.com/office/drawing/2014/main" id="{316AF591-9A55-A416-1367-F98A378F7E04}"/>
+              <a:t>：如何提高效率</a:t>
+            </a:r>
+          </a:p>
+        </p:txBody>
+      </p:sp>
+      <p:sp>
+        <p:nvSpPr>
+          <p:cNvPr id="34" name="文本框 33">
+            <a:extLst>
+              <a:ext uri="{FF2B5EF4-FFF2-40B4-BE49-F238E27FC236}">
+                <a16:creationId xmlns:a16="http://schemas.microsoft.com/office/drawing/2014/main" id="{C5E64D7F-1029-2B56-539A-CC240F4A3DBB}"/>
               </a:ext>
             </a:extLst>
           </p:cNvPr>
@@ -9684,8 +9829,8 @@
         </p:nvSpPr>
         <p:spPr>
           <a:xfrm>
-            <a:off x="1362075" y="2009246"/>
-            <a:ext cx="6096000" cy="465640"/>
+            <a:off x="876300" y="1117600"/>
+            <a:ext cx="1800493" cy="369332"/>
           </a:xfrm>
           <a:prstGeom prst="rect">
             <a:avLst/>
@@ -9693,10 +9838,74 @@
           <a:noFill/>
         </p:spPr>
         <p:txBody>
-          <a:bodyPr wrap="square">
+          <a:bodyPr wrap="none" rtlCol="0">
             <a:spAutoFit/>
           </a:bodyPr>
           <a:lstStyle/>
+          <a:p>
+            <a:r>
+              <a:rPr lang="zh-CN" altLang="en-US" b="1" dirty="0"/>
+              <a:t>提高效率的思路</a:t>
+            </a:r>
+          </a:p>
+        </p:txBody>
+      </p:sp>
+      <p:sp>
+        <p:nvSpPr>
+          <p:cNvPr id="35" name="文本框 34">
+            <a:extLst>
+              <a:ext uri="{FF2B5EF4-FFF2-40B4-BE49-F238E27FC236}">
+                <a16:creationId xmlns:a16="http://schemas.microsoft.com/office/drawing/2014/main" id="{BD4B9E5E-5745-28D3-282B-75B3CF678228}"/>
+              </a:ext>
+            </a:extLst>
+          </p:cNvPr>
+          <p:cNvSpPr txBox="1"/>
+          <p:nvPr/>
+        </p:nvSpPr>
+        <p:spPr>
+          <a:xfrm>
+            <a:off x="1344746" y="3396119"/>
+            <a:ext cx="9094156" cy="881139"/>
+          </a:xfrm>
+          <a:prstGeom prst="rect">
+            <a:avLst/>
+          </a:prstGeom>
+          <a:noFill/>
+        </p:spPr>
+        <p:txBody>
+          <a:bodyPr wrap="none" rtlCol="0">
+            <a:spAutoFit/>
+          </a:bodyPr>
+          <a:lstStyle/>
+          <a:p>
+            <a:pPr marL="342900" indent="-342900">
+              <a:lnSpc>
+                <a:spcPct val="150000"/>
+              </a:lnSpc>
+              <a:buAutoNum type="arabicPeriod" startAt="2"/>
+            </a:pPr>
+            <a:r>
+              <a:rPr lang="zh-CN" altLang="en-US" b="1" dirty="0"/>
+              <a:t>减少每帧之间  </a:t>
+            </a:r>
+            <a:r>
+              <a:rPr lang="en-US" altLang="zh-CN" b="1" dirty="0"/>
+              <a:t>CPU</a:t>
+            </a:r>
+            <a:r>
+              <a:rPr lang="zh-CN" altLang="en-US" b="1" dirty="0"/>
+              <a:t>客户端 和 </a:t>
+            </a:r>
+            <a:r>
+              <a:rPr lang="en-US" altLang="zh-CN" b="1" dirty="0"/>
+              <a:t>GPU</a:t>
+            </a:r>
+            <a:r>
+              <a:rPr lang="zh-CN" altLang="en-US" b="1" dirty="0"/>
+              <a:t>服务端 之间的数据传递</a:t>
+            </a:r>
+            <a:endParaRPr lang="en-US" altLang="zh-CN" b="1" dirty="0"/>
+          </a:p>
           <a:p>
             <a:pPr>
               <a:lnSpc>
@@ -9704,54 +9913,39 @@
               </a:lnSpc>
             </a:pPr>
             <a:r>
-              <a:rPr lang="zh-CN" altLang="en-US" b="1" dirty="0">
+              <a:rPr lang="zh-CN" altLang="en-US" dirty="0"/>
+              <a:t>如提前把已知参数数据写入到服务端的缓存中，如使用</a:t>
+            </a:r>
+            <a:r>
+              <a:rPr lang="en-US" altLang="zh-CN" dirty="0">
                 <a:solidFill>
                   <a:srgbClr val="C00000"/>
                 </a:solidFill>
               </a:rPr>
-              <a:t>不同的</a:t>
-            </a:r>
-            <a:r>
-              <a:rPr lang="en-US" altLang="zh-CN" b="1" dirty="0">
+              <a:t>uniform</a:t>
+            </a:r>
+            <a:r>
+              <a:rPr lang="zh-CN" altLang="en-US" dirty="0">
                 <a:solidFill>
                   <a:srgbClr val="C00000"/>
                 </a:solidFill>
               </a:rPr>
-              <a:t>VAO</a:t>
-            </a:r>
-            <a:r>
-              <a:rPr lang="zh-CN" altLang="en-US" b="1" dirty="0">
-                <a:solidFill>
-                  <a:srgbClr val="C00000"/>
-                </a:solidFill>
-              </a:rPr>
-              <a:t>可以使用同一个</a:t>
-            </a:r>
-            <a:r>
-              <a:rPr lang="en-US" altLang="zh-CN" b="1" dirty="0">
-                <a:solidFill>
-                  <a:srgbClr val="C00000"/>
-                </a:solidFill>
-              </a:rPr>
-              <a:t>VBO</a:t>
-            </a:r>
-            <a:r>
-              <a:rPr lang="zh-CN" altLang="en-US" b="1" dirty="0">
-                <a:solidFill>
-                  <a:srgbClr val="C00000"/>
-                </a:solidFill>
-              </a:rPr>
-              <a:t>吗</a:t>
-            </a:r>
-          </a:p>
-        </p:txBody>
-      </p:sp>
-      <p:sp>
-        <p:nvSpPr>
-          <p:cNvPr id="8" name="文本框 7">
-            <a:extLst>
-              <a:ext uri="{FF2B5EF4-FFF2-40B4-BE49-F238E27FC236}">
-                <a16:creationId xmlns:a16="http://schemas.microsoft.com/office/drawing/2014/main" id="{8406D78B-2558-0CAC-5CD6-7C925E8C8D58}"/>
+              <a:t>缓存（对于每帧数据）</a:t>
+            </a:r>
+            <a:endParaRPr lang="en-US" altLang="zh-CN" dirty="0">
+              <a:solidFill>
+                <a:srgbClr val="C00000"/>
+              </a:solidFill>
+            </a:endParaRPr>
+          </a:p>
+        </p:txBody>
+      </p:sp>
+      <p:sp>
+        <p:nvSpPr>
+          <p:cNvPr id="36" name="文本框 35">
+            <a:extLst>
+              <a:ext uri="{FF2B5EF4-FFF2-40B4-BE49-F238E27FC236}">
+                <a16:creationId xmlns:a16="http://schemas.microsoft.com/office/drawing/2014/main" id="{9E2B2AB9-0D49-5639-B3C5-64F95DCFBB29}"/>
               </a:ext>
             </a:extLst>
           </p:cNvPr>
@@ -9760,8 +9954,8 @@
         </p:nvSpPr>
         <p:spPr>
           <a:xfrm>
-            <a:off x="1362075" y="1357855"/>
-            <a:ext cx="6096000" cy="465640"/>
+            <a:off x="1344746" y="1987773"/>
+            <a:ext cx="6878806" cy="881139"/>
           </a:xfrm>
           <a:prstGeom prst="rect">
             <a:avLst/>
@@ -9769,10 +9963,23 @@
           <a:noFill/>
         </p:spPr>
         <p:txBody>
-          <a:bodyPr wrap="square">
+          <a:bodyPr wrap="none" rtlCol="0">
             <a:spAutoFit/>
           </a:bodyPr>
           <a:lstStyle/>
+          <a:p>
+            <a:pPr marL="342900" indent="-342900">
+              <a:lnSpc>
+                <a:spcPct val="150000"/>
+              </a:lnSpc>
+              <a:buAutoNum type="arabicPeriod"/>
+            </a:pPr>
+            <a:r>
+              <a:rPr lang="zh-CN" altLang="en-US" b="1" dirty="0"/>
+              <a:t>减少着色器的计算量</a:t>
+            </a:r>
+            <a:endParaRPr lang="en-US" altLang="zh-CN" b="1" dirty="0"/>
+          </a:p>
           <a:p>
             <a:pPr>
               <a:lnSpc>
@@ -9780,245 +9987,36 @@
               </a:lnSpc>
             </a:pPr>
             <a:r>
-              <a:rPr lang="zh-CN" altLang="en-US" b="1" dirty="0">
+              <a:rPr lang="zh-CN" altLang="en-US" dirty="0"/>
+              <a:t>如减少片段着色器处理的片段数量，对应 </a:t>
+            </a:r>
+            <a:r>
+              <a:rPr lang="zh-CN" altLang="en-US" dirty="0">
                 <a:solidFill>
                   <a:srgbClr val="C00000"/>
                 </a:solidFill>
               </a:rPr>
-              <a:t>两个</a:t>
-            </a:r>
-            <a:r>
-              <a:rPr lang="en-US" altLang="zh-CN" b="1" dirty="0">
+              <a:t>面剔除</a:t>
+            </a:r>
+            <a:r>
+              <a:rPr lang="zh-CN" altLang="en-US" dirty="0"/>
+              <a:t>、</a:t>
+            </a:r>
+            <a:r>
+              <a:rPr lang="zh-CN" altLang="en-US" dirty="0">
                 <a:solidFill>
                   <a:srgbClr val="C00000"/>
                 </a:solidFill>
               </a:rPr>
-              <a:t>shader</a:t>
-            </a:r>
-            <a:r>
-              <a:rPr lang="zh-CN" altLang="en-US" b="1" dirty="0">
-                <a:solidFill>
-                  <a:srgbClr val="C00000"/>
-                </a:solidFill>
-              </a:rPr>
-              <a:t>程序能不能共用同一</a:t>
-            </a:r>
-            <a:r>
-              <a:rPr lang="en-US" altLang="zh-CN" b="1" dirty="0">
-                <a:solidFill>
-                  <a:srgbClr val="C00000"/>
-                </a:solidFill>
-              </a:rPr>
-              <a:t>VAO</a:t>
-            </a:r>
-            <a:r>
-              <a:rPr lang="zh-CN" altLang="en-US" b="1" dirty="0">
-                <a:solidFill>
-                  <a:srgbClr val="C00000"/>
-                </a:solidFill>
-              </a:rPr>
-              <a:t>吗</a:t>
-            </a:r>
-            <a:endParaRPr lang="en-US" altLang="zh-CN" b="1" dirty="0">
-              <a:solidFill>
-                <a:srgbClr val="C00000"/>
-              </a:solidFill>
-            </a:endParaRPr>
-          </a:p>
-        </p:txBody>
-      </p:sp>
-      <p:sp>
-        <p:nvSpPr>
-          <p:cNvPr id="9" name="文本框 8">
-            <a:extLst>
-              <a:ext uri="{FF2B5EF4-FFF2-40B4-BE49-F238E27FC236}">
-                <a16:creationId xmlns:a16="http://schemas.microsoft.com/office/drawing/2014/main" id="{62F63D7A-AF99-2598-4CA5-536DBBCF9F27}"/>
-              </a:ext>
-            </a:extLst>
-          </p:cNvPr>
-          <p:cNvSpPr txBox="1"/>
-          <p:nvPr/>
-        </p:nvSpPr>
-        <p:spPr>
-          <a:xfrm>
-            <a:off x="6324600" y="1765849"/>
-            <a:ext cx="2744662" cy="369332"/>
-          </a:xfrm>
-          <a:prstGeom prst="rect">
-            <a:avLst/>
-          </a:prstGeom>
-          <a:noFill/>
-        </p:spPr>
-        <p:txBody>
-          <a:bodyPr wrap="none" rtlCol="0">
-            <a:spAutoFit/>
-          </a:bodyPr>
-          <a:lstStyle/>
-          <a:p>
-            <a:r>
-              <a:rPr lang="zh-CN" altLang="en-US" b="1" dirty="0"/>
-              <a:t>程序验证，好像是可以的</a:t>
-            </a:r>
-          </a:p>
-        </p:txBody>
-      </p:sp>
-      <p:sp>
-        <p:nvSpPr>
-          <p:cNvPr id="10" name="文本框 9">
-            <a:extLst>
-              <a:ext uri="{FF2B5EF4-FFF2-40B4-BE49-F238E27FC236}">
-                <a16:creationId xmlns:a16="http://schemas.microsoft.com/office/drawing/2014/main" id="{0C295339-509F-75F5-9831-F9A173C25EBC}"/>
-              </a:ext>
-            </a:extLst>
-          </p:cNvPr>
-          <p:cNvSpPr txBox="1"/>
-          <p:nvPr/>
-        </p:nvSpPr>
-        <p:spPr>
-          <a:xfrm>
-            <a:off x="581349" y="990600"/>
-            <a:ext cx="420308" cy="369332"/>
-          </a:xfrm>
-          <a:prstGeom prst="rect">
-            <a:avLst/>
-          </a:prstGeom>
-          <a:noFill/>
-        </p:spPr>
-        <p:txBody>
-          <a:bodyPr wrap="none" rtlCol="0">
-            <a:spAutoFit/>
-          </a:bodyPr>
-          <a:lstStyle/>
-          <a:p>
-            <a:r>
-              <a:rPr lang="en-US" altLang="zh-CN" dirty="0"/>
-              <a:t>1. </a:t>
-            </a:r>
-            <a:endParaRPr lang="zh-CN" altLang="en-US" dirty="0"/>
-          </a:p>
-        </p:txBody>
-      </p:sp>
-      <p:sp>
-        <p:nvSpPr>
-          <p:cNvPr id="11" name="文本框 10">
-            <a:extLst>
-              <a:ext uri="{FF2B5EF4-FFF2-40B4-BE49-F238E27FC236}">
-                <a16:creationId xmlns:a16="http://schemas.microsoft.com/office/drawing/2014/main" id="{4F5C56A2-42E0-2DB1-73BB-D83BA2562CEF}"/>
-              </a:ext>
-            </a:extLst>
-          </p:cNvPr>
-          <p:cNvSpPr txBox="1"/>
-          <p:nvPr/>
-        </p:nvSpPr>
-        <p:spPr>
-          <a:xfrm>
-            <a:off x="581349" y="3429000"/>
-            <a:ext cx="420308" cy="369332"/>
-          </a:xfrm>
-          <a:prstGeom prst="rect">
-            <a:avLst/>
-          </a:prstGeom>
-          <a:noFill/>
-        </p:spPr>
-        <p:txBody>
-          <a:bodyPr wrap="none" rtlCol="0">
-            <a:spAutoFit/>
-          </a:bodyPr>
-          <a:lstStyle/>
-          <a:p>
-            <a:r>
-              <a:rPr lang="en-US" altLang="zh-CN" dirty="0"/>
-              <a:t>2. </a:t>
-            </a:r>
-            <a:endParaRPr lang="zh-CN" altLang="en-US" dirty="0"/>
-          </a:p>
-        </p:txBody>
-      </p:sp>
-      <p:sp>
-        <p:nvSpPr>
-          <p:cNvPr id="12" name="文本框 11">
-            <a:extLst>
-              <a:ext uri="{FF2B5EF4-FFF2-40B4-BE49-F238E27FC236}">
-                <a16:creationId xmlns:a16="http://schemas.microsoft.com/office/drawing/2014/main" id="{528BD655-CA17-784D-E873-4187DCD220CC}"/>
-              </a:ext>
-            </a:extLst>
-          </p:cNvPr>
-          <p:cNvSpPr txBox="1"/>
-          <p:nvPr/>
-        </p:nvSpPr>
-        <p:spPr>
-          <a:xfrm>
-            <a:off x="1362075" y="3875562"/>
-            <a:ext cx="6096000" cy="881139"/>
-          </a:xfrm>
-          <a:prstGeom prst="rect">
-            <a:avLst/>
-          </a:prstGeom>
-          <a:noFill/>
-        </p:spPr>
-        <p:txBody>
-          <a:bodyPr wrap="square">
-            <a:spAutoFit/>
-          </a:bodyPr>
-          <a:lstStyle/>
-          <a:p>
-            <a:pPr>
-              <a:lnSpc>
-                <a:spcPct val="150000"/>
-              </a:lnSpc>
-            </a:pPr>
-            <a:r>
-              <a:rPr lang="zh-CN" altLang="en-US" b="1" dirty="0">
-                <a:solidFill>
-                  <a:srgbClr val="C00000"/>
-                </a:solidFill>
-              </a:rPr>
-              <a:t>在片段着色器中，如果有两个相同的  </a:t>
-            </a:r>
-            <a:r>
-              <a:rPr lang="en-US" altLang="zh-CN" b="1" dirty="0">
-                <a:solidFill>
-                  <a:srgbClr val="C00000"/>
-                </a:solidFill>
-              </a:rPr>
-              <a:t>in  vec3  </a:t>
-            </a:r>
-            <a:r>
-              <a:rPr lang="zh-CN" altLang="en-US" b="1" dirty="0">
-                <a:solidFill>
-                  <a:srgbClr val="C00000"/>
-                </a:solidFill>
-              </a:rPr>
-              <a:t>时，  命名和顺序有什么要求吗？</a:t>
-            </a:r>
-            <a:r>
-              <a:rPr lang="en-US" altLang="zh-CN" b="1" dirty="0">
-                <a:solidFill>
-                  <a:srgbClr val="C00000"/>
-                </a:solidFill>
-              </a:rPr>
-              <a:t> </a:t>
-            </a:r>
-            <a:r>
-              <a:rPr lang="zh-CN" altLang="en-US" b="1" dirty="0">
-                <a:solidFill>
-                  <a:srgbClr val="C00000"/>
-                </a:solidFill>
-              </a:rPr>
-              <a:t>？</a:t>
-            </a:r>
-            <a:endParaRPr lang="en-US" altLang="zh-CN" b="1" dirty="0">
-              <a:solidFill>
-                <a:srgbClr val="C00000"/>
-              </a:solidFill>
-            </a:endParaRPr>
+              <a:t>提前深度测试</a:t>
+            </a:r>
           </a:p>
         </p:txBody>
       </p:sp>
     </p:spTree>
     <p:extLst>
       <p:ext uri="{BB962C8B-B14F-4D97-AF65-F5344CB8AC3E}">
-        <p14:creationId xmlns:p14="http://schemas.microsoft.com/office/powerpoint/2010/main" val="1484107174"/>
+        <p14:creationId xmlns:p14="http://schemas.microsoft.com/office/powerpoint/2010/main" val="250159257"/>
       </p:ext>
     </p:extLst>
   </p:cSld>
@@ -11256,7 +11254,7 @@
         <p:spPr>
           <a:xfrm>
             <a:off x="258184" y="247427"/>
-            <a:ext cx="1107996" cy="369332"/>
+            <a:ext cx="2792752" cy="369332"/>
           </a:xfrm>
           <a:prstGeom prst="rect">
             <a:avLst/>
@@ -11270,12 +11268,3319 @@
           <a:lstStyle/>
           <a:p>
             <a:r>
+              <a:rPr lang="en-US" altLang="zh-CN" b="1" dirty="0">
+                <a:solidFill>
+                  <a:srgbClr val="C00000"/>
+                </a:solidFill>
+              </a:rPr>
+              <a:t>Lessoin_9</a:t>
+            </a:r>
+            <a:r>
               <a:rPr lang="zh-CN" altLang="en-US" b="1" dirty="0">
                 <a:solidFill>
                   <a:srgbClr val="C00000"/>
                 </a:solidFill>
               </a:rPr>
+              <a:t>：如何提高效率</a:t>
+            </a:r>
+          </a:p>
+        </p:txBody>
+      </p:sp>
+      <p:sp>
+        <p:nvSpPr>
+          <p:cNvPr id="2" name="文本框 1">
+            <a:extLst>
+              <a:ext uri="{FF2B5EF4-FFF2-40B4-BE49-F238E27FC236}">
+                <a16:creationId xmlns:a16="http://schemas.microsoft.com/office/drawing/2014/main" id="{83B5FC7D-732E-5790-CAC6-FEC2F7C77365}"/>
+              </a:ext>
+            </a:extLst>
+          </p:cNvPr>
+          <p:cNvSpPr txBox="1"/>
+          <p:nvPr/>
+        </p:nvSpPr>
+        <p:spPr>
+          <a:xfrm>
+            <a:off x="451821" y="903639"/>
+            <a:ext cx="3329758" cy="369332"/>
+          </a:xfrm>
+          <a:prstGeom prst="rect">
+            <a:avLst/>
+          </a:prstGeom>
+          <a:noFill/>
+        </p:spPr>
+        <p:txBody>
+          <a:bodyPr wrap="none" rtlCol="0">
+            <a:spAutoFit/>
+          </a:bodyPr>
+          <a:lstStyle/>
+          <a:p>
+            <a:r>
+              <a:rPr lang="en-US" altLang="zh-CN" b="1" dirty="0"/>
+              <a:t>9-1 </a:t>
+            </a:r>
+            <a:r>
+              <a:rPr lang="zh-CN" altLang="en-US" b="1" dirty="0"/>
+              <a:t>深度测试 </a:t>
+            </a:r>
+            <a:r>
+              <a:rPr lang="en-US" altLang="zh-CN" b="1" dirty="0"/>
+              <a:t>vs. </a:t>
+            </a:r>
+            <a:r>
+              <a:rPr lang="zh-CN" altLang="en-US" b="1" dirty="0">
+                <a:solidFill>
+                  <a:srgbClr val="C00000"/>
+                </a:solidFill>
+              </a:rPr>
+              <a:t>提前深度测试</a:t>
+            </a:r>
+          </a:p>
+        </p:txBody>
+      </p:sp>
+      <p:sp>
+        <p:nvSpPr>
+          <p:cNvPr id="3" name="文本框 2">
+            <a:extLst>
+              <a:ext uri="{FF2B5EF4-FFF2-40B4-BE49-F238E27FC236}">
+                <a16:creationId xmlns:a16="http://schemas.microsoft.com/office/drawing/2014/main" id="{3102C659-844C-AD00-E7D3-5F9B4859FBD5}"/>
+              </a:ext>
+            </a:extLst>
+          </p:cNvPr>
+          <p:cNvSpPr txBox="1"/>
+          <p:nvPr/>
+        </p:nvSpPr>
+        <p:spPr>
+          <a:xfrm>
+            <a:off x="733311" y="1428092"/>
+            <a:ext cx="5045337" cy="828240"/>
+          </a:xfrm>
+          <a:prstGeom prst="rect">
+            <a:avLst/>
+          </a:prstGeom>
+          <a:noFill/>
+        </p:spPr>
+        <p:txBody>
+          <a:bodyPr wrap="square" rtlCol="0">
+            <a:spAutoFit/>
+          </a:bodyPr>
+          <a:lstStyle/>
+          <a:p>
+            <a:pPr marL="342900" indent="-342900">
+              <a:lnSpc>
+                <a:spcPct val="150000"/>
+              </a:lnSpc>
+              <a:buAutoNum type="arabicPeriod"/>
+            </a:pPr>
+            <a:r>
+              <a:rPr lang="zh-CN" altLang="en-US" sz="1100" dirty="0"/>
+              <a:t>深度测试是在片段着色器之后，将所有片段与深度缓冲中的值做比较，他的开销：片段着色器 </a:t>
+            </a:r>
+            <a:r>
+              <a:rPr lang="en-US" altLang="zh-CN" sz="1100" dirty="0"/>
+              <a:t>+ </a:t>
+            </a:r>
+            <a:r>
+              <a:rPr lang="zh-CN" altLang="en-US" sz="1100" dirty="0"/>
+              <a:t>比较；</a:t>
+            </a:r>
+            <a:endParaRPr lang="en-US" altLang="zh-CN" sz="1100" dirty="0"/>
+          </a:p>
+          <a:p>
+            <a:pPr marL="342900" indent="-342900">
+              <a:lnSpc>
+                <a:spcPct val="150000"/>
+              </a:lnSpc>
+              <a:buAutoNum type="arabicPeriod"/>
+            </a:pPr>
+            <a:r>
+              <a:rPr lang="zh-CN" altLang="en-US" sz="1100" b="1" dirty="0"/>
+              <a:t>提前深度测试是在片段着色器之前就把相关片段丢弃。</a:t>
+            </a:r>
+          </a:p>
+        </p:txBody>
+      </p:sp>
+      <p:sp>
+        <p:nvSpPr>
+          <p:cNvPr id="8" name="文本框 7">
+            <a:extLst>
+              <a:ext uri="{FF2B5EF4-FFF2-40B4-BE49-F238E27FC236}">
+                <a16:creationId xmlns:a16="http://schemas.microsoft.com/office/drawing/2014/main" id="{B5F9D4C3-2DCB-7308-143D-596EAC78DAA6}"/>
+              </a:ext>
+            </a:extLst>
+          </p:cNvPr>
+          <p:cNvSpPr txBox="1"/>
+          <p:nvPr/>
+        </p:nvSpPr>
+        <p:spPr>
+          <a:xfrm>
+            <a:off x="451821" y="6201625"/>
+            <a:ext cx="7545078" cy="320409"/>
+          </a:xfrm>
+          <a:prstGeom prst="rect">
+            <a:avLst/>
+          </a:prstGeom>
+          <a:noFill/>
+        </p:spPr>
+        <p:txBody>
+          <a:bodyPr wrap="square">
+            <a:spAutoFit/>
+          </a:bodyPr>
+          <a:lstStyle/>
+          <a:p>
+            <a:pPr>
+              <a:lnSpc>
+                <a:spcPct val="150000"/>
+              </a:lnSpc>
+            </a:pPr>
+            <a:r>
+              <a:rPr lang="zh-CN" altLang="en-US" sz="1100" b="1" dirty="0">
+                <a:solidFill>
+                  <a:srgbClr val="C00000"/>
+                </a:solidFill>
+              </a:rPr>
+              <a:t>备注：</a:t>
+            </a:r>
+            <a:r>
+              <a:rPr lang="en-US" altLang="zh-CN" sz="1100" b="1" dirty="0" err="1">
+                <a:solidFill>
+                  <a:srgbClr val="C00000"/>
+                </a:solidFill>
+              </a:rPr>
+              <a:t>gl_FragCoord</a:t>
+            </a:r>
+            <a:r>
+              <a:rPr lang="zh-CN" altLang="en-US" sz="1100" b="1" dirty="0">
+                <a:solidFill>
+                  <a:srgbClr val="C00000"/>
+                </a:solidFill>
+              </a:rPr>
+              <a:t>的</a:t>
+            </a:r>
+            <a:r>
+              <a:rPr lang="en-US" altLang="zh-CN" sz="1100" b="1" dirty="0">
+                <a:solidFill>
+                  <a:srgbClr val="C00000"/>
+                </a:solidFill>
+              </a:rPr>
+              <a:t>x</a:t>
+            </a:r>
+            <a:r>
+              <a:rPr lang="zh-CN" altLang="en-US" sz="1100" b="1" dirty="0">
+                <a:solidFill>
+                  <a:srgbClr val="C00000"/>
+                </a:solidFill>
+              </a:rPr>
+              <a:t>和</a:t>
+            </a:r>
+            <a:r>
+              <a:rPr lang="en-US" altLang="zh-CN" sz="1100" b="1" dirty="0">
+                <a:solidFill>
+                  <a:srgbClr val="C00000"/>
+                </a:solidFill>
+              </a:rPr>
+              <a:t>y</a:t>
+            </a:r>
+            <a:r>
+              <a:rPr lang="zh-CN" altLang="en-US" sz="1100" b="1" dirty="0">
+                <a:solidFill>
+                  <a:srgbClr val="C00000"/>
+                </a:solidFill>
+              </a:rPr>
+              <a:t>分量代表了片段的屏幕空间坐标（其中</a:t>
+            </a:r>
+            <a:r>
+              <a:rPr lang="en-US" altLang="zh-CN" sz="1100" b="1" dirty="0">
+                <a:solidFill>
+                  <a:srgbClr val="C00000"/>
+                </a:solidFill>
+              </a:rPr>
+              <a:t>(0, 0)</a:t>
+            </a:r>
+            <a:r>
+              <a:rPr lang="zh-CN" altLang="en-US" sz="1100" b="1" dirty="0">
+                <a:solidFill>
+                  <a:srgbClr val="C00000"/>
+                </a:solidFill>
+              </a:rPr>
+              <a:t>位于左下角），通过它的</a:t>
+            </a:r>
+            <a:r>
+              <a:rPr lang="en-US" altLang="zh-CN" sz="1100" b="1" dirty="0">
+                <a:solidFill>
+                  <a:srgbClr val="C00000"/>
+                </a:solidFill>
+              </a:rPr>
+              <a:t>z</a:t>
+            </a:r>
+            <a:r>
+              <a:rPr lang="zh-CN" altLang="en-US" sz="1100" b="1" dirty="0">
+                <a:solidFill>
+                  <a:srgbClr val="C00000"/>
+                </a:solidFill>
+              </a:rPr>
+              <a:t>值，可以范围深度值</a:t>
+            </a:r>
+          </a:p>
+        </p:txBody>
+      </p:sp>
+      <p:sp>
+        <p:nvSpPr>
+          <p:cNvPr id="9" name="文本框 8">
+            <a:extLst>
+              <a:ext uri="{FF2B5EF4-FFF2-40B4-BE49-F238E27FC236}">
+                <a16:creationId xmlns:a16="http://schemas.microsoft.com/office/drawing/2014/main" id="{057D1401-C087-B367-F231-8949BCCDC6A8}"/>
+              </a:ext>
+            </a:extLst>
+          </p:cNvPr>
+          <p:cNvSpPr txBox="1"/>
+          <p:nvPr/>
+        </p:nvSpPr>
+        <p:spPr>
+          <a:xfrm>
+            <a:off x="451821" y="2358794"/>
+            <a:ext cx="1338828" cy="369332"/>
+          </a:xfrm>
+          <a:prstGeom prst="rect">
+            <a:avLst/>
+          </a:prstGeom>
+          <a:noFill/>
+        </p:spPr>
+        <p:txBody>
+          <a:bodyPr wrap="none" rtlCol="0">
+            <a:spAutoFit/>
+          </a:bodyPr>
+          <a:lstStyle/>
+          <a:p>
+            <a:r>
+              <a:rPr lang="zh-CN" altLang="en-US" b="1" dirty="0"/>
+              <a:t>相关接口：</a:t>
+            </a:r>
+            <a:endParaRPr lang="en-US" altLang="zh-CN" b="1" dirty="0"/>
+          </a:p>
+        </p:txBody>
+      </p:sp>
+      <p:sp>
+        <p:nvSpPr>
+          <p:cNvPr id="12" name="Rectangle 3">
+            <a:extLst>
+              <a:ext uri="{FF2B5EF4-FFF2-40B4-BE49-F238E27FC236}">
+                <a16:creationId xmlns:a16="http://schemas.microsoft.com/office/drawing/2014/main" id="{944F0638-1FBC-450A-2DEE-905A9B25E906}"/>
+              </a:ext>
+            </a:extLst>
+          </p:cNvPr>
+          <p:cNvSpPr>
+            <a:spLocks noChangeArrowheads="1"/>
+          </p:cNvSpPr>
+          <p:nvPr/>
+        </p:nvSpPr>
+        <p:spPr bwMode="auto">
+          <a:xfrm>
+            <a:off x="733311" y="2829499"/>
+            <a:ext cx="5554531" cy="246221"/>
+          </a:xfrm>
+          <a:prstGeom prst="rect">
+            <a:avLst/>
+          </a:prstGeom>
+          <a:noFill/>
+          <a:ln>
+            <a:noFill/>
+          </a:ln>
+          <a:effectLst/>
+          <a:extLst>
+            <a:ext uri="{909E8E84-426E-40DD-AFC4-6F175D3DCCD1}">
+              <a14:hiddenFill xmlns:a14="http://schemas.microsoft.com/office/drawing/2010/main">
+                <a:solidFill>
+                  <a:schemeClr val="accent1"/>
+                </a:solidFill>
+              </a14:hiddenFill>
+            </a:ext>
+            <a:ext uri="{91240B29-F687-4F45-9708-019B960494DF}">
+              <a14:hiddenLine xmlns:a14="http://schemas.microsoft.com/office/drawing/2010/main" w="9525">
+                <a:solidFill>
+                  <a:schemeClr val="tx1"/>
+                </a:solidFill>
+                <a:miter lim="800000"/>
+                <a:headEnd/>
+                <a:tailEnd/>
+              </a14:hiddenLine>
+            </a:ext>
+            <a:ext uri="{AF507438-7753-43E0-B8FC-AC1667EBCBE1}">
+              <a14:hiddenEffects xmlns:a14="http://schemas.microsoft.com/office/drawing/2010/main">
+                <a:effectLst>
+                  <a:outerShdw dist="35921" dir="2700000" algn="ctr" rotWithShape="0">
+                    <a:schemeClr val="bg2"/>
+                  </a:outerShdw>
+                </a:effectLst>
+              </a14:hiddenEffects>
+            </a:ext>
+          </a:extLst>
+        </p:spPr>
+        <p:txBody>
+          <a:bodyPr vert="horz" wrap="square" lIns="91440" tIns="45720" rIns="91440" bIns="45720" numCol="1" anchor="ctr" anchorCtr="0" compatLnSpc="1">
+            <a:prstTxWarp prst="textNoShape">
+              <a:avLst/>
+            </a:prstTxWarp>
+            <a:spAutoFit/>
+          </a:bodyPr>
+          <a:lstStyle/>
+          <a:p>
+            <a:pPr marL="0" marR="0" lvl="0" indent="0" algn="l" defTabSz="914400" rtl="0" eaLnBrk="0" fontAlgn="base" latinLnBrk="0" hangingPunct="0">
+              <a:lnSpc>
+                <a:spcPct val="100000"/>
+              </a:lnSpc>
+              <a:spcBef>
+                <a:spcPct val="0"/>
+              </a:spcBef>
+              <a:spcAft>
+                <a:spcPct val="0"/>
+              </a:spcAft>
+              <a:buClrTx/>
+              <a:buSzTx/>
+              <a:buFontTx/>
+              <a:buNone/>
+              <a:tabLst/>
+            </a:pPr>
+            <a:r>
+              <a:rPr kumimoji="0" lang="zh-CN" altLang="zh-CN" sz="1000" b="0" i="0" u="none" strike="noStrike" cap="none" normalizeH="0" baseline="0">
+                <a:ln>
+                  <a:noFill/>
+                </a:ln>
+                <a:solidFill>
+                  <a:schemeClr val="tx1"/>
+                </a:solidFill>
+                <a:effectLst/>
+                <a:latin typeface="Arial Unicode MS"/>
+              </a:rPr>
+              <a:t>glEnable(GL_DEPTH_TEST);</a:t>
+            </a:r>
+            <a:r>
+              <a:rPr kumimoji="0" lang="zh-CN" altLang="zh-CN" sz="800" b="0" i="0" u="none" strike="noStrike" cap="none" normalizeH="0" baseline="0">
+                <a:ln>
+                  <a:noFill/>
+                </a:ln>
+                <a:solidFill>
+                  <a:schemeClr val="tx1"/>
+                </a:solidFill>
+                <a:effectLst/>
+              </a:rPr>
+              <a:t> </a:t>
+            </a:r>
+            <a:endParaRPr kumimoji="0" lang="zh-CN" altLang="zh-CN" sz="1800" b="0" i="0" u="none" strike="noStrike" cap="none" normalizeH="0" baseline="0">
+              <a:ln>
+                <a:noFill/>
+              </a:ln>
+              <a:solidFill>
+                <a:schemeClr val="tx1"/>
+              </a:solidFill>
+              <a:effectLst/>
+              <a:latin typeface="Arial" panose="020B0604020202020204" pitchFamily="34" charset="0"/>
+            </a:endParaRPr>
+          </a:p>
+        </p:txBody>
+      </p:sp>
+      <p:sp>
+        <p:nvSpPr>
+          <p:cNvPr id="13" name="Rectangle 4">
+            <a:extLst>
+              <a:ext uri="{FF2B5EF4-FFF2-40B4-BE49-F238E27FC236}">
+                <a16:creationId xmlns:a16="http://schemas.microsoft.com/office/drawing/2014/main" id="{1617AED1-AB6E-7F77-BEF6-8EAC61F5EB51}"/>
+              </a:ext>
+            </a:extLst>
+          </p:cNvPr>
+          <p:cNvSpPr>
+            <a:spLocks noChangeArrowheads="1"/>
+          </p:cNvSpPr>
+          <p:nvPr/>
+        </p:nvSpPr>
+        <p:spPr bwMode="auto">
+          <a:xfrm>
+            <a:off x="733311" y="3124105"/>
+            <a:ext cx="4726192" cy="246221"/>
+          </a:xfrm>
+          <a:prstGeom prst="rect">
+            <a:avLst/>
+          </a:prstGeom>
+          <a:noFill/>
+          <a:ln>
+            <a:noFill/>
+          </a:ln>
+          <a:effectLst/>
+          <a:extLst>
+            <a:ext uri="{909E8E84-426E-40DD-AFC4-6F175D3DCCD1}">
+              <a14:hiddenFill xmlns:a14="http://schemas.microsoft.com/office/drawing/2010/main">
+                <a:solidFill>
+                  <a:schemeClr val="accent1"/>
+                </a:solidFill>
+              </a14:hiddenFill>
+            </a:ext>
+            <a:ext uri="{91240B29-F687-4F45-9708-019B960494DF}">
+              <a14:hiddenLine xmlns:a14="http://schemas.microsoft.com/office/drawing/2010/main" w="9525">
+                <a:solidFill>
+                  <a:schemeClr val="tx1"/>
+                </a:solidFill>
+                <a:miter lim="800000"/>
+                <a:headEnd/>
+                <a:tailEnd/>
+              </a14:hiddenLine>
+            </a:ext>
+            <a:ext uri="{AF507438-7753-43E0-B8FC-AC1667EBCBE1}">
+              <a14:hiddenEffects xmlns:a14="http://schemas.microsoft.com/office/drawing/2010/main">
+                <a:effectLst>
+                  <a:outerShdw dist="35921" dir="2700000" algn="ctr" rotWithShape="0">
+                    <a:schemeClr val="bg2"/>
+                  </a:outerShdw>
+                </a:effectLst>
+              </a14:hiddenEffects>
+            </a:ext>
+          </a:extLst>
+        </p:spPr>
+        <p:txBody>
+          <a:bodyPr vert="horz" wrap="square" lIns="91440" tIns="45720" rIns="91440" bIns="45720" numCol="1" anchor="ctr" anchorCtr="0" compatLnSpc="1">
+            <a:prstTxWarp prst="textNoShape">
+              <a:avLst/>
+            </a:prstTxWarp>
+            <a:spAutoFit/>
+          </a:bodyPr>
+          <a:lstStyle/>
+          <a:p>
+            <a:pPr marL="0" marR="0" lvl="0" indent="0" algn="l" defTabSz="914400" rtl="0" eaLnBrk="0" fontAlgn="base" latinLnBrk="0" hangingPunct="0">
+              <a:lnSpc>
+                <a:spcPct val="100000"/>
+              </a:lnSpc>
+              <a:spcBef>
+                <a:spcPct val="0"/>
+              </a:spcBef>
+              <a:spcAft>
+                <a:spcPct val="0"/>
+              </a:spcAft>
+              <a:buClrTx/>
+              <a:buSzTx/>
+              <a:buFontTx/>
+              <a:buNone/>
+              <a:tabLst/>
+            </a:pPr>
+            <a:r>
+              <a:rPr kumimoji="0" lang="zh-CN" altLang="zh-CN" sz="1000" b="0" i="0" u="none" strike="noStrike" cap="none" normalizeH="0" baseline="0" dirty="0">
+                <a:ln>
+                  <a:noFill/>
+                </a:ln>
+                <a:solidFill>
+                  <a:schemeClr val="tx1"/>
+                </a:solidFill>
+                <a:effectLst/>
+                <a:latin typeface="Arial Unicode MS"/>
+              </a:rPr>
+              <a:t>glClear(GL_COLOR_BUFFER_BIT | GL_DEPTH_BUFFER_BIT);</a:t>
+            </a:r>
+            <a:r>
+              <a:rPr kumimoji="0" lang="zh-CN" altLang="zh-CN" sz="800" b="0" i="0" u="none" strike="noStrike" cap="none" normalizeH="0" baseline="0" dirty="0">
+                <a:ln>
+                  <a:noFill/>
+                </a:ln>
+                <a:solidFill>
+                  <a:schemeClr val="tx1"/>
+                </a:solidFill>
+                <a:effectLst/>
+              </a:rPr>
+              <a:t> </a:t>
+            </a:r>
+            <a:endParaRPr kumimoji="0" lang="zh-CN" altLang="zh-CN" sz="1800" b="0" i="0" u="none" strike="noStrike" cap="none" normalizeH="0" baseline="0" dirty="0">
+              <a:ln>
+                <a:noFill/>
+              </a:ln>
+              <a:solidFill>
+                <a:schemeClr val="tx1"/>
+              </a:solidFill>
+              <a:effectLst/>
+              <a:latin typeface="Arial" panose="020B0604020202020204" pitchFamily="34" charset="0"/>
+            </a:endParaRPr>
+          </a:p>
+        </p:txBody>
+      </p:sp>
+      <p:sp>
+        <p:nvSpPr>
+          <p:cNvPr id="14" name="Rectangle 5">
+            <a:extLst>
+              <a:ext uri="{FF2B5EF4-FFF2-40B4-BE49-F238E27FC236}">
+                <a16:creationId xmlns:a16="http://schemas.microsoft.com/office/drawing/2014/main" id="{D2EBC227-C3F4-8C8A-776E-F1811F5C78C4}"/>
+              </a:ext>
+            </a:extLst>
+          </p:cNvPr>
+          <p:cNvSpPr>
+            <a:spLocks noChangeArrowheads="1"/>
+          </p:cNvSpPr>
+          <p:nvPr/>
+        </p:nvSpPr>
+        <p:spPr bwMode="auto">
+          <a:xfrm>
+            <a:off x="733311" y="3418711"/>
+            <a:ext cx="4399878" cy="600164"/>
+          </a:xfrm>
+          <a:prstGeom prst="rect">
+            <a:avLst/>
+          </a:prstGeom>
+          <a:noFill/>
+          <a:ln>
+            <a:noFill/>
+          </a:ln>
+          <a:effectLst/>
+          <a:extLst>
+            <a:ext uri="{909E8E84-426E-40DD-AFC4-6F175D3DCCD1}">
+              <a14:hiddenFill xmlns:a14="http://schemas.microsoft.com/office/drawing/2010/main">
+                <a:solidFill>
+                  <a:schemeClr val="accent1"/>
+                </a:solidFill>
+              </a14:hiddenFill>
+            </a:ext>
+            <a:ext uri="{91240B29-F687-4F45-9708-019B960494DF}">
+              <a14:hiddenLine xmlns:a14="http://schemas.microsoft.com/office/drawing/2010/main" w="9525">
+                <a:solidFill>
+                  <a:schemeClr val="tx1"/>
+                </a:solidFill>
+                <a:miter lim="800000"/>
+                <a:headEnd/>
+                <a:tailEnd/>
+              </a14:hiddenLine>
+            </a:ext>
+            <a:ext uri="{AF507438-7753-43E0-B8FC-AC1667EBCBE1}">
+              <a14:hiddenEffects xmlns:a14="http://schemas.microsoft.com/office/drawing/2010/main">
+                <a:effectLst>
+                  <a:outerShdw dist="35921" dir="2700000" algn="ctr" rotWithShape="0">
+                    <a:schemeClr val="bg2"/>
+                  </a:outerShdw>
+                </a:effectLst>
+              </a14:hiddenEffects>
+            </a:ext>
+          </a:extLst>
+        </p:spPr>
+        <p:txBody>
+          <a:bodyPr vert="horz" wrap="square" lIns="91440" tIns="45720" rIns="91440" bIns="45720" numCol="1" anchor="ctr" anchorCtr="0" compatLnSpc="1">
+            <a:prstTxWarp prst="textNoShape">
+              <a:avLst/>
+            </a:prstTxWarp>
+            <a:spAutoFit/>
+          </a:bodyPr>
+          <a:lstStyle/>
+          <a:p>
+            <a:pPr marL="0" marR="0" lvl="0" indent="0" algn="l" defTabSz="914400" rtl="0" eaLnBrk="0" fontAlgn="base" latinLnBrk="0" hangingPunct="0">
+              <a:lnSpc>
+                <a:spcPct val="100000"/>
+              </a:lnSpc>
+              <a:spcBef>
+                <a:spcPct val="0"/>
+              </a:spcBef>
+              <a:spcAft>
+                <a:spcPct val="0"/>
+              </a:spcAft>
+              <a:buClrTx/>
+              <a:buSzTx/>
+              <a:buFontTx/>
+              <a:buNone/>
+              <a:tabLst/>
+            </a:pPr>
+            <a:r>
+              <a:rPr kumimoji="0" lang="en-US" altLang="zh-CN" sz="1100" b="1" i="0" u="none" strike="noStrike" cap="none" normalizeH="0" baseline="0" dirty="0">
+                <a:ln>
+                  <a:noFill/>
+                </a:ln>
+                <a:solidFill>
+                  <a:schemeClr val="tx1"/>
+                </a:solidFill>
+                <a:effectLst/>
+                <a:latin typeface="Arial Unicode MS"/>
+              </a:rPr>
+              <a:t>//</a:t>
+            </a:r>
+            <a:r>
+              <a:rPr kumimoji="0" lang="zh-CN" altLang="en-US" sz="1100" b="1" i="0" u="none" strike="noStrike" cap="none" normalizeH="0" baseline="0" dirty="0">
+                <a:ln>
+                  <a:noFill/>
+                </a:ln>
+                <a:solidFill>
+                  <a:schemeClr val="tx1"/>
+                </a:solidFill>
+                <a:effectLst/>
+                <a:latin typeface="Arial Unicode MS"/>
+              </a:rPr>
+              <a:t>某一帧画面的某个物体模型进行绘制时，不想更新影响深度缓冲，</a:t>
+            </a:r>
+            <a:endParaRPr kumimoji="0" lang="en-US" altLang="zh-CN" sz="1100" b="1" i="0" u="none" strike="noStrike" cap="none" normalizeH="0" baseline="0" dirty="0">
+              <a:ln>
+                <a:noFill/>
+              </a:ln>
+              <a:solidFill>
+                <a:schemeClr val="tx1"/>
+              </a:solidFill>
+              <a:effectLst/>
+              <a:latin typeface="Arial Unicode MS"/>
+            </a:endParaRPr>
+          </a:p>
+          <a:p>
+            <a:pPr marL="0" marR="0" lvl="0" indent="0" algn="l" defTabSz="914400" rtl="0" eaLnBrk="0" fontAlgn="base" latinLnBrk="0" hangingPunct="0">
+              <a:lnSpc>
+                <a:spcPct val="100000"/>
+              </a:lnSpc>
+              <a:spcBef>
+                <a:spcPct val="0"/>
+              </a:spcBef>
+              <a:spcAft>
+                <a:spcPct val="0"/>
+              </a:spcAft>
+              <a:buClrTx/>
+              <a:buSzTx/>
+              <a:buFontTx/>
+              <a:buNone/>
+              <a:tabLst/>
+            </a:pPr>
+            <a:r>
+              <a:rPr lang="en-US" altLang="zh-CN" sz="1100" b="1" dirty="0">
+                <a:latin typeface="Arial Unicode MS"/>
+              </a:rPr>
+              <a:t>//</a:t>
+            </a:r>
+            <a:r>
+              <a:rPr kumimoji="0" lang="zh-CN" altLang="en-US" sz="1100" b="1" i="0" u="none" strike="noStrike" cap="none" normalizeH="0" baseline="0" dirty="0">
+                <a:ln>
+                  <a:noFill/>
+                </a:ln>
+                <a:solidFill>
+                  <a:schemeClr val="tx1"/>
+                </a:solidFill>
+                <a:effectLst/>
+                <a:latin typeface="Arial Unicode MS"/>
+              </a:rPr>
+              <a:t>但是又想参与深度测试，这时可以使用</a:t>
+            </a:r>
+            <a:r>
+              <a:rPr kumimoji="0" lang="zh-CN" altLang="zh-CN" sz="1100" b="1" i="0" u="none" strike="noStrike" cap="none" normalizeH="0" baseline="0" dirty="0">
+                <a:ln>
+                  <a:noFill/>
+                </a:ln>
+                <a:solidFill>
+                  <a:schemeClr val="tx1"/>
+                </a:solidFill>
+                <a:effectLst/>
+              </a:rPr>
+              <a:t> </a:t>
+            </a:r>
+            <a:endParaRPr kumimoji="0" lang="en-US" altLang="zh-CN" sz="1100" b="1" i="0" u="none" strike="noStrike" cap="none" normalizeH="0" baseline="0" dirty="0">
+              <a:ln>
+                <a:noFill/>
+              </a:ln>
+              <a:solidFill>
+                <a:schemeClr val="tx1"/>
+              </a:solidFill>
+              <a:effectLst/>
+            </a:endParaRPr>
+          </a:p>
+          <a:p>
+            <a:pPr marL="0" marR="0" lvl="0" indent="0" algn="l" defTabSz="914400" rtl="0" eaLnBrk="0" fontAlgn="base" latinLnBrk="0" hangingPunct="0">
+              <a:lnSpc>
+                <a:spcPct val="100000"/>
+              </a:lnSpc>
+              <a:spcBef>
+                <a:spcPct val="0"/>
+              </a:spcBef>
+              <a:spcAft>
+                <a:spcPct val="0"/>
+              </a:spcAft>
+              <a:buClrTx/>
+              <a:buSzTx/>
+              <a:buFontTx/>
+              <a:buNone/>
+              <a:tabLst/>
+            </a:pPr>
+            <a:r>
+              <a:rPr kumimoji="0" lang="zh-CN" altLang="zh-CN" sz="1100" b="0" i="0" u="none" strike="noStrike" cap="none" normalizeH="0" baseline="0" dirty="0">
+                <a:ln>
+                  <a:noFill/>
+                </a:ln>
+                <a:solidFill>
+                  <a:schemeClr val="tx1"/>
+                </a:solidFill>
+                <a:effectLst/>
+                <a:latin typeface="Arial Unicode MS"/>
+              </a:rPr>
+              <a:t>glDepthMask(GL_FALSE);</a:t>
+            </a:r>
+            <a:endParaRPr kumimoji="0" lang="zh-CN" altLang="zh-CN" sz="1100" b="0" i="0" u="none" strike="noStrike" cap="none" normalizeH="0" baseline="0" dirty="0">
+              <a:ln>
+                <a:noFill/>
+              </a:ln>
+              <a:solidFill>
+                <a:schemeClr val="tx1"/>
+              </a:solidFill>
+              <a:effectLst/>
+              <a:latin typeface="Arial" panose="020B0604020202020204" pitchFamily="34" charset="0"/>
+            </a:endParaRPr>
+          </a:p>
+        </p:txBody>
+      </p:sp>
+      <p:sp>
+        <p:nvSpPr>
+          <p:cNvPr id="15" name="Rectangle 6">
+            <a:extLst>
+              <a:ext uri="{FF2B5EF4-FFF2-40B4-BE49-F238E27FC236}">
+                <a16:creationId xmlns:a16="http://schemas.microsoft.com/office/drawing/2014/main" id="{2C1AEF41-3CCC-876F-8B93-F71D7E9769F5}"/>
+              </a:ext>
+            </a:extLst>
+          </p:cNvPr>
+          <p:cNvSpPr>
+            <a:spLocks noChangeArrowheads="1"/>
+          </p:cNvSpPr>
+          <p:nvPr/>
+        </p:nvSpPr>
+        <p:spPr bwMode="auto">
+          <a:xfrm>
+            <a:off x="733311" y="4097039"/>
+            <a:ext cx="3733301" cy="246221"/>
+          </a:xfrm>
+          <a:prstGeom prst="rect">
+            <a:avLst/>
+          </a:prstGeom>
+          <a:noFill/>
+          <a:ln>
+            <a:noFill/>
+          </a:ln>
+          <a:effectLst/>
+          <a:extLst>
+            <a:ext uri="{909E8E84-426E-40DD-AFC4-6F175D3DCCD1}">
+              <a14:hiddenFill xmlns:a14="http://schemas.microsoft.com/office/drawing/2010/main">
+                <a:solidFill>
+                  <a:schemeClr val="accent1"/>
+                </a:solidFill>
+              </a14:hiddenFill>
+            </a:ext>
+            <a:ext uri="{91240B29-F687-4F45-9708-019B960494DF}">
+              <a14:hiddenLine xmlns:a14="http://schemas.microsoft.com/office/drawing/2010/main" w="9525">
+                <a:solidFill>
+                  <a:schemeClr val="tx1"/>
+                </a:solidFill>
+                <a:miter lim="800000"/>
+                <a:headEnd/>
+                <a:tailEnd/>
+              </a14:hiddenLine>
+            </a:ext>
+            <a:ext uri="{AF507438-7753-43E0-B8FC-AC1667EBCBE1}">
+              <a14:hiddenEffects xmlns:a14="http://schemas.microsoft.com/office/drawing/2010/main">
+                <a:effectLst>
+                  <a:outerShdw dist="35921" dir="2700000" algn="ctr" rotWithShape="0">
+                    <a:schemeClr val="bg2"/>
+                  </a:outerShdw>
+                </a:effectLst>
+              </a14:hiddenEffects>
+            </a:ext>
+          </a:extLst>
+        </p:spPr>
+        <p:txBody>
+          <a:bodyPr vert="horz" wrap="square" lIns="91440" tIns="45720" rIns="91440" bIns="45720" numCol="1" anchor="ctr" anchorCtr="0" compatLnSpc="1">
+            <a:prstTxWarp prst="textNoShape">
+              <a:avLst/>
+            </a:prstTxWarp>
+            <a:spAutoFit/>
+          </a:bodyPr>
+          <a:lstStyle/>
+          <a:p>
+            <a:pPr marL="0" marR="0" lvl="0" indent="0" algn="l" defTabSz="914400" rtl="0" eaLnBrk="0" fontAlgn="base" latinLnBrk="0" hangingPunct="0">
+              <a:lnSpc>
+                <a:spcPct val="100000"/>
+              </a:lnSpc>
+              <a:spcBef>
+                <a:spcPct val="0"/>
+              </a:spcBef>
+              <a:spcAft>
+                <a:spcPct val="0"/>
+              </a:spcAft>
+              <a:buClrTx/>
+              <a:buSzTx/>
+              <a:buFontTx/>
+              <a:buNone/>
+              <a:tabLst/>
+            </a:pPr>
+            <a:r>
+              <a:rPr kumimoji="0" lang="zh-CN" altLang="zh-CN" sz="1000" b="0" i="0" u="none" strike="noStrike" cap="none" normalizeH="0" baseline="0" dirty="0">
+                <a:ln>
+                  <a:noFill/>
+                </a:ln>
+                <a:solidFill>
+                  <a:schemeClr val="tx1"/>
+                </a:solidFill>
+                <a:effectLst/>
+                <a:latin typeface="Arial Unicode MS"/>
+              </a:rPr>
+              <a:t>glDepthFunc(GL_LESS);</a:t>
+            </a:r>
+            <a:r>
+              <a:rPr kumimoji="0" lang="zh-CN" altLang="zh-CN" sz="800" b="0" i="0" u="none" strike="noStrike" cap="none" normalizeH="0" baseline="0" dirty="0">
+                <a:ln>
+                  <a:noFill/>
+                </a:ln>
+                <a:solidFill>
+                  <a:schemeClr val="tx1"/>
+                </a:solidFill>
+                <a:effectLst/>
+              </a:rPr>
+              <a:t> </a:t>
+            </a:r>
+            <a:endParaRPr kumimoji="0" lang="zh-CN" altLang="zh-CN" sz="1800" b="0" i="0" u="none" strike="noStrike" cap="none" normalizeH="0" baseline="0" dirty="0">
+              <a:ln>
+                <a:noFill/>
+              </a:ln>
+              <a:solidFill>
+                <a:schemeClr val="tx1"/>
+              </a:solidFill>
+              <a:effectLst/>
+              <a:latin typeface="Arial" panose="020B0604020202020204" pitchFamily="34" charset="0"/>
+            </a:endParaRPr>
+          </a:p>
+        </p:txBody>
+      </p:sp>
+      <p:sp>
+        <p:nvSpPr>
+          <p:cNvPr id="16" name="文本框 15">
+            <a:extLst>
+              <a:ext uri="{FF2B5EF4-FFF2-40B4-BE49-F238E27FC236}">
+                <a16:creationId xmlns:a16="http://schemas.microsoft.com/office/drawing/2014/main" id="{1FFC551A-1A9F-C535-52EB-B5DF56B60E78}"/>
+              </a:ext>
+            </a:extLst>
+          </p:cNvPr>
+          <p:cNvSpPr txBox="1"/>
+          <p:nvPr/>
+        </p:nvSpPr>
+        <p:spPr>
+          <a:xfrm>
+            <a:off x="6196406" y="903639"/>
+            <a:ext cx="1800493" cy="369332"/>
+          </a:xfrm>
+          <a:prstGeom prst="rect">
+            <a:avLst/>
+          </a:prstGeom>
+          <a:noFill/>
+        </p:spPr>
+        <p:txBody>
+          <a:bodyPr wrap="none" rtlCol="0">
+            <a:spAutoFit/>
+          </a:bodyPr>
+          <a:lstStyle/>
+          <a:p>
+            <a:r>
+              <a:rPr lang="zh-CN" altLang="en-US" b="1" dirty="0"/>
+              <a:t>关于深度精度：</a:t>
+            </a:r>
+          </a:p>
+        </p:txBody>
+      </p:sp>
+      <p:cxnSp>
+        <p:nvCxnSpPr>
+          <p:cNvPr id="18" name="直接连接符 17">
+            <a:extLst>
+              <a:ext uri="{FF2B5EF4-FFF2-40B4-BE49-F238E27FC236}">
+                <a16:creationId xmlns:a16="http://schemas.microsoft.com/office/drawing/2014/main" id="{CF6CEF46-6B18-6A2F-B01B-5AEC9FD72093}"/>
+              </a:ext>
+            </a:extLst>
+          </p:cNvPr>
+          <p:cNvCxnSpPr>
+            <a:cxnSpLocks/>
+          </p:cNvCxnSpPr>
+          <p:nvPr/>
+        </p:nvCxnSpPr>
+        <p:spPr>
+          <a:xfrm>
+            <a:off x="6013525" y="903639"/>
+            <a:ext cx="0" cy="4782786"/>
+          </a:xfrm>
+          <a:prstGeom prst="line">
+            <a:avLst/>
+          </a:prstGeom>
+        </p:spPr>
+        <p:style>
+          <a:lnRef idx="1">
+            <a:schemeClr val="accent1"/>
+          </a:lnRef>
+          <a:fillRef idx="0">
+            <a:schemeClr val="accent1"/>
+          </a:fillRef>
+          <a:effectRef idx="0">
+            <a:schemeClr val="accent1"/>
+          </a:effectRef>
+          <a:fontRef idx="minor">
+            <a:schemeClr val="tx1"/>
+          </a:fontRef>
+        </p:style>
+      </p:cxnSp>
+      <p:sp>
+        <p:nvSpPr>
+          <p:cNvPr id="19" name="文本框 18">
+            <a:extLst>
+              <a:ext uri="{FF2B5EF4-FFF2-40B4-BE49-F238E27FC236}">
+                <a16:creationId xmlns:a16="http://schemas.microsoft.com/office/drawing/2014/main" id="{6B95479C-95DD-FC4E-3FA4-28569089722C}"/>
+              </a:ext>
+            </a:extLst>
+          </p:cNvPr>
+          <p:cNvSpPr txBox="1"/>
+          <p:nvPr/>
+        </p:nvSpPr>
+        <p:spPr>
+          <a:xfrm>
+            <a:off x="6407975" y="1457289"/>
+            <a:ext cx="5554531" cy="2097818"/>
+          </a:xfrm>
+          <a:prstGeom prst="rect">
+            <a:avLst/>
+          </a:prstGeom>
+          <a:noFill/>
+        </p:spPr>
+        <p:txBody>
+          <a:bodyPr wrap="square" rtlCol="0">
+            <a:spAutoFit/>
+          </a:bodyPr>
+          <a:lstStyle/>
+          <a:p>
+            <a:pPr marL="228600" indent="-228600">
+              <a:lnSpc>
+                <a:spcPct val="150000"/>
+              </a:lnSpc>
+              <a:buAutoNum type="arabicPeriod"/>
+            </a:pPr>
+            <a:r>
+              <a:rPr lang="zh-CN" altLang="en-US" sz="1100" dirty="0"/>
+              <a:t>单个片段的深度缓冲值也是通过二进制表示的，所以是有精度的；</a:t>
+            </a:r>
+            <a:r>
+              <a:rPr lang="en-US" altLang="zh-CN" sz="1100" dirty="0"/>
+              <a:t>500</a:t>
+            </a:r>
+            <a:r>
+              <a:rPr lang="zh-CN" altLang="en-US" sz="1100" dirty="0"/>
+              <a:t>米和</a:t>
+            </a:r>
+            <a:r>
+              <a:rPr lang="en-US" altLang="zh-CN" sz="1100" dirty="0"/>
+              <a:t>1000</a:t>
+            </a:r>
+            <a:r>
+              <a:rPr lang="zh-CN" altLang="en-US" sz="1100" dirty="0"/>
+              <a:t>米远的顶点，可能被划分到了同一个深度值</a:t>
+            </a:r>
+            <a:endParaRPr lang="en-US" altLang="zh-CN" sz="1100" dirty="0"/>
+          </a:p>
+          <a:p>
+            <a:pPr marL="228600" indent="-228600">
+              <a:lnSpc>
+                <a:spcPct val="150000"/>
+              </a:lnSpc>
+              <a:buFontTx/>
+              <a:buAutoNum type="arabicPeriod"/>
+            </a:pPr>
+            <a:r>
+              <a:rPr lang="zh-CN" altLang="en-US" sz="1100" dirty="0"/>
+              <a:t>这个精度的划分过程，是由</a:t>
+            </a:r>
+            <a:r>
+              <a:rPr lang="en-US" altLang="zh-CN" sz="1100" dirty="0"/>
+              <a:t>OpenGL</a:t>
+            </a:r>
+            <a:r>
+              <a:rPr lang="zh-CN" altLang="en-US" sz="1100" dirty="0"/>
+              <a:t>内部完成的，而且是非线性的；如下图所示，更近的物体，他们的深度值上升的越快，在视觉效果上就是更有区分度；如果想实现线性效果，个人认为应该在顶点着色器阶段，对顶点的</a:t>
+            </a:r>
+            <a:r>
+              <a:rPr lang="en-US" altLang="zh-CN" sz="1100" dirty="0"/>
+              <a:t>z</a:t>
+            </a:r>
+            <a:r>
+              <a:rPr lang="zh-CN" altLang="en-US" sz="1100" dirty="0"/>
+              <a:t>值进行一些变换，对算法的输入值做改变，欺骗算法而不能修改算法，来达到线性效果；在</a:t>
+            </a:r>
+            <a:r>
+              <a:rPr lang="en-US" altLang="zh-CN" sz="1100" dirty="0" err="1"/>
+              <a:t>LearnOpenGL</a:t>
+            </a:r>
+            <a:r>
+              <a:rPr lang="zh-CN" altLang="en-US" sz="1100" dirty="0"/>
+              <a:t>教程中为了方便显示，将其放在了片段着色器中。</a:t>
+            </a:r>
+          </a:p>
+          <a:p>
+            <a:pPr marL="228600" indent="-228600">
+              <a:lnSpc>
+                <a:spcPct val="150000"/>
+              </a:lnSpc>
+              <a:buAutoNum type="arabicPeriod"/>
+            </a:pPr>
+            <a:endParaRPr lang="zh-CN" altLang="en-US" sz="1100" dirty="0"/>
+          </a:p>
+        </p:txBody>
+      </p:sp>
+      <p:pic>
+        <p:nvPicPr>
+          <p:cNvPr id="21" name="图片 20">
+            <a:extLst>
+              <a:ext uri="{FF2B5EF4-FFF2-40B4-BE49-F238E27FC236}">
+                <a16:creationId xmlns:a16="http://schemas.microsoft.com/office/drawing/2014/main" id="{028D66B8-9FAE-9902-CF5C-75939EDAB274}"/>
+              </a:ext>
+            </a:extLst>
+          </p:cNvPr>
+          <p:cNvPicPr>
+            <a:picLocks noChangeAspect="1"/>
+          </p:cNvPicPr>
+          <p:nvPr/>
+        </p:nvPicPr>
+        <p:blipFill>
+          <a:blip r:embed="rId2"/>
+          <a:stretch>
+            <a:fillRect/>
+          </a:stretch>
+        </p:blipFill>
+        <p:spPr>
+          <a:xfrm>
+            <a:off x="6458728" y="3597493"/>
+            <a:ext cx="3226628" cy="1917605"/>
+          </a:xfrm>
+          <a:prstGeom prst="rect">
+            <a:avLst/>
+          </a:prstGeom>
+        </p:spPr>
+      </p:pic>
+      <p:pic>
+        <p:nvPicPr>
+          <p:cNvPr id="24" name="图片 23">
+            <a:extLst>
+              <a:ext uri="{FF2B5EF4-FFF2-40B4-BE49-F238E27FC236}">
+                <a16:creationId xmlns:a16="http://schemas.microsoft.com/office/drawing/2014/main" id="{B20185E9-CD58-72BC-FD64-525CC0F7328D}"/>
+              </a:ext>
+            </a:extLst>
+          </p:cNvPr>
+          <p:cNvPicPr>
+            <a:picLocks noChangeAspect="1"/>
+          </p:cNvPicPr>
+          <p:nvPr/>
+        </p:nvPicPr>
+        <p:blipFill>
+          <a:blip r:embed="rId3"/>
+          <a:stretch>
+            <a:fillRect/>
+          </a:stretch>
+        </p:blipFill>
+        <p:spPr>
+          <a:xfrm>
+            <a:off x="9604672" y="4023978"/>
+            <a:ext cx="2404901" cy="631945"/>
+          </a:xfrm>
+          <a:prstGeom prst="rect">
+            <a:avLst/>
+          </a:prstGeom>
+        </p:spPr>
+      </p:pic>
+      <p:sp>
+        <p:nvSpPr>
+          <p:cNvPr id="27" name="文本框 26">
+            <a:extLst>
+              <a:ext uri="{FF2B5EF4-FFF2-40B4-BE49-F238E27FC236}">
+                <a16:creationId xmlns:a16="http://schemas.microsoft.com/office/drawing/2014/main" id="{8C9308D7-496E-EFA8-7FCB-0727557F2677}"/>
+              </a:ext>
+            </a:extLst>
+          </p:cNvPr>
+          <p:cNvSpPr txBox="1"/>
+          <p:nvPr/>
+        </p:nvSpPr>
+        <p:spPr>
+          <a:xfrm>
+            <a:off x="508920" y="4493521"/>
+            <a:ext cx="1800493" cy="369332"/>
+          </a:xfrm>
+          <a:prstGeom prst="rect">
+            <a:avLst/>
+          </a:prstGeom>
+          <a:noFill/>
+        </p:spPr>
+        <p:txBody>
+          <a:bodyPr wrap="none" rtlCol="0">
+            <a:spAutoFit/>
+          </a:bodyPr>
+          <a:lstStyle/>
+          <a:p>
+            <a:r>
+              <a:rPr lang="zh-CN" altLang="en-US" b="1" dirty="0"/>
+              <a:t>防止深度冲突：</a:t>
+            </a:r>
+          </a:p>
+        </p:txBody>
+      </p:sp>
+      <p:pic>
+        <p:nvPicPr>
+          <p:cNvPr id="31" name="图片 30">
+            <a:extLst>
+              <a:ext uri="{FF2B5EF4-FFF2-40B4-BE49-F238E27FC236}">
+                <a16:creationId xmlns:a16="http://schemas.microsoft.com/office/drawing/2014/main" id="{3080866B-A25D-315C-1BA8-5954817DC419}"/>
+              </a:ext>
+            </a:extLst>
+          </p:cNvPr>
+          <p:cNvPicPr>
+            <a:picLocks noChangeAspect="1"/>
+          </p:cNvPicPr>
+          <p:nvPr/>
+        </p:nvPicPr>
+        <p:blipFill>
+          <a:blip r:embed="rId4"/>
+          <a:stretch>
+            <a:fillRect/>
+          </a:stretch>
+        </p:blipFill>
+        <p:spPr>
+          <a:xfrm>
+            <a:off x="701092" y="4983311"/>
+            <a:ext cx="4916425" cy="446597"/>
+          </a:xfrm>
+          <a:prstGeom prst="rect">
+            <a:avLst/>
+          </a:prstGeom>
+        </p:spPr>
+      </p:pic>
+      <p:sp>
+        <p:nvSpPr>
+          <p:cNvPr id="32" name="文本框 31">
+            <a:extLst>
+              <a:ext uri="{FF2B5EF4-FFF2-40B4-BE49-F238E27FC236}">
+                <a16:creationId xmlns:a16="http://schemas.microsoft.com/office/drawing/2014/main" id="{AB38727C-9918-EFCD-BCDD-3919ED698176}"/>
+              </a:ext>
+            </a:extLst>
+          </p:cNvPr>
+          <p:cNvSpPr txBox="1"/>
+          <p:nvPr/>
+        </p:nvSpPr>
+        <p:spPr>
+          <a:xfrm>
+            <a:off x="649857" y="5515812"/>
+            <a:ext cx="5018894" cy="430887"/>
+          </a:xfrm>
+          <a:prstGeom prst="rect">
+            <a:avLst/>
+          </a:prstGeom>
+          <a:noFill/>
+        </p:spPr>
+        <p:txBody>
+          <a:bodyPr wrap="square" rtlCol="0">
+            <a:spAutoFit/>
+          </a:bodyPr>
+          <a:lstStyle/>
+          <a:p>
+            <a:r>
+              <a:rPr lang="zh-CN" altLang="en-US" sz="1100" dirty="0"/>
+              <a:t>（</a:t>
+            </a:r>
+            <a:r>
+              <a:rPr lang="en-US" altLang="zh-CN" sz="1100" dirty="0"/>
+              <a:t>1</a:t>
+            </a:r>
+            <a:r>
+              <a:rPr lang="zh-CN" altLang="en-US" sz="1100" dirty="0"/>
+              <a:t>）</a:t>
+            </a:r>
+            <a:r>
+              <a:rPr lang="zh-CN" altLang="en-US" sz="1100" b="1" dirty="0"/>
+              <a:t>永远不要把多个物体摆得太靠近，以至于它们的一些三角形会重叠</a:t>
+            </a:r>
+            <a:r>
+              <a:rPr lang="zh-CN" altLang="en-US" sz="1100" dirty="0"/>
+              <a:t>（</a:t>
+            </a:r>
+            <a:r>
+              <a:rPr lang="en-US" altLang="zh-CN" sz="1100" dirty="0"/>
+              <a:t>2</a:t>
+            </a:r>
+            <a:r>
+              <a:rPr lang="zh-CN" altLang="en-US" sz="1100" dirty="0"/>
+              <a:t>）</a:t>
+            </a:r>
+            <a:r>
+              <a:rPr lang="zh-CN" altLang="en-US" sz="1100" b="1" dirty="0"/>
+              <a:t>尽可能将近平面设置远一些</a:t>
+            </a:r>
+            <a:r>
+              <a:rPr lang="zh-CN" altLang="en-US" sz="1100" dirty="0"/>
+              <a:t>（</a:t>
+            </a:r>
+            <a:r>
+              <a:rPr lang="en-US" altLang="zh-CN" sz="1100" dirty="0"/>
+              <a:t>3</a:t>
+            </a:r>
+            <a:r>
+              <a:rPr lang="zh-CN" altLang="en-US" sz="1100" dirty="0"/>
+              <a:t>）牺牲一些性能，</a:t>
+            </a:r>
+            <a:r>
+              <a:rPr lang="zh-CN" altLang="en-US" sz="1100" b="1" dirty="0"/>
+              <a:t>使用更高精度的深度缓冲</a:t>
+            </a:r>
+            <a:endParaRPr lang="zh-CN" altLang="en-US" sz="1100" dirty="0"/>
+          </a:p>
+        </p:txBody>
+      </p:sp>
+      <p:sp>
+        <p:nvSpPr>
+          <p:cNvPr id="33" name="文本框 32">
+            <a:extLst>
+              <a:ext uri="{FF2B5EF4-FFF2-40B4-BE49-F238E27FC236}">
+                <a16:creationId xmlns:a16="http://schemas.microsoft.com/office/drawing/2014/main" id="{00167B89-6C29-9EE6-5EF4-9AC3610934C3}"/>
+              </a:ext>
+            </a:extLst>
+          </p:cNvPr>
+          <p:cNvSpPr txBox="1"/>
+          <p:nvPr/>
+        </p:nvSpPr>
+        <p:spPr>
+          <a:xfrm>
+            <a:off x="7918910" y="207364"/>
+            <a:ext cx="3185487" cy="369332"/>
+          </a:xfrm>
+          <a:prstGeom prst="rect">
+            <a:avLst/>
+          </a:prstGeom>
+          <a:noFill/>
+        </p:spPr>
+        <p:txBody>
+          <a:bodyPr wrap="none" rtlCol="0">
+            <a:spAutoFit/>
+          </a:bodyPr>
+          <a:lstStyle/>
+          <a:p>
+            <a:r>
+              <a:rPr lang="zh-CN" altLang="en-US" b="1" dirty="0">
+                <a:solidFill>
+                  <a:srgbClr val="C00000"/>
+                </a:solidFill>
+              </a:rPr>
+              <a:t>提前深度测试如何使用？？？</a:t>
+            </a:r>
+          </a:p>
+        </p:txBody>
+      </p:sp>
+    </p:spTree>
+    <p:extLst>
+      <p:ext uri="{BB962C8B-B14F-4D97-AF65-F5344CB8AC3E}">
+        <p14:creationId xmlns:p14="http://schemas.microsoft.com/office/powerpoint/2010/main" val="1153149452"/>
+      </p:ext>
+    </p:extLst>
+  </p:cSld>
+  <p:clrMapOvr>
+    <a:masterClrMapping/>
+  </p:clrMapOvr>
+</p:sld>
+</file>
+
+<file path=ppt/slides/slide21.xml><?xml version="1.0" encoding="utf-8"?>
+<p:sld xmlns:a="http://schemas.openxmlformats.org/drawingml/2006/main" xmlns:r="http://schemas.openxmlformats.org/officeDocument/2006/relationships" xmlns:p="http://schemas.openxmlformats.org/presentationml/2006/main">
+  <p:cSld>
+    <p:spTree>
+      <p:nvGrpSpPr>
+        <p:cNvPr id="1" name=""/>
+        <p:cNvGrpSpPr/>
+        <p:nvPr/>
+      </p:nvGrpSpPr>
+      <p:grpSpPr>
+        <a:xfrm>
+          <a:off x="0" y="0"/>
+          <a:ext cx="0" cy="0"/>
+          <a:chOff x="0" y="0"/>
+          <a:chExt cx="0" cy="0"/>
+        </a:xfrm>
+      </p:grpSpPr>
+      <p:sp>
+        <p:nvSpPr>
+          <p:cNvPr id="4" name="文本框 3">
+            <a:extLst>
+              <a:ext uri="{FF2B5EF4-FFF2-40B4-BE49-F238E27FC236}">
+                <a16:creationId xmlns:a16="http://schemas.microsoft.com/office/drawing/2014/main" id="{4991220C-83FC-8FFB-EB0F-0CF6B3DAC055}"/>
+              </a:ext>
+            </a:extLst>
+          </p:cNvPr>
+          <p:cNvSpPr txBox="1"/>
+          <p:nvPr/>
+        </p:nvSpPr>
+        <p:spPr>
+          <a:xfrm>
+            <a:off x="258184" y="247427"/>
+            <a:ext cx="2792752" cy="369332"/>
+          </a:xfrm>
+          <a:prstGeom prst="rect">
+            <a:avLst/>
+          </a:prstGeom>
+          <a:noFill/>
+        </p:spPr>
+        <p:txBody>
+          <a:bodyPr wrap="none" rtlCol="0">
+            <a:spAutoFit/>
+          </a:bodyPr>
+          <a:lstStyle/>
+          <a:p>
+            <a:r>
+              <a:rPr lang="en-US" altLang="zh-CN" b="1" dirty="0">
+                <a:solidFill>
+                  <a:srgbClr val="C00000"/>
+                </a:solidFill>
+              </a:rPr>
+              <a:t>Lessoin_9</a:t>
+            </a:r>
+            <a:r>
+              <a:rPr lang="zh-CN" altLang="en-US" b="1" dirty="0">
+                <a:solidFill>
+                  <a:srgbClr val="C00000"/>
+                </a:solidFill>
+              </a:rPr>
+              <a:t>：如何提高效率</a:t>
+            </a:r>
+          </a:p>
+        </p:txBody>
+      </p:sp>
+      <p:sp>
+        <p:nvSpPr>
+          <p:cNvPr id="2" name="文本框 1">
+            <a:extLst>
+              <a:ext uri="{FF2B5EF4-FFF2-40B4-BE49-F238E27FC236}">
+                <a16:creationId xmlns:a16="http://schemas.microsoft.com/office/drawing/2014/main" id="{83B5FC7D-732E-5790-CAC6-FEC2F7C77365}"/>
+              </a:ext>
+            </a:extLst>
+          </p:cNvPr>
+          <p:cNvSpPr txBox="1"/>
+          <p:nvPr/>
+        </p:nvSpPr>
+        <p:spPr>
+          <a:xfrm>
+            <a:off x="451821" y="903639"/>
+            <a:ext cx="1313180" cy="369332"/>
+          </a:xfrm>
+          <a:prstGeom prst="rect">
+            <a:avLst/>
+          </a:prstGeom>
+          <a:noFill/>
+        </p:spPr>
+        <p:txBody>
+          <a:bodyPr wrap="none" rtlCol="0">
+            <a:spAutoFit/>
+          </a:bodyPr>
+          <a:lstStyle/>
+          <a:p>
+            <a:r>
+              <a:rPr lang="en-US" altLang="zh-CN" b="1" dirty="0"/>
+              <a:t>9-2 </a:t>
+            </a:r>
+            <a:r>
+              <a:rPr lang="zh-CN" altLang="en-US" b="1" dirty="0"/>
+              <a:t>面剔除</a:t>
+            </a:r>
+            <a:endParaRPr lang="zh-CN" altLang="en-US" b="1" dirty="0">
+              <a:solidFill>
+                <a:srgbClr val="C00000"/>
+              </a:solidFill>
+            </a:endParaRPr>
+          </a:p>
+        </p:txBody>
+      </p:sp>
+      <p:sp>
+        <p:nvSpPr>
+          <p:cNvPr id="10" name="文本框 9">
+            <a:extLst>
+              <a:ext uri="{FF2B5EF4-FFF2-40B4-BE49-F238E27FC236}">
+                <a16:creationId xmlns:a16="http://schemas.microsoft.com/office/drawing/2014/main" id="{10B51CF8-2488-C7CA-D35E-6BDE9A910294}"/>
+              </a:ext>
+            </a:extLst>
+          </p:cNvPr>
+          <p:cNvSpPr txBox="1"/>
+          <p:nvPr/>
+        </p:nvSpPr>
+        <p:spPr>
+          <a:xfrm>
+            <a:off x="781685" y="1429984"/>
+            <a:ext cx="10581640" cy="881139"/>
+          </a:xfrm>
+          <a:prstGeom prst="rect">
+            <a:avLst/>
+          </a:prstGeom>
+          <a:noFill/>
+        </p:spPr>
+        <p:txBody>
+          <a:bodyPr wrap="square">
+            <a:spAutoFit/>
+          </a:bodyPr>
+          <a:lstStyle/>
+          <a:p>
+            <a:pPr>
+              <a:lnSpc>
+                <a:spcPct val="150000"/>
+              </a:lnSpc>
+            </a:pPr>
+            <a:r>
+              <a:rPr lang="zh-CN" altLang="en-US" dirty="0"/>
+              <a:t>将看不到的面提前剔除，节省片段着色器开销，利用顶点的环绕顺序，区分出 </a:t>
+            </a:r>
+            <a:r>
+              <a:rPr lang="zh-CN" altLang="en-US" b="1" dirty="0"/>
+              <a:t>正向面 </a:t>
+            </a:r>
+            <a:r>
+              <a:rPr lang="zh-CN" altLang="en-US" dirty="0"/>
+              <a:t>和 </a:t>
+            </a:r>
+            <a:r>
+              <a:rPr lang="zh-CN" altLang="en-US" b="1" dirty="0"/>
+              <a:t>背向面</a:t>
+            </a:r>
+            <a:r>
+              <a:rPr lang="zh-CN" altLang="en-US" dirty="0"/>
+              <a:t>，从而将整个面进行剔除。</a:t>
+            </a:r>
+          </a:p>
+        </p:txBody>
+      </p:sp>
+      <p:pic>
+        <p:nvPicPr>
+          <p:cNvPr id="22" name="图片 21">
+            <a:extLst>
+              <a:ext uri="{FF2B5EF4-FFF2-40B4-BE49-F238E27FC236}">
+                <a16:creationId xmlns:a16="http://schemas.microsoft.com/office/drawing/2014/main" id="{8D6B79F8-875A-B757-E541-8E2E981E07E4}"/>
+              </a:ext>
+            </a:extLst>
+          </p:cNvPr>
+          <p:cNvPicPr>
+            <a:picLocks noChangeAspect="1"/>
+          </p:cNvPicPr>
+          <p:nvPr/>
+        </p:nvPicPr>
+        <p:blipFill>
+          <a:blip r:embed="rId2"/>
+          <a:stretch>
+            <a:fillRect/>
+          </a:stretch>
+        </p:blipFill>
+        <p:spPr>
+          <a:xfrm>
+            <a:off x="1108411" y="3429000"/>
+            <a:ext cx="5973009" cy="3096057"/>
+          </a:xfrm>
+          <a:prstGeom prst="rect">
+            <a:avLst/>
+          </a:prstGeom>
+        </p:spPr>
+      </p:pic>
+      <p:sp>
+        <p:nvSpPr>
+          <p:cNvPr id="23" name="文本框 22">
+            <a:extLst>
+              <a:ext uri="{FF2B5EF4-FFF2-40B4-BE49-F238E27FC236}">
+                <a16:creationId xmlns:a16="http://schemas.microsoft.com/office/drawing/2014/main" id="{0D5EC2C1-6C87-613D-709F-5ACFB77DC9FD}"/>
+              </a:ext>
+            </a:extLst>
+          </p:cNvPr>
+          <p:cNvSpPr txBox="1"/>
+          <p:nvPr/>
+        </p:nvSpPr>
+        <p:spPr>
+          <a:xfrm>
+            <a:off x="1654560" y="2967335"/>
+            <a:ext cx="5313680" cy="369332"/>
+          </a:xfrm>
+          <a:prstGeom prst="rect">
+            <a:avLst/>
+          </a:prstGeom>
+          <a:noFill/>
+        </p:spPr>
+        <p:txBody>
+          <a:bodyPr wrap="square" rtlCol="0">
+            <a:spAutoFit/>
+          </a:bodyPr>
+          <a:lstStyle/>
+          <a:p>
+            <a:r>
+              <a:rPr lang="zh-CN" altLang="en-US" b="1" dirty="0">
+                <a:solidFill>
+                  <a:srgbClr val="C00000"/>
+                </a:solidFill>
+              </a:rPr>
+              <a:t>想要使用面剔除，就要提前规定好顶点的顺序</a:t>
+            </a:r>
+          </a:p>
+        </p:txBody>
+      </p:sp>
+      <p:sp>
+        <p:nvSpPr>
+          <p:cNvPr id="25" name="文本框 24">
+            <a:extLst>
+              <a:ext uri="{FF2B5EF4-FFF2-40B4-BE49-F238E27FC236}">
+                <a16:creationId xmlns:a16="http://schemas.microsoft.com/office/drawing/2014/main" id="{50870F69-19E9-6FFF-7361-6E47CAE29564}"/>
+              </a:ext>
+            </a:extLst>
+          </p:cNvPr>
+          <p:cNvSpPr txBox="1"/>
+          <p:nvPr/>
+        </p:nvSpPr>
+        <p:spPr>
+          <a:xfrm>
+            <a:off x="8768953" y="3529237"/>
+            <a:ext cx="1338828" cy="369332"/>
+          </a:xfrm>
+          <a:prstGeom prst="rect">
+            <a:avLst/>
+          </a:prstGeom>
+          <a:noFill/>
+        </p:spPr>
+        <p:txBody>
+          <a:bodyPr wrap="none" rtlCol="0">
+            <a:spAutoFit/>
+          </a:bodyPr>
+          <a:lstStyle/>
+          <a:p>
+            <a:r>
+              <a:rPr lang="zh-CN" altLang="en-US" b="1" dirty="0"/>
+              <a:t>相关接口：</a:t>
+            </a:r>
+          </a:p>
+        </p:txBody>
+      </p:sp>
+      <p:sp>
+        <p:nvSpPr>
+          <p:cNvPr id="28" name="Rectangle 2">
+            <a:extLst>
+              <a:ext uri="{FF2B5EF4-FFF2-40B4-BE49-F238E27FC236}">
+                <a16:creationId xmlns:a16="http://schemas.microsoft.com/office/drawing/2014/main" id="{33AA82E2-8CB2-27A1-6DA0-D16A02714A7E}"/>
+              </a:ext>
+            </a:extLst>
+          </p:cNvPr>
+          <p:cNvSpPr>
+            <a:spLocks noChangeArrowheads="1"/>
+          </p:cNvSpPr>
+          <p:nvPr/>
+        </p:nvSpPr>
+        <p:spPr bwMode="auto">
+          <a:xfrm>
+            <a:off x="8785561" y="3958629"/>
+            <a:ext cx="2644439" cy="827021"/>
+          </a:xfrm>
+          <a:prstGeom prst="rect">
+            <a:avLst/>
+          </a:prstGeom>
+          <a:noFill/>
+          <a:ln>
+            <a:noFill/>
+          </a:ln>
+          <a:effectLst/>
+          <a:extLst>
+            <a:ext uri="{909E8E84-426E-40DD-AFC4-6F175D3DCCD1}">
+              <a14:hiddenFill xmlns:a14="http://schemas.microsoft.com/office/drawing/2010/main">
+                <a:solidFill>
+                  <a:schemeClr val="accent1"/>
+                </a:solidFill>
+              </a14:hiddenFill>
+            </a:ext>
+            <a:ext uri="{91240B29-F687-4F45-9708-019B960494DF}">
+              <a14:hiddenLine xmlns:a14="http://schemas.microsoft.com/office/drawing/2010/main" w="9525">
+                <a:solidFill>
+                  <a:schemeClr val="tx1"/>
+                </a:solidFill>
+                <a:miter lim="800000"/>
+                <a:headEnd/>
+                <a:tailEnd/>
+              </a14:hiddenLine>
+            </a:ext>
+            <a:ext uri="{AF507438-7753-43E0-B8FC-AC1667EBCBE1}">
+              <a14:hiddenEffects xmlns:a14="http://schemas.microsoft.com/office/drawing/2010/main">
+                <a:effectLst>
+                  <a:outerShdw dist="35921" dir="2700000" algn="ctr" rotWithShape="0">
+                    <a:schemeClr val="bg2"/>
+                  </a:outerShdw>
+                </a:effectLst>
+              </a14:hiddenEffects>
+            </a:ext>
+          </a:extLst>
+        </p:spPr>
+        <p:txBody>
+          <a:bodyPr vert="horz" wrap="square" lIns="91440" tIns="45720" rIns="91440" bIns="45720" numCol="1" anchor="ctr" anchorCtr="0" compatLnSpc="1">
+            <a:prstTxWarp prst="textNoShape">
+              <a:avLst/>
+            </a:prstTxWarp>
+            <a:spAutoFit/>
+          </a:bodyPr>
+          <a:lstStyle/>
+          <a:p>
+            <a:pPr marL="0" marR="0" lvl="0" indent="0" algn="l" defTabSz="914400" rtl="0" eaLnBrk="0" fontAlgn="base" latinLnBrk="0" hangingPunct="0">
+              <a:lnSpc>
+                <a:spcPct val="150000"/>
+              </a:lnSpc>
+              <a:spcBef>
+                <a:spcPct val="0"/>
+              </a:spcBef>
+              <a:spcAft>
+                <a:spcPct val="0"/>
+              </a:spcAft>
+              <a:buClrTx/>
+              <a:buSzTx/>
+              <a:buFontTx/>
+              <a:buNone/>
+              <a:tabLst/>
+            </a:pPr>
+            <a:r>
+              <a:rPr kumimoji="0" lang="zh-CN" altLang="zh-CN" sz="1100" b="0" i="0" u="none" strike="noStrike" cap="none" normalizeH="0" baseline="0" dirty="0">
+                <a:ln>
+                  <a:noFill/>
+                </a:ln>
+                <a:solidFill>
+                  <a:schemeClr val="tx1"/>
+                </a:solidFill>
+                <a:effectLst/>
+                <a:latin typeface="Arial Unicode MS"/>
+              </a:rPr>
+              <a:t>glEnable(GL_CULL_FACE); glCullFace(GL_BACK); glFrontFace(GL_CW);</a:t>
+            </a:r>
+            <a:r>
+              <a:rPr kumimoji="0" lang="zh-CN" altLang="zh-CN" sz="1100" b="0" i="0" u="none" strike="noStrike" cap="none" normalizeH="0" baseline="0" dirty="0">
+                <a:ln>
+                  <a:noFill/>
+                </a:ln>
+                <a:solidFill>
+                  <a:schemeClr val="tx1"/>
+                </a:solidFill>
+                <a:effectLst/>
+              </a:rPr>
+              <a:t> </a:t>
+            </a:r>
+            <a:endParaRPr kumimoji="0" lang="zh-CN" altLang="zh-CN" sz="1100" b="0" i="0" u="none" strike="noStrike" cap="none" normalizeH="0" baseline="0" dirty="0">
+              <a:ln>
+                <a:noFill/>
+              </a:ln>
+              <a:solidFill>
+                <a:schemeClr val="tx1"/>
+              </a:solidFill>
+              <a:effectLst/>
+              <a:latin typeface="Arial" panose="020B0604020202020204" pitchFamily="34" charset="0"/>
+            </a:endParaRPr>
+          </a:p>
+        </p:txBody>
+      </p:sp>
+    </p:spTree>
+    <p:extLst>
+      <p:ext uri="{BB962C8B-B14F-4D97-AF65-F5344CB8AC3E}">
+        <p14:creationId xmlns:p14="http://schemas.microsoft.com/office/powerpoint/2010/main" val="1410056986"/>
+      </p:ext>
+    </p:extLst>
+  </p:cSld>
+  <p:clrMapOvr>
+    <a:masterClrMapping/>
+  </p:clrMapOvr>
+</p:sld>
+</file>
+
+<file path=ppt/slides/slide22.xml><?xml version="1.0" encoding="utf-8"?>
+<p:sld xmlns:a="http://schemas.openxmlformats.org/drawingml/2006/main" xmlns:r="http://schemas.openxmlformats.org/officeDocument/2006/relationships" xmlns:p="http://schemas.openxmlformats.org/presentationml/2006/main">
+  <p:cSld>
+    <p:spTree>
+      <p:nvGrpSpPr>
+        <p:cNvPr id="1" name=""/>
+        <p:cNvGrpSpPr/>
+        <p:nvPr/>
+      </p:nvGrpSpPr>
+      <p:grpSpPr>
+        <a:xfrm>
+          <a:off x="0" y="0"/>
+          <a:ext cx="0" cy="0"/>
+          <a:chOff x="0" y="0"/>
+          <a:chExt cx="0" cy="0"/>
+        </a:xfrm>
+      </p:grpSpPr>
+      <p:sp>
+        <p:nvSpPr>
+          <p:cNvPr id="4" name="文本框 3">
+            <a:extLst>
+              <a:ext uri="{FF2B5EF4-FFF2-40B4-BE49-F238E27FC236}">
+                <a16:creationId xmlns:a16="http://schemas.microsoft.com/office/drawing/2014/main" id="{4991220C-83FC-8FFB-EB0F-0CF6B3DAC055}"/>
+              </a:ext>
+            </a:extLst>
+          </p:cNvPr>
+          <p:cNvSpPr txBox="1"/>
+          <p:nvPr/>
+        </p:nvSpPr>
+        <p:spPr>
+          <a:xfrm>
+            <a:off x="258184" y="247427"/>
+            <a:ext cx="2792752" cy="369332"/>
+          </a:xfrm>
+          <a:prstGeom prst="rect">
+            <a:avLst/>
+          </a:prstGeom>
+          <a:noFill/>
+        </p:spPr>
+        <p:txBody>
+          <a:bodyPr wrap="none" rtlCol="0">
+            <a:spAutoFit/>
+          </a:bodyPr>
+          <a:lstStyle/>
+          <a:p>
+            <a:r>
+              <a:rPr lang="en-US" altLang="zh-CN" b="1" dirty="0">
+                <a:solidFill>
+                  <a:srgbClr val="C00000"/>
+                </a:solidFill>
+              </a:rPr>
+              <a:t>Lessoin_9</a:t>
+            </a:r>
+            <a:r>
+              <a:rPr lang="zh-CN" altLang="en-US" b="1" dirty="0">
+                <a:solidFill>
+                  <a:srgbClr val="C00000"/>
+                </a:solidFill>
+              </a:rPr>
+              <a:t>：如何提高效率</a:t>
+            </a:r>
+          </a:p>
+        </p:txBody>
+      </p:sp>
+      <p:sp>
+        <p:nvSpPr>
+          <p:cNvPr id="2" name="文本框 1">
+            <a:extLst>
+              <a:ext uri="{FF2B5EF4-FFF2-40B4-BE49-F238E27FC236}">
+                <a16:creationId xmlns:a16="http://schemas.microsoft.com/office/drawing/2014/main" id="{83B5FC7D-732E-5790-CAC6-FEC2F7C77365}"/>
+              </a:ext>
+            </a:extLst>
+          </p:cNvPr>
+          <p:cNvSpPr txBox="1"/>
+          <p:nvPr/>
+        </p:nvSpPr>
+        <p:spPr>
+          <a:xfrm>
+            <a:off x="451821" y="903639"/>
+            <a:ext cx="3098925" cy="369332"/>
+          </a:xfrm>
+          <a:prstGeom prst="rect">
+            <a:avLst/>
+          </a:prstGeom>
+          <a:noFill/>
+        </p:spPr>
+        <p:txBody>
+          <a:bodyPr wrap="none" rtlCol="0">
+            <a:spAutoFit/>
+          </a:bodyPr>
+          <a:lstStyle/>
+          <a:p>
+            <a:r>
+              <a:rPr lang="en-US" altLang="zh-CN" b="1" dirty="0"/>
+              <a:t>9-3 </a:t>
+            </a:r>
+            <a:r>
+              <a:rPr lang="zh-CN" altLang="en-US" b="1" dirty="0"/>
+              <a:t>面剔除 </a:t>
+            </a:r>
+            <a:r>
+              <a:rPr lang="en-US" altLang="zh-CN" b="1" dirty="0"/>
+              <a:t>vs. </a:t>
+            </a:r>
+            <a:r>
+              <a:rPr lang="zh-CN" altLang="en-US" b="1" dirty="0"/>
+              <a:t>提前深度测试</a:t>
+            </a:r>
+            <a:endParaRPr lang="zh-CN" altLang="en-US" b="1" dirty="0">
+              <a:solidFill>
+                <a:srgbClr val="C00000"/>
+              </a:solidFill>
+            </a:endParaRPr>
+          </a:p>
+        </p:txBody>
+      </p:sp>
+      <p:sp>
+        <p:nvSpPr>
+          <p:cNvPr id="3" name="文本框 2">
+            <a:extLst>
+              <a:ext uri="{FF2B5EF4-FFF2-40B4-BE49-F238E27FC236}">
+                <a16:creationId xmlns:a16="http://schemas.microsoft.com/office/drawing/2014/main" id="{AAA832D4-4BC7-FC07-FF56-9428B641DC3E}"/>
+              </a:ext>
+            </a:extLst>
+          </p:cNvPr>
+          <p:cNvSpPr txBox="1"/>
+          <p:nvPr/>
+        </p:nvSpPr>
+        <p:spPr>
+          <a:xfrm>
+            <a:off x="809161" y="1559851"/>
+            <a:ext cx="9801689" cy="923330"/>
+          </a:xfrm>
+          <a:prstGeom prst="rect">
+            <a:avLst/>
+          </a:prstGeom>
+          <a:noFill/>
+        </p:spPr>
+        <p:txBody>
+          <a:bodyPr wrap="square" rtlCol="0">
+            <a:spAutoFit/>
+          </a:bodyPr>
+          <a:lstStyle/>
+          <a:p>
+            <a:r>
+              <a:rPr lang="en-US" altLang="zh-CN" dirty="0"/>
+              <a:t>1. </a:t>
+            </a:r>
+            <a:r>
+              <a:rPr lang="zh-CN" altLang="en-US" b="1" dirty="0"/>
+              <a:t>面剔除</a:t>
+            </a:r>
+            <a:r>
+              <a:rPr lang="zh-CN" altLang="en-US" dirty="0"/>
+              <a:t>操作应该是比</a:t>
+            </a:r>
+            <a:r>
+              <a:rPr lang="zh-CN" altLang="en-US" b="1" dirty="0"/>
+              <a:t>提前深度测试</a:t>
+            </a:r>
+            <a:r>
+              <a:rPr lang="zh-CN" altLang="en-US" dirty="0"/>
+              <a:t>更靠前的测试，面剔除是以顶点环绕方式为依据，感觉应该在顶点着色器附近进行的；而提前深度测试是以片段为单位进行丢弃，感觉应该在片段着色器之前，光栅化附近进行的；</a:t>
+            </a:r>
+          </a:p>
+        </p:txBody>
+      </p:sp>
+      <p:sp>
+        <p:nvSpPr>
+          <p:cNvPr id="5" name="文本框 4">
+            <a:extLst>
+              <a:ext uri="{FF2B5EF4-FFF2-40B4-BE49-F238E27FC236}">
+                <a16:creationId xmlns:a16="http://schemas.microsoft.com/office/drawing/2014/main" id="{CA4EB2E9-4F20-8517-02CE-2BEC61C837EE}"/>
+              </a:ext>
+            </a:extLst>
+          </p:cNvPr>
+          <p:cNvSpPr txBox="1"/>
+          <p:nvPr/>
+        </p:nvSpPr>
+        <p:spPr>
+          <a:xfrm>
+            <a:off x="809161" y="2806779"/>
+            <a:ext cx="9801689" cy="646331"/>
+          </a:xfrm>
+          <a:prstGeom prst="rect">
+            <a:avLst/>
+          </a:prstGeom>
+          <a:noFill/>
+        </p:spPr>
+        <p:txBody>
+          <a:bodyPr wrap="square" rtlCol="0">
+            <a:spAutoFit/>
+          </a:bodyPr>
+          <a:lstStyle/>
+          <a:p>
+            <a:r>
+              <a:rPr lang="en-US" altLang="zh-CN" dirty="0"/>
+              <a:t>2. </a:t>
+            </a:r>
+            <a:r>
+              <a:rPr lang="zh-CN" altLang="en-US" b="1" dirty="0"/>
+              <a:t>面剔除</a:t>
+            </a:r>
+            <a:r>
+              <a:rPr lang="zh-CN" altLang="en-US" dirty="0"/>
+              <a:t>应该是以某个物体模型为单位对面进行剔除；而</a:t>
+            </a:r>
+            <a:r>
+              <a:rPr lang="zh-CN" altLang="en-US" b="1" dirty="0"/>
+              <a:t>提前深度测试</a:t>
+            </a:r>
+            <a:r>
+              <a:rPr lang="zh-CN" altLang="en-US" dirty="0"/>
+              <a:t>可能是对多个物体模型光栅化投影到一个</a:t>
+            </a:r>
+            <a:r>
+              <a:rPr lang="en-US" altLang="zh-CN" dirty="0"/>
+              <a:t>2D</a:t>
+            </a:r>
+            <a:r>
+              <a:rPr lang="zh-CN" altLang="en-US" dirty="0"/>
+              <a:t>平面的过程进行剔除</a:t>
+            </a:r>
+          </a:p>
+        </p:txBody>
+      </p:sp>
+      <p:sp>
+        <p:nvSpPr>
+          <p:cNvPr id="6" name="文本框 5">
+            <a:extLst>
+              <a:ext uri="{FF2B5EF4-FFF2-40B4-BE49-F238E27FC236}">
+                <a16:creationId xmlns:a16="http://schemas.microsoft.com/office/drawing/2014/main" id="{BA67888A-FBCA-3C19-FD63-72FA42E18E44}"/>
+              </a:ext>
+            </a:extLst>
+          </p:cNvPr>
+          <p:cNvSpPr txBox="1"/>
+          <p:nvPr/>
+        </p:nvSpPr>
+        <p:spPr>
+          <a:xfrm>
+            <a:off x="662805" y="4656806"/>
+            <a:ext cx="10322695" cy="646331"/>
+          </a:xfrm>
+          <a:prstGeom prst="rect">
+            <a:avLst/>
+          </a:prstGeom>
+          <a:noFill/>
+        </p:spPr>
+        <p:txBody>
+          <a:bodyPr wrap="square" rtlCol="0">
+            <a:spAutoFit/>
+          </a:bodyPr>
+          <a:lstStyle/>
+          <a:p>
+            <a:pPr algn="ctr"/>
+            <a:r>
+              <a:rPr lang="zh-CN" altLang="en-US" b="1" dirty="0">
+                <a:solidFill>
+                  <a:srgbClr val="C00000"/>
+                </a:solidFill>
+              </a:rPr>
+              <a:t>它们是对流水线的不同阶段进行的优化，相当于前后两个水龙头，把两个水龙头都关小后，水流整体变小，即之后片段着色器需要处理的片段数量也就减小</a:t>
+            </a:r>
+          </a:p>
+        </p:txBody>
+      </p:sp>
+    </p:spTree>
+    <p:extLst>
+      <p:ext uri="{BB962C8B-B14F-4D97-AF65-F5344CB8AC3E}">
+        <p14:creationId xmlns:p14="http://schemas.microsoft.com/office/powerpoint/2010/main" val="769433130"/>
+      </p:ext>
+    </p:extLst>
+  </p:cSld>
+  <p:clrMapOvr>
+    <a:masterClrMapping/>
+  </p:clrMapOvr>
+</p:sld>
+</file>
+
+<file path=ppt/slides/slide23.xml><?xml version="1.0" encoding="utf-8"?>
+<p:sld xmlns:a="http://schemas.openxmlformats.org/drawingml/2006/main" xmlns:r="http://schemas.openxmlformats.org/officeDocument/2006/relationships" xmlns:p="http://schemas.openxmlformats.org/presentationml/2006/main">
+  <p:cSld>
+    <p:spTree>
+      <p:nvGrpSpPr>
+        <p:cNvPr id="1" name=""/>
+        <p:cNvGrpSpPr/>
+        <p:nvPr/>
+      </p:nvGrpSpPr>
+      <p:grpSpPr>
+        <a:xfrm>
+          <a:off x="0" y="0"/>
+          <a:ext cx="0" cy="0"/>
+          <a:chOff x="0" y="0"/>
+          <a:chExt cx="0" cy="0"/>
+        </a:xfrm>
+      </p:grpSpPr>
+      <p:sp>
+        <p:nvSpPr>
+          <p:cNvPr id="4" name="文本框 3">
+            <a:extLst>
+              <a:ext uri="{FF2B5EF4-FFF2-40B4-BE49-F238E27FC236}">
+                <a16:creationId xmlns:a16="http://schemas.microsoft.com/office/drawing/2014/main" id="{4991220C-83FC-8FFB-EB0F-0CF6B3DAC055}"/>
+              </a:ext>
+            </a:extLst>
+          </p:cNvPr>
+          <p:cNvSpPr txBox="1"/>
+          <p:nvPr/>
+        </p:nvSpPr>
+        <p:spPr>
+          <a:xfrm>
+            <a:off x="258184" y="247427"/>
+            <a:ext cx="2792752" cy="369332"/>
+          </a:xfrm>
+          <a:prstGeom prst="rect">
+            <a:avLst/>
+          </a:prstGeom>
+          <a:noFill/>
+        </p:spPr>
+        <p:txBody>
+          <a:bodyPr wrap="none" rtlCol="0">
+            <a:spAutoFit/>
+          </a:bodyPr>
+          <a:lstStyle/>
+          <a:p>
+            <a:r>
+              <a:rPr lang="en-US" altLang="zh-CN" b="1" dirty="0">
+                <a:solidFill>
+                  <a:srgbClr val="C00000"/>
+                </a:solidFill>
+              </a:rPr>
+              <a:t>Lessoin_9</a:t>
+            </a:r>
+            <a:r>
+              <a:rPr lang="zh-CN" altLang="en-US" b="1" dirty="0">
+                <a:solidFill>
+                  <a:srgbClr val="C00000"/>
+                </a:solidFill>
+              </a:rPr>
+              <a:t>：如何提高效率</a:t>
+            </a:r>
+          </a:p>
+        </p:txBody>
+      </p:sp>
+      <p:sp>
+        <p:nvSpPr>
+          <p:cNvPr id="2" name="文本框 1">
+            <a:extLst>
+              <a:ext uri="{FF2B5EF4-FFF2-40B4-BE49-F238E27FC236}">
+                <a16:creationId xmlns:a16="http://schemas.microsoft.com/office/drawing/2014/main" id="{83B5FC7D-732E-5790-CAC6-FEC2F7C77365}"/>
+              </a:ext>
+            </a:extLst>
+          </p:cNvPr>
+          <p:cNvSpPr txBox="1"/>
+          <p:nvPr/>
+        </p:nvSpPr>
+        <p:spPr>
+          <a:xfrm>
+            <a:off x="451821" y="903639"/>
+            <a:ext cx="1947969" cy="369332"/>
+          </a:xfrm>
+          <a:prstGeom prst="rect">
+            <a:avLst/>
+          </a:prstGeom>
+          <a:noFill/>
+        </p:spPr>
+        <p:txBody>
+          <a:bodyPr wrap="none" rtlCol="0">
+            <a:spAutoFit/>
+          </a:bodyPr>
+          <a:lstStyle/>
+          <a:p>
+            <a:r>
+              <a:rPr lang="en-US" altLang="zh-CN" b="1" dirty="0"/>
+              <a:t>9-3 Uniform</a:t>
+            </a:r>
+            <a:r>
+              <a:rPr lang="zh-CN" altLang="en-US" b="1" dirty="0"/>
+              <a:t>缓存</a:t>
+            </a:r>
+            <a:endParaRPr lang="zh-CN" altLang="en-US" b="1" dirty="0">
+              <a:solidFill>
+                <a:srgbClr val="C00000"/>
+              </a:solidFill>
+            </a:endParaRPr>
+          </a:p>
+        </p:txBody>
+      </p:sp>
+      <p:sp>
+        <p:nvSpPr>
+          <p:cNvPr id="7" name="文本框 6">
+            <a:extLst>
+              <a:ext uri="{FF2B5EF4-FFF2-40B4-BE49-F238E27FC236}">
+                <a16:creationId xmlns:a16="http://schemas.microsoft.com/office/drawing/2014/main" id="{91DCB6B0-EE94-3FBC-1323-740ED7B72DF7}"/>
+              </a:ext>
+            </a:extLst>
+          </p:cNvPr>
+          <p:cNvSpPr txBox="1"/>
+          <p:nvPr/>
+        </p:nvSpPr>
+        <p:spPr>
+          <a:xfrm>
+            <a:off x="685800" y="4878414"/>
+            <a:ext cx="9265678" cy="369332"/>
+          </a:xfrm>
+          <a:prstGeom prst="rect">
+            <a:avLst/>
+          </a:prstGeom>
+          <a:noFill/>
+        </p:spPr>
+        <p:txBody>
+          <a:bodyPr wrap="none" rtlCol="0">
+            <a:spAutoFit/>
+          </a:bodyPr>
+          <a:lstStyle/>
+          <a:p>
+            <a:r>
+              <a:rPr lang="zh-CN" altLang="en-US" b="1" dirty="0">
+                <a:solidFill>
+                  <a:srgbClr val="C00000"/>
+                </a:solidFill>
+              </a:rPr>
+              <a:t>先知道有这个概念吧，暂时不深入做练习了，做项目用到了或者看源码看到了在做深入吧</a:t>
+            </a:r>
+          </a:p>
+        </p:txBody>
+      </p:sp>
+      <p:sp>
+        <p:nvSpPr>
+          <p:cNvPr id="8" name="文本框 7">
+            <a:extLst>
+              <a:ext uri="{FF2B5EF4-FFF2-40B4-BE49-F238E27FC236}">
+                <a16:creationId xmlns:a16="http://schemas.microsoft.com/office/drawing/2014/main" id="{8D43B0F7-DD9C-06FB-78CA-3BF2909526AA}"/>
+              </a:ext>
+            </a:extLst>
+          </p:cNvPr>
+          <p:cNvSpPr txBox="1"/>
+          <p:nvPr/>
+        </p:nvSpPr>
+        <p:spPr>
+          <a:xfrm>
+            <a:off x="676275" y="5381625"/>
+            <a:ext cx="6104556" cy="369332"/>
+          </a:xfrm>
+          <a:prstGeom prst="rect">
+            <a:avLst/>
+          </a:prstGeom>
+          <a:noFill/>
+        </p:spPr>
+        <p:txBody>
+          <a:bodyPr wrap="none" rtlCol="0">
+            <a:spAutoFit/>
+          </a:bodyPr>
+          <a:lstStyle/>
+          <a:p>
+            <a:r>
+              <a:rPr lang="zh-CN" altLang="en-US" dirty="0"/>
+              <a:t>对应的概念：  </a:t>
+            </a:r>
+            <a:r>
+              <a:rPr lang="en-US" altLang="zh-CN" dirty="0"/>
+              <a:t>uniform</a:t>
+            </a:r>
+            <a:r>
+              <a:rPr lang="zh-CN" altLang="en-US" dirty="0"/>
+              <a:t>缓冲对象、</a:t>
+            </a:r>
+            <a:r>
+              <a:rPr lang="en-US" altLang="zh-CN" dirty="0"/>
+              <a:t>uniform</a:t>
+            </a:r>
+            <a:r>
+              <a:rPr lang="zh-CN" altLang="en-US" dirty="0"/>
+              <a:t>块、</a:t>
+            </a:r>
+            <a:r>
+              <a:rPr lang="en-US" altLang="zh-CN" dirty="0"/>
+              <a:t>uniform</a:t>
+            </a:r>
+            <a:r>
+              <a:rPr lang="zh-CN" altLang="en-US" dirty="0"/>
+              <a:t>缓冲</a:t>
+            </a:r>
+          </a:p>
+        </p:txBody>
+      </p:sp>
+      <p:sp>
+        <p:nvSpPr>
+          <p:cNvPr id="9" name="文本框 8">
+            <a:extLst>
+              <a:ext uri="{FF2B5EF4-FFF2-40B4-BE49-F238E27FC236}">
+                <a16:creationId xmlns:a16="http://schemas.microsoft.com/office/drawing/2014/main" id="{2BDBF84A-9596-F84D-3669-7BF2C27F8F9F}"/>
+              </a:ext>
+            </a:extLst>
+          </p:cNvPr>
+          <p:cNvSpPr txBox="1"/>
+          <p:nvPr/>
+        </p:nvSpPr>
+        <p:spPr>
+          <a:xfrm>
+            <a:off x="914400" y="1593196"/>
+            <a:ext cx="9715500" cy="1296637"/>
+          </a:xfrm>
+          <a:prstGeom prst="rect">
+            <a:avLst/>
+          </a:prstGeom>
+          <a:noFill/>
+        </p:spPr>
+        <p:txBody>
+          <a:bodyPr wrap="square" rtlCol="0">
+            <a:spAutoFit/>
+          </a:bodyPr>
+          <a:lstStyle/>
+          <a:p>
+            <a:pPr>
+              <a:lnSpc>
+                <a:spcPct val="150000"/>
+              </a:lnSpc>
+            </a:pPr>
+            <a:r>
+              <a:rPr lang="zh-CN" altLang="en-US" dirty="0"/>
+              <a:t>就是把</a:t>
+            </a:r>
+            <a:r>
+              <a:rPr lang="en-US" altLang="zh-CN" dirty="0"/>
+              <a:t>uniform</a:t>
+            </a:r>
+            <a:r>
+              <a:rPr lang="zh-CN" altLang="en-US" dirty="0"/>
+              <a:t>参数提前写入到服务端缓存中，避免了与客户端之间频繁的传送数据；对于无法提前预知的无规律的频繁变化的数据，并不能提高效率（回顾：</a:t>
+            </a:r>
+            <a:r>
+              <a:rPr lang="en-US" altLang="zh-CN" dirty="0"/>
+              <a:t>uniform</a:t>
+            </a:r>
+            <a:r>
+              <a:rPr lang="zh-CN" altLang="en-US" dirty="0"/>
+              <a:t>可以由程序控制，不受着色器影响，全局着色器可读但不可写）</a:t>
+            </a:r>
+          </a:p>
+        </p:txBody>
+      </p:sp>
+    </p:spTree>
+    <p:extLst>
+      <p:ext uri="{BB962C8B-B14F-4D97-AF65-F5344CB8AC3E}">
+        <p14:creationId xmlns:p14="http://schemas.microsoft.com/office/powerpoint/2010/main" val="1214777232"/>
+      </p:ext>
+    </p:extLst>
+  </p:cSld>
+  <p:clrMapOvr>
+    <a:masterClrMapping/>
+  </p:clrMapOvr>
+</p:sld>
+</file>
+
+<file path=ppt/slides/slide24.xml><?xml version="1.0" encoding="utf-8"?>
+<p:sld xmlns:a="http://schemas.openxmlformats.org/drawingml/2006/main" xmlns:r="http://schemas.openxmlformats.org/officeDocument/2006/relationships" xmlns:p="http://schemas.openxmlformats.org/presentationml/2006/main">
+  <p:cSld>
+    <p:spTree>
+      <p:nvGrpSpPr>
+        <p:cNvPr id="1" name=""/>
+        <p:cNvGrpSpPr/>
+        <p:nvPr/>
+      </p:nvGrpSpPr>
+      <p:grpSpPr>
+        <a:xfrm>
+          <a:off x="0" y="0"/>
+          <a:ext cx="0" cy="0"/>
+          <a:chOff x="0" y="0"/>
+          <a:chExt cx="0" cy="0"/>
+        </a:xfrm>
+      </p:grpSpPr>
+      <p:sp>
+        <p:nvSpPr>
+          <p:cNvPr id="4" name="文本框 3">
+            <a:extLst>
+              <a:ext uri="{FF2B5EF4-FFF2-40B4-BE49-F238E27FC236}">
+                <a16:creationId xmlns:a16="http://schemas.microsoft.com/office/drawing/2014/main" id="{4991220C-83FC-8FFB-EB0F-0CF6B3DAC055}"/>
+              </a:ext>
+            </a:extLst>
+          </p:cNvPr>
+          <p:cNvSpPr txBox="1"/>
+          <p:nvPr/>
+        </p:nvSpPr>
+        <p:spPr>
+          <a:xfrm>
+            <a:off x="258184" y="247427"/>
+            <a:ext cx="2228495" cy="369332"/>
+          </a:xfrm>
+          <a:prstGeom prst="rect">
+            <a:avLst/>
+          </a:prstGeom>
+          <a:noFill/>
+        </p:spPr>
+        <p:txBody>
+          <a:bodyPr wrap="none" rtlCol="0">
+            <a:spAutoFit/>
+          </a:bodyPr>
+          <a:lstStyle/>
+          <a:p>
+            <a:r>
+              <a:rPr lang="en-US" altLang="zh-CN" b="1" dirty="0">
+                <a:solidFill>
+                  <a:srgbClr val="C00000"/>
+                </a:solidFill>
+              </a:rPr>
+              <a:t>Lessoin_10</a:t>
+            </a:r>
+            <a:r>
+              <a:rPr lang="zh-CN" altLang="en-US" b="1" dirty="0">
+                <a:solidFill>
+                  <a:srgbClr val="C00000"/>
+                </a:solidFill>
+              </a:rPr>
+              <a:t>：帧缓存</a:t>
+            </a:r>
+          </a:p>
+        </p:txBody>
+      </p:sp>
+    </p:spTree>
+    <p:extLst>
+      <p:ext uri="{BB962C8B-B14F-4D97-AF65-F5344CB8AC3E}">
+        <p14:creationId xmlns:p14="http://schemas.microsoft.com/office/powerpoint/2010/main" val="493488957"/>
+      </p:ext>
+    </p:extLst>
+  </p:cSld>
+  <p:clrMapOvr>
+    <a:masterClrMapping/>
+  </p:clrMapOvr>
+</p:sld>
+</file>
+
+<file path=ppt/slides/slide25.xml><?xml version="1.0" encoding="utf-8"?>
+<p:sld xmlns:a="http://schemas.openxmlformats.org/drawingml/2006/main" xmlns:r="http://schemas.openxmlformats.org/officeDocument/2006/relationships" xmlns:p="http://schemas.openxmlformats.org/presentationml/2006/main">
+  <p:cSld>
+    <p:spTree>
+      <p:nvGrpSpPr>
+        <p:cNvPr id="1" name=""/>
+        <p:cNvGrpSpPr/>
+        <p:nvPr/>
+      </p:nvGrpSpPr>
+      <p:grpSpPr>
+        <a:xfrm>
+          <a:off x="0" y="0"/>
+          <a:ext cx="0" cy="0"/>
+          <a:chOff x="0" y="0"/>
+          <a:chExt cx="0" cy="0"/>
+        </a:xfrm>
+      </p:grpSpPr>
+      <p:sp>
+        <p:nvSpPr>
+          <p:cNvPr id="4" name="文本框 3">
+            <a:extLst>
+              <a:ext uri="{FF2B5EF4-FFF2-40B4-BE49-F238E27FC236}">
+                <a16:creationId xmlns:a16="http://schemas.microsoft.com/office/drawing/2014/main" id="{4991220C-83FC-8FFB-EB0F-0CF6B3DAC055}"/>
+              </a:ext>
+            </a:extLst>
+          </p:cNvPr>
+          <p:cNvSpPr txBox="1"/>
+          <p:nvPr/>
+        </p:nvSpPr>
+        <p:spPr>
+          <a:xfrm>
+            <a:off x="258184" y="247427"/>
+            <a:ext cx="646331" cy="369332"/>
+          </a:xfrm>
+          <a:prstGeom prst="rect">
+            <a:avLst/>
+          </a:prstGeom>
+          <a:noFill/>
+        </p:spPr>
+        <p:txBody>
+          <a:bodyPr wrap="none" rtlCol="0">
+            <a:spAutoFit/>
+          </a:bodyPr>
+          <a:lstStyle/>
+          <a:p>
+            <a:r>
+              <a:rPr lang="zh-CN" altLang="en-US" b="1" dirty="0">
+                <a:solidFill>
+                  <a:srgbClr val="C00000"/>
+                </a:solidFill>
+              </a:rPr>
+              <a:t>杂项</a:t>
+            </a:r>
+          </a:p>
+        </p:txBody>
+      </p:sp>
+      <p:sp>
+        <p:nvSpPr>
+          <p:cNvPr id="5" name="文本框 4">
+            <a:extLst>
+              <a:ext uri="{FF2B5EF4-FFF2-40B4-BE49-F238E27FC236}">
+                <a16:creationId xmlns:a16="http://schemas.microsoft.com/office/drawing/2014/main" id="{9026D397-B17A-7EB8-2999-0E7808A35BEC}"/>
+              </a:ext>
+            </a:extLst>
+          </p:cNvPr>
+          <p:cNvSpPr txBox="1"/>
+          <p:nvPr/>
+        </p:nvSpPr>
+        <p:spPr>
+          <a:xfrm>
+            <a:off x="2781701" y="1707631"/>
+            <a:ext cx="2419150" cy="2231508"/>
+          </a:xfrm>
+          <a:prstGeom prst="rect">
+            <a:avLst/>
+          </a:prstGeom>
+          <a:noFill/>
+        </p:spPr>
+        <p:txBody>
+          <a:bodyPr wrap="square" rtlCol="0">
+            <a:spAutoFit/>
+          </a:bodyPr>
+          <a:lstStyle/>
+          <a:p>
+            <a:pPr marL="285750" indent="-285750">
+              <a:lnSpc>
+                <a:spcPct val="200000"/>
+              </a:lnSpc>
+              <a:buFont typeface="Wingdings" panose="05000000000000000000" pitchFamily="2" charset="2"/>
+              <a:buChar char="n"/>
+            </a:pPr>
+            <a:r>
+              <a:rPr lang="zh-CN" altLang="en-US" b="1" dirty="0">
+                <a:solidFill>
+                  <a:srgbClr val="C00000"/>
+                </a:solidFill>
+              </a:rPr>
+              <a:t>顶点缓存</a:t>
+            </a:r>
+            <a:endParaRPr lang="en-US" altLang="zh-CN" b="1" dirty="0">
+              <a:solidFill>
+                <a:srgbClr val="C00000"/>
+              </a:solidFill>
+            </a:endParaRPr>
+          </a:p>
+          <a:p>
+            <a:pPr marL="285750" indent="-285750">
+              <a:lnSpc>
+                <a:spcPct val="200000"/>
+              </a:lnSpc>
+              <a:buFont typeface="Wingdings" panose="05000000000000000000" pitchFamily="2" charset="2"/>
+              <a:buChar char="n"/>
+            </a:pPr>
+            <a:r>
+              <a:rPr lang="zh-CN" altLang="en-US" b="1" dirty="0">
+                <a:solidFill>
+                  <a:srgbClr val="C00000"/>
+                </a:solidFill>
+              </a:rPr>
+              <a:t>颜色缓冲</a:t>
+            </a:r>
+            <a:endParaRPr lang="en-US" altLang="zh-CN" b="1" dirty="0">
+              <a:solidFill>
+                <a:srgbClr val="C00000"/>
+              </a:solidFill>
+            </a:endParaRPr>
+          </a:p>
+          <a:p>
+            <a:pPr marL="285750" indent="-285750">
+              <a:lnSpc>
+                <a:spcPct val="200000"/>
+              </a:lnSpc>
+              <a:buFont typeface="Wingdings" panose="05000000000000000000" pitchFamily="2" charset="2"/>
+              <a:buChar char="n"/>
+            </a:pPr>
+            <a:r>
+              <a:rPr lang="zh-CN" altLang="en-US" b="1" dirty="0">
+                <a:solidFill>
+                  <a:srgbClr val="C00000"/>
+                </a:solidFill>
+              </a:rPr>
+              <a:t>帧缓冲</a:t>
+            </a:r>
+            <a:endParaRPr lang="en-US" altLang="zh-CN" b="1" dirty="0">
+              <a:solidFill>
+                <a:srgbClr val="C00000"/>
+              </a:solidFill>
+            </a:endParaRPr>
+          </a:p>
+          <a:p>
+            <a:pPr marL="285750" indent="-285750">
+              <a:lnSpc>
+                <a:spcPct val="200000"/>
+              </a:lnSpc>
+              <a:buFont typeface="Wingdings" panose="05000000000000000000" pitchFamily="2" charset="2"/>
+              <a:buChar char="n"/>
+            </a:pPr>
+            <a:r>
+              <a:rPr lang="zh-CN" altLang="en-US" b="1" dirty="0">
+                <a:solidFill>
+                  <a:srgbClr val="C00000"/>
+                </a:solidFill>
+              </a:rPr>
+              <a:t>深度缓冲</a:t>
+            </a:r>
+            <a:endParaRPr lang="en-US" altLang="zh-CN" b="1" dirty="0">
+              <a:solidFill>
+                <a:srgbClr val="C00000"/>
+              </a:solidFill>
+            </a:endParaRPr>
+          </a:p>
+        </p:txBody>
+      </p:sp>
+    </p:spTree>
+    <p:extLst>
+      <p:ext uri="{BB962C8B-B14F-4D97-AF65-F5344CB8AC3E}">
+        <p14:creationId xmlns:p14="http://schemas.microsoft.com/office/powerpoint/2010/main" val="655157198"/>
+      </p:ext>
+    </p:extLst>
+  </p:cSld>
+  <p:clrMapOvr>
+    <a:masterClrMapping/>
+  </p:clrMapOvr>
+</p:sld>
+</file>
+
+<file path=ppt/slides/slide26.xml><?xml version="1.0" encoding="utf-8"?>
+<p:sld xmlns:a="http://schemas.openxmlformats.org/drawingml/2006/main" xmlns:r="http://schemas.openxmlformats.org/officeDocument/2006/relationships" xmlns:p="http://schemas.openxmlformats.org/presentationml/2006/main">
+  <p:cSld>
+    <p:spTree>
+      <p:nvGrpSpPr>
+        <p:cNvPr id="1" name=""/>
+        <p:cNvGrpSpPr/>
+        <p:nvPr/>
+      </p:nvGrpSpPr>
+      <p:grpSpPr>
+        <a:xfrm>
+          <a:off x="0" y="0"/>
+          <a:ext cx="0" cy="0"/>
+          <a:chOff x="0" y="0"/>
+          <a:chExt cx="0" cy="0"/>
+        </a:xfrm>
+      </p:grpSpPr>
+      <p:sp>
+        <p:nvSpPr>
+          <p:cNvPr id="4" name="文本框 3">
+            <a:extLst>
+              <a:ext uri="{FF2B5EF4-FFF2-40B4-BE49-F238E27FC236}">
+                <a16:creationId xmlns:a16="http://schemas.microsoft.com/office/drawing/2014/main" id="{4991220C-83FC-8FFB-EB0F-0CF6B3DAC055}"/>
+              </a:ext>
+            </a:extLst>
+          </p:cNvPr>
+          <p:cNvSpPr txBox="1"/>
+          <p:nvPr/>
+        </p:nvSpPr>
+        <p:spPr>
+          <a:xfrm>
+            <a:off x="258184" y="247427"/>
+            <a:ext cx="646331" cy="369332"/>
+          </a:xfrm>
+          <a:prstGeom prst="rect">
+            <a:avLst/>
+          </a:prstGeom>
+          <a:noFill/>
+        </p:spPr>
+        <p:txBody>
+          <a:bodyPr wrap="none" rtlCol="0">
+            <a:spAutoFit/>
+          </a:bodyPr>
+          <a:lstStyle/>
+          <a:p>
+            <a:r>
+              <a:rPr lang="zh-CN" altLang="en-US" b="1" dirty="0">
+                <a:solidFill>
+                  <a:srgbClr val="C00000"/>
+                </a:solidFill>
+              </a:rPr>
+              <a:t>思考</a:t>
+            </a:r>
+          </a:p>
+        </p:txBody>
+      </p:sp>
+      <p:sp>
+        <p:nvSpPr>
+          <p:cNvPr id="6" name="文本框 5">
+            <a:extLst>
+              <a:ext uri="{FF2B5EF4-FFF2-40B4-BE49-F238E27FC236}">
+                <a16:creationId xmlns:a16="http://schemas.microsoft.com/office/drawing/2014/main" id="{316AF591-9A55-A416-1367-F98A378F7E04}"/>
+              </a:ext>
+            </a:extLst>
+          </p:cNvPr>
+          <p:cNvSpPr txBox="1"/>
+          <p:nvPr/>
+        </p:nvSpPr>
+        <p:spPr>
+          <a:xfrm>
+            <a:off x="1362075" y="2009246"/>
+            <a:ext cx="6096000" cy="465640"/>
+          </a:xfrm>
+          <a:prstGeom prst="rect">
+            <a:avLst/>
+          </a:prstGeom>
+          <a:noFill/>
+        </p:spPr>
+        <p:txBody>
+          <a:bodyPr wrap="square">
+            <a:spAutoFit/>
+          </a:bodyPr>
+          <a:lstStyle/>
+          <a:p>
+            <a:pPr>
+              <a:lnSpc>
+                <a:spcPct val="150000"/>
+              </a:lnSpc>
+            </a:pPr>
+            <a:r>
+              <a:rPr lang="zh-CN" altLang="en-US" b="1" dirty="0">
+                <a:solidFill>
+                  <a:srgbClr val="C00000"/>
+                </a:solidFill>
+              </a:rPr>
+              <a:t>不同的</a:t>
+            </a:r>
+            <a:r>
+              <a:rPr lang="en-US" altLang="zh-CN" b="1" dirty="0">
+                <a:solidFill>
+                  <a:srgbClr val="C00000"/>
+                </a:solidFill>
+              </a:rPr>
+              <a:t>VAO</a:t>
+            </a:r>
+            <a:r>
+              <a:rPr lang="zh-CN" altLang="en-US" b="1" dirty="0">
+                <a:solidFill>
+                  <a:srgbClr val="C00000"/>
+                </a:solidFill>
+              </a:rPr>
+              <a:t>可以使用同一个</a:t>
+            </a:r>
+            <a:r>
+              <a:rPr lang="en-US" altLang="zh-CN" b="1" dirty="0">
+                <a:solidFill>
+                  <a:srgbClr val="C00000"/>
+                </a:solidFill>
+              </a:rPr>
+              <a:t>VBO</a:t>
+            </a:r>
+            <a:r>
+              <a:rPr lang="zh-CN" altLang="en-US" b="1" dirty="0">
+                <a:solidFill>
+                  <a:srgbClr val="C00000"/>
+                </a:solidFill>
+              </a:rPr>
+              <a:t>吗</a:t>
+            </a:r>
+          </a:p>
+        </p:txBody>
+      </p:sp>
+      <p:sp>
+        <p:nvSpPr>
+          <p:cNvPr id="8" name="文本框 7">
+            <a:extLst>
+              <a:ext uri="{FF2B5EF4-FFF2-40B4-BE49-F238E27FC236}">
+                <a16:creationId xmlns:a16="http://schemas.microsoft.com/office/drawing/2014/main" id="{8406D78B-2558-0CAC-5CD6-7C925E8C8D58}"/>
+              </a:ext>
+            </a:extLst>
+          </p:cNvPr>
+          <p:cNvSpPr txBox="1"/>
+          <p:nvPr/>
+        </p:nvSpPr>
+        <p:spPr>
+          <a:xfrm>
+            <a:off x="1362075" y="1357855"/>
+            <a:ext cx="6096000" cy="465640"/>
+          </a:xfrm>
+          <a:prstGeom prst="rect">
+            <a:avLst/>
+          </a:prstGeom>
+          <a:noFill/>
+        </p:spPr>
+        <p:txBody>
+          <a:bodyPr wrap="square">
+            <a:spAutoFit/>
+          </a:bodyPr>
+          <a:lstStyle/>
+          <a:p>
+            <a:pPr>
+              <a:lnSpc>
+                <a:spcPct val="150000"/>
+              </a:lnSpc>
+            </a:pPr>
+            <a:r>
+              <a:rPr lang="zh-CN" altLang="en-US" b="1" dirty="0">
+                <a:solidFill>
+                  <a:srgbClr val="C00000"/>
+                </a:solidFill>
+              </a:rPr>
+              <a:t>两个</a:t>
+            </a:r>
+            <a:r>
+              <a:rPr lang="en-US" altLang="zh-CN" b="1" dirty="0">
+                <a:solidFill>
+                  <a:srgbClr val="C00000"/>
+                </a:solidFill>
+              </a:rPr>
+              <a:t>shader</a:t>
+            </a:r>
+            <a:r>
+              <a:rPr lang="zh-CN" altLang="en-US" b="1" dirty="0">
+                <a:solidFill>
+                  <a:srgbClr val="C00000"/>
+                </a:solidFill>
+              </a:rPr>
+              <a:t>程序能不能共用同一</a:t>
+            </a:r>
+            <a:r>
+              <a:rPr lang="en-US" altLang="zh-CN" b="1" dirty="0">
+                <a:solidFill>
+                  <a:srgbClr val="C00000"/>
+                </a:solidFill>
+              </a:rPr>
+              <a:t>VAO</a:t>
+            </a:r>
+            <a:r>
+              <a:rPr lang="zh-CN" altLang="en-US" b="1" dirty="0">
+                <a:solidFill>
+                  <a:srgbClr val="C00000"/>
+                </a:solidFill>
+              </a:rPr>
+              <a:t>吗</a:t>
+            </a:r>
+            <a:endParaRPr lang="en-US" altLang="zh-CN" b="1" dirty="0">
+              <a:solidFill>
+                <a:srgbClr val="C00000"/>
+              </a:solidFill>
+            </a:endParaRPr>
+          </a:p>
+        </p:txBody>
+      </p:sp>
+      <p:sp>
+        <p:nvSpPr>
+          <p:cNvPr id="9" name="文本框 8">
+            <a:extLst>
+              <a:ext uri="{FF2B5EF4-FFF2-40B4-BE49-F238E27FC236}">
+                <a16:creationId xmlns:a16="http://schemas.microsoft.com/office/drawing/2014/main" id="{62F63D7A-AF99-2598-4CA5-536DBBCF9F27}"/>
+              </a:ext>
+            </a:extLst>
+          </p:cNvPr>
+          <p:cNvSpPr txBox="1"/>
+          <p:nvPr/>
+        </p:nvSpPr>
+        <p:spPr>
+          <a:xfrm>
+            <a:off x="6324600" y="1765849"/>
+            <a:ext cx="2744662" cy="369332"/>
+          </a:xfrm>
+          <a:prstGeom prst="rect">
+            <a:avLst/>
+          </a:prstGeom>
+          <a:noFill/>
+        </p:spPr>
+        <p:txBody>
+          <a:bodyPr wrap="none" rtlCol="0">
+            <a:spAutoFit/>
+          </a:bodyPr>
+          <a:lstStyle/>
+          <a:p>
+            <a:r>
+              <a:rPr lang="zh-CN" altLang="en-US" b="1" dirty="0"/>
+              <a:t>程序验证，好像是可以的</a:t>
+            </a:r>
+          </a:p>
+        </p:txBody>
+      </p:sp>
+      <p:sp>
+        <p:nvSpPr>
+          <p:cNvPr id="10" name="文本框 9">
+            <a:extLst>
+              <a:ext uri="{FF2B5EF4-FFF2-40B4-BE49-F238E27FC236}">
+                <a16:creationId xmlns:a16="http://schemas.microsoft.com/office/drawing/2014/main" id="{0C295339-509F-75F5-9831-F9A173C25EBC}"/>
+              </a:ext>
+            </a:extLst>
+          </p:cNvPr>
+          <p:cNvSpPr txBox="1"/>
+          <p:nvPr/>
+        </p:nvSpPr>
+        <p:spPr>
+          <a:xfrm>
+            <a:off x="581349" y="990600"/>
+            <a:ext cx="420308" cy="369332"/>
+          </a:xfrm>
+          <a:prstGeom prst="rect">
+            <a:avLst/>
+          </a:prstGeom>
+          <a:noFill/>
+        </p:spPr>
+        <p:txBody>
+          <a:bodyPr wrap="none" rtlCol="0">
+            <a:spAutoFit/>
+          </a:bodyPr>
+          <a:lstStyle/>
+          <a:p>
+            <a:r>
+              <a:rPr lang="en-US" altLang="zh-CN" dirty="0"/>
+              <a:t>1. </a:t>
+            </a:r>
+            <a:endParaRPr lang="zh-CN" altLang="en-US" dirty="0"/>
+          </a:p>
+        </p:txBody>
+      </p:sp>
+      <p:sp>
+        <p:nvSpPr>
+          <p:cNvPr id="11" name="文本框 10">
+            <a:extLst>
+              <a:ext uri="{FF2B5EF4-FFF2-40B4-BE49-F238E27FC236}">
+                <a16:creationId xmlns:a16="http://schemas.microsoft.com/office/drawing/2014/main" id="{4F5C56A2-42E0-2DB1-73BB-D83BA2562CEF}"/>
+              </a:ext>
+            </a:extLst>
+          </p:cNvPr>
+          <p:cNvSpPr txBox="1"/>
+          <p:nvPr/>
+        </p:nvSpPr>
+        <p:spPr>
+          <a:xfrm>
+            <a:off x="581349" y="3429000"/>
+            <a:ext cx="420308" cy="369332"/>
+          </a:xfrm>
+          <a:prstGeom prst="rect">
+            <a:avLst/>
+          </a:prstGeom>
+          <a:noFill/>
+        </p:spPr>
+        <p:txBody>
+          <a:bodyPr wrap="none" rtlCol="0">
+            <a:spAutoFit/>
+          </a:bodyPr>
+          <a:lstStyle/>
+          <a:p>
+            <a:r>
+              <a:rPr lang="en-US" altLang="zh-CN" dirty="0"/>
+              <a:t>2. </a:t>
+            </a:r>
+            <a:endParaRPr lang="zh-CN" altLang="en-US" dirty="0"/>
+          </a:p>
+        </p:txBody>
+      </p:sp>
+      <p:sp>
+        <p:nvSpPr>
+          <p:cNvPr id="12" name="文本框 11">
+            <a:extLst>
+              <a:ext uri="{FF2B5EF4-FFF2-40B4-BE49-F238E27FC236}">
+                <a16:creationId xmlns:a16="http://schemas.microsoft.com/office/drawing/2014/main" id="{528BD655-CA17-784D-E873-4187DCD220CC}"/>
+              </a:ext>
+            </a:extLst>
+          </p:cNvPr>
+          <p:cNvSpPr txBox="1"/>
+          <p:nvPr/>
+        </p:nvSpPr>
+        <p:spPr>
+          <a:xfrm>
+            <a:off x="1362075" y="3875562"/>
+            <a:ext cx="6096000" cy="881139"/>
+          </a:xfrm>
+          <a:prstGeom prst="rect">
+            <a:avLst/>
+          </a:prstGeom>
+          <a:noFill/>
+        </p:spPr>
+        <p:txBody>
+          <a:bodyPr wrap="square">
+            <a:spAutoFit/>
+          </a:bodyPr>
+          <a:lstStyle/>
+          <a:p>
+            <a:pPr>
+              <a:lnSpc>
+                <a:spcPct val="150000"/>
+              </a:lnSpc>
+            </a:pPr>
+            <a:r>
+              <a:rPr lang="zh-CN" altLang="en-US" b="1" dirty="0">
+                <a:solidFill>
+                  <a:srgbClr val="C00000"/>
+                </a:solidFill>
+              </a:rPr>
+              <a:t>在片段着色器中，如果有两个相同的  </a:t>
+            </a:r>
+            <a:r>
+              <a:rPr lang="en-US" altLang="zh-CN" b="1" dirty="0">
+                <a:solidFill>
+                  <a:srgbClr val="C00000"/>
+                </a:solidFill>
+              </a:rPr>
+              <a:t>in  vec3  </a:t>
+            </a:r>
+            <a:r>
+              <a:rPr lang="zh-CN" altLang="en-US" b="1" dirty="0">
+                <a:solidFill>
+                  <a:srgbClr val="C00000"/>
+                </a:solidFill>
+              </a:rPr>
+              <a:t>时，  命名和顺序有什么要求吗？</a:t>
+            </a:r>
+            <a:r>
+              <a:rPr lang="en-US" altLang="zh-CN" b="1" dirty="0">
+                <a:solidFill>
+                  <a:srgbClr val="C00000"/>
+                </a:solidFill>
+              </a:rPr>
+              <a:t> </a:t>
+            </a:r>
+            <a:r>
+              <a:rPr lang="zh-CN" altLang="en-US" b="1" dirty="0">
+                <a:solidFill>
+                  <a:srgbClr val="C00000"/>
+                </a:solidFill>
+              </a:rPr>
+              <a:t>？</a:t>
+            </a:r>
+            <a:endParaRPr lang="en-US" altLang="zh-CN" b="1" dirty="0">
+              <a:solidFill>
+                <a:srgbClr val="C00000"/>
+              </a:solidFill>
+            </a:endParaRPr>
+          </a:p>
+        </p:txBody>
+      </p:sp>
+    </p:spTree>
+    <p:extLst>
+      <p:ext uri="{BB962C8B-B14F-4D97-AF65-F5344CB8AC3E}">
+        <p14:creationId xmlns:p14="http://schemas.microsoft.com/office/powerpoint/2010/main" val="1484107174"/>
+      </p:ext>
+    </p:extLst>
+  </p:cSld>
+  <p:clrMapOvr>
+    <a:masterClrMapping/>
+  </p:clrMapOvr>
+</p:sld>
+</file>
+
+<file path=ppt/slides/slide27.xml><?xml version="1.0" encoding="utf-8"?>
+<p:sld xmlns:a="http://schemas.openxmlformats.org/drawingml/2006/main" xmlns:r="http://schemas.openxmlformats.org/officeDocument/2006/relationships" xmlns:p="http://schemas.openxmlformats.org/presentationml/2006/main">
+  <p:cSld>
+    <p:spTree>
+      <p:nvGrpSpPr>
+        <p:cNvPr id="1" name=""/>
+        <p:cNvGrpSpPr/>
+        <p:nvPr/>
+      </p:nvGrpSpPr>
+      <p:grpSpPr>
+        <a:xfrm>
+          <a:off x="0" y="0"/>
+          <a:ext cx="0" cy="0"/>
+          <a:chOff x="0" y="0"/>
+          <a:chExt cx="0" cy="0"/>
+        </a:xfrm>
+      </p:grpSpPr>
+      <p:sp>
+        <p:nvSpPr>
+          <p:cNvPr id="4" name="文本框 3">
+            <a:extLst>
+              <a:ext uri="{FF2B5EF4-FFF2-40B4-BE49-F238E27FC236}">
+                <a16:creationId xmlns:a16="http://schemas.microsoft.com/office/drawing/2014/main" id="{4991220C-83FC-8FFB-EB0F-0CF6B3DAC055}"/>
+              </a:ext>
+            </a:extLst>
+          </p:cNvPr>
+          <p:cNvSpPr txBox="1"/>
+          <p:nvPr/>
+        </p:nvSpPr>
+        <p:spPr>
+          <a:xfrm>
+            <a:off x="258184" y="247427"/>
+            <a:ext cx="1107996" cy="369332"/>
+          </a:xfrm>
+          <a:prstGeom prst="rect">
+            <a:avLst/>
+          </a:prstGeom>
+          <a:noFill/>
+        </p:spPr>
+        <p:txBody>
+          <a:bodyPr wrap="none" rtlCol="0">
+            <a:spAutoFit/>
+          </a:bodyPr>
+          <a:lstStyle/>
+          <a:p>
+            <a:r>
+              <a:rPr lang="zh-CN" altLang="en-US" b="1" dirty="0">
+                <a:solidFill>
+                  <a:srgbClr val="C00000"/>
+                </a:solidFill>
+              </a:rPr>
               <a:t>参考资料</a:t>
+            </a:r>
+          </a:p>
+        </p:txBody>
+      </p:sp>
+      <p:sp>
+        <p:nvSpPr>
+          <p:cNvPr id="3" name="文本框 2">
+            <a:extLst>
+              <a:ext uri="{FF2B5EF4-FFF2-40B4-BE49-F238E27FC236}">
+                <a16:creationId xmlns:a16="http://schemas.microsoft.com/office/drawing/2014/main" id="{77582E40-A36A-7899-AF71-E083EC01F9C2}"/>
+              </a:ext>
+            </a:extLst>
+          </p:cNvPr>
+          <p:cNvSpPr txBox="1"/>
+          <p:nvPr/>
+        </p:nvSpPr>
+        <p:spPr>
+          <a:xfrm>
+            <a:off x="918505" y="1015484"/>
+            <a:ext cx="8568395" cy="4129144"/>
+          </a:xfrm>
+          <a:prstGeom prst="rect">
+            <a:avLst/>
+          </a:prstGeom>
+          <a:noFill/>
+        </p:spPr>
+        <p:txBody>
+          <a:bodyPr wrap="square">
+            <a:spAutoFit/>
+          </a:bodyPr>
+          <a:lstStyle/>
+          <a:p>
+            <a:pPr marL="342900" indent="-342900">
+              <a:lnSpc>
+                <a:spcPct val="150000"/>
+              </a:lnSpc>
+              <a:spcAft>
+                <a:spcPts val="600"/>
+              </a:spcAft>
+              <a:buAutoNum type="arabicPeriod"/>
+            </a:pPr>
+            <a:r>
+              <a:rPr lang="en-US" altLang="zh-CN" b="1" dirty="0" err="1"/>
+              <a:t>LearnOpenGL</a:t>
+            </a:r>
+            <a:r>
+              <a:rPr lang="zh-CN" altLang="en-US" b="1" dirty="0"/>
+              <a:t>网上教程（</a:t>
+            </a:r>
+            <a:r>
+              <a:rPr lang="zh-CN" altLang="en-US" b="1" dirty="0">
+                <a:solidFill>
+                  <a:srgbClr val="0563C1"/>
+                </a:solidFill>
+                <a:hlinkClick r:id="rId2">
+                  <a:extLst>
+                    <a:ext uri="{A12FA001-AC4F-418D-AE19-62706E023703}">
+                      <ahyp:hlinkClr xmlns:ahyp="http://schemas.microsoft.com/office/drawing/2018/hyperlinkcolor" val="tx"/>
+                    </a:ext>
+                  </a:extLst>
+                </a:hlinkClick>
+              </a:rPr>
+              <a:t>https://learnopengl-cn.github.io/）（主要</a:t>
+            </a:r>
+            <a:r>
+              <a:rPr lang="en-US" altLang="zh-CN" b="1" dirty="0">
+                <a:solidFill>
+                  <a:srgbClr val="0563C1"/>
+                </a:solidFill>
+                <a:hlinkClick r:id="rId2">
+                  <a:extLst>
+                    <a:ext uri="{A12FA001-AC4F-418D-AE19-62706E023703}">
+                      <ahyp:hlinkClr xmlns:ahyp="http://schemas.microsoft.com/office/drawing/2018/hyperlinkcolor" val="tx"/>
+                    </a:ext>
+                  </a:extLst>
+                </a:hlinkClick>
+              </a:rPr>
+              <a:t>--</a:t>
+            </a:r>
+            <a:r>
+              <a:rPr lang="en-US" altLang="zh-CN" b="1" dirty="0">
+                <a:solidFill>
+                  <a:schemeClr val="accent1"/>
+                </a:solidFill>
+                <a:hlinkClick r:id="rId2">
+                  <a:extLst>
+                    <a:ext uri="{A12FA001-AC4F-418D-AE19-62706E023703}">
+                      <ahyp:hlinkClr xmlns:ahyp="http://schemas.microsoft.com/office/drawing/2018/hyperlinkcolor" val="tx"/>
+                    </a:ext>
+                  </a:extLst>
+                </a:hlinkClick>
+              </a:rPr>
+              <a:t>2022</a:t>
+            </a:r>
+            <a:r>
+              <a:rPr lang="zh-CN" altLang="en-US" b="1" dirty="0">
+                <a:solidFill>
+                  <a:schemeClr val="accent1"/>
+                </a:solidFill>
+              </a:rPr>
+              <a:t>年）</a:t>
+            </a:r>
+            <a:endParaRPr lang="en-US" altLang="zh-CN" b="1" dirty="0">
+              <a:solidFill>
+                <a:schemeClr val="accent1"/>
+              </a:solidFill>
+            </a:endParaRPr>
+          </a:p>
+          <a:p>
+            <a:pPr>
+              <a:lnSpc>
+                <a:spcPct val="150000"/>
+              </a:lnSpc>
+            </a:pPr>
+            <a:r>
+              <a:rPr lang="zh-CN" altLang="en-US" sz="1100" dirty="0"/>
+              <a:t>最主要的学习来源，笔记和编码大部分参考，笔记里面的截图</a:t>
+            </a:r>
+            <a:r>
+              <a:rPr lang="en-US" altLang="zh-CN" sz="1100" dirty="0"/>
+              <a:t>90%</a:t>
+            </a:r>
+            <a:r>
+              <a:rPr lang="zh-CN" altLang="en-US" sz="1100" dirty="0"/>
+              <a:t>来源于这里，没有其他想法，主要是做一下记录，添加一些自己的理解，方便后续查阅，同时用于找工作</a:t>
+            </a:r>
+            <a:endParaRPr lang="en-US" altLang="zh-CN" sz="1100" dirty="0"/>
+          </a:p>
+          <a:p>
+            <a:pPr>
+              <a:lnSpc>
+                <a:spcPct val="150000"/>
+              </a:lnSpc>
+            </a:pPr>
+            <a:endParaRPr lang="en-US" altLang="zh-CN" sz="1100" dirty="0"/>
+          </a:p>
+          <a:p>
+            <a:pPr>
+              <a:lnSpc>
+                <a:spcPct val="150000"/>
+              </a:lnSpc>
+            </a:pPr>
+            <a:r>
+              <a:rPr lang="zh-CN" altLang="en-US" sz="1100" b="1" dirty="0"/>
+              <a:t>感谢</a:t>
+            </a:r>
+            <a:r>
+              <a:rPr lang="en-US" altLang="zh-CN" sz="1100" b="1" dirty="0" err="1"/>
+              <a:t>JoeyDeVries</a:t>
+            </a:r>
+            <a:r>
+              <a:rPr lang="zh-CN" altLang="en-US" sz="1100" b="1" dirty="0"/>
+              <a:t>！</a:t>
+            </a:r>
+            <a:endParaRPr lang="en-US" altLang="zh-CN" sz="1100" b="1" dirty="0"/>
+          </a:p>
+          <a:p>
+            <a:pPr>
+              <a:lnSpc>
+                <a:spcPct val="150000"/>
+              </a:lnSpc>
+            </a:pPr>
+            <a:r>
+              <a:rPr lang="en-US" altLang="zh-CN" sz="1100" b="1" dirty="0" err="1"/>
+              <a:t>JoeyDeVries</a:t>
+            </a:r>
+            <a:r>
+              <a:rPr lang="zh-CN" altLang="en-US" sz="1100" b="1" dirty="0"/>
+              <a:t>保佑我找到 图形学方向 工作机会。</a:t>
+            </a:r>
+            <a:endParaRPr lang="en-US" altLang="zh-CN" sz="1100" b="1" dirty="0"/>
+          </a:p>
+          <a:p>
+            <a:pPr>
+              <a:lnSpc>
+                <a:spcPct val="150000"/>
+              </a:lnSpc>
+            </a:pPr>
+            <a:endParaRPr lang="en-US" altLang="zh-CN" sz="1400" dirty="0"/>
+          </a:p>
+          <a:p>
+            <a:pPr>
+              <a:lnSpc>
+                <a:spcPct val="150000"/>
+              </a:lnSpc>
+              <a:spcBef>
+                <a:spcPts val="600"/>
+              </a:spcBef>
+            </a:pPr>
+            <a:r>
+              <a:rPr lang="en-US" altLang="zh-CN" b="1" dirty="0"/>
+              <a:t>2. 《OpenGL</a:t>
+            </a:r>
+            <a:r>
+              <a:rPr lang="zh-CN" altLang="en-US" b="1" dirty="0"/>
+              <a:t>编程指南</a:t>
+            </a:r>
+            <a:r>
+              <a:rPr lang="en-US" altLang="zh-CN" b="1" dirty="0"/>
+              <a:t>--</a:t>
+            </a:r>
+            <a:r>
+              <a:rPr lang="zh-CN" altLang="en-US" b="1" dirty="0"/>
+              <a:t>原书第</a:t>
+            </a:r>
+            <a:r>
+              <a:rPr lang="en-US" altLang="zh-CN" b="1" dirty="0"/>
+              <a:t>9</a:t>
+            </a:r>
+            <a:r>
+              <a:rPr lang="zh-CN" altLang="en-US" b="1" dirty="0"/>
+              <a:t>版</a:t>
+            </a:r>
+            <a:r>
+              <a:rPr lang="en-US" altLang="zh-CN" b="1" dirty="0"/>
+              <a:t>》</a:t>
+            </a:r>
+          </a:p>
+          <a:p>
+            <a:pPr>
+              <a:lnSpc>
+                <a:spcPct val="150000"/>
+              </a:lnSpc>
+              <a:spcBef>
+                <a:spcPts val="600"/>
+              </a:spcBef>
+            </a:pPr>
+            <a:r>
+              <a:rPr lang="zh-CN" altLang="en-US" sz="1100" dirty="0"/>
+              <a:t>发现</a:t>
+            </a:r>
+            <a:r>
+              <a:rPr lang="zh-CN" altLang="en-US" sz="1100" dirty="0">
+                <a:hlinkClick r:id="rId3"/>
+              </a:rPr>
+              <a:t>https://learnopengl-cn.github.io/</a:t>
+            </a:r>
+            <a:r>
+              <a:rPr lang="zh-CN" altLang="en-US" sz="1100" dirty="0"/>
+              <a:t>前，自学的主要参考资料，初略的过了一遍（</a:t>
+            </a:r>
+            <a:r>
+              <a:rPr lang="en-US" altLang="zh-CN" sz="1100" dirty="0"/>
+              <a:t>2021</a:t>
+            </a:r>
+            <a:r>
+              <a:rPr lang="zh-CN" altLang="en-US" sz="1100" dirty="0"/>
+              <a:t>年的时候）</a:t>
+            </a:r>
+            <a:endParaRPr lang="en-US" altLang="zh-CN" sz="1100" dirty="0"/>
+          </a:p>
+          <a:p>
+            <a:pPr>
+              <a:lnSpc>
+                <a:spcPct val="150000"/>
+              </a:lnSpc>
+              <a:spcBef>
+                <a:spcPts val="600"/>
+              </a:spcBef>
+            </a:pPr>
+            <a:endParaRPr lang="en-US" altLang="zh-CN" sz="1100" dirty="0"/>
+          </a:p>
+          <a:p>
+            <a:pPr>
+              <a:lnSpc>
+                <a:spcPct val="150000"/>
+              </a:lnSpc>
+              <a:spcBef>
+                <a:spcPts val="600"/>
+              </a:spcBef>
+            </a:pPr>
+            <a:r>
+              <a:rPr lang="en-US" altLang="zh-CN" b="1" dirty="0"/>
+              <a:t>3. 《</a:t>
+            </a:r>
+            <a:r>
+              <a:rPr lang="zh-CN" altLang="en-US" b="1" dirty="0"/>
+              <a:t>计算机图形学 </a:t>
+            </a:r>
+            <a:r>
+              <a:rPr lang="en-US" altLang="zh-CN" b="1" dirty="0"/>
+              <a:t>--</a:t>
+            </a:r>
+            <a:r>
+              <a:rPr lang="zh-CN" altLang="en-US" b="1" dirty="0"/>
+              <a:t>第四版</a:t>
+            </a:r>
+            <a:r>
+              <a:rPr lang="en-US" altLang="zh-CN" b="1" dirty="0"/>
+              <a:t>》 </a:t>
+            </a:r>
+            <a:r>
+              <a:rPr lang="en-US" altLang="zh-CN" b="1" dirty="0" err="1"/>
+              <a:t>M.Pauline</a:t>
+            </a:r>
+            <a:r>
+              <a:rPr lang="zh-CN" altLang="en-US" b="1" dirty="0"/>
+              <a:t> </a:t>
+            </a:r>
+            <a:r>
+              <a:rPr lang="en-US" altLang="zh-CN" b="1" dirty="0"/>
+              <a:t>Baker</a:t>
+            </a:r>
+            <a:r>
+              <a:rPr lang="zh-CN" altLang="en-US" b="1" dirty="0"/>
+              <a:t>著</a:t>
+            </a:r>
+            <a:endParaRPr lang="en-US" altLang="zh-CN" b="1" dirty="0"/>
+          </a:p>
+          <a:p>
+            <a:pPr>
+              <a:lnSpc>
+                <a:spcPct val="150000"/>
+              </a:lnSpc>
+              <a:spcBef>
+                <a:spcPts val="600"/>
+              </a:spcBef>
+            </a:pPr>
+            <a:r>
+              <a:rPr lang="zh-CN" altLang="en-US" sz="1100" dirty="0"/>
+              <a:t>也是粗略过一遍（</a:t>
+            </a:r>
+            <a:r>
+              <a:rPr lang="en-US" altLang="zh-CN" sz="1100" dirty="0"/>
+              <a:t>2021</a:t>
+            </a:r>
+            <a:r>
+              <a:rPr lang="zh-CN" altLang="en-US" sz="1100" dirty="0"/>
+              <a:t>年的时候）</a:t>
             </a:r>
           </a:p>
         </p:txBody>
@@ -14147,6 +17452,45 @@
           </a:prstGeom>
         </p:spPr>
       </p:pic>
+      <p:sp>
+        <p:nvSpPr>
+          <p:cNvPr id="2" name="文本框 1">
+            <a:extLst>
+              <a:ext uri="{FF2B5EF4-FFF2-40B4-BE49-F238E27FC236}">
+                <a16:creationId xmlns:a16="http://schemas.microsoft.com/office/drawing/2014/main" id="{D91145B0-D64F-6746-1D02-149E05C68097}"/>
+              </a:ext>
+            </a:extLst>
+          </p:cNvPr>
+          <p:cNvSpPr txBox="1"/>
+          <p:nvPr/>
+        </p:nvSpPr>
+        <p:spPr>
+          <a:xfrm>
+            <a:off x="7077075" y="1294458"/>
+            <a:ext cx="2954655" cy="369332"/>
+          </a:xfrm>
+          <a:prstGeom prst="rect">
+            <a:avLst/>
+          </a:prstGeom>
+          <a:noFill/>
+        </p:spPr>
+        <p:txBody>
+          <a:bodyPr wrap="none" rtlCol="0">
+            <a:spAutoFit/>
+          </a:bodyPr>
+          <a:lstStyle/>
+          <a:p>
+            <a:r>
+              <a:rPr lang="zh-CN" altLang="en-US" b="1" dirty="0">
+                <a:solidFill>
+                  <a:srgbClr val="C00000"/>
+                </a:solidFill>
+              </a:rPr>
+              <a:t>后面再深究，不是太有把握</a:t>
+            </a:r>
+          </a:p>
+        </p:txBody>
+      </p:sp>
     </p:spTree>
     <p:extLst>
       <p:ext uri="{BB962C8B-B14F-4D97-AF65-F5344CB8AC3E}">

--- a/note/note.pptx
+++ b/note/note.pptx
@@ -5,7 +5,7 @@
     <p:sldMasterId id="2147483648" r:id="rId1"/>
   </p:sldMasterIdLst>
   <p:notesMasterIdLst>
-    <p:notesMasterId r:id="rId29"/>
+    <p:notesMasterId r:id="rId33"/>
   </p:notesMasterIdLst>
   <p:sldIdLst>
     <p:sldId id="257" r:id="rId2"/>
@@ -32,9 +32,13 @@
     <p:sldId id="280" r:id="rId23"/>
     <p:sldId id="282" r:id="rId24"/>
     <p:sldId id="283" r:id="rId25"/>
-    <p:sldId id="277" r:id="rId26"/>
-    <p:sldId id="276" r:id="rId27"/>
-    <p:sldId id="263" r:id="rId28"/>
+    <p:sldId id="284" r:id="rId26"/>
+    <p:sldId id="285" r:id="rId27"/>
+    <p:sldId id="286" r:id="rId28"/>
+    <p:sldId id="287" r:id="rId29"/>
+    <p:sldId id="277" r:id="rId30"/>
+    <p:sldId id="276" r:id="rId31"/>
+    <p:sldId id="263" r:id="rId32"/>
   </p:sldIdLst>
   <p:sldSz cx="12192000" cy="6858000"/>
   <p:notesSz cx="6858000" cy="9144000"/>
@@ -565,6 +569,90 @@
     <p:extLst>
       <p:ext uri="{BB962C8B-B14F-4D97-AF65-F5344CB8AC3E}">
         <p14:creationId xmlns:p14="http://schemas.microsoft.com/office/powerpoint/2010/main" val="4079274603"/>
+      </p:ext>
+    </p:extLst>
+  </p:cSld>
+  <p:clrMapOvr>
+    <a:masterClrMapping/>
+  </p:clrMapOvr>
+</p:notes>
+</file>
+
+<file path=ppt/notesSlides/notesSlide2.xml><?xml version="1.0" encoding="utf-8"?>
+<p:notes xmlns:a="http://schemas.openxmlformats.org/drawingml/2006/main" xmlns:r="http://schemas.openxmlformats.org/officeDocument/2006/relationships" xmlns:p="http://schemas.openxmlformats.org/presentationml/2006/main">
+  <p:cSld>
+    <p:spTree>
+      <p:nvGrpSpPr>
+        <p:cNvPr id="1" name=""/>
+        <p:cNvGrpSpPr/>
+        <p:nvPr/>
+      </p:nvGrpSpPr>
+      <p:grpSpPr>
+        <a:xfrm>
+          <a:off x="0" y="0"/>
+          <a:ext cx="0" cy="0"/>
+          <a:chOff x="0" y="0"/>
+          <a:chExt cx="0" cy="0"/>
+        </a:xfrm>
+      </p:grpSpPr>
+      <p:sp>
+        <p:nvSpPr>
+          <p:cNvPr id="2" name="幻灯片图像占位符 1"/>
+          <p:cNvSpPr>
+            <a:spLocks noGrp="1" noRot="1" noChangeAspect="1"/>
+          </p:cNvSpPr>
+          <p:nvPr>
+            <p:ph type="sldImg"/>
+          </p:nvPr>
+        </p:nvSpPr>
+        <p:spPr/>
+      </p:sp>
+      <p:sp>
+        <p:nvSpPr>
+          <p:cNvPr id="3" name="备注占位符 2"/>
+          <p:cNvSpPr>
+            <a:spLocks noGrp="1"/>
+          </p:cNvSpPr>
+          <p:nvPr>
+            <p:ph type="body" idx="1"/>
+          </p:nvPr>
+        </p:nvSpPr>
+        <p:spPr/>
+        <p:txBody>
+          <a:bodyPr/>
+          <a:lstStyle/>
+          <a:p>
+            <a:endParaRPr lang="zh-CN" altLang="en-US" dirty="0"/>
+          </a:p>
+        </p:txBody>
+      </p:sp>
+      <p:sp>
+        <p:nvSpPr>
+          <p:cNvPr id="4" name="灯片编号占位符 3"/>
+          <p:cNvSpPr>
+            <a:spLocks noGrp="1"/>
+          </p:cNvSpPr>
+          <p:nvPr>
+            <p:ph type="sldNum" sz="quarter" idx="5"/>
+          </p:nvPr>
+        </p:nvSpPr>
+        <p:spPr/>
+        <p:txBody>
+          <a:bodyPr/>
+          <a:lstStyle/>
+          <a:p>
+            <a:fld id="{16006844-D1CA-49C9-947E-A36920079275}" type="slidenum">
+              <a:rPr lang="zh-CN" altLang="en-US" smtClean="0"/>
+              <a:t>24</a:t>
+            </a:fld>
+            <a:endParaRPr lang="zh-CN" altLang="en-US"/>
+          </a:p>
+        </p:txBody>
+      </p:sp>
+    </p:spTree>
+    <p:extLst>
+      <p:ext uri="{BB962C8B-B14F-4D97-AF65-F5344CB8AC3E}">
+        <p14:creationId xmlns:p14="http://schemas.microsoft.com/office/powerpoint/2010/main" val="1720761364"/>
       </p:ext>
     </p:extLst>
   </p:cSld>
@@ -12755,7 +12843,7 @@
         </p:blipFill>
         <p:spPr>
           <a:xfrm>
-            <a:off x="1108411" y="3429000"/>
+            <a:off x="1108411" y="3181572"/>
             <a:ext cx="5973009" cy="3096057"/>
           </a:xfrm>
           <a:prstGeom prst="rect">
@@ -12777,7 +12865,7 @@
         </p:nvSpPr>
         <p:spPr>
           <a:xfrm>
-            <a:off x="1654560" y="2967335"/>
+            <a:off x="1568499" y="2702782"/>
             <a:ext cx="5313680" cy="369332"/>
           </a:xfrm>
           <a:prstGeom prst="rect">
@@ -12797,7 +12885,7 @@
                   <a:srgbClr val="C00000"/>
                 </a:solidFill>
               </a:rPr>
-              <a:t>想要使用面剔除，就要提前规定好顶点的顺序</a:t>
+              <a:t>想要使用面剔除，就要提前规定好顶点的环绕顺序</a:t>
             </a:r>
           </a:p>
         </p:txBody>
@@ -12816,7 +12904,7 @@
         </p:nvSpPr>
         <p:spPr>
           <a:xfrm>
-            <a:off x="8768953" y="3529237"/>
+            <a:off x="8768953" y="3281809"/>
             <a:ext cx="1338828" cy="369332"/>
           </a:xfrm>
           <a:prstGeom prst="rect">
@@ -12853,7 +12941,7 @@
         </p:nvSpPr>
         <p:spPr bwMode="auto">
           <a:xfrm>
-            <a:off x="8785561" y="3958629"/>
+            <a:off x="8785561" y="3711201"/>
             <a:ext cx="2644439" cy="827021"/>
           </a:xfrm>
           <a:prstGeom prst="rect">
@@ -13371,7 +13459,7 @@
         <p:spPr>
           <a:xfrm>
             <a:off x="685800" y="4878414"/>
-            <a:ext cx="9265678" cy="369332"/>
+            <a:ext cx="10110460" cy="369332"/>
           </a:xfrm>
           <a:prstGeom prst="rect">
             <a:avLst/>
@@ -13390,7 +13478,7 @@
                   <a:srgbClr val="C00000"/>
                 </a:solidFill>
               </a:rPr>
-              <a:t>先知道有这个概念吧，暂时不深入做练习了，做项目用到了或者看源码看到了在做深入吧</a:t>
+              <a:t>先知道有这个概念吧，暂时不深入做练习了，做项目用到了或者后续看框架源码看到了再做深入吧</a:t>
             </a:r>
           </a:p>
         </p:txBody>
@@ -13505,7 +13593,15 @@
             </a:r>
             <a:r>
               <a:rPr lang="zh-CN" altLang="en-US" dirty="0"/>
-              <a:t>可以由程序控制，不受着色器影响，全局着色器可读但不可写）</a:t>
+              <a:t>可以由</a:t>
+            </a:r>
+            <a:r>
+              <a:rPr lang="en-US" altLang="zh-CN" dirty="0"/>
+              <a:t>CPU</a:t>
+            </a:r>
+            <a:r>
+              <a:rPr lang="zh-CN" altLang="en-US" dirty="0"/>
+              <a:t>程序控制，不受着色器程序影响，全局，着色器可读但不可写）</a:t>
             </a:r>
           </a:p>
         </p:txBody>
@@ -13587,6 +13683,1570 @@
           </a:p>
         </p:txBody>
       </p:sp>
+      <p:sp>
+        <p:nvSpPr>
+          <p:cNvPr id="3" name="文本框 2">
+            <a:extLst>
+              <a:ext uri="{FF2B5EF4-FFF2-40B4-BE49-F238E27FC236}">
+                <a16:creationId xmlns:a16="http://schemas.microsoft.com/office/drawing/2014/main" id="{F24E8927-C4B3-4B97-BB0E-80D7FA2F369F}"/>
+              </a:ext>
+            </a:extLst>
+          </p:cNvPr>
+          <p:cNvSpPr txBox="1"/>
+          <p:nvPr/>
+        </p:nvSpPr>
+        <p:spPr>
+          <a:xfrm>
+            <a:off x="408790" y="1000461"/>
+            <a:ext cx="7024744" cy="1712135"/>
+          </a:xfrm>
+          <a:prstGeom prst="rect">
+            <a:avLst/>
+          </a:prstGeom>
+          <a:noFill/>
+        </p:spPr>
+        <p:txBody>
+          <a:bodyPr wrap="square" rtlCol="0">
+            <a:spAutoFit/>
+          </a:bodyPr>
+          <a:lstStyle/>
+          <a:p>
+            <a:pPr>
+              <a:lnSpc>
+                <a:spcPct val="150000"/>
+              </a:lnSpc>
+            </a:pPr>
+            <a:r>
+              <a:rPr lang="en-US" altLang="zh-CN" b="1" dirty="0"/>
+              <a:t>1.  </a:t>
+            </a:r>
+            <a:r>
+              <a:rPr lang="zh-CN" altLang="en-US" b="1" dirty="0"/>
+              <a:t>帧缓冲、帧缓冲对象、缓冲附件  概念区别：</a:t>
+            </a:r>
+            <a:endParaRPr lang="en-US" altLang="zh-CN" b="1" dirty="0"/>
+          </a:p>
+          <a:p>
+            <a:pPr>
+              <a:lnSpc>
+                <a:spcPct val="150000"/>
+              </a:lnSpc>
+            </a:pPr>
+            <a:r>
+              <a:rPr lang="en-US" altLang="zh-CN" b="1" dirty="0"/>
+              <a:t>       </a:t>
+            </a:r>
+            <a:r>
+              <a:rPr lang="zh-CN" altLang="en-US" b="1" dirty="0"/>
+              <a:t>帧缓冲</a:t>
+            </a:r>
+            <a:r>
+              <a:rPr lang="zh-CN" altLang="en-US" dirty="0"/>
+              <a:t>感觉是一个大的虚拟的概念，而</a:t>
+            </a:r>
+            <a:r>
+              <a:rPr lang="zh-CN" altLang="en-US" b="1" dirty="0"/>
+              <a:t>缓冲对象</a:t>
+            </a:r>
+            <a:r>
+              <a:rPr lang="zh-CN" altLang="en-US" dirty="0"/>
+              <a:t>是实际存在类似于句柄（相似</a:t>
+            </a:r>
+            <a:r>
+              <a:rPr lang="en-US" altLang="zh-CN" dirty="0"/>
+              <a:t>VAO</a:t>
+            </a:r>
+            <a:r>
+              <a:rPr lang="zh-CN" altLang="en-US" dirty="0"/>
+              <a:t>），而</a:t>
+            </a:r>
+            <a:r>
+              <a:rPr lang="zh-CN" altLang="en-US" b="1" dirty="0"/>
+              <a:t>缓冲附件</a:t>
+            </a:r>
+            <a:r>
+              <a:rPr lang="zh-CN" altLang="en-US" dirty="0"/>
+              <a:t>对应服务端</a:t>
+            </a:r>
+            <a:r>
+              <a:rPr lang="en-US" altLang="zh-CN" dirty="0"/>
+              <a:t>GPU</a:t>
+            </a:r>
+            <a:r>
+              <a:rPr lang="zh-CN" altLang="en-US" dirty="0"/>
+              <a:t>的一段内存</a:t>
+            </a:r>
+            <a:r>
+              <a:rPr lang="en-US" altLang="zh-CN" dirty="0"/>
+              <a:t>buffer</a:t>
+            </a:r>
+            <a:r>
+              <a:rPr lang="zh-CN" altLang="en-US" dirty="0"/>
+              <a:t>区域，也是实际存在的。</a:t>
+            </a:r>
+          </a:p>
+        </p:txBody>
+      </p:sp>
+      <p:sp>
+        <p:nvSpPr>
+          <p:cNvPr id="10" name="文本框 9">
+            <a:extLst>
+              <a:ext uri="{FF2B5EF4-FFF2-40B4-BE49-F238E27FC236}">
+                <a16:creationId xmlns:a16="http://schemas.microsoft.com/office/drawing/2014/main" id="{597D520C-3A0B-0B4B-4808-BBF2A6F1E79F}"/>
+              </a:ext>
+            </a:extLst>
+          </p:cNvPr>
+          <p:cNvSpPr txBox="1"/>
+          <p:nvPr/>
+        </p:nvSpPr>
+        <p:spPr>
+          <a:xfrm>
+            <a:off x="7677159" y="795884"/>
+            <a:ext cx="1105348" cy="369332"/>
+          </a:xfrm>
+          <a:prstGeom prst="rect">
+            <a:avLst/>
+          </a:prstGeom>
+          <a:noFill/>
+        </p:spPr>
+        <p:txBody>
+          <a:bodyPr wrap="square">
+            <a:spAutoFit/>
+          </a:bodyPr>
+          <a:lstStyle/>
+          <a:p>
+            <a:r>
+              <a:rPr lang="zh-CN" altLang="en-US" b="1" dirty="0"/>
+              <a:t>缓冲附件 </a:t>
+            </a:r>
+            <a:endParaRPr lang="zh-CN" altLang="en-US" dirty="0"/>
+          </a:p>
+        </p:txBody>
+      </p:sp>
+      <p:sp>
+        <p:nvSpPr>
+          <p:cNvPr id="11" name="左大括号 10">
+            <a:extLst>
+              <a:ext uri="{FF2B5EF4-FFF2-40B4-BE49-F238E27FC236}">
+                <a16:creationId xmlns:a16="http://schemas.microsoft.com/office/drawing/2014/main" id="{2174D672-3474-FA24-A9DA-AA7D34D6D8A2}"/>
+              </a:ext>
+            </a:extLst>
+          </p:cNvPr>
+          <p:cNvSpPr/>
+          <p:nvPr/>
+        </p:nvSpPr>
+        <p:spPr>
+          <a:xfrm>
+            <a:off x="8782507" y="716988"/>
+            <a:ext cx="215154" cy="527124"/>
+          </a:xfrm>
+          <a:prstGeom prst="leftBrace">
+            <a:avLst/>
+          </a:prstGeom>
+        </p:spPr>
+        <p:style>
+          <a:lnRef idx="1">
+            <a:schemeClr val="accent1"/>
+          </a:lnRef>
+          <a:fillRef idx="0">
+            <a:schemeClr val="accent1"/>
+          </a:fillRef>
+          <a:effectRef idx="0">
+            <a:schemeClr val="accent1"/>
+          </a:effectRef>
+          <a:fontRef idx="minor">
+            <a:schemeClr val="tx1"/>
+          </a:fontRef>
+        </p:style>
+        <p:txBody>
+          <a:bodyPr rtlCol="0" anchor="ctr"/>
+          <a:lstStyle/>
+          <a:p>
+            <a:pPr algn="ctr"/>
+            <a:endParaRPr lang="zh-CN" altLang="en-US"/>
+          </a:p>
+        </p:txBody>
+      </p:sp>
+      <p:sp>
+        <p:nvSpPr>
+          <p:cNvPr id="12" name="文本框 11">
+            <a:extLst>
+              <a:ext uri="{FF2B5EF4-FFF2-40B4-BE49-F238E27FC236}">
+                <a16:creationId xmlns:a16="http://schemas.microsoft.com/office/drawing/2014/main" id="{585BED41-74AA-384A-0A5B-F888D897CA0A}"/>
+              </a:ext>
+            </a:extLst>
+          </p:cNvPr>
+          <p:cNvSpPr txBox="1"/>
+          <p:nvPr/>
+        </p:nvSpPr>
+        <p:spPr>
+          <a:xfrm>
+            <a:off x="9032816" y="553717"/>
+            <a:ext cx="646331" cy="369332"/>
+          </a:xfrm>
+          <a:prstGeom prst="rect">
+            <a:avLst/>
+          </a:prstGeom>
+          <a:noFill/>
+        </p:spPr>
+        <p:txBody>
+          <a:bodyPr wrap="none" rtlCol="0">
+            <a:spAutoFit/>
+          </a:bodyPr>
+          <a:lstStyle/>
+          <a:p>
+            <a:r>
+              <a:rPr lang="zh-CN" altLang="en-US" dirty="0"/>
+              <a:t>纹理</a:t>
+            </a:r>
+          </a:p>
+        </p:txBody>
+      </p:sp>
+      <p:sp>
+        <p:nvSpPr>
+          <p:cNvPr id="13" name="文本框 12">
+            <a:extLst>
+              <a:ext uri="{FF2B5EF4-FFF2-40B4-BE49-F238E27FC236}">
+                <a16:creationId xmlns:a16="http://schemas.microsoft.com/office/drawing/2014/main" id="{FF122C1B-A143-7C73-EDD1-79C4F80B97E5}"/>
+              </a:ext>
+            </a:extLst>
+          </p:cNvPr>
+          <p:cNvSpPr txBox="1"/>
+          <p:nvPr/>
+        </p:nvSpPr>
+        <p:spPr>
+          <a:xfrm>
+            <a:off x="9032816" y="1054067"/>
+            <a:ext cx="2954655" cy="369332"/>
+          </a:xfrm>
+          <a:prstGeom prst="rect">
+            <a:avLst/>
+          </a:prstGeom>
+          <a:noFill/>
+        </p:spPr>
+        <p:txBody>
+          <a:bodyPr wrap="none" rtlCol="0">
+            <a:spAutoFit/>
+          </a:bodyPr>
+          <a:lstStyle/>
+          <a:p>
+            <a:r>
+              <a:rPr lang="zh-CN" altLang="en-US" dirty="0"/>
+              <a:t>渲染缓冲（只写但速度快）</a:t>
+            </a:r>
+          </a:p>
+        </p:txBody>
+      </p:sp>
+      <p:sp>
+        <p:nvSpPr>
+          <p:cNvPr id="14" name="文本框 13">
+            <a:extLst>
+              <a:ext uri="{FF2B5EF4-FFF2-40B4-BE49-F238E27FC236}">
+                <a16:creationId xmlns:a16="http://schemas.microsoft.com/office/drawing/2014/main" id="{5CF45583-1397-F2AF-0E14-1F34897796F3}"/>
+              </a:ext>
+            </a:extLst>
+          </p:cNvPr>
+          <p:cNvSpPr txBox="1"/>
+          <p:nvPr/>
+        </p:nvSpPr>
+        <p:spPr>
+          <a:xfrm>
+            <a:off x="1128116" y="5672873"/>
+            <a:ext cx="1338828" cy="369332"/>
+          </a:xfrm>
+          <a:prstGeom prst="rect">
+            <a:avLst/>
+          </a:prstGeom>
+          <a:solidFill>
+            <a:schemeClr val="accent2"/>
+          </a:solidFill>
+        </p:spPr>
+        <p:txBody>
+          <a:bodyPr wrap="none" rtlCol="0">
+            <a:spAutoFit/>
+          </a:bodyPr>
+          <a:lstStyle/>
+          <a:p>
+            <a:r>
+              <a:rPr lang="zh-CN" altLang="en-US" dirty="0"/>
+              <a:t>片段着色器</a:t>
+            </a:r>
+          </a:p>
+        </p:txBody>
+      </p:sp>
+      <p:sp>
+        <p:nvSpPr>
+          <p:cNvPr id="15" name="文本框 14">
+            <a:extLst>
+              <a:ext uri="{FF2B5EF4-FFF2-40B4-BE49-F238E27FC236}">
+                <a16:creationId xmlns:a16="http://schemas.microsoft.com/office/drawing/2014/main" id="{9BC118B3-FAD3-4F35-9AA1-FE19C643F96A}"/>
+              </a:ext>
+            </a:extLst>
+          </p:cNvPr>
+          <p:cNvSpPr txBox="1"/>
+          <p:nvPr/>
+        </p:nvSpPr>
+        <p:spPr>
+          <a:xfrm>
+            <a:off x="2757878" y="5763172"/>
+            <a:ext cx="1798890" cy="369332"/>
+          </a:xfrm>
+          <a:prstGeom prst="rect">
+            <a:avLst/>
+          </a:prstGeom>
+          <a:noFill/>
+        </p:spPr>
+        <p:txBody>
+          <a:bodyPr wrap="none" rtlCol="0">
+            <a:spAutoFit/>
+          </a:bodyPr>
+          <a:lstStyle/>
+          <a:p>
+            <a:r>
+              <a:rPr lang="zh-CN" altLang="en-US" dirty="0"/>
+              <a:t>颜色缓冲数据流</a:t>
+            </a:r>
+          </a:p>
+        </p:txBody>
+      </p:sp>
+      <p:sp>
+        <p:nvSpPr>
+          <p:cNvPr id="16" name="文本框 15">
+            <a:extLst>
+              <a:ext uri="{FF2B5EF4-FFF2-40B4-BE49-F238E27FC236}">
+                <a16:creationId xmlns:a16="http://schemas.microsoft.com/office/drawing/2014/main" id="{55D985F0-DF06-6C8A-1419-3A4E51E5EF31}"/>
+              </a:ext>
+            </a:extLst>
+          </p:cNvPr>
+          <p:cNvSpPr txBox="1"/>
+          <p:nvPr/>
+        </p:nvSpPr>
+        <p:spPr>
+          <a:xfrm>
+            <a:off x="2757878" y="5406238"/>
+            <a:ext cx="1798890" cy="369332"/>
+          </a:xfrm>
+          <a:prstGeom prst="rect">
+            <a:avLst/>
+          </a:prstGeom>
+          <a:noFill/>
+        </p:spPr>
+        <p:txBody>
+          <a:bodyPr wrap="none" rtlCol="0">
+            <a:spAutoFit/>
+          </a:bodyPr>
+          <a:lstStyle/>
+          <a:p>
+            <a:r>
+              <a:rPr lang="zh-CN" altLang="en-US" dirty="0"/>
+              <a:t>模板缓冲数据流</a:t>
+            </a:r>
+          </a:p>
+        </p:txBody>
+      </p:sp>
+      <p:sp>
+        <p:nvSpPr>
+          <p:cNvPr id="17" name="文本框 16">
+            <a:extLst>
+              <a:ext uri="{FF2B5EF4-FFF2-40B4-BE49-F238E27FC236}">
+                <a16:creationId xmlns:a16="http://schemas.microsoft.com/office/drawing/2014/main" id="{723B9506-7C52-67E2-4646-9B7086A64D51}"/>
+              </a:ext>
+            </a:extLst>
+          </p:cNvPr>
+          <p:cNvSpPr txBox="1"/>
+          <p:nvPr/>
+        </p:nvSpPr>
+        <p:spPr>
+          <a:xfrm>
+            <a:off x="2736439" y="6132504"/>
+            <a:ext cx="1798890" cy="369332"/>
+          </a:xfrm>
+          <a:prstGeom prst="rect">
+            <a:avLst/>
+          </a:prstGeom>
+          <a:noFill/>
+        </p:spPr>
+        <p:txBody>
+          <a:bodyPr wrap="none" rtlCol="0">
+            <a:spAutoFit/>
+          </a:bodyPr>
+          <a:lstStyle/>
+          <a:p>
+            <a:r>
+              <a:rPr lang="zh-CN" altLang="en-US" dirty="0"/>
+              <a:t>深度缓冲数据流</a:t>
+            </a:r>
+          </a:p>
+        </p:txBody>
+      </p:sp>
+      <p:cxnSp>
+        <p:nvCxnSpPr>
+          <p:cNvPr id="19" name="直接箭头连接符 18">
+            <a:extLst>
+              <a:ext uri="{FF2B5EF4-FFF2-40B4-BE49-F238E27FC236}">
+                <a16:creationId xmlns:a16="http://schemas.microsoft.com/office/drawing/2014/main" id="{5FEA3BD6-814A-7C8C-45B2-1F557A1D7C0E}"/>
+              </a:ext>
+            </a:extLst>
+          </p:cNvPr>
+          <p:cNvCxnSpPr>
+            <a:stCxn id="14" idx="3"/>
+            <a:endCxn id="16" idx="1"/>
+          </p:cNvCxnSpPr>
+          <p:nvPr/>
+        </p:nvCxnSpPr>
+        <p:spPr>
+          <a:xfrm flipV="1">
+            <a:off x="2466944" y="5590904"/>
+            <a:ext cx="290934" cy="266635"/>
+          </a:xfrm>
+          <a:prstGeom prst="straightConnector1">
+            <a:avLst/>
+          </a:prstGeom>
+          <a:ln>
+            <a:tailEnd type="triangle"/>
+          </a:ln>
+        </p:spPr>
+        <p:style>
+          <a:lnRef idx="1">
+            <a:schemeClr val="accent1"/>
+          </a:lnRef>
+          <a:fillRef idx="0">
+            <a:schemeClr val="accent1"/>
+          </a:fillRef>
+          <a:effectRef idx="0">
+            <a:schemeClr val="accent1"/>
+          </a:effectRef>
+          <a:fontRef idx="minor">
+            <a:schemeClr val="tx1"/>
+          </a:fontRef>
+        </p:style>
+      </p:cxnSp>
+      <p:cxnSp>
+        <p:nvCxnSpPr>
+          <p:cNvPr id="21" name="直接箭头连接符 20">
+            <a:extLst>
+              <a:ext uri="{FF2B5EF4-FFF2-40B4-BE49-F238E27FC236}">
+                <a16:creationId xmlns:a16="http://schemas.microsoft.com/office/drawing/2014/main" id="{6EB367D4-7DA3-F536-74C4-3542C18DA714}"/>
+              </a:ext>
+            </a:extLst>
+          </p:cNvPr>
+          <p:cNvCxnSpPr>
+            <a:stCxn id="14" idx="3"/>
+            <a:endCxn id="15" idx="1"/>
+          </p:cNvCxnSpPr>
+          <p:nvPr/>
+        </p:nvCxnSpPr>
+        <p:spPr>
+          <a:xfrm>
+            <a:off x="2466944" y="5857539"/>
+            <a:ext cx="290934" cy="90299"/>
+          </a:xfrm>
+          <a:prstGeom prst="straightConnector1">
+            <a:avLst/>
+          </a:prstGeom>
+          <a:ln>
+            <a:tailEnd type="triangle"/>
+          </a:ln>
+        </p:spPr>
+        <p:style>
+          <a:lnRef idx="1">
+            <a:schemeClr val="accent1"/>
+          </a:lnRef>
+          <a:fillRef idx="0">
+            <a:schemeClr val="accent1"/>
+          </a:fillRef>
+          <a:effectRef idx="0">
+            <a:schemeClr val="accent1"/>
+          </a:effectRef>
+          <a:fontRef idx="minor">
+            <a:schemeClr val="tx1"/>
+          </a:fontRef>
+        </p:style>
+      </p:cxnSp>
+      <p:cxnSp>
+        <p:nvCxnSpPr>
+          <p:cNvPr id="23" name="直接箭头连接符 22">
+            <a:extLst>
+              <a:ext uri="{FF2B5EF4-FFF2-40B4-BE49-F238E27FC236}">
+                <a16:creationId xmlns:a16="http://schemas.microsoft.com/office/drawing/2014/main" id="{7F89FA9F-C024-B281-C6CD-6956F4BEC55F}"/>
+              </a:ext>
+            </a:extLst>
+          </p:cNvPr>
+          <p:cNvCxnSpPr>
+            <a:stCxn id="14" idx="3"/>
+            <a:endCxn id="17" idx="1"/>
+          </p:cNvCxnSpPr>
+          <p:nvPr/>
+        </p:nvCxnSpPr>
+        <p:spPr>
+          <a:xfrm>
+            <a:off x="2466944" y="5857539"/>
+            <a:ext cx="269495" cy="459631"/>
+          </a:xfrm>
+          <a:prstGeom prst="straightConnector1">
+            <a:avLst/>
+          </a:prstGeom>
+          <a:ln>
+            <a:tailEnd type="triangle"/>
+          </a:ln>
+        </p:spPr>
+        <p:style>
+          <a:lnRef idx="1">
+            <a:schemeClr val="accent1"/>
+          </a:lnRef>
+          <a:fillRef idx="0">
+            <a:schemeClr val="accent1"/>
+          </a:fillRef>
+          <a:effectRef idx="0">
+            <a:schemeClr val="accent1"/>
+          </a:effectRef>
+          <a:fontRef idx="minor">
+            <a:schemeClr val="tx1"/>
+          </a:fontRef>
+        </p:style>
+      </p:cxnSp>
+      <p:sp>
+        <p:nvSpPr>
+          <p:cNvPr id="24" name="文本框 23">
+            <a:extLst>
+              <a:ext uri="{FF2B5EF4-FFF2-40B4-BE49-F238E27FC236}">
+                <a16:creationId xmlns:a16="http://schemas.microsoft.com/office/drawing/2014/main" id="{D5E1FCA8-4DBF-FCF0-EA86-CB9ADBB182DF}"/>
+              </a:ext>
+            </a:extLst>
+          </p:cNvPr>
+          <p:cNvSpPr txBox="1"/>
+          <p:nvPr/>
+        </p:nvSpPr>
+        <p:spPr>
+          <a:xfrm>
+            <a:off x="6141249" y="5299720"/>
+            <a:ext cx="1086557" cy="430887"/>
+          </a:xfrm>
+          <a:prstGeom prst="rect">
+            <a:avLst/>
+          </a:prstGeom>
+          <a:solidFill>
+            <a:schemeClr val="accent2"/>
+          </a:solidFill>
+        </p:spPr>
+        <p:txBody>
+          <a:bodyPr wrap="square" rtlCol="0">
+            <a:spAutoFit/>
+          </a:bodyPr>
+          <a:lstStyle/>
+          <a:p>
+            <a:pPr algn="ctr"/>
+            <a:r>
+              <a:rPr lang="zh-CN" altLang="en-US" sz="1100" dirty="0"/>
+              <a:t>帧缓冲</a:t>
+            </a:r>
+            <a:endParaRPr lang="en-US" altLang="zh-CN" sz="1100" dirty="0"/>
+          </a:p>
+          <a:p>
+            <a:pPr algn="ctr"/>
+            <a:r>
+              <a:rPr lang="zh-CN" altLang="en-US" sz="1100" dirty="0">
+                <a:solidFill>
+                  <a:schemeClr val="accent1"/>
+                </a:solidFill>
+              </a:rPr>
+              <a:t>（离屏渲染）</a:t>
+            </a:r>
+          </a:p>
+        </p:txBody>
+      </p:sp>
+      <p:sp>
+        <p:nvSpPr>
+          <p:cNvPr id="25" name="文本框 24">
+            <a:extLst>
+              <a:ext uri="{FF2B5EF4-FFF2-40B4-BE49-F238E27FC236}">
+                <a16:creationId xmlns:a16="http://schemas.microsoft.com/office/drawing/2014/main" id="{176A3D55-9910-AA10-A9D1-457E9B44CC60}"/>
+              </a:ext>
+            </a:extLst>
+          </p:cNvPr>
+          <p:cNvSpPr txBox="1"/>
+          <p:nvPr/>
+        </p:nvSpPr>
+        <p:spPr>
+          <a:xfrm>
+            <a:off x="6158530" y="6162078"/>
+            <a:ext cx="1107996" cy="369332"/>
+          </a:xfrm>
+          <a:prstGeom prst="rect">
+            <a:avLst/>
+          </a:prstGeom>
+          <a:solidFill>
+            <a:schemeClr val="accent2"/>
+          </a:solidFill>
+        </p:spPr>
+        <p:txBody>
+          <a:bodyPr wrap="none" rtlCol="0">
+            <a:spAutoFit/>
+          </a:bodyPr>
+          <a:lstStyle/>
+          <a:p>
+            <a:r>
+              <a:rPr lang="zh-CN" altLang="en-US" dirty="0"/>
+              <a:t>默认缓冲</a:t>
+            </a:r>
+          </a:p>
+        </p:txBody>
+      </p:sp>
+      <p:sp>
+        <p:nvSpPr>
+          <p:cNvPr id="26" name="文本框 25">
+            <a:extLst>
+              <a:ext uri="{FF2B5EF4-FFF2-40B4-BE49-F238E27FC236}">
+                <a16:creationId xmlns:a16="http://schemas.microsoft.com/office/drawing/2014/main" id="{A11B7CCA-03A7-2CCB-3337-9E0A93C8F5FC}"/>
+              </a:ext>
+            </a:extLst>
+          </p:cNvPr>
+          <p:cNvSpPr txBox="1"/>
+          <p:nvPr/>
+        </p:nvSpPr>
+        <p:spPr>
+          <a:xfrm>
+            <a:off x="8559317" y="6153109"/>
+            <a:ext cx="1338828" cy="369332"/>
+          </a:xfrm>
+          <a:prstGeom prst="rect">
+            <a:avLst/>
+          </a:prstGeom>
+          <a:solidFill>
+            <a:schemeClr val="accent2"/>
+          </a:solidFill>
+        </p:spPr>
+        <p:txBody>
+          <a:bodyPr wrap="none" rtlCol="0">
+            <a:spAutoFit/>
+          </a:bodyPr>
+          <a:lstStyle/>
+          <a:p>
+            <a:r>
+              <a:rPr lang="zh-CN" altLang="en-US" dirty="0"/>
+              <a:t>显示屏渲染</a:t>
+            </a:r>
+          </a:p>
+        </p:txBody>
+      </p:sp>
+      <p:cxnSp>
+        <p:nvCxnSpPr>
+          <p:cNvPr id="28" name="直接箭头连接符 27">
+            <a:extLst>
+              <a:ext uri="{FF2B5EF4-FFF2-40B4-BE49-F238E27FC236}">
+                <a16:creationId xmlns:a16="http://schemas.microsoft.com/office/drawing/2014/main" id="{724AD917-3195-F2F1-C5F7-CFF0421C5C07}"/>
+              </a:ext>
+            </a:extLst>
+          </p:cNvPr>
+          <p:cNvCxnSpPr>
+            <a:stCxn id="25" idx="3"/>
+            <a:endCxn id="26" idx="1"/>
+          </p:cNvCxnSpPr>
+          <p:nvPr/>
+        </p:nvCxnSpPr>
+        <p:spPr>
+          <a:xfrm flipV="1">
+            <a:off x="7266526" y="6337775"/>
+            <a:ext cx="1292791" cy="8969"/>
+          </a:xfrm>
+          <a:prstGeom prst="straightConnector1">
+            <a:avLst/>
+          </a:prstGeom>
+          <a:ln>
+            <a:tailEnd type="triangle"/>
+          </a:ln>
+        </p:spPr>
+        <p:style>
+          <a:lnRef idx="1">
+            <a:schemeClr val="accent1"/>
+          </a:lnRef>
+          <a:fillRef idx="0">
+            <a:schemeClr val="accent1"/>
+          </a:fillRef>
+          <a:effectRef idx="0">
+            <a:schemeClr val="accent1"/>
+          </a:effectRef>
+          <a:fontRef idx="minor">
+            <a:schemeClr val="tx1"/>
+          </a:fontRef>
+        </p:style>
+      </p:cxnSp>
+      <p:cxnSp>
+        <p:nvCxnSpPr>
+          <p:cNvPr id="30" name="直接箭头连接符 29">
+            <a:extLst>
+              <a:ext uri="{FF2B5EF4-FFF2-40B4-BE49-F238E27FC236}">
+                <a16:creationId xmlns:a16="http://schemas.microsoft.com/office/drawing/2014/main" id="{6DCB3563-E275-B889-2331-47707BAD1EA6}"/>
+              </a:ext>
+            </a:extLst>
+          </p:cNvPr>
+          <p:cNvCxnSpPr>
+            <a:stCxn id="16" idx="3"/>
+            <a:endCxn id="25" idx="1"/>
+          </p:cNvCxnSpPr>
+          <p:nvPr/>
+        </p:nvCxnSpPr>
+        <p:spPr>
+          <a:xfrm>
+            <a:off x="4556768" y="5590904"/>
+            <a:ext cx="1601762" cy="755840"/>
+          </a:xfrm>
+          <a:prstGeom prst="straightConnector1">
+            <a:avLst/>
+          </a:prstGeom>
+          <a:ln>
+            <a:tailEnd type="triangle"/>
+          </a:ln>
+        </p:spPr>
+        <p:style>
+          <a:lnRef idx="1">
+            <a:schemeClr val="accent1"/>
+          </a:lnRef>
+          <a:fillRef idx="0">
+            <a:schemeClr val="accent1"/>
+          </a:fillRef>
+          <a:effectRef idx="0">
+            <a:schemeClr val="accent1"/>
+          </a:effectRef>
+          <a:fontRef idx="minor">
+            <a:schemeClr val="tx1"/>
+          </a:fontRef>
+        </p:style>
+      </p:cxnSp>
+      <p:cxnSp>
+        <p:nvCxnSpPr>
+          <p:cNvPr id="32" name="直接箭头连接符 31">
+            <a:extLst>
+              <a:ext uri="{FF2B5EF4-FFF2-40B4-BE49-F238E27FC236}">
+                <a16:creationId xmlns:a16="http://schemas.microsoft.com/office/drawing/2014/main" id="{20B7656C-BFCC-A445-509F-E5596352030E}"/>
+              </a:ext>
+            </a:extLst>
+          </p:cNvPr>
+          <p:cNvCxnSpPr>
+            <a:stCxn id="15" idx="3"/>
+            <a:endCxn id="25" idx="1"/>
+          </p:cNvCxnSpPr>
+          <p:nvPr/>
+        </p:nvCxnSpPr>
+        <p:spPr>
+          <a:xfrm>
+            <a:off x="4556768" y="5947838"/>
+            <a:ext cx="1601762" cy="398906"/>
+          </a:xfrm>
+          <a:prstGeom prst="straightConnector1">
+            <a:avLst/>
+          </a:prstGeom>
+          <a:ln>
+            <a:tailEnd type="triangle"/>
+          </a:ln>
+        </p:spPr>
+        <p:style>
+          <a:lnRef idx="1">
+            <a:schemeClr val="accent1"/>
+          </a:lnRef>
+          <a:fillRef idx="0">
+            <a:schemeClr val="accent1"/>
+          </a:fillRef>
+          <a:effectRef idx="0">
+            <a:schemeClr val="accent1"/>
+          </a:effectRef>
+          <a:fontRef idx="minor">
+            <a:schemeClr val="tx1"/>
+          </a:fontRef>
+        </p:style>
+      </p:cxnSp>
+      <p:cxnSp>
+        <p:nvCxnSpPr>
+          <p:cNvPr id="34" name="直接箭头连接符 33">
+            <a:extLst>
+              <a:ext uri="{FF2B5EF4-FFF2-40B4-BE49-F238E27FC236}">
+                <a16:creationId xmlns:a16="http://schemas.microsoft.com/office/drawing/2014/main" id="{56A1FC35-FA62-A465-E738-67299CFC299D}"/>
+              </a:ext>
+            </a:extLst>
+          </p:cNvPr>
+          <p:cNvCxnSpPr>
+            <a:stCxn id="17" idx="3"/>
+            <a:endCxn id="25" idx="1"/>
+          </p:cNvCxnSpPr>
+          <p:nvPr/>
+        </p:nvCxnSpPr>
+        <p:spPr>
+          <a:xfrm>
+            <a:off x="4535329" y="6317170"/>
+            <a:ext cx="1623201" cy="29574"/>
+          </a:xfrm>
+          <a:prstGeom prst="straightConnector1">
+            <a:avLst/>
+          </a:prstGeom>
+          <a:ln>
+            <a:tailEnd type="triangle"/>
+          </a:ln>
+        </p:spPr>
+        <p:style>
+          <a:lnRef idx="1">
+            <a:schemeClr val="accent1"/>
+          </a:lnRef>
+          <a:fillRef idx="0">
+            <a:schemeClr val="accent1"/>
+          </a:fillRef>
+          <a:effectRef idx="0">
+            <a:schemeClr val="accent1"/>
+          </a:effectRef>
+          <a:fontRef idx="minor">
+            <a:schemeClr val="tx1"/>
+          </a:fontRef>
+        </p:style>
+      </p:cxnSp>
+      <p:cxnSp>
+        <p:nvCxnSpPr>
+          <p:cNvPr id="36" name="直接箭头连接符 35">
+            <a:extLst>
+              <a:ext uri="{FF2B5EF4-FFF2-40B4-BE49-F238E27FC236}">
+                <a16:creationId xmlns:a16="http://schemas.microsoft.com/office/drawing/2014/main" id="{605FA914-2A28-CD80-3D77-5B309BBB6F0F}"/>
+              </a:ext>
+            </a:extLst>
+          </p:cNvPr>
+          <p:cNvCxnSpPr>
+            <a:cxnSpLocks/>
+            <a:stCxn id="16" idx="3"/>
+          </p:cNvCxnSpPr>
+          <p:nvPr/>
+        </p:nvCxnSpPr>
+        <p:spPr>
+          <a:xfrm flipV="1">
+            <a:off x="4556768" y="5544738"/>
+            <a:ext cx="1573762" cy="46166"/>
+          </a:xfrm>
+          <a:prstGeom prst="straightConnector1">
+            <a:avLst/>
+          </a:prstGeom>
+          <a:ln w="9525" cap="flat" cmpd="sng" algn="ctr">
+            <a:solidFill>
+              <a:srgbClr val="C00000"/>
+            </a:solidFill>
+            <a:prstDash val="solid"/>
+            <a:round/>
+            <a:headEnd type="none" w="med" len="med"/>
+            <a:tailEnd type="arrow" w="med" len="med"/>
+          </a:ln>
+        </p:spPr>
+        <p:style>
+          <a:lnRef idx="0">
+            <a:scrgbClr r="0" g="0" b="0"/>
+          </a:lnRef>
+          <a:fillRef idx="0">
+            <a:scrgbClr r="0" g="0" b="0"/>
+          </a:fillRef>
+          <a:effectRef idx="0">
+            <a:scrgbClr r="0" g="0" b="0"/>
+          </a:effectRef>
+          <a:fontRef idx="minor">
+            <a:schemeClr val="tx1"/>
+          </a:fontRef>
+        </p:style>
+      </p:cxnSp>
+      <p:cxnSp>
+        <p:nvCxnSpPr>
+          <p:cNvPr id="38" name="直接箭头连接符 37">
+            <a:extLst>
+              <a:ext uri="{FF2B5EF4-FFF2-40B4-BE49-F238E27FC236}">
+                <a16:creationId xmlns:a16="http://schemas.microsoft.com/office/drawing/2014/main" id="{0E66CAAF-3B72-398E-AEBF-ACCCB79F96B5}"/>
+              </a:ext>
+            </a:extLst>
+          </p:cNvPr>
+          <p:cNvCxnSpPr>
+            <a:cxnSpLocks/>
+            <a:stCxn id="15" idx="3"/>
+          </p:cNvCxnSpPr>
+          <p:nvPr/>
+        </p:nvCxnSpPr>
+        <p:spPr>
+          <a:xfrm flipV="1">
+            <a:off x="4556768" y="5544738"/>
+            <a:ext cx="1573762" cy="403100"/>
+          </a:xfrm>
+          <a:prstGeom prst="straightConnector1">
+            <a:avLst/>
+          </a:prstGeom>
+          <a:ln w="9525" cap="flat" cmpd="sng" algn="ctr">
+            <a:solidFill>
+              <a:srgbClr val="C00000"/>
+            </a:solidFill>
+            <a:prstDash val="solid"/>
+            <a:round/>
+            <a:headEnd type="none" w="med" len="med"/>
+            <a:tailEnd type="arrow" w="med" len="med"/>
+          </a:ln>
+        </p:spPr>
+        <p:style>
+          <a:lnRef idx="0">
+            <a:scrgbClr r="0" g="0" b="0"/>
+          </a:lnRef>
+          <a:fillRef idx="0">
+            <a:scrgbClr r="0" g="0" b="0"/>
+          </a:fillRef>
+          <a:effectRef idx="0">
+            <a:scrgbClr r="0" g="0" b="0"/>
+          </a:effectRef>
+          <a:fontRef idx="minor">
+            <a:schemeClr val="tx1"/>
+          </a:fontRef>
+        </p:style>
+      </p:cxnSp>
+      <p:cxnSp>
+        <p:nvCxnSpPr>
+          <p:cNvPr id="40" name="直接箭头连接符 39">
+            <a:extLst>
+              <a:ext uri="{FF2B5EF4-FFF2-40B4-BE49-F238E27FC236}">
+                <a16:creationId xmlns:a16="http://schemas.microsoft.com/office/drawing/2014/main" id="{E1BE41D3-CE78-2060-88B4-166AFCB3F243}"/>
+              </a:ext>
+            </a:extLst>
+          </p:cNvPr>
+          <p:cNvCxnSpPr>
+            <a:cxnSpLocks/>
+            <a:stCxn id="17" idx="3"/>
+          </p:cNvCxnSpPr>
+          <p:nvPr/>
+        </p:nvCxnSpPr>
+        <p:spPr>
+          <a:xfrm flipV="1">
+            <a:off x="4535329" y="5544738"/>
+            <a:ext cx="1595201" cy="772432"/>
+          </a:xfrm>
+          <a:prstGeom prst="straightConnector1">
+            <a:avLst/>
+          </a:prstGeom>
+          <a:ln w="9525" cap="flat" cmpd="sng" algn="ctr">
+            <a:solidFill>
+              <a:srgbClr val="C00000"/>
+            </a:solidFill>
+            <a:prstDash val="solid"/>
+            <a:round/>
+            <a:headEnd type="none" w="med" len="med"/>
+            <a:tailEnd type="arrow" w="med" len="med"/>
+          </a:ln>
+        </p:spPr>
+        <p:style>
+          <a:lnRef idx="0">
+            <a:scrgbClr r="0" g="0" b="0"/>
+          </a:lnRef>
+          <a:fillRef idx="0">
+            <a:scrgbClr r="0" g="0" b="0"/>
+          </a:fillRef>
+          <a:effectRef idx="0">
+            <a:scrgbClr r="0" g="0" b="0"/>
+          </a:effectRef>
+          <a:fontRef idx="minor">
+            <a:schemeClr val="tx1"/>
+          </a:fontRef>
+        </p:style>
+      </p:cxnSp>
+      <p:sp>
+        <p:nvSpPr>
+          <p:cNvPr id="41" name="文本框 40">
+            <a:extLst>
+              <a:ext uri="{FF2B5EF4-FFF2-40B4-BE49-F238E27FC236}">
+                <a16:creationId xmlns:a16="http://schemas.microsoft.com/office/drawing/2014/main" id="{2AACBB2B-410B-98CD-2F44-87B0DE6C291F}"/>
+              </a:ext>
+            </a:extLst>
+          </p:cNvPr>
+          <p:cNvSpPr txBox="1"/>
+          <p:nvPr/>
+        </p:nvSpPr>
+        <p:spPr>
+          <a:xfrm>
+            <a:off x="1243532" y="3960739"/>
+            <a:ext cx="1107996" cy="369332"/>
+          </a:xfrm>
+          <a:prstGeom prst="rect">
+            <a:avLst/>
+          </a:prstGeom>
+          <a:solidFill>
+            <a:schemeClr val="accent5">
+              <a:lumMod val="20000"/>
+              <a:lumOff val="80000"/>
+            </a:schemeClr>
+          </a:solidFill>
+        </p:spPr>
+        <p:txBody>
+          <a:bodyPr wrap="none" rtlCol="0">
+            <a:spAutoFit/>
+          </a:bodyPr>
+          <a:lstStyle/>
+          <a:p>
+            <a:r>
+              <a:rPr lang="zh-CN" altLang="en-US" dirty="0"/>
+              <a:t>普通纹理</a:t>
+            </a:r>
+          </a:p>
+        </p:txBody>
+      </p:sp>
+      <p:sp>
+        <p:nvSpPr>
+          <p:cNvPr id="42" name="文本框 41">
+            <a:extLst>
+              <a:ext uri="{FF2B5EF4-FFF2-40B4-BE49-F238E27FC236}">
+                <a16:creationId xmlns:a16="http://schemas.microsoft.com/office/drawing/2014/main" id="{A5D21C71-263C-4E27-FDA2-8758BC87C6FC}"/>
+              </a:ext>
+            </a:extLst>
+          </p:cNvPr>
+          <p:cNvSpPr txBox="1"/>
+          <p:nvPr/>
+        </p:nvSpPr>
+        <p:spPr>
+          <a:xfrm>
+            <a:off x="6119810" y="3961401"/>
+            <a:ext cx="1107996" cy="369332"/>
+          </a:xfrm>
+          <a:prstGeom prst="rect">
+            <a:avLst/>
+          </a:prstGeom>
+          <a:solidFill>
+            <a:schemeClr val="accent5">
+              <a:lumMod val="20000"/>
+              <a:lumOff val="80000"/>
+            </a:schemeClr>
+          </a:solidFill>
+        </p:spPr>
+        <p:txBody>
+          <a:bodyPr wrap="none" rtlCol="0">
+            <a:spAutoFit/>
+          </a:bodyPr>
+          <a:lstStyle/>
+          <a:p>
+            <a:r>
+              <a:rPr lang="zh-CN" altLang="en-US" dirty="0"/>
+              <a:t>纹理附件</a:t>
+            </a:r>
+          </a:p>
+        </p:txBody>
+      </p:sp>
+      <p:cxnSp>
+        <p:nvCxnSpPr>
+          <p:cNvPr id="44" name="直接连接符 43">
+            <a:extLst>
+              <a:ext uri="{FF2B5EF4-FFF2-40B4-BE49-F238E27FC236}">
+                <a16:creationId xmlns:a16="http://schemas.microsoft.com/office/drawing/2014/main" id="{567C298F-7BBD-CD31-E54A-5D2DFFA97028}"/>
+              </a:ext>
+            </a:extLst>
+          </p:cNvPr>
+          <p:cNvCxnSpPr>
+            <a:cxnSpLocks/>
+          </p:cNvCxnSpPr>
+          <p:nvPr/>
+        </p:nvCxnSpPr>
+        <p:spPr>
+          <a:xfrm>
+            <a:off x="502024" y="3711388"/>
+            <a:ext cx="11187952" cy="0"/>
+          </a:xfrm>
+          <a:prstGeom prst="line">
+            <a:avLst/>
+          </a:prstGeom>
+        </p:spPr>
+        <p:style>
+          <a:lnRef idx="1">
+            <a:schemeClr val="accent1"/>
+          </a:lnRef>
+          <a:fillRef idx="0">
+            <a:schemeClr val="accent1"/>
+          </a:fillRef>
+          <a:effectRef idx="0">
+            <a:schemeClr val="accent1"/>
+          </a:effectRef>
+          <a:fontRef idx="minor">
+            <a:schemeClr val="tx1"/>
+          </a:fontRef>
+        </p:style>
+      </p:cxnSp>
+      <p:sp>
+        <p:nvSpPr>
+          <p:cNvPr id="46" name="文本框 45">
+            <a:extLst>
+              <a:ext uri="{FF2B5EF4-FFF2-40B4-BE49-F238E27FC236}">
+                <a16:creationId xmlns:a16="http://schemas.microsoft.com/office/drawing/2014/main" id="{AE51E562-8951-063C-A382-3A5204CB8992}"/>
+              </a:ext>
+            </a:extLst>
+          </p:cNvPr>
+          <p:cNvSpPr txBox="1"/>
+          <p:nvPr/>
+        </p:nvSpPr>
+        <p:spPr>
+          <a:xfrm>
+            <a:off x="182880" y="3960739"/>
+            <a:ext cx="641522" cy="369332"/>
+          </a:xfrm>
+          <a:prstGeom prst="rect">
+            <a:avLst/>
+          </a:prstGeom>
+          <a:noFill/>
+        </p:spPr>
+        <p:txBody>
+          <a:bodyPr wrap="none" rtlCol="0">
+            <a:spAutoFit/>
+          </a:bodyPr>
+          <a:lstStyle/>
+          <a:p>
+            <a:r>
+              <a:rPr lang="en-US" altLang="zh-CN" b="1" dirty="0"/>
+              <a:t>GPU</a:t>
+            </a:r>
+            <a:endParaRPr lang="zh-CN" altLang="en-US" b="1" dirty="0"/>
+          </a:p>
+        </p:txBody>
+      </p:sp>
+      <p:sp>
+        <p:nvSpPr>
+          <p:cNvPr id="47" name="文本框 46">
+            <a:extLst>
+              <a:ext uri="{FF2B5EF4-FFF2-40B4-BE49-F238E27FC236}">
+                <a16:creationId xmlns:a16="http://schemas.microsoft.com/office/drawing/2014/main" id="{B10544A9-10D1-F8B4-54CB-C1FDD398B3C0}"/>
+              </a:ext>
+            </a:extLst>
+          </p:cNvPr>
+          <p:cNvSpPr txBox="1"/>
+          <p:nvPr/>
+        </p:nvSpPr>
+        <p:spPr>
+          <a:xfrm>
+            <a:off x="182880" y="3071990"/>
+            <a:ext cx="623889" cy="369332"/>
+          </a:xfrm>
+          <a:prstGeom prst="rect">
+            <a:avLst/>
+          </a:prstGeom>
+          <a:noFill/>
+        </p:spPr>
+        <p:txBody>
+          <a:bodyPr wrap="none" rtlCol="0">
+            <a:spAutoFit/>
+          </a:bodyPr>
+          <a:lstStyle/>
+          <a:p>
+            <a:r>
+              <a:rPr lang="en-US" altLang="zh-CN" b="1" dirty="0"/>
+              <a:t>CPU</a:t>
+            </a:r>
+            <a:endParaRPr lang="zh-CN" altLang="en-US" b="1" dirty="0"/>
+          </a:p>
+        </p:txBody>
+      </p:sp>
+      <p:sp>
+        <p:nvSpPr>
+          <p:cNvPr id="48" name="文本框 47">
+            <a:extLst>
+              <a:ext uri="{FF2B5EF4-FFF2-40B4-BE49-F238E27FC236}">
+                <a16:creationId xmlns:a16="http://schemas.microsoft.com/office/drawing/2014/main" id="{E21DE185-CCC3-974F-A448-79805CE609CC}"/>
+              </a:ext>
+            </a:extLst>
+          </p:cNvPr>
+          <p:cNvSpPr txBox="1"/>
+          <p:nvPr/>
+        </p:nvSpPr>
+        <p:spPr>
+          <a:xfrm>
+            <a:off x="882871" y="3080065"/>
+            <a:ext cx="7287572" cy="369332"/>
+          </a:xfrm>
+          <a:prstGeom prst="rect">
+            <a:avLst/>
+          </a:prstGeom>
+          <a:noFill/>
+        </p:spPr>
+        <p:txBody>
+          <a:bodyPr wrap="none" rtlCol="0">
+            <a:spAutoFit/>
+          </a:bodyPr>
+          <a:lstStyle/>
+          <a:p>
+            <a:r>
+              <a:rPr lang="zh-CN" altLang="en-US" b="1" dirty="0">
+                <a:solidFill>
+                  <a:schemeClr val="accent1"/>
+                </a:solidFill>
+              </a:rPr>
+              <a:t>使用相同的方式创建纹理内存，名称叫法不同，纹理数据的来源不同</a:t>
+            </a:r>
+          </a:p>
+        </p:txBody>
+      </p:sp>
+      <p:cxnSp>
+        <p:nvCxnSpPr>
+          <p:cNvPr id="50" name="直接箭头连接符 49">
+            <a:extLst>
+              <a:ext uri="{FF2B5EF4-FFF2-40B4-BE49-F238E27FC236}">
+                <a16:creationId xmlns:a16="http://schemas.microsoft.com/office/drawing/2014/main" id="{A316C2CC-BDF0-4438-17E2-E480B0ABDAEF}"/>
+              </a:ext>
+            </a:extLst>
+          </p:cNvPr>
+          <p:cNvCxnSpPr>
+            <a:stCxn id="48" idx="2"/>
+            <a:endCxn id="41" idx="0"/>
+          </p:cNvCxnSpPr>
+          <p:nvPr/>
+        </p:nvCxnSpPr>
+        <p:spPr>
+          <a:xfrm flipH="1">
+            <a:off x="1797530" y="3449397"/>
+            <a:ext cx="2729127" cy="511342"/>
+          </a:xfrm>
+          <a:prstGeom prst="straightConnector1">
+            <a:avLst/>
+          </a:prstGeom>
+          <a:ln>
+            <a:tailEnd type="triangle"/>
+          </a:ln>
+        </p:spPr>
+        <p:style>
+          <a:lnRef idx="1">
+            <a:schemeClr val="accent1"/>
+          </a:lnRef>
+          <a:fillRef idx="0">
+            <a:schemeClr val="accent1"/>
+          </a:fillRef>
+          <a:effectRef idx="0">
+            <a:schemeClr val="accent1"/>
+          </a:effectRef>
+          <a:fontRef idx="minor">
+            <a:schemeClr val="tx1"/>
+          </a:fontRef>
+        </p:style>
+      </p:cxnSp>
+      <p:cxnSp>
+        <p:nvCxnSpPr>
+          <p:cNvPr id="52" name="直接箭头连接符 51">
+            <a:extLst>
+              <a:ext uri="{FF2B5EF4-FFF2-40B4-BE49-F238E27FC236}">
+                <a16:creationId xmlns:a16="http://schemas.microsoft.com/office/drawing/2014/main" id="{B6E569D1-1103-C67B-1F16-022E960CCC04}"/>
+              </a:ext>
+            </a:extLst>
+          </p:cNvPr>
+          <p:cNvCxnSpPr>
+            <a:stCxn id="48" idx="2"/>
+            <a:endCxn id="42" idx="0"/>
+          </p:cNvCxnSpPr>
+          <p:nvPr/>
+        </p:nvCxnSpPr>
+        <p:spPr>
+          <a:xfrm>
+            <a:off x="4526657" y="3449397"/>
+            <a:ext cx="2147151" cy="512004"/>
+          </a:xfrm>
+          <a:prstGeom prst="straightConnector1">
+            <a:avLst/>
+          </a:prstGeom>
+          <a:ln>
+            <a:tailEnd type="triangle"/>
+          </a:ln>
+        </p:spPr>
+        <p:style>
+          <a:lnRef idx="1">
+            <a:schemeClr val="accent1"/>
+          </a:lnRef>
+          <a:fillRef idx="0">
+            <a:schemeClr val="accent1"/>
+          </a:fillRef>
+          <a:effectRef idx="0">
+            <a:schemeClr val="accent1"/>
+          </a:effectRef>
+          <a:fontRef idx="minor">
+            <a:schemeClr val="tx1"/>
+          </a:fontRef>
+        </p:style>
+      </p:cxnSp>
+      <p:cxnSp>
+        <p:nvCxnSpPr>
+          <p:cNvPr id="56" name="直接箭头连接符 55">
+            <a:extLst>
+              <a:ext uri="{FF2B5EF4-FFF2-40B4-BE49-F238E27FC236}">
+                <a16:creationId xmlns:a16="http://schemas.microsoft.com/office/drawing/2014/main" id="{0CAED3C2-273B-1C42-F582-FB352362689D}"/>
+              </a:ext>
+            </a:extLst>
+          </p:cNvPr>
+          <p:cNvCxnSpPr>
+            <a:stCxn id="41" idx="2"/>
+            <a:endCxn id="14" idx="0"/>
+          </p:cNvCxnSpPr>
+          <p:nvPr/>
+        </p:nvCxnSpPr>
+        <p:spPr>
+          <a:xfrm>
+            <a:off x="1797530" y="4330071"/>
+            <a:ext cx="0" cy="1342802"/>
+          </a:xfrm>
+          <a:prstGeom prst="straightConnector1">
+            <a:avLst/>
+          </a:prstGeom>
+          <a:ln>
+            <a:tailEnd type="triangle"/>
+          </a:ln>
+        </p:spPr>
+        <p:style>
+          <a:lnRef idx="1">
+            <a:schemeClr val="accent1"/>
+          </a:lnRef>
+          <a:fillRef idx="0">
+            <a:schemeClr val="accent1"/>
+          </a:fillRef>
+          <a:effectRef idx="0">
+            <a:schemeClr val="accent1"/>
+          </a:effectRef>
+          <a:fontRef idx="minor">
+            <a:schemeClr val="tx1"/>
+          </a:fontRef>
+        </p:style>
+      </p:cxnSp>
+      <p:cxnSp>
+        <p:nvCxnSpPr>
+          <p:cNvPr id="65" name="直接箭头连接符 64">
+            <a:extLst>
+              <a:ext uri="{FF2B5EF4-FFF2-40B4-BE49-F238E27FC236}">
+                <a16:creationId xmlns:a16="http://schemas.microsoft.com/office/drawing/2014/main" id="{2DCA58DE-BC32-ED4D-546B-A7B54E1217DD}"/>
+              </a:ext>
+            </a:extLst>
+          </p:cNvPr>
+          <p:cNvCxnSpPr>
+            <a:stCxn id="42" idx="1"/>
+            <a:endCxn id="14" idx="0"/>
+          </p:cNvCxnSpPr>
+          <p:nvPr/>
+        </p:nvCxnSpPr>
+        <p:spPr>
+          <a:xfrm flipH="1">
+            <a:off x="1797530" y="4146067"/>
+            <a:ext cx="4322280" cy="1526806"/>
+          </a:xfrm>
+          <a:prstGeom prst="straightConnector1">
+            <a:avLst/>
+          </a:prstGeom>
+          <a:ln>
+            <a:solidFill>
+              <a:srgbClr val="C00000"/>
+            </a:solidFill>
+            <a:tailEnd type="triangle"/>
+          </a:ln>
+        </p:spPr>
+        <p:style>
+          <a:lnRef idx="1">
+            <a:schemeClr val="accent1"/>
+          </a:lnRef>
+          <a:fillRef idx="0">
+            <a:schemeClr val="accent1"/>
+          </a:fillRef>
+          <a:effectRef idx="0">
+            <a:schemeClr val="accent1"/>
+          </a:effectRef>
+          <a:fontRef idx="minor">
+            <a:schemeClr val="tx1"/>
+          </a:fontRef>
+        </p:style>
+      </p:cxnSp>
+      <p:cxnSp>
+        <p:nvCxnSpPr>
+          <p:cNvPr id="67" name="直接箭头连接符 66">
+            <a:extLst>
+              <a:ext uri="{FF2B5EF4-FFF2-40B4-BE49-F238E27FC236}">
+                <a16:creationId xmlns:a16="http://schemas.microsoft.com/office/drawing/2014/main" id="{3D8FDF65-1A45-822B-6814-8CF471DE301B}"/>
+              </a:ext>
+            </a:extLst>
+          </p:cNvPr>
+          <p:cNvCxnSpPr>
+            <a:cxnSpLocks/>
+            <a:stCxn id="24" idx="0"/>
+            <a:endCxn id="42" idx="2"/>
+          </p:cNvCxnSpPr>
+          <p:nvPr/>
+        </p:nvCxnSpPr>
+        <p:spPr>
+          <a:xfrm flipH="1" flipV="1">
+            <a:off x="6673808" y="4330733"/>
+            <a:ext cx="10720" cy="968987"/>
+          </a:xfrm>
+          <a:prstGeom prst="straightConnector1">
+            <a:avLst/>
+          </a:prstGeom>
+          <a:ln>
+            <a:solidFill>
+              <a:srgbClr val="C00000"/>
+            </a:solidFill>
+            <a:tailEnd type="triangle"/>
+          </a:ln>
+        </p:spPr>
+        <p:style>
+          <a:lnRef idx="1">
+            <a:schemeClr val="accent1"/>
+          </a:lnRef>
+          <a:fillRef idx="0">
+            <a:schemeClr val="accent1"/>
+          </a:fillRef>
+          <a:effectRef idx="0">
+            <a:schemeClr val="accent1"/>
+          </a:effectRef>
+          <a:fontRef idx="minor">
+            <a:schemeClr val="tx1"/>
+          </a:fontRef>
+        </p:style>
+      </p:cxnSp>
+      <p:sp>
+        <p:nvSpPr>
+          <p:cNvPr id="68" name="文本框 67">
+            <a:extLst>
+              <a:ext uri="{FF2B5EF4-FFF2-40B4-BE49-F238E27FC236}">
+                <a16:creationId xmlns:a16="http://schemas.microsoft.com/office/drawing/2014/main" id="{F5D0B522-5997-DE1E-C6F2-84BE7971CF0B}"/>
+              </a:ext>
+            </a:extLst>
+          </p:cNvPr>
+          <p:cNvSpPr txBox="1"/>
+          <p:nvPr/>
+        </p:nvSpPr>
+        <p:spPr>
+          <a:xfrm>
+            <a:off x="6688882" y="4479806"/>
+            <a:ext cx="1489304" cy="600164"/>
+          </a:xfrm>
+          <a:prstGeom prst="rect">
+            <a:avLst/>
+          </a:prstGeom>
+          <a:noFill/>
+        </p:spPr>
+        <p:txBody>
+          <a:bodyPr wrap="square" rtlCol="0">
+            <a:spAutoFit/>
+          </a:bodyPr>
+          <a:lstStyle/>
+          <a:p>
+            <a:r>
+              <a:rPr lang="zh-CN" altLang="en-US" sz="1100" b="1" dirty="0">
+                <a:solidFill>
+                  <a:srgbClr val="C00000"/>
+                </a:solidFill>
+              </a:rPr>
+              <a:t>纹理附件的数据可以来源于深度、颜色、模板数据流</a:t>
+            </a:r>
+          </a:p>
+        </p:txBody>
+      </p:sp>
+      <p:sp>
+        <p:nvSpPr>
+          <p:cNvPr id="69" name="文本框 68">
+            <a:extLst>
+              <a:ext uri="{FF2B5EF4-FFF2-40B4-BE49-F238E27FC236}">
+                <a16:creationId xmlns:a16="http://schemas.microsoft.com/office/drawing/2014/main" id="{87120AEF-A846-49A7-B436-B4920E8FF7B0}"/>
+              </a:ext>
+            </a:extLst>
+          </p:cNvPr>
+          <p:cNvSpPr txBox="1"/>
+          <p:nvPr/>
+        </p:nvSpPr>
+        <p:spPr>
+          <a:xfrm>
+            <a:off x="3657323" y="4001129"/>
+            <a:ext cx="1107996" cy="938719"/>
+          </a:xfrm>
+          <a:prstGeom prst="rect">
+            <a:avLst/>
+          </a:prstGeom>
+          <a:noFill/>
+        </p:spPr>
+        <p:txBody>
+          <a:bodyPr wrap="square" rtlCol="0">
+            <a:spAutoFit/>
+          </a:bodyPr>
+          <a:lstStyle/>
+          <a:p>
+            <a:r>
+              <a:rPr lang="zh-CN" altLang="en-US" sz="1100" b="1" dirty="0">
+                <a:solidFill>
+                  <a:srgbClr val="C00000"/>
+                </a:solidFill>
+              </a:rPr>
+              <a:t>反馈给片段着色器，进行模糊、反相、边缘检测等后期处理</a:t>
+            </a:r>
+          </a:p>
+        </p:txBody>
+      </p:sp>
+      <p:sp>
+        <p:nvSpPr>
+          <p:cNvPr id="90" name="文本框 89">
+            <a:extLst>
+              <a:ext uri="{FF2B5EF4-FFF2-40B4-BE49-F238E27FC236}">
+                <a16:creationId xmlns:a16="http://schemas.microsoft.com/office/drawing/2014/main" id="{AEAC161D-6F83-13D6-DCE0-E0EC2DB4B7B2}"/>
+              </a:ext>
+            </a:extLst>
+          </p:cNvPr>
+          <p:cNvSpPr txBox="1"/>
+          <p:nvPr/>
+        </p:nvSpPr>
+        <p:spPr>
+          <a:xfrm>
+            <a:off x="9301740" y="4538855"/>
+            <a:ext cx="2388236" cy="646331"/>
+          </a:xfrm>
+          <a:prstGeom prst="rect">
+            <a:avLst/>
+          </a:prstGeom>
+          <a:noFill/>
+        </p:spPr>
+        <p:txBody>
+          <a:bodyPr wrap="square" rtlCol="0">
+            <a:spAutoFit/>
+          </a:bodyPr>
+          <a:lstStyle/>
+          <a:p>
+            <a:r>
+              <a:rPr lang="zh-CN" altLang="en-US" b="1" dirty="0">
+                <a:solidFill>
+                  <a:srgbClr val="C00000"/>
+                </a:solidFill>
+              </a:rPr>
+              <a:t>问题：开启离屏渲染，会不会降低帧率？</a:t>
+            </a:r>
+          </a:p>
+        </p:txBody>
+      </p:sp>
+      <p:sp>
+        <p:nvSpPr>
+          <p:cNvPr id="113" name="文本框 112">
+            <a:extLst>
+              <a:ext uri="{FF2B5EF4-FFF2-40B4-BE49-F238E27FC236}">
+                <a16:creationId xmlns:a16="http://schemas.microsoft.com/office/drawing/2014/main" id="{2595CFD9-6264-FE2B-1ECA-C2F818230410}"/>
+              </a:ext>
+            </a:extLst>
+          </p:cNvPr>
+          <p:cNvSpPr txBox="1"/>
+          <p:nvPr/>
+        </p:nvSpPr>
+        <p:spPr>
+          <a:xfrm>
+            <a:off x="7677159" y="1537423"/>
+            <a:ext cx="3456384" cy="1277273"/>
+          </a:xfrm>
+          <a:prstGeom prst="rect">
+            <a:avLst/>
+          </a:prstGeom>
+          <a:noFill/>
+        </p:spPr>
+        <p:txBody>
+          <a:bodyPr wrap="square">
+            <a:spAutoFit/>
+          </a:bodyPr>
+          <a:lstStyle/>
+          <a:p>
+            <a:r>
+              <a:rPr lang="zh-CN" altLang="en-US" sz="1100" b="1" dirty="0">
+                <a:solidFill>
+                  <a:srgbClr val="C00000"/>
+                </a:solidFill>
+              </a:rPr>
+              <a:t>由于渲染缓冲对象通常都是只写的，它们会经常用于深度和模板附件</a:t>
+            </a:r>
+            <a:r>
+              <a:rPr lang="zh-CN" altLang="en-US" sz="1100" b="1" dirty="0"/>
+              <a:t>，因为大部分时间我们都不需要从深度和模板缓冲中读取值，只关心深度和模板测试。我们需要深度和模板值用于测试，但不需要对它们进行采样，所以渲染缓冲对象非常适合它们。当我们不需要从这些缓冲中采样的时候，通常都会选择渲染缓冲对象，因为它会更优化一点。</a:t>
+            </a:r>
+          </a:p>
+        </p:txBody>
+      </p:sp>
     </p:spTree>
     <p:extLst>
       <p:ext uri="{BB962C8B-B14F-4D97-AF65-F5344CB8AC3E}">
@@ -13632,7 +15292,7 @@
         <p:spPr>
           <a:xfrm>
             <a:off x="258184" y="247427"/>
-            <a:ext cx="646331" cy="369332"/>
+            <a:ext cx="4565673" cy="369332"/>
           </a:xfrm>
           <a:prstGeom prst="rect">
             <a:avLst/>
@@ -13646,22 +15306,46 @@
           <a:lstStyle/>
           <a:p>
             <a:r>
+              <a:rPr lang="en-US" altLang="zh-CN" b="1" dirty="0">
+                <a:solidFill>
+                  <a:srgbClr val="C00000"/>
+                </a:solidFill>
+              </a:rPr>
+              <a:t>Lessoin_11</a:t>
+            </a:r>
+            <a:r>
               <a:rPr lang="zh-CN" altLang="en-US" b="1" dirty="0">
                 <a:solidFill>
                   <a:srgbClr val="C00000"/>
                 </a:solidFill>
               </a:rPr>
-              <a:t>杂项</a:t>
-            </a:r>
-          </a:p>
-        </p:txBody>
-      </p:sp>
-      <p:sp>
-        <p:nvSpPr>
-          <p:cNvPr id="5" name="文本框 4">
-            <a:extLst>
-              <a:ext uri="{FF2B5EF4-FFF2-40B4-BE49-F238E27FC236}">
-                <a16:creationId xmlns:a16="http://schemas.microsoft.com/office/drawing/2014/main" id="{9026D397-B17A-7EB8-2999-0E7808A35BEC}"/>
+              <a:t>：高级部分（</a:t>
+            </a:r>
+            <a:r>
+              <a:rPr lang="en-US" altLang="zh-CN" b="1" dirty="0">
+                <a:solidFill>
+                  <a:srgbClr val="C00000"/>
+                </a:solidFill>
+              </a:rPr>
+              <a:t>Advanced Part</a:t>
+            </a:r>
+            <a:r>
+              <a:rPr lang="zh-CN" altLang="en-US" b="1" dirty="0">
+                <a:solidFill>
+                  <a:srgbClr val="C00000"/>
+                </a:solidFill>
+              </a:rPr>
+              <a:t>）</a:t>
+            </a:r>
+          </a:p>
+        </p:txBody>
+      </p:sp>
+      <p:sp>
+        <p:nvSpPr>
+          <p:cNvPr id="2" name="文本框 1">
+            <a:extLst>
+              <a:ext uri="{FF2B5EF4-FFF2-40B4-BE49-F238E27FC236}">
+                <a16:creationId xmlns:a16="http://schemas.microsoft.com/office/drawing/2014/main" id="{0B3CC95E-E5A9-CC45-4947-A0606DE63C2F}"/>
               </a:ext>
             </a:extLst>
           </p:cNvPr>
@@ -13670,8 +15354,8 @@
         </p:nvSpPr>
         <p:spPr>
           <a:xfrm>
-            <a:off x="2781701" y="1707631"/>
-            <a:ext cx="2419150" cy="2231508"/>
+            <a:off x="688490" y="978945"/>
+            <a:ext cx="1338828" cy="369332"/>
           </a:xfrm>
           <a:prstGeom prst="rect">
             <a:avLst/>
@@ -13679,104 +15363,61 @@
           <a:noFill/>
         </p:spPr>
         <p:txBody>
-          <a:bodyPr wrap="square" rtlCol="0">
+          <a:bodyPr wrap="none" rtlCol="0">
             <a:spAutoFit/>
           </a:bodyPr>
           <a:lstStyle/>
           <a:p>
-            <a:pPr marL="285750" indent="-285750">
-              <a:lnSpc>
-                <a:spcPct val="200000"/>
-              </a:lnSpc>
-              <a:buFont typeface="Wingdings" panose="05000000000000000000" pitchFamily="2" charset="2"/>
-              <a:buChar char="n"/>
-            </a:pPr>
-            <a:r>
-              <a:rPr lang="zh-CN" altLang="en-US" b="1" dirty="0">
-                <a:solidFill>
-                  <a:srgbClr val="C00000"/>
-                </a:solidFill>
-              </a:rPr>
-              <a:t>顶点缓存</a:t>
-            </a:r>
-            <a:endParaRPr lang="en-US" altLang="zh-CN" b="1" dirty="0">
-              <a:solidFill>
-                <a:srgbClr val="C00000"/>
-              </a:solidFill>
-            </a:endParaRPr>
-          </a:p>
-          <a:p>
-            <a:pPr marL="285750" indent="-285750">
-              <a:lnSpc>
-                <a:spcPct val="200000"/>
-              </a:lnSpc>
-              <a:buFont typeface="Wingdings" panose="05000000000000000000" pitchFamily="2" charset="2"/>
-              <a:buChar char="n"/>
-            </a:pPr>
-            <a:r>
-              <a:rPr lang="zh-CN" altLang="en-US" b="1" dirty="0">
-                <a:solidFill>
-                  <a:srgbClr val="C00000"/>
-                </a:solidFill>
-              </a:rPr>
-              <a:t>颜色缓冲</a:t>
-            </a:r>
-            <a:endParaRPr lang="en-US" altLang="zh-CN" b="1" dirty="0">
-              <a:solidFill>
-                <a:srgbClr val="C00000"/>
-              </a:solidFill>
-            </a:endParaRPr>
-          </a:p>
-          <a:p>
-            <a:pPr marL="285750" indent="-285750">
-              <a:lnSpc>
-                <a:spcPct val="200000"/>
-              </a:lnSpc>
-              <a:buFont typeface="Wingdings" panose="05000000000000000000" pitchFamily="2" charset="2"/>
-              <a:buChar char="n"/>
-            </a:pPr>
-            <a:r>
-              <a:rPr lang="zh-CN" altLang="en-US" b="1" dirty="0">
-                <a:solidFill>
-                  <a:srgbClr val="C00000"/>
-                </a:solidFill>
-              </a:rPr>
-              <a:t>帧缓冲</a:t>
-            </a:r>
-            <a:endParaRPr lang="en-US" altLang="zh-CN" b="1" dirty="0">
-              <a:solidFill>
-                <a:srgbClr val="C00000"/>
-              </a:solidFill>
-            </a:endParaRPr>
-          </a:p>
-          <a:p>
-            <a:pPr marL="285750" indent="-285750">
-              <a:lnSpc>
-                <a:spcPct val="200000"/>
-              </a:lnSpc>
-              <a:buFont typeface="Wingdings" panose="05000000000000000000" pitchFamily="2" charset="2"/>
-              <a:buChar char="n"/>
-            </a:pPr>
-            <a:r>
-              <a:rPr lang="zh-CN" altLang="en-US" b="1" dirty="0">
-                <a:solidFill>
-                  <a:srgbClr val="C00000"/>
-                </a:solidFill>
-              </a:rPr>
-              <a:t>深度缓冲</a:t>
-            </a:r>
-            <a:endParaRPr lang="en-US" altLang="zh-CN" b="1" dirty="0">
-              <a:solidFill>
-                <a:srgbClr val="C00000"/>
-              </a:solidFill>
-            </a:endParaRPr>
+            <a:r>
+              <a:rPr lang="en-US" altLang="zh-CN" b="1" dirty="0"/>
+              <a:t>11-1   </a:t>
+            </a:r>
+            <a:r>
+              <a:rPr lang="zh-CN" altLang="en-US" b="1" dirty="0"/>
+              <a:t>混合</a:t>
+            </a:r>
+          </a:p>
+        </p:txBody>
+      </p:sp>
+      <p:sp>
+        <p:nvSpPr>
+          <p:cNvPr id="3" name="文本框 2">
+            <a:extLst>
+              <a:ext uri="{FF2B5EF4-FFF2-40B4-BE49-F238E27FC236}">
+                <a16:creationId xmlns:a16="http://schemas.microsoft.com/office/drawing/2014/main" id="{663CC62C-A76A-D1AD-D181-CA6CDC5022E8}"/>
+              </a:ext>
+            </a:extLst>
+          </p:cNvPr>
+          <p:cNvSpPr txBox="1"/>
+          <p:nvPr/>
+        </p:nvSpPr>
+        <p:spPr>
+          <a:xfrm>
+            <a:off x="1688951" y="2495774"/>
+            <a:ext cx="3185487" cy="369332"/>
+          </a:xfrm>
+          <a:prstGeom prst="rect">
+            <a:avLst/>
+          </a:prstGeom>
+          <a:noFill/>
+        </p:spPr>
+        <p:txBody>
+          <a:bodyPr wrap="none" rtlCol="0">
+            <a:spAutoFit/>
+          </a:bodyPr>
+          <a:lstStyle/>
+          <a:p>
+            <a:r>
+              <a:rPr lang="zh-CN" altLang="en-US" dirty="0"/>
+              <a:t>混合是有顺序要求的，待实验</a:t>
+            </a:r>
           </a:p>
         </p:txBody>
       </p:sp>
     </p:spTree>
     <p:extLst>
       <p:ext uri="{BB962C8B-B14F-4D97-AF65-F5344CB8AC3E}">
-        <p14:creationId xmlns:p14="http://schemas.microsoft.com/office/powerpoint/2010/main" val="655157198"/>
+        <p14:creationId xmlns:p14="http://schemas.microsoft.com/office/powerpoint/2010/main" val="2306460649"/>
       </p:ext>
     </p:extLst>
   </p:cSld>
@@ -13818,7 +15459,7 @@
         <p:spPr>
           <a:xfrm>
             <a:off x="258184" y="247427"/>
-            <a:ext cx="646331" cy="369332"/>
+            <a:ext cx="4565673" cy="369332"/>
           </a:xfrm>
           <a:prstGeom prst="rect">
             <a:avLst/>
@@ -13832,22 +15473,46 @@
           <a:lstStyle/>
           <a:p>
             <a:r>
+              <a:rPr lang="en-US" altLang="zh-CN" b="1" dirty="0">
+                <a:solidFill>
+                  <a:srgbClr val="C00000"/>
+                </a:solidFill>
+              </a:rPr>
+              <a:t>Lessoin_11</a:t>
+            </a:r>
+            <a:r>
               <a:rPr lang="zh-CN" altLang="en-US" b="1" dirty="0">
                 <a:solidFill>
                   <a:srgbClr val="C00000"/>
                 </a:solidFill>
               </a:rPr>
-              <a:t>思考</a:t>
-            </a:r>
-          </a:p>
-        </p:txBody>
-      </p:sp>
-      <p:sp>
-        <p:nvSpPr>
-          <p:cNvPr id="6" name="文本框 5">
-            <a:extLst>
-              <a:ext uri="{FF2B5EF4-FFF2-40B4-BE49-F238E27FC236}">
-                <a16:creationId xmlns:a16="http://schemas.microsoft.com/office/drawing/2014/main" id="{316AF591-9A55-A416-1367-F98A378F7E04}"/>
+              <a:t>：高级部分（</a:t>
+            </a:r>
+            <a:r>
+              <a:rPr lang="en-US" altLang="zh-CN" b="1" dirty="0">
+                <a:solidFill>
+                  <a:srgbClr val="C00000"/>
+                </a:solidFill>
+              </a:rPr>
+              <a:t>Advanced Part</a:t>
+            </a:r>
+            <a:r>
+              <a:rPr lang="zh-CN" altLang="en-US" b="1" dirty="0">
+                <a:solidFill>
+                  <a:srgbClr val="C00000"/>
+                </a:solidFill>
+              </a:rPr>
+              <a:t>）</a:t>
+            </a:r>
+          </a:p>
+        </p:txBody>
+      </p:sp>
+      <p:sp>
+        <p:nvSpPr>
+          <p:cNvPr id="2" name="文本框 1">
+            <a:extLst>
+              <a:ext uri="{FF2B5EF4-FFF2-40B4-BE49-F238E27FC236}">
+                <a16:creationId xmlns:a16="http://schemas.microsoft.com/office/drawing/2014/main" id="{0B3CC95E-E5A9-CC45-4947-A0606DE63C2F}"/>
               </a:ext>
             </a:extLst>
           </p:cNvPr>
@@ -13856,165 +15521,8 @@
         </p:nvSpPr>
         <p:spPr>
           <a:xfrm>
-            <a:off x="1362075" y="2009246"/>
-            <a:ext cx="6096000" cy="465640"/>
-          </a:xfrm>
-          <a:prstGeom prst="rect">
-            <a:avLst/>
-          </a:prstGeom>
-          <a:noFill/>
-        </p:spPr>
-        <p:txBody>
-          <a:bodyPr wrap="square">
-            <a:spAutoFit/>
-          </a:bodyPr>
-          <a:lstStyle/>
-          <a:p>
-            <a:pPr>
-              <a:lnSpc>
-                <a:spcPct val="150000"/>
-              </a:lnSpc>
-            </a:pPr>
-            <a:r>
-              <a:rPr lang="zh-CN" altLang="en-US" b="1" dirty="0">
-                <a:solidFill>
-                  <a:srgbClr val="C00000"/>
-                </a:solidFill>
-              </a:rPr>
-              <a:t>不同的</a:t>
-            </a:r>
-            <a:r>
-              <a:rPr lang="en-US" altLang="zh-CN" b="1" dirty="0">
-                <a:solidFill>
-                  <a:srgbClr val="C00000"/>
-                </a:solidFill>
-              </a:rPr>
-              <a:t>VAO</a:t>
-            </a:r>
-            <a:r>
-              <a:rPr lang="zh-CN" altLang="en-US" b="1" dirty="0">
-                <a:solidFill>
-                  <a:srgbClr val="C00000"/>
-                </a:solidFill>
-              </a:rPr>
-              <a:t>可以使用同一个</a:t>
-            </a:r>
-            <a:r>
-              <a:rPr lang="en-US" altLang="zh-CN" b="1" dirty="0">
-                <a:solidFill>
-                  <a:srgbClr val="C00000"/>
-                </a:solidFill>
-              </a:rPr>
-              <a:t>VBO</a:t>
-            </a:r>
-            <a:r>
-              <a:rPr lang="zh-CN" altLang="en-US" b="1" dirty="0">
-                <a:solidFill>
-                  <a:srgbClr val="C00000"/>
-                </a:solidFill>
-              </a:rPr>
-              <a:t>吗</a:t>
-            </a:r>
-          </a:p>
-        </p:txBody>
-      </p:sp>
-      <p:sp>
-        <p:nvSpPr>
-          <p:cNvPr id="8" name="文本框 7">
-            <a:extLst>
-              <a:ext uri="{FF2B5EF4-FFF2-40B4-BE49-F238E27FC236}">
-                <a16:creationId xmlns:a16="http://schemas.microsoft.com/office/drawing/2014/main" id="{8406D78B-2558-0CAC-5CD6-7C925E8C8D58}"/>
-              </a:ext>
-            </a:extLst>
-          </p:cNvPr>
-          <p:cNvSpPr txBox="1"/>
-          <p:nvPr/>
-        </p:nvSpPr>
-        <p:spPr>
-          <a:xfrm>
-            <a:off x="1362075" y="1357855"/>
-            <a:ext cx="6096000" cy="465640"/>
-          </a:xfrm>
-          <a:prstGeom prst="rect">
-            <a:avLst/>
-          </a:prstGeom>
-          <a:noFill/>
-        </p:spPr>
-        <p:txBody>
-          <a:bodyPr wrap="square">
-            <a:spAutoFit/>
-          </a:bodyPr>
-          <a:lstStyle/>
-          <a:p>
-            <a:pPr>
-              <a:lnSpc>
-                <a:spcPct val="150000"/>
-              </a:lnSpc>
-            </a:pPr>
-            <a:r>
-              <a:rPr lang="zh-CN" altLang="en-US" b="1" dirty="0">
-                <a:solidFill>
-                  <a:srgbClr val="C00000"/>
-                </a:solidFill>
-              </a:rPr>
-              <a:t>两个</a:t>
-            </a:r>
-            <a:r>
-              <a:rPr lang="en-US" altLang="zh-CN" b="1" dirty="0">
-                <a:solidFill>
-                  <a:srgbClr val="C00000"/>
-                </a:solidFill>
-              </a:rPr>
-              <a:t>shader</a:t>
-            </a:r>
-            <a:r>
-              <a:rPr lang="zh-CN" altLang="en-US" b="1" dirty="0">
-                <a:solidFill>
-                  <a:srgbClr val="C00000"/>
-                </a:solidFill>
-              </a:rPr>
-              <a:t>程序能不能共用同一</a:t>
-            </a:r>
-            <a:r>
-              <a:rPr lang="en-US" altLang="zh-CN" b="1" dirty="0">
-                <a:solidFill>
-                  <a:srgbClr val="C00000"/>
-                </a:solidFill>
-              </a:rPr>
-              <a:t>VAO</a:t>
-            </a:r>
-            <a:r>
-              <a:rPr lang="zh-CN" altLang="en-US" b="1" dirty="0">
-                <a:solidFill>
-                  <a:srgbClr val="C00000"/>
-                </a:solidFill>
-              </a:rPr>
-              <a:t>吗</a:t>
-            </a:r>
-            <a:endParaRPr lang="en-US" altLang="zh-CN" b="1" dirty="0">
-              <a:solidFill>
-                <a:srgbClr val="C00000"/>
-              </a:solidFill>
-            </a:endParaRPr>
-          </a:p>
-        </p:txBody>
-      </p:sp>
-      <p:sp>
-        <p:nvSpPr>
-          <p:cNvPr id="9" name="文本框 8">
-            <a:extLst>
-              <a:ext uri="{FF2B5EF4-FFF2-40B4-BE49-F238E27FC236}">
-                <a16:creationId xmlns:a16="http://schemas.microsoft.com/office/drawing/2014/main" id="{62F63D7A-AF99-2598-4CA5-536DBBCF9F27}"/>
-              </a:ext>
-            </a:extLst>
-          </p:cNvPr>
-          <p:cNvSpPr txBox="1"/>
-          <p:nvPr/>
-        </p:nvSpPr>
-        <p:spPr>
-          <a:xfrm>
-            <a:off x="6324600" y="1765849"/>
-            <a:ext cx="2744662" cy="369332"/>
+            <a:off x="688490" y="978945"/>
+            <a:ext cx="1736373" cy="369332"/>
           </a:xfrm>
           <a:prstGeom prst="rect">
             <a:avLst/>
@@ -14028,18 +15536,22 @@
           <a:lstStyle/>
           <a:p>
             <a:r>
+              <a:rPr lang="en-US" altLang="zh-CN" b="1" dirty="0"/>
+              <a:t>11-2  </a:t>
+            </a:r>
+            <a:r>
               <a:rPr lang="zh-CN" altLang="en-US" b="1" dirty="0"/>
-              <a:t>程序验证，好像是可以的</a:t>
-            </a:r>
-          </a:p>
-        </p:txBody>
-      </p:sp>
-      <p:sp>
-        <p:nvSpPr>
-          <p:cNvPr id="10" name="文本框 9">
-            <a:extLst>
-              <a:ext uri="{FF2B5EF4-FFF2-40B4-BE49-F238E27FC236}">
-                <a16:creationId xmlns:a16="http://schemas.microsoft.com/office/drawing/2014/main" id="{0C295339-509F-75F5-9831-F9A173C25EBC}"/>
+              <a:t>模板测试</a:t>
+            </a:r>
+          </a:p>
+        </p:txBody>
+      </p:sp>
+      <p:sp>
+        <p:nvSpPr>
+          <p:cNvPr id="3" name="文本框 2">
+            <a:extLst>
+              <a:ext uri="{FF2B5EF4-FFF2-40B4-BE49-F238E27FC236}">
+                <a16:creationId xmlns:a16="http://schemas.microsoft.com/office/drawing/2014/main" id="{663CC62C-A76A-D1AD-D181-CA6CDC5022E8}"/>
               </a:ext>
             </a:extLst>
           </p:cNvPr>
@@ -14048,8 +15560,8 @@
         </p:nvSpPr>
         <p:spPr>
           <a:xfrm>
-            <a:off x="581349" y="990600"/>
-            <a:ext cx="420308" cy="369332"/>
+            <a:off x="1688951" y="2495774"/>
+            <a:ext cx="877163" cy="369332"/>
           </a:xfrm>
           <a:prstGeom prst="rect">
             <a:avLst/>
@@ -14063,134 +15575,16 @@
           <a:lstStyle/>
           <a:p>
             <a:r>
-              <a:rPr lang="en-US" altLang="zh-CN" dirty="0"/>
-              <a:t>1. </a:t>
-            </a:r>
-            <a:endParaRPr lang="zh-CN" altLang="en-US" dirty="0"/>
-          </a:p>
-        </p:txBody>
-      </p:sp>
-      <p:sp>
-        <p:nvSpPr>
-          <p:cNvPr id="11" name="文本框 10">
-            <a:extLst>
-              <a:ext uri="{FF2B5EF4-FFF2-40B4-BE49-F238E27FC236}">
-                <a16:creationId xmlns:a16="http://schemas.microsoft.com/office/drawing/2014/main" id="{4F5C56A2-42E0-2DB1-73BB-D83BA2562CEF}"/>
-              </a:ext>
-            </a:extLst>
-          </p:cNvPr>
-          <p:cNvSpPr txBox="1"/>
-          <p:nvPr/>
-        </p:nvSpPr>
-        <p:spPr>
-          <a:xfrm>
-            <a:off x="581349" y="3429000"/>
-            <a:ext cx="420308" cy="369332"/>
-          </a:xfrm>
-          <a:prstGeom prst="rect">
-            <a:avLst/>
-          </a:prstGeom>
-          <a:noFill/>
-        </p:spPr>
-        <p:txBody>
-          <a:bodyPr wrap="none" rtlCol="0">
-            <a:spAutoFit/>
-          </a:bodyPr>
-          <a:lstStyle/>
-          <a:p>
-            <a:r>
-              <a:rPr lang="en-US" altLang="zh-CN" dirty="0"/>
-              <a:t>2. </a:t>
-            </a:r>
-            <a:endParaRPr lang="zh-CN" altLang="en-US" dirty="0"/>
-          </a:p>
-        </p:txBody>
-      </p:sp>
-      <p:sp>
-        <p:nvSpPr>
-          <p:cNvPr id="12" name="文本框 11">
-            <a:extLst>
-              <a:ext uri="{FF2B5EF4-FFF2-40B4-BE49-F238E27FC236}">
-                <a16:creationId xmlns:a16="http://schemas.microsoft.com/office/drawing/2014/main" id="{528BD655-CA17-784D-E873-4187DCD220CC}"/>
-              </a:ext>
-            </a:extLst>
-          </p:cNvPr>
-          <p:cNvSpPr txBox="1"/>
-          <p:nvPr/>
-        </p:nvSpPr>
-        <p:spPr>
-          <a:xfrm>
-            <a:off x="1362075" y="3875562"/>
-            <a:ext cx="6096000" cy="881139"/>
-          </a:xfrm>
-          <a:prstGeom prst="rect">
-            <a:avLst/>
-          </a:prstGeom>
-          <a:noFill/>
-        </p:spPr>
-        <p:txBody>
-          <a:bodyPr wrap="square">
-            <a:spAutoFit/>
-          </a:bodyPr>
-          <a:lstStyle/>
-          <a:p>
-            <a:pPr>
-              <a:lnSpc>
-                <a:spcPct val="150000"/>
-              </a:lnSpc>
-            </a:pPr>
-            <a:r>
-              <a:rPr lang="zh-CN" altLang="en-US" b="1" dirty="0">
-                <a:solidFill>
-                  <a:srgbClr val="C00000"/>
-                </a:solidFill>
-              </a:rPr>
-              <a:t>在片段着色器中，如果有两个相同的  </a:t>
-            </a:r>
-            <a:r>
-              <a:rPr lang="en-US" altLang="zh-CN" b="1" dirty="0">
-                <a:solidFill>
-                  <a:srgbClr val="C00000"/>
-                </a:solidFill>
-              </a:rPr>
-              <a:t>in  vec3  </a:t>
-            </a:r>
-            <a:r>
-              <a:rPr lang="zh-CN" altLang="en-US" b="1" dirty="0">
-                <a:solidFill>
-                  <a:srgbClr val="C00000"/>
-                </a:solidFill>
-              </a:rPr>
-              <a:t>时，  命名和顺序有什么要求吗？</a:t>
-            </a:r>
-            <a:r>
-              <a:rPr lang="en-US" altLang="zh-CN" b="1" dirty="0">
-                <a:solidFill>
-                  <a:srgbClr val="C00000"/>
-                </a:solidFill>
-              </a:rPr>
-              <a:t> </a:t>
-            </a:r>
-            <a:r>
-              <a:rPr lang="zh-CN" altLang="en-US" b="1" dirty="0">
-                <a:solidFill>
-                  <a:srgbClr val="C00000"/>
-                </a:solidFill>
-              </a:rPr>
-              <a:t>？</a:t>
-            </a:r>
-            <a:endParaRPr lang="en-US" altLang="zh-CN" b="1" dirty="0">
-              <a:solidFill>
-                <a:srgbClr val="C00000"/>
-              </a:solidFill>
-            </a:endParaRPr>
+              <a:rPr lang="zh-CN" altLang="en-US" dirty="0"/>
+              <a:t>待实验</a:t>
+            </a:r>
           </a:p>
         </p:txBody>
       </p:sp>
     </p:spTree>
     <p:extLst>
       <p:ext uri="{BB962C8B-B14F-4D97-AF65-F5344CB8AC3E}">
-        <p14:creationId xmlns:p14="http://schemas.microsoft.com/office/powerpoint/2010/main" val="1484107174"/>
+        <p14:creationId xmlns:p14="http://schemas.microsoft.com/office/powerpoint/2010/main" val="2472181457"/>
       </p:ext>
     </p:extLst>
   </p:cSld>
@@ -14232,7 +15626,7 @@
         <p:spPr>
           <a:xfrm>
             <a:off x="258184" y="247427"/>
-            <a:ext cx="1107996" cy="369332"/>
+            <a:ext cx="4565673" cy="369332"/>
           </a:xfrm>
           <a:prstGeom prst="rect">
             <a:avLst/>
@@ -14246,22 +15640,46 @@
           <a:lstStyle/>
           <a:p>
             <a:r>
+              <a:rPr lang="en-US" altLang="zh-CN" b="1" dirty="0">
+                <a:solidFill>
+                  <a:srgbClr val="C00000"/>
+                </a:solidFill>
+              </a:rPr>
+              <a:t>Lessoin_11</a:t>
+            </a:r>
+            <a:r>
               <a:rPr lang="zh-CN" altLang="en-US" b="1" dirty="0">
                 <a:solidFill>
                   <a:srgbClr val="C00000"/>
                 </a:solidFill>
               </a:rPr>
-              <a:t>参考资料</a:t>
-            </a:r>
-          </a:p>
-        </p:txBody>
-      </p:sp>
-      <p:sp>
-        <p:nvSpPr>
-          <p:cNvPr id="3" name="文本框 2">
-            <a:extLst>
-              <a:ext uri="{FF2B5EF4-FFF2-40B4-BE49-F238E27FC236}">
-                <a16:creationId xmlns:a16="http://schemas.microsoft.com/office/drawing/2014/main" id="{77582E40-A36A-7899-AF71-E083EC01F9C2}"/>
+              <a:t>：高级部分（</a:t>
+            </a:r>
+            <a:r>
+              <a:rPr lang="en-US" altLang="zh-CN" b="1" dirty="0">
+                <a:solidFill>
+                  <a:srgbClr val="C00000"/>
+                </a:solidFill>
+              </a:rPr>
+              <a:t>Advanced Part</a:t>
+            </a:r>
+            <a:r>
+              <a:rPr lang="zh-CN" altLang="en-US" b="1" dirty="0">
+                <a:solidFill>
+                  <a:srgbClr val="C00000"/>
+                </a:solidFill>
+              </a:rPr>
+              <a:t>）</a:t>
+            </a:r>
+          </a:p>
+        </p:txBody>
+      </p:sp>
+      <p:sp>
+        <p:nvSpPr>
+          <p:cNvPr id="2" name="文本框 1">
+            <a:extLst>
+              <a:ext uri="{FF2B5EF4-FFF2-40B4-BE49-F238E27FC236}">
+                <a16:creationId xmlns:a16="http://schemas.microsoft.com/office/drawing/2014/main" id="{0B3CC95E-E5A9-CC45-4947-A0606DE63C2F}"/>
               </a:ext>
             </a:extLst>
           </p:cNvPr>
@@ -14270,8 +15688,8 @@
         </p:nvSpPr>
         <p:spPr>
           <a:xfrm>
-            <a:off x="918505" y="1015484"/>
-            <a:ext cx="8568395" cy="4129144"/>
+            <a:off x="688490" y="978945"/>
+            <a:ext cx="1967205" cy="369332"/>
           </a:xfrm>
           <a:prstGeom prst="rect">
             <a:avLst/>
@@ -14279,308 +15697,53 @@
           <a:noFill/>
         </p:spPr>
         <p:txBody>
-          <a:bodyPr wrap="square">
+          <a:bodyPr wrap="none" rtlCol="0">
             <a:spAutoFit/>
           </a:bodyPr>
           <a:lstStyle/>
           <a:p>
-            <a:pPr marL="342900" indent="-342900">
-              <a:lnSpc>
-                <a:spcPct val="150000"/>
-              </a:lnSpc>
-              <a:spcAft>
-                <a:spcPts val="600"/>
-              </a:spcAft>
-              <a:buAutoNum type="arabicPeriod"/>
-            </a:pPr>
-            <a:r>
-              <a:rPr lang="en-US" altLang="zh-CN" b="1" dirty="0" err="1"/>
-              <a:t>LearnOpenGL</a:t>
+            <a:r>
+              <a:rPr lang="en-US" altLang="zh-CN" b="1" dirty="0"/>
+              <a:t>11-3  </a:t>
             </a:r>
             <a:r>
               <a:rPr lang="zh-CN" altLang="en-US" b="1" dirty="0"/>
-              <a:t>网上教程（</a:t>
-            </a:r>
-            <a:r>
-              <a:rPr lang="zh-CN" altLang="en-US" b="1" dirty="0">
-                <a:solidFill>
-                  <a:srgbClr val="0563C1"/>
-                </a:solidFill>
-                <a:hlinkClick r:id="rId2">
-                  <a:extLst>
-                    <a:ext uri="{A12FA001-AC4F-418D-AE19-62706E023703}">
-                      <ahyp:hlinkClr xmlns:ahyp="http://schemas.microsoft.com/office/drawing/2018/hyperlinkcolor" val="tx"/>
-                    </a:ext>
-                  </a:extLst>
-                </a:hlinkClick>
-              </a:rPr>
-              <a:t>https://learnopengl-cn.github.io/）（主要</a:t>
-            </a:r>
-            <a:r>
-              <a:rPr lang="en-US" altLang="zh-CN" b="1" dirty="0">
-                <a:solidFill>
-                  <a:srgbClr val="0563C1"/>
-                </a:solidFill>
-                <a:hlinkClick r:id="rId2">
-                  <a:extLst>
-                    <a:ext uri="{A12FA001-AC4F-418D-AE19-62706E023703}">
-                      <ahyp:hlinkClr xmlns:ahyp="http://schemas.microsoft.com/office/drawing/2018/hyperlinkcolor" val="tx"/>
-                    </a:ext>
-                  </a:extLst>
-                </a:hlinkClick>
-              </a:rPr>
-              <a:t>--</a:t>
-            </a:r>
-            <a:r>
-              <a:rPr lang="en-US" altLang="zh-CN" b="1" dirty="0">
-                <a:solidFill>
-                  <a:schemeClr val="accent1"/>
-                </a:solidFill>
-                <a:hlinkClick r:id="rId2">
-                  <a:extLst>
-                    <a:ext uri="{A12FA001-AC4F-418D-AE19-62706E023703}">
-                      <ahyp:hlinkClr xmlns:ahyp="http://schemas.microsoft.com/office/drawing/2018/hyperlinkcolor" val="tx"/>
-                    </a:ext>
-                  </a:extLst>
-                </a:hlinkClick>
-              </a:rPr>
-              <a:t>2022</a:t>
-            </a:r>
-            <a:r>
-              <a:rPr lang="zh-CN" altLang="en-US" b="1" dirty="0">
-                <a:solidFill>
-                  <a:schemeClr val="accent1"/>
-                </a:solidFill>
-              </a:rPr>
-              <a:t>年）</a:t>
-            </a:r>
-            <a:endParaRPr lang="en-US" altLang="zh-CN" b="1" dirty="0">
-              <a:solidFill>
-                <a:schemeClr val="accent1"/>
-              </a:solidFill>
-            </a:endParaRPr>
-          </a:p>
-          <a:p>
-            <a:pPr>
-              <a:lnSpc>
-                <a:spcPct val="150000"/>
-              </a:lnSpc>
-            </a:pPr>
-            <a:r>
-              <a:rPr lang="zh-CN" altLang="en-US" sz="1100" dirty="0"/>
-              <a:t>最主要的学习来源，笔记和编码大部分参考，笔记里面的截图</a:t>
-            </a:r>
-            <a:r>
-              <a:rPr lang="en-US" altLang="zh-CN" sz="1100" dirty="0"/>
-              <a:t>90%</a:t>
-            </a:r>
-            <a:r>
-              <a:rPr lang="zh-CN" altLang="en-US" sz="1100" dirty="0"/>
-              <a:t>来源于这里，没有其他想法，主要是做一下记录，添加一些自己的理解，方便后续查阅，同时用于找工作</a:t>
-            </a:r>
-            <a:endParaRPr lang="en-US" altLang="zh-CN" sz="1100" dirty="0"/>
-          </a:p>
-          <a:p>
-            <a:pPr>
-              <a:lnSpc>
-                <a:spcPct val="150000"/>
-              </a:lnSpc>
-            </a:pPr>
-            <a:endParaRPr lang="en-US" altLang="zh-CN" sz="1100" dirty="0"/>
-          </a:p>
-          <a:p>
-            <a:pPr>
-              <a:lnSpc>
-                <a:spcPct val="150000"/>
-              </a:lnSpc>
-            </a:pPr>
-            <a:r>
-              <a:rPr lang="zh-CN" altLang="en-US" sz="1100" b="1" dirty="0"/>
-              <a:t>感谢</a:t>
-            </a:r>
-            <a:r>
-              <a:rPr lang="en-US" altLang="zh-CN" sz="1100" b="1" dirty="0" err="1"/>
-              <a:t>JoeyDeVries</a:t>
-            </a:r>
-            <a:r>
-              <a:rPr lang="zh-CN" altLang="en-US" sz="1100" b="1" dirty="0"/>
-              <a:t>！</a:t>
-            </a:r>
-            <a:endParaRPr lang="en-US" altLang="zh-CN" sz="1100" b="1" dirty="0"/>
-          </a:p>
-          <a:p>
-            <a:pPr>
-              <a:lnSpc>
-                <a:spcPct val="150000"/>
-              </a:lnSpc>
-            </a:pPr>
-            <a:r>
-              <a:rPr lang="en-US" altLang="zh-CN" sz="1100" b="1" dirty="0" err="1"/>
-              <a:t>JoeyDeVries</a:t>
-            </a:r>
-            <a:r>
-              <a:rPr lang="zh-CN" altLang="en-US" sz="1100" b="1" dirty="0"/>
-              <a:t>保佑我找到 图形学方向 工作机会。</a:t>
-            </a:r>
-            <a:endParaRPr lang="en-US" altLang="zh-CN" sz="1100" b="1" dirty="0"/>
-          </a:p>
-          <a:p>
-            <a:pPr>
-              <a:lnSpc>
-                <a:spcPct val="150000"/>
-              </a:lnSpc>
-            </a:pPr>
-            <a:endParaRPr lang="en-US" altLang="zh-CN" sz="1400" dirty="0"/>
-          </a:p>
-          <a:p>
-            <a:pPr>
-              <a:lnSpc>
-                <a:spcPct val="150000"/>
-              </a:lnSpc>
-              <a:spcBef>
-                <a:spcPts val="600"/>
-              </a:spcBef>
-            </a:pPr>
-            <a:r>
-              <a:rPr lang="en-US" altLang="zh-CN" b="1" dirty="0"/>
-              <a:t>2. 《OpenGL</a:t>
-            </a:r>
-            <a:r>
-              <a:rPr lang="zh-CN" altLang="en-US" b="1" dirty="0"/>
-              <a:t>编程指南</a:t>
-            </a:r>
-            <a:r>
-              <a:rPr lang="en-US" altLang="zh-CN" b="1" dirty="0"/>
-              <a:t>--</a:t>
-            </a:r>
-            <a:r>
-              <a:rPr lang="zh-CN" altLang="en-US" b="1" dirty="0"/>
-              <a:t>原书第</a:t>
-            </a:r>
-            <a:r>
-              <a:rPr lang="en-US" altLang="zh-CN" b="1" dirty="0"/>
-              <a:t>9</a:t>
-            </a:r>
-            <a:r>
-              <a:rPr lang="zh-CN" altLang="en-US" b="1" dirty="0"/>
-              <a:t>版</a:t>
-            </a:r>
-            <a:r>
-              <a:rPr lang="en-US" altLang="zh-CN" b="1" dirty="0"/>
-              <a:t>》</a:t>
-            </a:r>
-          </a:p>
-          <a:p>
-            <a:pPr>
-              <a:lnSpc>
-                <a:spcPct val="150000"/>
-              </a:lnSpc>
-              <a:spcBef>
-                <a:spcPts val="600"/>
-              </a:spcBef>
-            </a:pPr>
-            <a:r>
-              <a:rPr lang="zh-CN" altLang="en-US" sz="1100" dirty="0"/>
-              <a:t>发现</a:t>
-            </a:r>
-            <a:r>
-              <a:rPr lang="zh-CN" altLang="en-US" sz="1100" dirty="0">
-                <a:hlinkClick r:id="rId3"/>
-              </a:rPr>
-              <a:t>https://learnopengl-cn.github.io/</a:t>
-            </a:r>
-            <a:r>
-              <a:rPr lang="zh-CN" altLang="en-US" sz="1100" dirty="0"/>
-              <a:t>前，自学的主要参考资料，初略的过了一遍（</a:t>
-            </a:r>
-            <a:r>
-              <a:rPr lang="en-US" altLang="zh-CN" sz="1100" dirty="0"/>
-              <a:t>2021</a:t>
-            </a:r>
-            <a:r>
-              <a:rPr lang="zh-CN" altLang="en-US" sz="1100" dirty="0"/>
-              <a:t>年的时候）</a:t>
-            </a:r>
-            <a:endParaRPr lang="en-US" altLang="zh-CN" sz="1100" dirty="0"/>
-          </a:p>
-          <a:p>
-            <a:pPr>
-              <a:lnSpc>
-                <a:spcPct val="150000"/>
-              </a:lnSpc>
-              <a:spcBef>
-                <a:spcPts val="600"/>
-              </a:spcBef>
-            </a:pPr>
-            <a:endParaRPr lang="en-US" altLang="zh-CN" sz="1100" dirty="0"/>
-          </a:p>
-          <a:p>
-            <a:pPr>
-              <a:lnSpc>
-                <a:spcPct val="150000"/>
-              </a:lnSpc>
-              <a:spcBef>
-                <a:spcPts val="600"/>
-              </a:spcBef>
-            </a:pPr>
-            <a:r>
-              <a:rPr lang="en-US" altLang="zh-CN" b="1" dirty="0"/>
-              <a:t>3. 《</a:t>
-            </a:r>
-            <a:r>
-              <a:rPr lang="zh-CN" altLang="en-US" b="1" dirty="0"/>
-              <a:t>计算机图形学 </a:t>
-            </a:r>
-            <a:r>
-              <a:rPr lang="en-US" altLang="zh-CN" b="1" dirty="0"/>
-              <a:t>--</a:t>
-            </a:r>
-            <a:r>
-              <a:rPr lang="zh-CN" altLang="en-US" b="1" dirty="0"/>
-              <a:t>第四版</a:t>
-            </a:r>
-            <a:r>
-              <a:rPr lang="en-US" altLang="zh-CN" b="1" dirty="0"/>
-              <a:t>》 </a:t>
-            </a:r>
-            <a:r>
-              <a:rPr lang="en-US" altLang="zh-CN" b="1" dirty="0" err="1"/>
-              <a:t>M.Pauline</a:t>
-            </a:r>
-            <a:r>
-              <a:rPr lang="zh-CN" altLang="en-US" b="1" dirty="0"/>
-              <a:t> </a:t>
-            </a:r>
-            <a:r>
-              <a:rPr lang="en-US" altLang="zh-CN" b="1" dirty="0"/>
-              <a:t>Baker</a:t>
-            </a:r>
-            <a:r>
-              <a:rPr lang="zh-CN" altLang="en-US" b="1" dirty="0"/>
-              <a:t>著</a:t>
-            </a:r>
-            <a:endParaRPr lang="en-US" altLang="zh-CN" b="1" dirty="0"/>
-          </a:p>
-          <a:p>
-            <a:pPr>
-              <a:lnSpc>
-                <a:spcPct val="150000"/>
-              </a:lnSpc>
-              <a:spcBef>
-                <a:spcPts val="600"/>
-              </a:spcBef>
-            </a:pPr>
-            <a:r>
-              <a:rPr lang="zh-CN" altLang="en-US" sz="1100" dirty="0"/>
-              <a:t>也是粗略过一遍（</a:t>
-            </a:r>
-            <a:r>
-              <a:rPr lang="en-US" altLang="zh-CN" sz="1100" dirty="0"/>
-              <a:t>2021</a:t>
-            </a:r>
-            <a:r>
-              <a:rPr lang="zh-CN" altLang="en-US" sz="1100" dirty="0"/>
-              <a:t>年的时候）</a:t>
+              <a:t>立方体贴图</a:t>
+            </a:r>
+          </a:p>
+        </p:txBody>
+      </p:sp>
+      <p:sp>
+        <p:nvSpPr>
+          <p:cNvPr id="3" name="文本框 2">
+            <a:extLst>
+              <a:ext uri="{FF2B5EF4-FFF2-40B4-BE49-F238E27FC236}">
+                <a16:creationId xmlns:a16="http://schemas.microsoft.com/office/drawing/2014/main" id="{663CC62C-A76A-D1AD-D181-CA6CDC5022E8}"/>
+              </a:ext>
+            </a:extLst>
+          </p:cNvPr>
+          <p:cNvSpPr txBox="1"/>
+          <p:nvPr/>
+        </p:nvSpPr>
+        <p:spPr>
+          <a:xfrm>
+            <a:off x="1688951" y="2495774"/>
+            <a:ext cx="877163" cy="369332"/>
+          </a:xfrm>
+          <a:prstGeom prst="rect">
+            <a:avLst/>
+          </a:prstGeom>
+          <a:noFill/>
+        </p:spPr>
+        <p:txBody>
+          <a:bodyPr wrap="none" rtlCol="0">
+            <a:spAutoFit/>
+          </a:bodyPr>
+          <a:lstStyle/>
+          <a:p>
+            <a:r>
+              <a:rPr lang="zh-CN" altLang="en-US" dirty="0"/>
+              <a:t>待实验</a:t>
             </a:r>
           </a:p>
         </p:txBody>
@@ -14588,7 +15751,325 @@
     </p:spTree>
     <p:extLst>
       <p:ext uri="{BB962C8B-B14F-4D97-AF65-F5344CB8AC3E}">
-        <p14:creationId xmlns:p14="http://schemas.microsoft.com/office/powerpoint/2010/main" val="2576067286"/>
+        <p14:creationId xmlns:p14="http://schemas.microsoft.com/office/powerpoint/2010/main" val="575953496"/>
+      </p:ext>
+    </p:extLst>
+  </p:cSld>
+  <p:clrMapOvr>
+    <a:masterClrMapping/>
+  </p:clrMapOvr>
+</p:sld>
+</file>
+
+<file path=ppt/slides/slide28.xml><?xml version="1.0" encoding="utf-8"?>
+<p:sld xmlns:a="http://schemas.openxmlformats.org/drawingml/2006/main" xmlns:r="http://schemas.openxmlformats.org/officeDocument/2006/relationships" xmlns:p="http://schemas.openxmlformats.org/presentationml/2006/main">
+  <p:cSld>
+    <p:spTree>
+      <p:nvGrpSpPr>
+        <p:cNvPr id="1" name=""/>
+        <p:cNvGrpSpPr/>
+        <p:nvPr/>
+      </p:nvGrpSpPr>
+      <p:grpSpPr>
+        <a:xfrm>
+          <a:off x="0" y="0"/>
+          <a:ext cx="0" cy="0"/>
+          <a:chOff x="0" y="0"/>
+          <a:chExt cx="0" cy="0"/>
+        </a:xfrm>
+      </p:grpSpPr>
+      <p:sp>
+        <p:nvSpPr>
+          <p:cNvPr id="4" name="文本框 3">
+            <a:extLst>
+              <a:ext uri="{FF2B5EF4-FFF2-40B4-BE49-F238E27FC236}">
+                <a16:creationId xmlns:a16="http://schemas.microsoft.com/office/drawing/2014/main" id="{4991220C-83FC-8FFB-EB0F-0CF6B3DAC055}"/>
+              </a:ext>
+            </a:extLst>
+          </p:cNvPr>
+          <p:cNvSpPr txBox="1"/>
+          <p:nvPr/>
+        </p:nvSpPr>
+        <p:spPr>
+          <a:xfrm>
+            <a:off x="258184" y="247427"/>
+            <a:ext cx="4565673" cy="369332"/>
+          </a:xfrm>
+          <a:prstGeom prst="rect">
+            <a:avLst/>
+          </a:prstGeom>
+          <a:noFill/>
+        </p:spPr>
+        <p:txBody>
+          <a:bodyPr wrap="none" rtlCol="0">
+            <a:spAutoFit/>
+          </a:bodyPr>
+          <a:lstStyle/>
+          <a:p>
+            <a:r>
+              <a:rPr lang="en-US" altLang="zh-CN" b="1" dirty="0">
+                <a:solidFill>
+                  <a:srgbClr val="C00000"/>
+                </a:solidFill>
+              </a:rPr>
+              <a:t>Lessoin_11</a:t>
+            </a:r>
+            <a:r>
+              <a:rPr lang="zh-CN" altLang="en-US" b="1" dirty="0">
+                <a:solidFill>
+                  <a:srgbClr val="C00000"/>
+                </a:solidFill>
+              </a:rPr>
+              <a:t>：高级部分（</a:t>
+            </a:r>
+            <a:r>
+              <a:rPr lang="en-US" altLang="zh-CN" b="1" dirty="0">
+                <a:solidFill>
+                  <a:srgbClr val="C00000"/>
+                </a:solidFill>
+              </a:rPr>
+              <a:t>Advanced Part</a:t>
+            </a:r>
+            <a:r>
+              <a:rPr lang="zh-CN" altLang="en-US" b="1" dirty="0">
+                <a:solidFill>
+                  <a:srgbClr val="C00000"/>
+                </a:solidFill>
+              </a:rPr>
+              <a:t>）</a:t>
+            </a:r>
+          </a:p>
+        </p:txBody>
+      </p:sp>
+      <p:sp>
+        <p:nvSpPr>
+          <p:cNvPr id="2" name="文本框 1">
+            <a:extLst>
+              <a:ext uri="{FF2B5EF4-FFF2-40B4-BE49-F238E27FC236}">
+                <a16:creationId xmlns:a16="http://schemas.microsoft.com/office/drawing/2014/main" id="{0B3CC95E-E5A9-CC45-4947-A0606DE63C2F}"/>
+              </a:ext>
+            </a:extLst>
+          </p:cNvPr>
+          <p:cNvSpPr txBox="1"/>
+          <p:nvPr/>
+        </p:nvSpPr>
+        <p:spPr>
+          <a:xfrm>
+            <a:off x="688490" y="978945"/>
+            <a:ext cx="1967205" cy="369332"/>
+          </a:xfrm>
+          <a:prstGeom prst="rect">
+            <a:avLst/>
+          </a:prstGeom>
+          <a:noFill/>
+        </p:spPr>
+        <p:txBody>
+          <a:bodyPr wrap="none" rtlCol="0">
+            <a:spAutoFit/>
+          </a:bodyPr>
+          <a:lstStyle/>
+          <a:p>
+            <a:r>
+              <a:rPr lang="en-US" altLang="zh-CN" b="1" dirty="0"/>
+              <a:t>11-4  </a:t>
+            </a:r>
+            <a:r>
+              <a:rPr lang="zh-CN" altLang="en-US" b="1" dirty="0"/>
+              <a:t>抗锯齿原理</a:t>
+            </a:r>
+          </a:p>
+        </p:txBody>
+      </p:sp>
+    </p:spTree>
+    <p:extLst>
+      <p:ext uri="{BB962C8B-B14F-4D97-AF65-F5344CB8AC3E}">
+        <p14:creationId xmlns:p14="http://schemas.microsoft.com/office/powerpoint/2010/main" val="2421012784"/>
+      </p:ext>
+    </p:extLst>
+  </p:cSld>
+  <p:clrMapOvr>
+    <a:masterClrMapping/>
+  </p:clrMapOvr>
+</p:sld>
+</file>
+
+<file path=ppt/slides/slide29.xml><?xml version="1.0" encoding="utf-8"?>
+<p:sld xmlns:a="http://schemas.openxmlformats.org/drawingml/2006/main" xmlns:r="http://schemas.openxmlformats.org/officeDocument/2006/relationships" xmlns:p="http://schemas.openxmlformats.org/presentationml/2006/main">
+  <p:cSld>
+    <p:spTree>
+      <p:nvGrpSpPr>
+        <p:cNvPr id="1" name=""/>
+        <p:cNvGrpSpPr/>
+        <p:nvPr/>
+      </p:nvGrpSpPr>
+      <p:grpSpPr>
+        <a:xfrm>
+          <a:off x="0" y="0"/>
+          <a:ext cx="0" cy="0"/>
+          <a:chOff x="0" y="0"/>
+          <a:chExt cx="0" cy="0"/>
+        </a:xfrm>
+      </p:grpSpPr>
+      <p:sp>
+        <p:nvSpPr>
+          <p:cNvPr id="4" name="文本框 3">
+            <a:extLst>
+              <a:ext uri="{FF2B5EF4-FFF2-40B4-BE49-F238E27FC236}">
+                <a16:creationId xmlns:a16="http://schemas.microsoft.com/office/drawing/2014/main" id="{4991220C-83FC-8FFB-EB0F-0CF6B3DAC055}"/>
+              </a:ext>
+            </a:extLst>
+          </p:cNvPr>
+          <p:cNvSpPr txBox="1"/>
+          <p:nvPr/>
+        </p:nvSpPr>
+        <p:spPr>
+          <a:xfrm>
+            <a:off x="258184" y="247427"/>
+            <a:ext cx="646331" cy="369332"/>
+          </a:xfrm>
+          <a:prstGeom prst="rect">
+            <a:avLst/>
+          </a:prstGeom>
+          <a:noFill/>
+        </p:spPr>
+        <p:txBody>
+          <a:bodyPr wrap="none" rtlCol="0">
+            <a:spAutoFit/>
+          </a:bodyPr>
+          <a:lstStyle/>
+          <a:p>
+            <a:r>
+              <a:rPr lang="zh-CN" altLang="en-US" b="1" dirty="0">
+                <a:solidFill>
+                  <a:srgbClr val="C00000"/>
+                </a:solidFill>
+              </a:rPr>
+              <a:t>杂项</a:t>
+            </a:r>
+          </a:p>
+        </p:txBody>
+      </p:sp>
+      <p:sp>
+        <p:nvSpPr>
+          <p:cNvPr id="5" name="文本框 4">
+            <a:extLst>
+              <a:ext uri="{FF2B5EF4-FFF2-40B4-BE49-F238E27FC236}">
+                <a16:creationId xmlns:a16="http://schemas.microsoft.com/office/drawing/2014/main" id="{9026D397-B17A-7EB8-2999-0E7808A35BEC}"/>
+              </a:ext>
+            </a:extLst>
+          </p:cNvPr>
+          <p:cNvSpPr txBox="1"/>
+          <p:nvPr/>
+        </p:nvSpPr>
+        <p:spPr>
+          <a:xfrm>
+            <a:off x="2781701" y="1707631"/>
+            <a:ext cx="2419150" cy="2231508"/>
+          </a:xfrm>
+          <a:prstGeom prst="rect">
+            <a:avLst/>
+          </a:prstGeom>
+          <a:noFill/>
+        </p:spPr>
+        <p:txBody>
+          <a:bodyPr wrap="square" rtlCol="0">
+            <a:spAutoFit/>
+          </a:bodyPr>
+          <a:lstStyle/>
+          <a:p>
+            <a:pPr marL="285750" indent="-285750">
+              <a:lnSpc>
+                <a:spcPct val="200000"/>
+              </a:lnSpc>
+              <a:buFont typeface="Wingdings" panose="05000000000000000000" pitchFamily="2" charset="2"/>
+              <a:buChar char="n"/>
+            </a:pPr>
+            <a:r>
+              <a:rPr lang="zh-CN" altLang="en-US" b="1" dirty="0">
+                <a:solidFill>
+                  <a:srgbClr val="C00000"/>
+                </a:solidFill>
+              </a:rPr>
+              <a:t>顶点缓存</a:t>
+            </a:r>
+            <a:endParaRPr lang="en-US" altLang="zh-CN" b="1" dirty="0">
+              <a:solidFill>
+                <a:srgbClr val="C00000"/>
+              </a:solidFill>
+            </a:endParaRPr>
+          </a:p>
+          <a:p>
+            <a:pPr marL="285750" indent="-285750">
+              <a:lnSpc>
+                <a:spcPct val="200000"/>
+              </a:lnSpc>
+              <a:buFont typeface="Wingdings" panose="05000000000000000000" pitchFamily="2" charset="2"/>
+              <a:buChar char="n"/>
+            </a:pPr>
+            <a:r>
+              <a:rPr lang="zh-CN" altLang="en-US" b="1" dirty="0">
+                <a:solidFill>
+                  <a:srgbClr val="C00000"/>
+                </a:solidFill>
+              </a:rPr>
+              <a:t>颜色缓冲</a:t>
+            </a:r>
+            <a:endParaRPr lang="en-US" altLang="zh-CN" b="1" dirty="0">
+              <a:solidFill>
+                <a:srgbClr val="C00000"/>
+              </a:solidFill>
+            </a:endParaRPr>
+          </a:p>
+          <a:p>
+            <a:pPr marL="285750" indent="-285750">
+              <a:lnSpc>
+                <a:spcPct val="200000"/>
+              </a:lnSpc>
+              <a:buFont typeface="Wingdings" panose="05000000000000000000" pitchFamily="2" charset="2"/>
+              <a:buChar char="n"/>
+            </a:pPr>
+            <a:r>
+              <a:rPr lang="zh-CN" altLang="en-US" b="1" dirty="0">
+                <a:solidFill>
+                  <a:srgbClr val="C00000"/>
+                </a:solidFill>
+              </a:rPr>
+              <a:t>帧缓冲</a:t>
+            </a:r>
+            <a:endParaRPr lang="en-US" altLang="zh-CN" b="1" dirty="0">
+              <a:solidFill>
+                <a:srgbClr val="C00000"/>
+              </a:solidFill>
+            </a:endParaRPr>
+          </a:p>
+          <a:p>
+            <a:pPr marL="285750" indent="-285750">
+              <a:lnSpc>
+                <a:spcPct val="200000"/>
+              </a:lnSpc>
+              <a:buFont typeface="Wingdings" panose="05000000000000000000" pitchFamily="2" charset="2"/>
+              <a:buChar char="n"/>
+            </a:pPr>
+            <a:r>
+              <a:rPr lang="zh-CN" altLang="en-US" b="1" dirty="0">
+                <a:solidFill>
+                  <a:srgbClr val="C00000"/>
+                </a:solidFill>
+              </a:rPr>
+              <a:t>深度缓冲</a:t>
+            </a:r>
+            <a:endParaRPr lang="en-US" altLang="zh-CN" b="1" dirty="0">
+              <a:solidFill>
+                <a:srgbClr val="C00000"/>
+              </a:solidFill>
+            </a:endParaRPr>
+          </a:p>
+        </p:txBody>
+      </p:sp>
+    </p:spTree>
+    <p:extLst>
+      <p:ext uri="{BB962C8B-B14F-4D97-AF65-F5344CB8AC3E}">
+        <p14:creationId xmlns:p14="http://schemas.microsoft.com/office/powerpoint/2010/main" val="655157198"/>
       </p:ext>
     </p:extLst>
   </p:cSld>
@@ -15836,6 +17317,919 @@
     <p:extLst>
       <p:ext uri="{BB962C8B-B14F-4D97-AF65-F5344CB8AC3E}">
         <p14:creationId xmlns:p14="http://schemas.microsoft.com/office/powerpoint/2010/main" val="275565173"/>
+      </p:ext>
+    </p:extLst>
+  </p:cSld>
+  <p:clrMapOvr>
+    <a:masterClrMapping/>
+  </p:clrMapOvr>
+</p:sld>
+</file>
+
+<file path=ppt/slides/slide30.xml><?xml version="1.0" encoding="utf-8"?>
+<p:sld xmlns:a="http://schemas.openxmlformats.org/drawingml/2006/main" xmlns:r="http://schemas.openxmlformats.org/officeDocument/2006/relationships" xmlns:p="http://schemas.openxmlformats.org/presentationml/2006/main">
+  <p:cSld>
+    <p:spTree>
+      <p:nvGrpSpPr>
+        <p:cNvPr id="1" name=""/>
+        <p:cNvGrpSpPr/>
+        <p:nvPr/>
+      </p:nvGrpSpPr>
+      <p:grpSpPr>
+        <a:xfrm>
+          <a:off x="0" y="0"/>
+          <a:ext cx="0" cy="0"/>
+          <a:chOff x="0" y="0"/>
+          <a:chExt cx="0" cy="0"/>
+        </a:xfrm>
+      </p:grpSpPr>
+      <p:sp>
+        <p:nvSpPr>
+          <p:cNvPr id="4" name="文本框 3">
+            <a:extLst>
+              <a:ext uri="{FF2B5EF4-FFF2-40B4-BE49-F238E27FC236}">
+                <a16:creationId xmlns:a16="http://schemas.microsoft.com/office/drawing/2014/main" id="{4991220C-83FC-8FFB-EB0F-0CF6B3DAC055}"/>
+              </a:ext>
+            </a:extLst>
+          </p:cNvPr>
+          <p:cNvSpPr txBox="1"/>
+          <p:nvPr/>
+        </p:nvSpPr>
+        <p:spPr>
+          <a:xfrm>
+            <a:off x="258184" y="247427"/>
+            <a:ext cx="646331" cy="369332"/>
+          </a:xfrm>
+          <a:prstGeom prst="rect">
+            <a:avLst/>
+          </a:prstGeom>
+          <a:noFill/>
+        </p:spPr>
+        <p:txBody>
+          <a:bodyPr wrap="none" rtlCol="0">
+            <a:spAutoFit/>
+          </a:bodyPr>
+          <a:lstStyle/>
+          <a:p>
+            <a:r>
+              <a:rPr lang="zh-CN" altLang="en-US" b="1" dirty="0">
+                <a:solidFill>
+                  <a:srgbClr val="C00000"/>
+                </a:solidFill>
+              </a:rPr>
+              <a:t>思考</a:t>
+            </a:r>
+          </a:p>
+        </p:txBody>
+      </p:sp>
+      <p:sp>
+        <p:nvSpPr>
+          <p:cNvPr id="6" name="文本框 5">
+            <a:extLst>
+              <a:ext uri="{FF2B5EF4-FFF2-40B4-BE49-F238E27FC236}">
+                <a16:creationId xmlns:a16="http://schemas.microsoft.com/office/drawing/2014/main" id="{316AF591-9A55-A416-1367-F98A378F7E04}"/>
+              </a:ext>
+            </a:extLst>
+          </p:cNvPr>
+          <p:cNvSpPr txBox="1"/>
+          <p:nvPr/>
+        </p:nvSpPr>
+        <p:spPr>
+          <a:xfrm>
+            <a:off x="1362075" y="2009246"/>
+            <a:ext cx="6096000" cy="465640"/>
+          </a:xfrm>
+          <a:prstGeom prst="rect">
+            <a:avLst/>
+          </a:prstGeom>
+          <a:noFill/>
+        </p:spPr>
+        <p:txBody>
+          <a:bodyPr wrap="square">
+            <a:spAutoFit/>
+          </a:bodyPr>
+          <a:lstStyle/>
+          <a:p>
+            <a:pPr>
+              <a:lnSpc>
+                <a:spcPct val="150000"/>
+              </a:lnSpc>
+            </a:pPr>
+            <a:r>
+              <a:rPr lang="zh-CN" altLang="en-US" b="1" dirty="0">
+                <a:solidFill>
+                  <a:srgbClr val="C00000"/>
+                </a:solidFill>
+              </a:rPr>
+              <a:t>不同的</a:t>
+            </a:r>
+            <a:r>
+              <a:rPr lang="en-US" altLang="zh-CN" b="1" dirty="0">
+                <a:solidFill>
+                  <a:srgbClr val="C00000"/>
+                </a:solidFill>
+              </a:rPr>
+              <a:t>VAO</a:t>
+            </a:r>
+            <a:r>
+              <a:rPr lang="zh-CN" altLang="en-US" b="1" dirty="0">
+                <a:solidFill>
+                  <a:srgbClr val="C00000"/>
+                </a:solidFill>
+              </a:rPr>
+              <a:t>可以使用同一个</a:t>
+            </a:r>
+            <a:r>
+              <a:rPr lang="en-US" altLang="zh-CN" b="1" dirty="0">
+                <a:solidFill>
+                  <a:srgbClr val="C00000"/>
+                </a:solidFill>
+              </a:rPr>
+              <a:t>VBO</a:t>
+            </a:r>
+            <a:r>
+              <a:rPr lang="zh-CN" altLang="en-US" b="1" dirty="0">
+                <a:solidFill>
+                  <a:srgbClr val="C00000"/>
+                </a:solidFill>
+              </a:rPr>
+              <a:t>吗</a:t>
+            </a:r>
+          </a:p>
+        </p:txBody>
+      </p:sp>
+      <p:sp>
+        <p:nvSpPr>
+          <p:cNvPr id="8" name="文本框 7">
+            <a:extLst>
+              <a:ext uri="{FF2B5EF4-FFF2-40B4-BE49-F238E27FC236}">
+                <a16:creationId xmlns:a16="http://schemas.microsoft.com/office/drawing/2014/main" id="{8406D78B-2558-0CAC-5CD6-7C925E8C8D58}"/>
+              </a:ext>
+            </a:extLst>
+          </p:cNvPr>
+          <p:cNvSpPr txBox="1"/>
+          <p:nvPr/>
+        </p:nvSpPr>
+        <p:spPr>
+          <a:xfrm>
+            <a:off x="1362075" y="1357855"/>
+            <a:ext cx="6096000" cy="465640"/>
+          </a:xfrm>
+          <a:prstGeom prst="rect">
+            <a:avLst/>
+          </a:prstGeom>
+          <a:noFill/>
+        </p:spPr>
+        <p:txBody>
+          <a:bodyPr wrap="square">
+            <a:spAutoFit/>
+          </a:bodyPr>
+          <a:lstStyle/>
+          <a:p>
+            <a:pPr>
+              <a:lnSpc>
+                <a:spcPct val="150000"/>
+              </a:lnSpc>
+            </a:pPr>
+            <a:r>
+              <a:rPr lang="zh-CN" altLang="en-US" b="1" dirty="0">
+                <a:solidFill>
+                  <a:srgbClr val="C00000"/>
+                </a:solidFill>
+              </a:rPr>
+              <a:t>两个</a:t>
+            </a:r>
+            <a:r>
+              <a:rPr lang="en-US" altLang="zh-CN" b="1" dirty="0">
+                <a:solidFill>
+                  <a:srgbClr val="C00000"/>
+                </a:solidFill>
+              </a:rPr>
+              <a:t>shader</a:t>
+            </a:r>
+            <a:r>
+              <a:rPr lang="zh-CN" altLang="en-US" b="1" dirty="0">
+                <a:solidFill>
+                  <a:srgbClr val="C00000"/>
+                </a:solidFill>
+              </a:rPr>
+              <a:t>程序能不能共用同一</a:t>
+            </a:r>
+            <a:r>
+              <a:rPr lang="en-US" altLang="zh-CN" b="1" dirty="0">
+                <a:solidFill>
+                  <a:srgbClr val="C00000"/>
+                </a:solidFill>
+              </a:rPr>
+              <a:t>VAO</a:t>
+            </a:r>
+            <a:r>
+              <a:rPr lang="zh-CN" altLang="en-US" b="1" dirty="0">
+                <a:solidFill>
+                  <a:srgbClr val="C00000"/>
+                </a:solidFill>
+              </a:rPr>
+              <a:t>吗</a:t>
+            </a:r>
+            <a:endParaRPr lang="en-US" altLang="zh-CN" b="1" dirty="0">
+              <a:solidFill>
+                <a:srgbClr val="C00000"/>
+              </a:solidFill>
+            </a:endParaRPr>
+          </a:p>
+        </p:txBody>
+      </p:sp>
+      <p:sp>
+        <p:nvSpPr>
+          <p:cNvPr id="9" name="文本框 8">
+            <a:extLst>
+              <a:ext uri="{FF2B5EF4-FFF2-40B4-BE49-F238E27FC236}">
+                <a16:creationId xmlns:a16="http://schemas.microsoft.com/office/drawing/2014/main" id="{62F63D7A-AF99-2598-4CA5-536DBBCF9F27}"/>
+              </a:ext>
+            </a:extLst>
+          </p:cNvPr>
+          <p:cNvSpPr txBox="1"/>
+          <p:nvPr/>
+        </p:nvSpPr>
+        <p:spPr>
+          <a:xfrm>
+            <a:off x="8874162" y="1750297"/>
+            <a:ext cx="2744662" cy="369332"/>
+          </a:xfrm>
+          <a:prstGeom prst="rect">
+            <a:avLst/>
+          </a:prstGeom>
+          <a:noFill/>
+        </p:spPr>
+        <p:txBody>
+          <a:bodyPr wrap="none" rtlCol="0">
+            <a:spAutoFit/>
+          </a:bodyPr>
+          <a:lstStyle/>
+          <a:p>
+            <a:r>
+              <a:rPr lang="zh-CN" altLang="en-US" b="1" dirty="0"/>
+              <a:t>程序验证，好像是可以的</a:t>
+            </a:r>
+          </a:p>
+        </p:txBody>
+      </p:sp>
+      <p:sp>
+        <p:nvSpPr>
+          <p:cNvPr id="10" name="文本框 9">
+            <a:extLst>
+              <a:ext uri="{FF2B5EF4-FFF2-40B4-BE49-F238E27FC236}">
+                <a16:creationId xmlns:a16="http://schemas.microsoft.com/office/drawing/2014/main" id="{0C295339-509F-75F5-9831-F9A173C25EBC}"/>
+              </a:ext>
+            </a:extLst>
+          </p:cNvPr>
+          <p:cNvSpPr txBox="1"/>
+          <p:nvPr/>
+        </p:nvSpPr>
+        <p:spPr>
+          <a:xfrm>
+            <a:off x="581349" y="990600"/>
+            <a:ext cx="420308" cy="369332"/>
+          </a:xfrm>
+          <a:prstGeom prst="rect">
+            <a:avLst/>
+          </a:prstGeom>
+          <a:noFill/>
+        </p:spPr>
+        <p:txBody>
+          <a:bodyPr wrap="none" rtlCol="0">
+            <a:spAutoFit/>
+          </a:bodyPr>
+          <a:lstStyle/>
+          <a:p>
+            <a:r>
+              <a:rPr lang="en-US" altLang="zh-CN" dirty="0"/>
+              <a:t>1. </a:t>
+            </a:r>
+            <a:endParaRPr lang="zh-CN" altLang="en-US" dirty="0"/>
+          </a:p>
+        </p:txBody>
+      </p:sp>
+      <p:sp>
+        <p:nvSpPr>
+          <p:cNvPr id="11" name="文本框 10">
+            <a:extLst>
+              <a:ext uri="{FF2B5EF4-FFF2-40B4-BE49-F238E27FC236}">
+                <a16:creationId xmlns:a16="http://schemas.microsoft.com/office/drawing/2014/main" id="{4F5C56A2-42E0-2DB1-73BB-D83BA2562CEF}"/>
+              </a:ext>
+            </a:extLst>
+          </p:cNvPr>
+          <p:cNvSpPr txBox="1"/>
+          <p:nvPr/>
+        </p:nvSpPr>
+        <p:spPr>
+          <a:xfrm>
+            <a:off x="581349" y="2848087"/>
+            <a:ext cx="420308" cy="369332"/>
+          </a:xfrm>
+          <a:prstGeom prst="rect">
+            <a:avLst/>
+          </a:prstGeom>
+          <a:noFill/>
+        </p:spPr>
+        <p:txBody>
+          <a:bodyPr wrap="none" rtlCol="0">
+            <a:spAutoFit/>
+          </a:bodyPr>
+          <a:lstStyle/>
+          <a:p>
+            <a:r>
+              <a:rPr lang="en-US" altLang="zh-CN" dirty="0"/>
+              <a:t>2. </a:t>
+            </a:r>
+            <a:endParaRPr lang="zh-CN" altLang="en-US" dirty="0"/>
+          </a:p>
+        </p:txBody>
+      </p:sp>
+      <p:sp>
+        <p:nvSpPr>
+          <p:cNvPr id="12" name="文本框 11">
+            <a:extLst>
+              <a:ext uri="{FF2B5EF4-FFF2-40B4-BE49-F238E27FC236}">
+                <a16:creationId xmlns:a16="http://schemas.microsoft.com/office/drawing/2014/main" id="{528BD655-CA17-784D-E873-4187DCD220CC}"/>
+              </a:ext>
+            </a:extLst>
+          </p:cNvPr>
+          <p:cNvSpPr txBox="1"/>
+          <p:nvPr/>
+        </p:nvSpPr>
+        <p:spPr>
+          <a:xfrm>
+            <a:off x="1362075" y="3294649"/>
+            <a:ext cx="6096000" cy="881139"/>
+          </a:xfrm>
+          <a:prstGeom prst="rect">
+            <a:avLst/>
+          </a:prstGeom>
+          <a:noFill/>
+        </p:spPr>
+        <p:txBody>
+          <a:bodyPr wrap="square">
+            <a:spAutoFit/>
+          </a:bodyPr>
+          <a:lstStyle/>
+          <a:p>
+            <a:pPr>
+              <a:lnSpc>
+                <a:spcPct val="150000"/>
+              </a:lnSpc>
+            </a:pPr>
+            <a:r>
+              <a:rPr lang="zh-CN" altLang="en-US" b="1" dirty="0">
+                <a:solidFill>
+                  <a:srgbClr val="C00000"/>
+                </a:solidFill>
+              </a:rPr>
+              <a:t>在片段着色器中，如果有两个相同的  </a:t>
+            </a:r>
+            <a:r>
+              <a:rPr lang="en-US" altLang="zh-CN" b="1" dirty="0">
+                <a:solidFill>
+                  <a:srgbClr val="C00000"/>
+                </a:solidFill>
+              </a:rPr>
+              <a:t>in  vec3  </a:t>
+            </a:r>
+            <a:r>
+              <a:rPr lang="zh-CN" altLang="en-US" b="1" dirty="0">
+                <a:solidFill>
+                  <a:srgbClr val="C00000"/>
+                </a:solidFill>
+              </a:rPr>
+              <a:t>时，  命名和顺序有什么要求吗？</a:t>
+            </a:r>
+            <a:r>
+              <a:rPr lang="en-US" altLang="zh-CN" b="1" dirty="0">
+                <a:solidFill>
+                  <a:srgbClr val="C00000"/>
+                </a:solidFill>
+              </a:rPr>
+              <a:t> </a:t>
+            </a:r>
+            <a:r>
+              <a:rPr lang="zh-CN" altLang="en-US" b="1" dirty="0">
+                <a:solidFill>
+                  <a:srgbClr val="C00000"/>
+                </a:solidFill>
+              </a:rPr>
+              <a:t>？</a:t>
+            </a:r>
+            <a:endParaRPr lang="en-US" altLang="zh-CN" b="1" dirty="0">
+              <a:solidFill>
+                <a:srgbClr val="C00000"/>
+              </a:solidFill>
+            </a:endParaRPr>
+          </a:p>
+        </p:txBody>
+      </p:sp>
+      <p:sp>
+        <p:nvSpPr>
+          <p:cNvPr id="2" name="文本框 1">
+            <a:extLst>
+              <a:ext uri="{FF2B5EF4-FFF2-40B4-BE49-F238E27FC236}">
+                <a16:creationId xmlns:a16="http://schemas.microsoft.com/office/drawing/2014/main" id="{41FDA533-0DF3-2248-3A9E-33193FB5D6D2}"/>
+              </a:ext>
+            </a:extLst>
+          </p:cNvPr>
+          <p:cNvSpPr txBox="1"/>
+          <p:nvPr/>
+        </p:nvSpPr>
+        <p:spPr>
+          <a:xfrm>
+            <a:off x="581349" y="4539699"/>
+            <a:ext cx="420308" cy="369332"/>
+          </a:xfrm>
+          <a:prstGeom prst="rect">
+            <a:avLst/>
+          </a:prstGeom>
+          <a:noFill/>
+        </p:spPr>
+        <p:txBody>
+          <a:bodyPr wrap="none" rtlCol="0">
+            <a:spAutoFit/>
+          </a:bodyPr>
+          <a:lstStyle/>
+          <a:p>
+            <a:r>
+              <a:rPr lang="en-US" altLang="zh-CN" dirty="0"/>
+              <a:t>3. </a:t>
+            </a:r>
+            <a:endParaRPr lang="zh-CN" altLang="en-US" dirty="0"/>
+          </a:p>
+        </p:txBody>
+      </p:sp>
+      <p:sp>
+        <p:nvSpPr>
+          <p:cNvPr id="3" name="文本框 2">
+            <a:extLst>
+              <a:ext uri="{FF2B5EF4-FFF2-40B4-BE49-F238E27FC236}">
+                <a16:creationId xmlns:a16="http://schemas.microsoft.com/office/drawing/2014/main" id="{3EF0469A-535E-0972-92C4-6B2D4724947E}"/>
+              </a:ext>
+            </a:extLst>
+          </p:cNvPr>
+          <p:cNvSpPr txBox="1"/>
+          <p:nvPr/>
+        </p:nvSpPr>
+        <p:spPr>
+          <a:xfrm>
+            <a:off x="1362075" y="4986261"/>
+            <a:ext cx="6910556" cy="465640"/>
+          </a:xfrm>
+          <a:prstGeom prst="rect">
+            <a:avLst/>
+          </a:prstGeom>
+          <a:noFill/>
+        </p:spPr>
+        <p:txBody>
+          <a:bodyPr wrap="square">
+            <a:spAutoFit/>
+          </a:bodyPr>
+          <a:lstStyle/>
+          <a:p>
+            <a:pPr>
+              <a:lnSpc>
+                <a:spcPct val="150000"/>
+              </a:lnSpc>
+            </a:pPr>
+            <a:r>
+              <a:rPr lang="zh-CN" altLang="en-US" b="1" dirty="0">
+                <a:solidFill>
+                  <a:srgbClr val="C00000"/>
+                </a:solidFill>
+              </a:rPr>
+              <a:t>应该什么时候删除资源对象，调用</a:t>
+            </a:r>
+            <a:r>
+              <a:rPr lang="en-US" altLang="zh-CN" b="1" dirty="0" err="1">
+                <a:solidFill>
+                  <a:srgbClr val="C00000"/>
+                </a:solidFill>
+              </a:rPr>
+              <a:t>glDeletexxx</a:t>
+            </a:r>
+            <a:r>
+              <a:rPr lang="zh-CN" altLang="en-US" b="1" dirty="0">
+                <a:solidFill>
+                  <a:srgbClr val="C00000"/>
+                </a:solidFill>
+              </a:rPr>
+              <a:t>， 如何进行封装</a:t>
+            </a:r>
+            <a:endParaRPr lang="en-US" altLang="zh-CN" b="1" dirty="0">
+              <a:solidFill>
+                <a:srgbClr val="C00000"/>
+              </a:solidFill>
+            </a:endParaRPr>
+          </a:p>
+        </p:txBody>
+      </p:sp>
+    </p:spTree>
+    <p:extLst>
+      <p:ext uri="{BB962C8B-B14F-4D97-AF65-F5344CB8AC3E}">
+        <p14:creationId xmlns:p14="http://schemas.microsoft.com/office/powerpoint/2010/main" val="1484107174"/>
+      </p:ext>
+    </p:extLst>
+  </p:cSld>
+  <p:clrMapOvr>
+    <a:masterClrMapping/>
+  </p:clrMapOvr>
+</p:sld>
+</file>
+
+<file path=ppt/slides/slide31.xml><?xml version="1.0" encoding="utf-8"?>
+<p:sld xmlns:a="http://schemas.openxmlformats.org/drawingml/2006/main" xmlns:r="http://schemas.openxmlformats.org/officeDocument/2006/relationships" xmlns:p="http://schemas.openxmlformats.org/presentationml/2006/main">
+  <p:cSld>
+    <p:spTree>
+      <p:nvGrpSpPr>
+        <p:cNvPr id="1" name=""/>
+        <p:cNvGrpSpPr/>
+        <p:nvPr/>
+      </p:nvGrpSpPr>
+      <p:grpSpPr>
+        <a:xfrm>
+          <a:off x="0" y="0"/>
+          <a:ext cx="0" cy="0"/>
+          <a:chOff x="0" y="0"/>
+          <a:chExt cx="0" cy="0"/>
+        </a:xfrm>
+      </p:grpSpPr>
+      <p:sp>
+        <p:nvSpPr>
+          <p:cNvPr id="4" name="文本框 3">
+            <a:extLst>
+              <a:ext uri="{FF2B5EF4-FFF2-40B4-BE49-F238E27FC236}">
+                <a16:creationId xmlns:a16="http://schemas.microsoft.com/office/drawing/2014/main" id="{4991220C-83FC-8FFB-EB0F-0CF6B3DAC055}"/>
+              </a:ext>
+            </a:extLst>
+          </p:cNvPr>
+          <p:cNvSpPr txBox="1"/>
+          <p:nvPr/>
+        </p:nvSpPr>
+        <p:spPr>
+          <a:xfrm>
+            <a:off x="258184" y="247427"/>
+            <a:ext cx="1107996" cy="369332"/>
+          </a:xfrm>
+          <a:prstGeom prst="rect">
+            <a:avLst/>
+          </a:prstGeom>
+          <a:noFill/>
+        </p:spPr>
+        <p:txBody>
+          <a:bodyPr wrap="none" rtlCol="0">
+            <a:spAutoFit/>
+          </a:bodyPr>
+          <a:lstStyle/>
+          <a:p>
+            <a:r>
+              <a:rPr lang="zh-CN" altLang="en-US" b="1" dirty="0">
+                <a:solidFill>
+                  <a:srgbClr val="C00000"/>
+                </a:solidFill>
+              </a:rPr>
+              <a:t>参考资料</a:t>
+            </a:r>
+          </a:p>
+        </p:txBody>
+      </p:sp>
+      <p:sp>
+        <p:nvSpPr>
+          <p:cNvPr id="3" name="文本框 2">
+            <a:extLst>
+              <a:ext uri="{FF2B5EF4-FFF2-40B4-BE49-F238E27FC236}">
+                <a16:creationId xmlns:a16="http://schemas.microsoft.com/office/drawing/2014/main" id="{77582E40-A36A-7899-AF71-E083EC01F9C2}"/>
+              </a:ext>
+            </a:extLst>
+          </p:cNvPr>
+          <p:cNvSpPr txBox="1"/>
+          <p:nvPr/>
+        </p:nvSpPr>
+        <p:spPr>
+          <a:xfrm>
+            <a:off x="918505" y="1015484"/>
+            <a:ext cx="8568395" cy="4129144"/>
+          </a:xfrm>
+          <a:prstGeom prst="rect">
+            <a:avLst/>
+          </a:prstGeom>
+          <a:noFill/>
+        </p:spPr>
+        <p:txBody>
+          <a:bodyPr wrap="square">
+            <a:spAutoFit/>
+          </a:bodyPr>
+          <a:lstStyle/>
+          <a:p>
+            <a:pPr marL="342900" indent="-342900">
+              <a:lnSpc>
+                <a:spcPct val="150000"/>
+              </a:lnSpc>
+              <a:spcAft>
+                <a:spcPts val="600"/>
+              </a:spcAft>
+              <a:buAutoNum type="arabicPeriod"/>
+            </a:pPr>
+            <a:r>
+              <a:rPr lang="en-US" altLang="zh-CN" b="1" dirty="0" err="1"/>
+              <a:t>LearnOpenGL</a:t>
+            </a:r>
+            <a:r>
+              <a:rPr lang="zh-CN" altLang="en-US" b="1" dirty="0"/>
+              <a:t>网上教程（</a:t>
+            </a:r>
+            <a:r>
+              <a:rPr lang="zh-CN" altLang="en-US" b="1" dirty="0">
+                <a:solidFill>
+                  <a:srgbClr val="0563C1"/>
+                </a:solidFill>
+                <a:hlinkClick r:id="rId2">
+                  <a:extLst>
+                    <a:ext uri="{A12FA001-AC4F-418D-AE19-62706E023703}">
+                      <ahyp:hlinkClr xmlns:ahyp="http://schemas.microsoft.com/office/drawing/2018/hyperlinkcolor" val="tx"/>
+                    </a:ext>
+                  </a:extLst>
+                </a:hlinkClick>
+              </a:rPr>
+              <a:t>https://learnopengl-cn.github.io/）（主要</a:t>
+            </a:r>
+            <a:r>
+              <a:rPr lang="en-US" altLang="zh-CN" b="1" dirty="0">
+                <a:solidFill>
+                  <a:srgbClr val="0563C1"/>
+                </a:solidFill>
+                <a:hlinkClick r:id="rId2">
+                  <a:extLst>
+                    <a:ext uri="{A12FA001-AC4F-418D-AE19-62706E023703}">
+                      <ahyp:hlinkClr xmlns:ahyp="http://schemas.microsoft.com/office/drawing/2018/hyperlinkcolor" val="tx"/>
+                    </a:ext>
+                  </a:extLst>
+                </a:hlinkClick>
+              </a:rPr>
+              <a:t>--</a:t>
+            </a:r>
+            <a:r>
+              <a:rPr lang="en-US" altLang="zh-CN" b="1" dirty="0">
+                <a:solidFill>
+                  <a:schemeClr val="accent1"/>
+                </a:solidFill>
+                <a:hlinkClick r:id="rId2">
+                  <a:extLst>
+                    <a:ext uri="{A12FA001-AC4F-418D-AE19-62706E023703}">
+                      <ahyp:hlinkClr xmlns:ahyp="http://schemas.microsoft.com/office/drawing/2018/hyperlinkcolor" val="tx"/>
+                    </a:ext>
+                  </a:extLst>
+                </a:hlinkClick>
+              </a:rPr>
+              <a:t>2022</a:t>
+            </a:r>
+            <a:r>
+              <a:rPr lang="zh-CN" altLang="en-US" b="1" dirty="0">
+                <a:solidFill>
+                  <a:schemeClr val="accent1"/>
+                </a:solidFill>
+              </a:rPr>
+              <a:t>年）</a:t>
+            </a:r>
+            <a:endParaRPr lang="en-US" altLang="zh-CN" b="1" dirty="0">
+              <a:solidFill>
+                <a:schemeClr val="accent1"/>
+              </a:solidFill>
+            </a:endParaRPr>
+          </a:p>
+          <a:p>
+            <a:pPr>
+              <a:lnSpc>
+                <a:spcPct val="150000"/>
+              </a:lnSpc>
+            </a:pPr>
+            <a:r>
+              <a:rPr lang="zh-CN" altLang="en-US" sz="1100" dirty="0"/>
+              <a:t>最主要的学习来源，笔记和编码大部分参考，笔记里面的截图</a:t>
+            </a:r>
+            <a:r>
+              <a:rPr lang="en-US" altLang="zh-CN" sz="1100" dirty="0"/>
+              <a:t>90%</a:t>
+            </a:r>
+            <a:r>
+              <a:rPr lang="zh-CN" altLang="en-US" sz="1100" dirty="0"/>
+              <a:t>来源于这里，没有其他想法，主要是做一下记录，添加一些自己的理解，方便后续查阅，同时用于找工作</a:t>
+            </a:r>
+            <a:endParaRPr lang="en-US" altLang="zh-CN" sz="1100" dirty="0"/>
+          </a:p>
+          <a:p>
+            <a:pPr>
+              <a:lnSpc>
+                <a:spcPct val="150000"/>
+              </a:lnSpc>
+            </a:pPr>
+            <a:endParaRPr lang="en-US" altLang="zh-CN" sz="1100" dirty="0"/>
+          </a:p>
+          <a:p>
+            <a:pPr>
+              <a:lnSpc>
+                <a:spcPct val="150000"/>
+              </a:lnSpc>
+            </a:pPr>
+            <a:r>
+              <a:rPr lang="zh-CN" altLang="en-US" sz="1100" b="1" dirty="0"/>
+              <a:t>感谢</a:t>
+            </a:r>
+            <a:r>
+              <a:rPr lang="en-US" altLang="zh-CN" sz="1100" b="1" dirty="0" err="1"/>
+              <a:t>JoeyDeVries</a:t>
+            </a:r>
+            <a:r>
+              <a:rPr lang="zh-CN" altLang="en-US" sz="1100" b="1" dirty="0"/>
+              <a:t>！</a:t>
+            </a:r>
+            <a:endParaRPr lang="en-US" altLang="zh-CN" sz="1100" b="1" dirty="0"/>
+          </a:p>
+          <a:p>
+            <a:pPr>
+              <a:lnSpc>
+                <a:spcPct val="150000"/>
+              </a:lnSpc>
+            </a:pPr>
+            <a:r>
+              <a:rPr lang="en-US" altLang="zh-CN" sz="1100" b="1" dirty="0" err="1"/>
+              <a:t>JoeyDeVries</a:t>
+            </a:r>
+            <a:r>
+              <a:rPr lang="zh-CN" altLang="en-US" sz="1100" b="1" dirty="0"/>
+              <a:t>保佑我找到 图形学方向 工作机会。</a:t>
+            </a:r>
+            <a:endParaRPr lang="en-US" altLang="zh-CN" sz="1100" b="1" dirty="0"/>
+          </a:p>
+          <a:p>
+            <a:pPr>
+              <a:lnSpc>
+                <a:spcPct val="150000"/>
+              </a:lnSpc>
+            </a:pPr>
+            <a:endParaRPr lang="en-US" altLang="zh-CN" sz="1400" dirty="0"/>
+          </a:p>
+          <a:p>
+            <a:pPr>
+              <a:lnSpc>
+                <a:spcPct val="150000"/>
+              </a:lnSpc>
+              <a:spcBef>
+                <a:spcPts val="600"/>
+              </a:spcBef>
+            </a:pPr>
+            <a:r>
+              <a:rPr lang="en-US" altLang="zh-CN" b="1" dirty="0"/>
+              <a:t>2. 《OpenGL</a:t>
+            </a:r>
+            <a:r>
+              <a:rPr lang="zh-CN" altLang="en-US" b="1" dirty="0"/>
+              <a:t>编程指南</a:t>
+            </a:r>
+            <a:r>
+              <a:rPr lang="en-US" altLang="zh-CN" b="1" dirty="0"/>
+              <a:t>--</a:t>
+            </a:r>
+            <a:r>
+              <a:rPr lang="zh-CN" altLang="en-US" b="1" dirty="0"/>
+              <a:t>原书第</a:t>
+            </a:r>
+            <a:r>
+              <a:rPr lang="en-US" altLang="zh-CN" b="1" dirty="0"/>
+              <a:t>9</a:t>
+            </a:r>
+            <a:r>
+              <a:rPr lang="zh-CN" altLang="en-US" b="1" dirty="0"/>
+              <a:t>版</a:t>
+            </a:r>
+            <a:r>
+              <a:rPr lang="en-US" altLang="zh-CN" b="1" dirty="0"/>
+              <a:t>》</a:t>
+            </a:r>
+          </a:p>
+          <a:p>
+            <a:pPr>
+              <a:lnSpc>
+                <a:spcPct val="150000"/>
+              </a:lnSpc>
+              <a:spcBef>
+                <a:spcPts val="600"/>
+              </a:spcBef>
+            </a:pPr>
+            <a:r>
+              <a:rPr lang="zh-CN" altLang="en-US" sz="1100" dirty="0"/>
+              <a:t>发现</a:t>
+            </a:r>
+            <a:r>
+              <a:rPr lang="zh-CN" altLang="en-US" sz="1100" dirty="0">
+                <a:hlinkClick r:id="rId3"/>
+              </a:rPr>
+              <a:t>https://learnopengl-cn.github.io/</a:t>
+            </a:r>
+            <a:r>
+              <a:rPr lang="zh-CN" altLang="en-US" sz="1100" dirty="0"/>
+              <a:t>前，自学的主要参考资料，初略的过了一遍（</a:t>
+            </a:r>
+            <a:r>
+              <a:rPr lang="en-US" altLang="zh-CN" sz="1100" dirty="0"/>
+              <a:t>2021</a:t>
+            </a:r>
+            <a:r>
+              <a:rPr lang="zh-CN" altLang="en-US" sz="1100" dirty="0"/>
+              <a:t>年的时候）</a:t>
+            </a:r>
+            <a:endParaRPr lang="en-US" altLang="zh-CN" sz="1100" dirty="0"/>
+          </a:p>
+          <a:p>
+            <a:pPr>
+              <a:lnSpc>
+                <a:spcPct val="150000"/>
+              </a:lnSpc>
+              <a:spcBef>
+                <a:spcPts val="600"/>
+              </a:spcBef>
+            </a:pPr>
+            <a:endParaRPr lang="en-US" altLang="zh-CN" sz="1100" dirty="0"/>
+          </a:p>
+          <a:p>
+            <a:pPr>
+              <a:lnSpc>
+                <a:spcPct val="150000"/>
+              </a:lnSpc>
+              <a:spcBef>
+                <a:spcPts val="600"/>
+              </a:spcBef>
+            </a:pPr>
+            <a:r>
+              <a:rPr lang="en-US" altLang="zh-CN" b="1" dirty="0"/>
+              <a:t>3. 《</a:t>
+            </a:r>
+            <a:r>
+              <a:rPr lang="zh-CN" altLang="en-US" b="1" dirty="0"/>
+              <a:t>计算机图形学 </a:t>
+            </a:r>
+            <a:r>
+              <a:rPr lang="en-US" altLang="zh-CN" b="1" dirty="0"/>
+              <a:t>--</a:t>
+            </a:r>
+            <a:r>
+              <a:rPr lang="zh-CN" altLang="en-US" b="1" dirty="0"/>
+              <a:t>第四版</a:t>
+            </a:r>
+            <a:r>
+              <a:rPr lang="en-US" altLang="zh-CN" b="1" dirty="0"/>
+              <a:t>》 </a:t>
+            </a:r>
+            <a:r>
+              <a:rPr lang="en-US" altLang="zh-CN" b="1" dirty="0" err="1"/>
+              <a:t>M.Pauline</a:t>
+            </a:r>
+            <a:r>
+              <a:rPr lang="zh-CN" altLang="en-US" b="1" dirty="0"/>
+              <a:t> </a:t>
+            </a:r>
+            <a:r>
+              <a:rPr lang="en-US" altLang="zh-CN" b="1" dirty="0"/>
+              <a:t>Baker</a:t>
+            </a:r>
+            <a:r>
+              <a:rPr lang="zh-CN" altLang="en-US" b="1" dirty="0"/>
+              <a:t>著</a:t>
+            </a:r>
+            <a:endParaRPr lang="en-US" altLang="zh-CN" b="1" dirty="0"/>
+          </a:p>
+          <a:p>
+            <a:pPr>
+              <a:lnSpc>
+                <a:spcPct val="150000"/>
+              </a:lnSpc>
+              <a:spcBef>
+                <a:spcPts val="600"/>
+              </a:spcBef>
+            </a:pPr>
+            <a:r>
+              <a:rPr lang="zh-CN" altLang="en-US" sz="1100" dirty="0"/>
+              <a:t>也是粗略过一遍（</a:t>
+            </a:r>
+            <a:r>
+              <a:rPr lang="en-US" altLang="zh-CN" sz="1100" dirty="0"/>
+              <a:t>2021</a:t>
+            </a:r>
+            <a:r>
+              <a:rPr lang="zh-CN" altLang="en-US" sz="1100" dirty="0"/>
+              <a:t>年的时候）</a:t>
+            </a:r>
+          </a:p>
+        </p:txBody>
+      </p:sp>
+    </p:spTree>
+    <p:extLst>
+      <p:ext uri="{BB962C8B-B14F-4D97-AF65-F5344CB8AC3E}">
+        <p14:creationId xmlns:p14="http://schemas.microsoft.com/office/powerpoint/2010/main" val="2576067286"/>
       </p:ext>
     </p:extLst>
   </p:cSld>
